--- a/courses/apcsp/processing_arcade/processing2.pptx
+++ b/courses/apcsp/processing_arcade/processing2.pptx
@@ -5,7 +5,7 @@
     <p:sldMasterId id="2147483791" r:id="rId1"/>
   </p:sldMasterIdLst>
   <p:notesMasterIdLst>
-    <p:notesMasterId r:id="rId13"/>
+    <p:notesMasterId r:id="rId10"/>
   </p:notesMasterIdLst>
   <p:sldIdLst>
     <p:sldId id="555" r:id="rId2"/>
@@ -13,12 +13,9 @@
     <p:sldId id="326" r:id="rId4"/>
     <p:sldId id="573" r:id="rId5"/>
     <p:sldId id="427" r:id="rId6"/>
-    <p:sldId id="428" r:id="rId7"/>
-    <p:sldId id="325" r:id="rId8"/>
-    <p:sldId id="327" r:id="rId9"/>
-    <p:sldId id="568" r:id="rId10"/>
-    <p:sldId id="565" r:id="rId11"/>
-    <p:sldId id="572" r:id="rId12"/>
+    <p:sldId id="327" r:id="rId7"/>
+    <p:sldId id="568" r:id="rId8"/>
+    <p:sldId id="565" r:id="rId9"/>
   </p:sldIdLst>
   <p:sldSz cx="9144000" cy="5715000" type="screen16x10"/>
   <p:notesSz cx="6858000" cy="9144000"/>
@@ -128,8 +125,7 @@
 <file path=ppt/revisionInfo.xml><?xml version="1.0" encoding="utf-8"?>
 <p1510:revInfo xmlns:a="http://schemas.openxmlformats.org/drawingml/2006/main" xmlns:r="http://schemas.openxmlformats.org/officeDocument/2006/relationships" xmlns:p1510="http://schemas.microsoft.com/office/powerpoint/2015/10/main">
   <p1510:revLst>
-    <p1510:client id="{9268B748-66AA-0742-9E6D-C568D3B99E77}" v="1587" dt="2021-02-01T02:58:22.419"/>
-    <p1510:client id="{98AFD058-D505-904E-8E22-CB1366FC9E94}" v="238" dt="2021-02-01T03:17:07.024"/>
+    <p1510:client id="{98AFD058-D505-904E-8E22-CB1366FC9E94}" v="243" dt="2021-02-02T04:13:59.008"/>
   </p1510:revLst>
 </p1510:revInfo>
 </file>
@@ -1795,7 +1791,7 @@
   <pc:docChgLst>
     <pc:chgData name="Long B Nguyen" userId="f59fb8f3-a021-417a-8bc1-65c8d471c621" providerId="ADAL" clId="{98AFD058-D505-904E-8E22-CB1366FC9E94}"/>
     <pc:docChg chg="custSel addSld delSld modSld">
-      <pc:chgData name="Long B Nguyen" userId="f59fb8f3-a021-417a-8bc1-65c8d471c621" providerId="ADAL" clId="{98AFD058-D505-904E-8E22-CB1366FC9E94}" dt="2021-02-01T03:17:07.230" v="416" actId="27636"/>
+      <pc:chgData name="Long B Nguyen" userId="f59fb8f3-a021-417a-8bc1-65c8d471c621" providerId="ADAL" clId="{98AFD058-D505-904E-8E22-CB1366FC9E94}" dt="2021-02-02T04:48:45.121" v="663" actId="20577"/>
       <pc:docMkLst>
         <pc:docMk/>
       </pc:docMkLst>
@@ -1834,6 +1830,13 @@
           <pc:sldMk cId="1518376867" sldId="313"/>
         </pc:sldMkLst>
       </pc:sldChg>
+      <pc:sldChg chg="del">
+        <pc:chgData name="Long B Nguyen" userId="f59fb8f3-a021-417a-8bc1-65c8d471c621" providerId="ADAL" clId="{98AFD058-D505-904E-8E22-CB1366FC9E94}" dt="2021-02-02T04:17:08.643" v="499" actId="2696"/>
+        <pc:sldMkLst>
+          <pc:docMk/>
+          <pc:sldMk cId="1587565841" sldId="325"/>
+        </pc:sldMkLst>
+      </pc:sldChg>
       <pc:sldChg chg="addSp delSp modSp add mod">
         <pc:chgData name="Long B Nguyen" userId="f59fb8f3-a021-417a-8bc1-65c8d471c621" providerId="ADAL" clId="{98AFD058-D505-904E-8E22-CB1366FC9E94}" dt="2021-02-01T03:16:43.716" v="409"/>
         <pc:sldMkLst>
@@ -1943,7 +1946,7 @@
         </pc:sldMkLst>
       </pc:sldChg>
       <pc:sldChg chg="modSp add mod">
-        <pc:chgData name="Long B Nguyen" userId="f59fb8f3-a021-417a-8bc1-65c8d471c621" providerId="ADAL" clId="{98AFD058-D505-904E-8E22-CB1366FC9E94}" dt="2021-02-01T03:06:20.144" v="57" actId="14100"/>
+        <pc:chgData name="Long B Nguyen" userId="f59fb8f3-a021-417a-8bc1-65c8d471c621" providerId="ADAL" clId="{98AFD058-D505-904E-8E22-CB1366FC9E94}" dt="2021-02-02T04:14:39.239" v="497" actId="20577"/>
         <pc:sldMkLst>
           <pc:docMk/>
           <pc:sldMk cId="4045518149" sldId="427"/>
@@ -1957,7 +1960,7 @@
           </ac:spMkLst>
         </pc:spChg>
         <pc:spChg chg="mod">
-          <ac:chgData name="Long B Nguyen" userId="f59fb8f3-a021-417a-8bc1-65c8d471c621" providerId="ADAL" clId="{98AFD058-D505-904E-8E22-CB1366FC9E94}" dt="2021-02-01T03:06:20.144" v="57" actId="14100"/>
+          <ac:chgData name="Long B Nguyen" userId="f59fb8f3-a021-417a-8bc1-65c8d471c621" providerId="ADAL" clId="{98AFD058-D505-904E-8E22-CB1366FC9E94}" dt="2021-02-02T04:14:39.239" v="497" actId="20577"/>
           <ac:spMkLst>
             <pc:docMk/>
             <pc:sldMk cId="4045518149" sldId="427"/>
@@ -1965,8 +1968,8 @@
           </ac:spMkLst>
         </pc:spChg>
       </pc:sldChg>
-      <pc:sldChg chg="modSp add mod">
-        <pc:chgData name="Long B Nguyen" userId="f59fb8f3-a021-417a-8bc1-65c8d471c621" providerId="ADAL" clId="{98AFD058-D505-904E-8E22-CB1366FC9E94}" dt="2021-02-01T03:06:50.378" v="59" actId="1076"/>
+      <pc:sldChg chg="modSp add del mod">
+        <pc:chgData name="Long B Nguyen" userId="f59fb8f3-a021-417a-8bc1-65c8d471c621" providerId="ADAL" clId="{98AFD058-D505-904E-8E22-CB1366FC9E94}" dt="2021-02-02T04:17:05.535" v="498" actId="2696"/>
         <pc:sldMkLst>
           <pc:docMk/>
           <pc:sldMk cId="3275695513" sldId="428"/>
@@ -2031,6 +2034,29 @@
           <pc:sldMk cId="3461972299" sldId="561"/>
         </pc:sldMkLst>
       </pc:sldChg>
+      <pc:sldChg chg="modSp mod">
+        <pc:chgData name="Long B Nguyen" userId="f59fb8f3-a021-417a-8bc1-65c8d471c621" providerId="ADAL" clId="{98AFD058-D505-904E-8E22-CB1366FC9E94}" dt="2021-02-02T04:48:45.121" v="663" actId="20577"/>
+        <pc:sldMkLst>
+          <pc:docMk/>
+          <pc:sldMk cId="4104989124" sldId="565"/>
+        </pc:sldMkLst>
+        <pc:spChg chg="mod">
+          <ac:chgData name="Long B Nguyen" userId="f59fb8f3-a021-417a-8bc1-65c8d471c621" providerId="ADAL" clId="{98AFD058-D505-904E-8E22-CB1366FC9E94}" dt="2021-02-02T04:47:41.712" v="532" actId="20577"/>
+          <ac:spMkLst>
+            <pc:docMk/>
+            <pc:sldMk cId="4104989124" sldId="565"/>
+            <ac:spMk id="35841" creationId="{09D8876C-8F7A-C748-966B-672B36C17545}"/>
+          </ac:spMkLst>
+        </pc:spChg>
+        <pc:spChg chg="mod">
+          <ac:chgData name="Long B Nguyen" userId="f59fb8f3-a021-417a-8bc1-65c8d471c621" providerId="ADAL" clId="{98AFD058-D505-904E-8E22-CB1366FC9E94}" dt="2021-02-02T04:48:45.121" v="663" actId="20577"/>
+          <ac:spMkLst>
+            <pc:docMk/>
+            <pc:sldMk cId="4104989124" sldId="565"/>
+            <ac:spMk id="35842" creationId="{C94BCA01-D831-ED4D-84FD-C30E8117F872}"/>
+          </ac:spMkLst>
+        </pc:spChg>
+      </pc:sldChg>
       <pc:sldChg chg="del">
         <pc:chgData name="Long B Nguyen" userId="f59fb8f3-a021-417a-8bc1-65c8d471c621" providerId="ADAL" clId="{98AFD058-D505-904E-8E22-CB1366FC9E94}" dt="2021-02-01T03:02:26.317" v="0" actId="2696"/>
         <pc:sldMkLst>
@@ -2059,8 +2085,15 @@
           <pc:sldMk cId="662705235" sldId="571"/>
         </pc:sldMkLst>
       </pc:sldChg>
+      <pc:sldChg chg="del">
+        <pc:chgData name="Long B Nguyen" userId="f59fb8f3-a021-417a-8bc1-65c8d471c621" providerId="ADAL" clId="{98AFD058-D505-904E-8E22-CB1366FC9E94}" dt="2021-02-02T04:17:38.131" v="500" actId="2696"/>
+        <pc:sldMkLst>
+          <pc:docMk/>
+          <pc:sldMk cId="1097849800" sldId="572"/>
+        </pc:sldMkLst>
+      </pc:sldChg>
       <pc:sldChg chg="addSp delSp modSp add mod modAnim">
-        <pc:chgData name="Long B Nguyen" userId="f59fb8f3-a021-417a-8bc1-65c8d471c621" providerId="ADAL" clId="{98AFD058-D505-904E-8E22-CB1366FC9E94}" dt="2021-02-01T03:17:07.230" v="416" actId="27636"/>
+        <pc:chgData name="Long B Nguyen" userId="f59fb8f3-a021-417a-8bc1-65c8d471c621" providerId="ADAL" clId="{98AFD058-D505-904E-8E22-CB1366FC9E94}" dt="2021-02-02T04:03:36.127" v="418" actId="20577"/>
         <pc:sldMkLst>
           <pc:docMk/>
           <pc:sldMk cId="124955920" sldId="573"/>
@@ -2090,7 +2123,7 @@
           </ac:spMkLst>
         </pc:spChg>
         <pc:spChg chg="mod">
-          <ac:chgData name="Long B Nguyen" userId="f59fb8f3-a021-417a-8bc1-65c8d471c621" providerId="ADAL" clId="{98AFD058-D505-904E-8E22-CB1366FC9E94}" dt="2021-02-01T03:15:40.477" v="408" actId="20577"/>
+          <ac:chgData name="Long B Nguyen" userId="f59fb8f3-a021-417a-8bc1-65c8d471c621" providerId="ADAL" clId="{98AFD058-D505-904E-8E22-CB1366FC9E94}" dt="2021-02-02T04:03:36.127" v="418" actId="20577"/>
           <ac:spMkLst>
             <pc:docMk/>
             <pc:sldMk cId="124955920" sldId="573"/>
@@ -3626,7 +3659,7 @@
           <a:p>
             <a:fld id="{29FB45CD-1365-4F4B-B580-C19222E1A371}" type="datetimeFigureOut">
               <a:rPr lang="en-US" smtClean="0"/>
-              <a:t>1/31/21</a:t>
+              <a:t>2/1/21</a:t>
             </a:fld>
             <a:endParaRPr lang="en-US"/>
           </a:p>
@@ -4820,460 +4853,6 @@
       </p:grpSpPr>
       <p:sp>
         <p:nvSpPr>
-          <p:cNvPr id="23553" name="Rectangle 7">
-            <a:extLst>
-              <a:ext uri="{FF2B5EF4-FFF2-40B4-BE49-F238E27FC236}">
-                <a16:creationId xmlns:a16="http://schemas.microsoft.com/office/drawing/2014/main" id="{D68A839C-9E8A-C04B-8A6F-331AB0B37124}"/>
-              </a:ext>
-            </a:extLst>
-          </p:cNvPr>
-          <p:cNvSpPr>
-            <a:spLocks noGrp="1" noChangeArrowheads="1"/>
-          </p:cNvSpPr>
-          <p:nvPr>
-            <p:ph type="sldNum" sz="quarter" idx="5"/>
-          </p:nvPr>
-        </p:nvSpPr>
-        <p:spPr>
-          <a:noFill/>
-        </p:spPr>
-        <p:txBody>
-          <a:bodyPr/>
-          <a:lstStyle>
-            <a:lvl1pPr>
-              <a:spcBef>
-                <a:spcPct val="30000"/>
-              </a:spcBef>
-              <a:defRPr sz="1200">
-                <a:solidFill>
-                  <a:schemeClr val="tx1"/>
-                </a:solidFill>
-                <a:latin typeface="Arial" panose="020B0604020202020204" pitchFamily="34" charset="0"/>
-                <a:ea typeface="ＭＳ Ｐゴシック" panose="020B0600070205080204" pitchFamily="34" charset="-128"/>
-              </a:defRPr>
-            </a:lvl1pPr>
-            <a:lvl2pPr marL="742950" indent="-285750">
-              <a:spcBef>
-                <a:spcPct val="30000"/>
-              </a:spcBef>
-              <a:defRPr sz="1200">
-                <a:solidFill>
-                  <a:schemeClr val="tx1"/>
-                </a:solidFill>
-                <a:latin typeface="Arial" panose="020B0604020202020204" pitchFamily="34" charset="0"/>
-                <a:ea typeface="ＭＳ Ｐゴシック" panose="020B0600070205080204" pitchFamily="34" charset="-128"/>
-              </a:defRPr>
-            </a:lvl2pPr>
-            <a:lvl3pPr marL="1143000" indent="-228600">
-              <a:spcBef>
-                <a:spcPct val="30000"/>
-              </a:spcBef>
-              <a:defRPr sz="1200">
-                <a:solidFill>
-                  <a:schemeClr val="tx1"/>
-                </a:solidFill>
-                <a:latin typeface="Arial" panose="020B0604020202020204" pitchFamily="34" charset="0"/>
-                <a:ea typeface="ＭＳ Ｐゴシック" panose="020B0600070205080204" pitchFamily="34" charset="-128"/>
-              </a:defRPr>
-            </a:lvl3pPr>
-            <a:lvl4pPr marL="1600200" indent="-228600">
-              <a:spcBef>
-                <a:spcPct val="30000"/>
-              </a:spcBef>
-              <a:defRPr sz="1200">
-                <a:solidFill>
-                  <a:schemeClr val="tx1"/>
-                </a:solidFill>
-                <a:latin typeface="Arial" panose="020B0604020202020204" pitchFamily="34" charset="0"/>
-                <a:ea typeface="ＭＳ Ｐゴシック" panose="020B0600070205080204" pitchFamily="34" charset="-128"/>
-              </a:defRPr>
-            </a:lvl4pPr>
-            <a:lvl5pPr marL="2057400" indent="-228600">
-              <a:spcBef>
-                <a:spcPct val="30000"/>
-              </a:spcBef>
-              <a:defRPr sz="1200">
-                <a:solidFill>
-                  <a:schemeClr val="tx1"/>
-                </a:solidFill>
-                <a:latin typeface="Arial" panose="020B0604020202020204" pitchFamily="34" charset="0"/>
-                <a:ea typeface="ＭＳ Ｐゴシック" panose="020B0600070205080204" pitchFamily="34" charset="-128"/>
-              </a:defRPr>
-            </a:lvl5pPr>
-            <a:lvl6pPr marL="2514600" indent="-228600" eaLnBrk="0" fontAlgn="base" hangingPunct="0">
-              <a:spcBef>
-                <a:spcPct val="30000"/>
-              </a:spcBef>
-              <a:spcAft>
-                <a:spcPct val="0"/>
-              </a:spcAft>
-              <a:defRPr sz="1200">
-                <a:solidFill>
-                  <a:schemeClr val="tx1"/>
-                </a:solidFill>
-                <a:latin typeface="Arial" panose="020B0604020202020204" pitchFamily="34" charset="0"/>
-                <a:ea typeface="ＭＳ Ｐゴシック" panose="020B0600070205080204" pitchFamily="34" charset="-128"/>
-              </a:defRPr>
-            </a:lvl6pPr>
-            <a:lvl7pPr marL="2971800" indent="-228600" eaLnBrk="0" fontAlgn="base" hangingPunct="0">
-              <a:spcBef>
-                <a:spcPct val="30000"/>
-              </a:spcBef>
-              <a:spcAft>
-                <a:spcPct val="0"/>
-              </a:spcAft>
-              <a:defRPr sz="1200">
-                <a:solidFill>
-                  <a:schemeClr val="tx1"/>
-                </a:solidFill>
-                <a:latin typeface="Arial" panose="020B0604020202020204" pitchFamily="34" charset="0"/>
-                <a:ea typeface="ＭＳ Ｐゴシック" panose="020B0600070205080204" pitchFamily="34" charset="-128"/>
-              </a:defRPr>
-            </a:lvl7pPr>
-            <a:lvl8pPr marL="3429000" indent="-228600" eaLnBrk="0" fontAlgn="base" hangingPunct="0">
-              <a:spcBef>
-                <a:spcPct val="30000"/>
-              </a:spcBef>
-              <a:spcAft>
-                <a:spcPct val="0"/>
-              </a:spcAft>
-              <a:defRPr sz="1200">
-                <a:solidFill>
-                  <a:schemeClr val="tx1"/>
-                </a:solidFill>
-                <a:latin typeface="Arial" panose="020B0604020202020204" pitchFamily="34" charset="0"/>
-                <a:ea typeface="ＭＳ Ｐゴシック" panose="020B0600070205080204" pitchFamily="34" charset="-128"/>
-              </a:defRPr>
-            </a:lvl8pPr>
-            <a:lvl9pPr marL="3886200" indent="-228600" eaLnBrk="0" fontAlgn="base" hangingPunct="0">
-              <a:spcBef>
-                <a:spcPct val="30000"/>
-              </a:spcBef>
-              <a:spcAft>
-                <a:spcPct val="0"/>
-              </a:spcAft>
-              <a:defRPr sz="1200">
-                <a:solidFill>
-                  <a:schemeClr val="tx1"/>
-                </a:solidFill>
-                <a:latin typeface="Arial" panose="020B0604020202020204" pitchFamily="34" charset="0"/>
-                <a:ea typeface="ＭＳ Ｐゴシック" panose="020B0600070205080204" pitchFamily="34" charset="-128"/>
-              </a:defRPr>
-            </a:lvl9pPr>
-          </a:lstStyle>
-          <a:p>
-            <a:pPr>
-              <a:spcBef>
-                <a:spcPct val="0"/>
-              </a:spcBef>
-            </a:pPr>
-            <a:fld id="{D15039C1-5813-E443-9D44-86A49656FC67}" type="slidenum">
-              <a:rPr lang="en-US" altLang="en-US" smtClean="0"/>
-              <a:pPr>
-                <a:spcBef>
-                  <a:spcPct val="0"/>
-                </a:spcBef>
-              </a:pPr>
-              <a:t>7</a:t>
-            </a:fld>
-            <a:endParaRPr lang="en-US" altLang="en-US"/>
-          </a:p>
-        </p:txBody>
-      </p:sp>
-      <p:sp>
-        <p:nvSpPr>
-          <p:cNvPr id="23554" name="Slide Image Placeholder 1">
-            <a:extLst>
-              <a:ext uri="{FF2B5EF4-FFF2-40B4-BE49-F238E27FC236}">
-                <a16:creationId xmlns:a16="http://schemas.microsoft.com/office/drawing/2014/main" id="{497F923F-5E19-EB42-B85F-F95FD4FE7FBF}"/>
-              </a:ext>
-            </a:extLst>
-          </p:cNvPr>
-          <p:cNvSpPr>
-            <a:spLocks noGrp="1" noRot="1" noChangeAspect="1" noChangeArrowheads="1" noTextEdit="1"/>
-          </p:cNvSpPr>
-          <p:nvPr>
-            <p:ph type="sldImg"/>
-          </p:nvPr>
-        </p:nvSpPr>
-        <p:spPr>
-          <a:ln/>
-        </p:spPr>
-      </p:sp>
-      <p:sp>
-        <p:nvSpPr>
-          <p:cNvPr id="100356" name="Notes Placeholder 2">
-            <a:extLst>
-              <a:ext uri="{FF2B5EF4-FFF2-40B4-BE49-F238E27FC236}">
-                <a16:creationId xmlns:a16="http://schemas.microsoft.com/office/drawing/2014/main" id="{552F4186-9E10-DF48-9044-E9729D909978}"/>
-              </a:ext>
-            </a:extLst>
-          </p:cNvPr>
-          <p:cNvSpPr>
-            <a:spLocks noGrp="1"/>
-          </p:cNvSpPr>
-          <p:nvPr>
-            <p:ph type="body" idx="1"/>
-          </p:nvPr>
-        </p:nvSpPr>
-        <p:spPr>
-          <a:xfrm>
-            <a:off x="914400" y="4343400"/>
-            <a:ext cx="5029200" cy="4114800"/>
-          </a:xfrm>
-          <a:extLst>
-            <a:ext uri="{AF507438-7753-43E0-B8FC-AC1667EBCBE1}">
-              <a14:hiddenEffects xmlns:a14="http://schemas.microsoft.com/office/drawing/2010/main">
-                <a:effectLst>
-                  <a:outerShdw blurRad="63500" dist="38099" dir="2700000" algn="ctr" rotWithShape="0">
-                    <a:schemeClr val="bg2">
-                      <a:alpha val="74997"/>
-                    </a:schemeClr>
-                  </a:outerShdw>
-                </a:effectLst>
-              </a14:hiddenEffects>
-            </a:ext>
-          </a:extLst>
-        </p:spPr>
-        <p:txBody>
-          <a:bodyPr/>
-          <a:lstStyle/>
-          <a:p>
-            <a:pPr eaLnBrk="1" hangingPunct="1">
-              <a:defRPr/>
-            </a:pPr>
-            <a:endParaRPr lang="en-US" altLang="en-US">
-              <a:latin typeface="Arial" panose="020B0604020202020204" pitchFamily="34" charset="0"/>
-              <a:ea typeface="ＭＳ Ｐゴシック" panose="020B0600070205080204" pitchFamily="34" charset="-128"/>
-            </a:endParaRPr>
-          </a:p>
-        </p:txBody>
-      </p:sp>
-      <p:sp>
-        <p:nvSpPr>
-          <p:cNvPr id="23556" name="Slide Number Placeholder 3">
-            <a:extLst>
-              <a:ext uri="{FF2B5EF4-FFF2-40B4-BE49-F238E27FC236}">
-                <a16:creationId xmlns:a16="http://schemas.microsoft.com/office/drawing/2014/main" id="{341E6C69-2C30-E346-8EEF-AD4CB932663E}"/>
-              </a:ext>
-            </a:extLst>
-          </p:cNvPr>
-          <p:cNvSpPr txBox="1">
-            <a:spLocks noGrp="1"/>
-          </p:cNvSpPr>
-          <p:nvPr/>
-        </p:nvSpPr>
-        <p:spPr bwMode="auto">
-          <a:xfrm>
-            <a:off x="3886200" y="8686800"/>
-            <a:ext cx="2971800" cy="457200"/>
-          </a:xfrm>
-          <a:prstGeom prst="rect">
-            <a:avLst/>
-          </a:prstGeom>
-          <a:noFill/>
-          <a:ln>
-            <a:noFill/>
-          </a:ln>
-          <a:extLst>
-            <a:ext uri="{909E8E84-426E-40DD-AFC4-6F175D3DCCD1}">
-              <a14:hiddenFill xmlns:a14="http://schemas.microsoft.com/office/drawing/2010/main">
-                <a:solidFill>
-                  <a:srgbClr val="FFFFFF"/>
-                </a:solidFill>
-              </a14:hiddenFill>
-            </a:ext>
-            <a:ext uri="{91240B29-F687-4F45-9708-019B960494DF}">
-              <a14:hiddenLine xmlns:a14="http://schemas.microsoft.com/office/drawing/2010/main" w="9525">
-                <a:solidFill>
-                  <a:srgbClr val="000000"/>
-                </a:solidFill>
-                <a:miter lim="800000"/>
-                <a:headEnd/>
-                <a:tailEnd/>
-              </a14:hiddenLine>
-            </a:ext>
-          </a:extLst>
-        </p:spPr>
-        <p:txBody>
-          <a:bodyPr anchor="b"/>
-          <a:lstStyle>
-            <a:lvl1pPr>
-              <a:spcBef>
-                <a:spcPct val="30000"/>
-              </a:spcBef>
-              <a:defRPr sz="1200">
-                <a:solidFill>
-                  <a:schemeClr val="tx1"/>
-                </a:solidFill>
-                <a:latin typeface="Arial" panose="020B0604020202020204" pitchFamily="34" charset="0"/>
-                <a:ea typeface="ＭＳ Ｐゴシック" panose="020B0600070205080204" pitchFamily="34" charset="-128"/>
-              </a:defRPr>
-            </a:lvl1pPr>
-            <a:lvl2pPr marL="742950" indent="-285750">
-              <a:spcBef>
-                <a:spcPct val="30000"/>
-              </a:spcBef>
-              <a:defRPr sz="1200">
-                <a:solidFill>
-                  <a:schemeClr val="tx1"/>
-                </a:solidFill>
-                <a:latin typeface="Arial" panose="020B0604020202020204" pitchFamily="34" charset="0"/>
-                <a:ea typeface="ＭＳ Ｐゴシック" panose="020B0600070205080204" pitchFamily="34" charset="-128"/>
-              </a:defRPr>
-            </a:lvl2pPr>
-            <a:lvl3pPr marL="1143000" indent="-228600">
-              <a:spcBef>
-                <a:spcPct val="30000"/>
-              </a:spcBef>
-              <a:defRPr sz="1200">
-                <a:solidFill>
-                  <a:schemeClr val="tx1"/>
-                </a:solidFill>
-                <a:latin typeface="Arial" panose="020B0604020202020204" pitchFamily="34" charset="0"/>
-                <a:ea typeface="ＭＳ Ｐゴシック" panose="020B0600070205080204" pitchFamily="34" charset="-128"/>
-              </a:defRPr>
-            </a:lvl3pPr>
-            <a:lvl4pPr marL="1600200" indent="-228600">
-              <a:spcBef>
-                <a:spcPct val="30000"/>
-              </a:spcBef>
-              <a:defRPr sz="1200">
-                <a:solidFill>
-                  <a:schemeClr val="tx1"/>
-                </a:solidFill>
-                <a:latin typeface="Arial" panose="020B0604020202020204" pitchFamily="34" charset="0"/>
-                <a:ea typeface="ＭＳ Ｐゴシック" panose="020B0600070205080204" pitchFamily="34" charset="-128"/>
-              </a:defRPr>
-            </a:lvl4pPr>
-            <a:lvl5pPr marL="2057400" indent="-228600">
-              <a:spcBef>
-                <a:spcPct val="30000"/>
-              </a:spcBef>
-              <a:defRPr sz="1200">
-                <a:solidFill>
-                  <a:schemeClr val="tx1"/>
-                </a:solidFill>
-                <a:latin typeface="Arial" panose="020B0604020202020204" pitchFamily="34" charset="0"/>
-                <a:ea typeface="ＭＳ Ｐゴシック" panose="020B0600070205080204" pitchFamily="34" charset="-128"/>
-              </a:defRPr>
-            </a:lvl5pPr>
-            <a:lvl6pPr marL="2514600" indent="-228600" eaLnBrk="0" fontAlgn="base" hangingPunct="0">
-              <a:spcBef>
-                <a:spcPct val="30000"/>
-              </a:spcBef>
-              <a:spcAft>
-                <a:spcPct val="0"/>
-              </a:spcAft>
-              <a:defRPr sz="1200">
-                <a:solidFill>
-                  <a:schemeClr val="tx1"/>
-                </a:solidFill>
-                <a:latin typeface="Arial" panose="020B0604020202020204" pitchFamily="34" charset="0"/>
-                <a:ea typeface="ＭＳ Ｐゴシック" panose="020B0600070205080204" pitchFamily="34" charset="-128"/>
-              </a:defRPr>
-            </a:lvl6pPr>
-            <a:lvl7pPr marL="2971800" indent="-228600" eaLnBrk="0" fontAlgn="base" hangingPunct="0">
-              <a:spcBef>
-                <a:spcPct val="30000"/>
-              </a:spcBef>
-              <a:spcAft>
-                <a:spcPct val="0"/>
-              </a:spcAft>
-              <a:defRPr sz="1200">
-                <a:solidFill>
-                  <a:schemeClr val="tx1"/>
-                </a:solidFill>
-                <a:latin typeface="Arial" panose="020B0604020202020204" pitchFamily="34" charset="0"/>
-                <a:ea typeface="ＭＳ Ｐゴシック" panose="020B0600070205080204" pitchFamily="34" charset="-128"/>
-              </a:defRPr>
-            </a:lvl7pPr>
-            <a:lvl8pPr marL="3429000" indent="-228600" eaLnBrk="0" fontAlgn="base" hangingPunct="0">
-              <a:spcBef>
-                <a:spcPct val="30000"/>
-              </a:spcBef>
-              <a:spcAft>
-                <a:spcPct val="0"/>
-              </a:spcAft>
-              <a:defRPr sz="1200">
-                <a:solidFill>
-                  <a:schemeClr val="tx1"/>
-                </a:solidFill>
-                <a:latin typeface="Arial" panose="020B0604020202020204" pitchFamily="34" charset="0"/>
-                <a:ea typeface="ＭＳ Ｐゴシック" panose="020B0600070205080204" pitchFamily="34" charset="-128"/>
-              </a:defRPr>
-            </a:lvl8pPr>
-            <a:lvl9pPr marL="3886200" indent="-228600" eaLnBrk="0" fontAlgn="base" hangingPunct="0">
-              <a:spcBef>
-                <a:spcPct val="30000"/>
-              </a:spcBef>
-              <a:spcAft>
-                <a:spcPct val="0"/>
-              </a:spcAft>
-              <a:defRPr sz="1200">
-                <a:solidFill>
-                  <a:schemeClr val="tx1"/>
-                </a:solidFill>
-                <a:latin typeface="Arial" panose="020B0604020202020204" pitchFamily="34" charset="0"/>
-                <a:ea typeface="ＭＳ Ｐゴシック" panose="020B0600070205080204" pitchFamily="34" charset="-128"/>
-              </a:defRPr>
-            </a:lvl9pPr>
-          </a:lstStyle>
-          <a:p>
-            <a:pPr algn="r" eaLnBrk="1" hangingPunct="1">
-              <a:spcBef>
-                <a:spcPct val="0"/>
-              </a:spcBef>
-            </a:pPr>
-            <a:fld id="{59D1DBC4-62E5-C74F-B1E8-6FD3FA2F02C2}" type="slidenum">
-              <a:rPr lang="en-US" altLang="en-US">
-                <a:latin typeface="Times New Roman" panose="02020603050405020304" pitchFamily="18" charset="0"/>
-              </a:rPr>
-              <a:pPr algn="r" eaLnBrk="1" hangingPunct="1">
-                <a:spcBef>
-                  <a:spcPct val="0"/>
-                </a:spcBef>
-              </a:pPr>
-              <a:t>7</a:t>
-            </a:fld>
-            <a:endParaRPr lang="en-US" altLang="en-US">
-              <a:latin typeface="Times New Roman" panose="02020603050405020304" pitchFamily="18" charset="0"/>
-            </a:endParaRPr>
-          </a:p>
-        </p:txBody>
-      </p:sp>
-    </p:spTree>
-    <p:extLst>
-      <p:ext uri="{BB962C8B-B14F-4D97-AF65-F5344CB8AC3E}">
-        <p14:creationId xmlns:p14="http://schemas.microsoft.com/office/powerpoint/2010/main" val="1077954448"/>
-      </p:ext>
-    </p:extLst>
-  </p:cSld>
-  <p:clrMapOvr>
-    <a:masterClrMapping/>
-  </p:clrMapOvr>
-</p:notes>
-</file>
-
-<file path=ppt/notesSlides/notesSlide4.xml><?xml version="1.0" encoding="utf-8"?>
-<p:notes xmlns:a="http://schemas.openxmlformats.org/drawingml/2006/main" xmlns:r="http://schemas.openxmlformats.org/officeDocument/2006/relationships" xmlns:p="http://schemas.openxmlformats.org/presentationml/2006/main">
-  <p:cSld>
-    <p:spTree>
-      <p:nvGrpSpPr>
-        <p:cNvPr id="1" name=""/>
-        <p:cNvGrpSpPr/>
-        <p:nvPr/>
-      </p:nvGrpSpPr>
-      <p:grpSpPr>
-        <a:xfrm>
-          <a:off x="0" y="0"/>
-          <a:ext cx="0" cy="0"/>
-          <a:chOff x="0" y="0"/>
-          <a:chExt cx="0" cy="0"/>
-        </a:xfrm>
-      </p:grpSpPr>
-      <p:sp>
-        <p:nvSpPr>
           <p:cNvPr id="27649" name="Rectangle 7">
             <a:extLst>
               <a:ext uri="{FF2B5EF4-FFF2-40B4-BE49-F238E27FC236}">
@@ -5428,7 +5007,7 @@
                   <a:spcPct val="0"/>
                 </a:spcBef>
               </a:pPr>
-              <a:t>8</a:t>
+              <a:t>6</a:t>
             </a:fld>
             <a:endParaRPr lang="en-US" altLang="en-US"/>
           </a:p>
@@ -5688,7 +5267,7 @@
                   <a:spcPct val="0"/>
                 </a:spcBef>
               </a:pPr>
-              <a:t>8</a:t>
+              <a:t>6</a:t>
             </a:fld>
             <a:endParaRPr lang="en-US" altLang="en-US">
               <a:latin typeface="Times New Roman" panose="02020603050405020304" pitchFamily="18" charset="0"/>
@@ -5709,7 +5288,7 @@
 </p:notes>
 </file>
 
-<file path=ppt/notesSlides/notesSlide5.xml><?xml version="1.0" encoding="utf-8"?>
+<file path=ppt/notesSlides/notesSlide4.xml><?xml version="1.0" encoding="utf-8"?>
 <p:notes xmlns:a="http://schemas.openxmlformats.org/drawingml/2006/main" xmlns:r="http://schemas.openxmlformats.org/officeDocument/2006/relationships" xmlns:p="http://schemas.openxmlformats.org/presentationml/2006/main">
   <p:cSld>
     <p:spTree>
@@ -5882,7 +5461,7 @@
                   <a:spcPct val="0"/>
                 </a:spcBef>
               </a:pPr>
-              <a:t>9</a:t>
+              <a:t>7</a:t>
             </a:fld>
             <a:endParaRPr lang="en-US" altLang="en-US"/>
           </a:p>
@@ -6100,7 +5679,7 @@
           <a:p>
             <a:fld id="{4AAD347D-5ACD-4C99-B74B-A9C85AD731AF}" type="datetimeFigureOut">
               <a:rPr lang="en-US" smtClean="0"/>
-              <a:t>1/31/21</a:t>
+              <a:t>2/1/21</a:t>
             </a:fld>
             <a:endParaRPr lang="en-US" dirty="0"/>
           </a:p>
@@ -6270,7 +5849,7 @@
           <a:p>
             <a:fld id="{4509A250-FF31-4206-8172-F9D3106AACB1}" type="datetimeFigureOut">
               <a:rPr lang="en-US" smtClean="0"/>
-              <a:t>1/31/21</a:t>
+              <a:t>2/1/21</a:t>
             </a:fld>
             <a:endParaRPr lang="en-US" dirty="0"/>
           </a:p>
@@ -6450,7 +6029,7 @@
           <a:p>
             <a:fld id="{4509A250-FF31-4206-8172-F9D3106AACB1}" type="datetimeFigureOut">
               <a:rPr lang="en-US" smtClean="0"/>
-              <a:t>1/31/21</a:t>
+              <a:t>2/1/21</a:t>
             </a:fld>
             <a:endParaRPr lang="en-US" dirty="0"/>
           </a:p>
@@ -6620,7 +6199,7 @@
           <a:p>
             <a:fld id="{4509A250-FF31-4206-8172-F9D3106AACB1}" type="datetimeFigureOut">
               <a:rPr lang="en-US" smtClean="0"/>
-              <a:t>1/31/21</a:t>
+              <a:t>2/1/21</a:t>
             </a:fld>
             <a:endParaRPr lang="en-US" dirty="0"/>
           </a:p>
@@ -6866,7 +6445,7 @@
           <a:p>
             <a:fld id="{9796027F-7875-4030-9381-8BD8C4F21935}" type="datetimeFigureOut">
               <a:rPr lang="en-US" smtClean="0"/>
-              <a:t>1/31/21</a:t>
+              <a:t>2/1/21</a:t>
             </a:fld>
             <a:endParaRPr lang="en-US" dirty="0"/>
           </a:p>
@@ -7098,7 +6677,7 @@
           <a:p>
             <a:fld id="{9796027F-7875-4030-9381-8BD8C4F21935}" type="datetimeFigureOut">
               <a:rPr lang="en-US" smtClean="0"/>
-              <a:t>1/31/21</a:t>
+              <a:t>2/1/21</a:t>
             </a:fld>
             <a:endParaRPr lang="en-US" dirty="0"/>
           </a:p>
@@ -7465,7 +7044,7 @@
           <a:p>
             <a:fld id="{9796027F-7875-4030-9381-8BD8C4F21935}" type="datetimeFigureOut">
               <a:rPr lang="en-US" smtClean="0"/>
-              <a:t>1/31/21</a:t>
+              <a:t>2/1/21</a:t>
             </a:fld>
             <a:endParaRPr lang="en-US" dirty="0"/>
           </a:p>
@@ -7583,7 +7162,7 @@
           <a:p>
             <a:fld id="{4509A250-FF31-4206-8172-F9D3106AACB1}" type="datetimeFigureOut">
               <a:rPr lang="en-US" smtClean="0"/>
-              <a:t>1/31/21</a:t>
+              <a:t>2/1/21</a:t>
             </a:fld>
             <a:endParaRPr lang="en-US" dirty="0"/>
           </a:p>
@@ -7678,7 +7257,7 @@
           <a:p>
             <a:fld id="{4509A250-FF31-4206-8172-F9D3106AACB1}" type="datetimeFigureOut">
               <a:rPr lang="en-US" smtClean="0"/>
-              <a:t>1/31/21</a:t>
+              <a:t>2/1/21</a:t>
             </a:fld>
             <a:endParaRPr lang="en-US" dirty="0"/>
           </a:p>
@@ -7955,7 +7534,7 @@
           <a:p>
             <a:fld id="{4509A250-FF31-4206-8172-F9D3106AACB1}" type="datetimeFigureOut">
               <a:rPr lang="en-US" smtClean="0"/>
-              <a:t>1/31/21</a:t>
+              <a:t>2/1/21</a:t>
             </a:fld>
             <a:endParaRPr lang="en-US" dirty="0"/>
           </a:p>
@@ -8212,7 +7791,7 @@
           <a:p>
             <a:fld id="{4509A250-FF31-4206-8172-F9D3106AACB1}" type="datetimeFigureOut">
               <a:rPr lang="en-US" smtClean="0"/>
-              <a:t>1/31/21</a:t>
+              <a:t>2/1/21</a:t>
             </a:fld>
             <a:endParaRPr lang="en-US" dirty="0"/>
           </a:p>
@@ -8425,7 +8004,7 @@
           <a:p>
             <a:fld id="{4AAD347D-5ACD-4C99-B74B-A9C85AD731AF}" type="datetimeFigureOut">
               <a:rPr lang="en-US" smtClean="0"/>
-              <a:t>1/31/21</a:t>
+              <a:t>2/1/21</a:t>
             </a:fld>
             <a:endParaRPr lang="en-US" dirty="0"/>
           </a:p>
@@ -8915,456 +8494,6 @@
 </p:sld>
 </file>
 
-<file path=ppt/slides/slide10.xml><?xml version="1.0" encoding="utf-8"?>
-<p:sld xmlns:a="http://schemas.openxmlformats.org/drawingml/2006/main" xmlns:r="http://schemas.openxmlformats.org/officeDocument/2006/relationships" xmlns:p="http://schemas.openxmlformats.org/presentationml/2006/main">
-  <p:cSld>
-    <p:spTree>
-      <p:nvGrpSpPr>
-        <p:cNvPr id="1" name=""/>
-        <p:cNvGrpSpPr/>
-        <p:nvPr/>
-      </p:nvGrpSpPr>
-      <p:grpSpPr>
-        <a:xfrm>
-          <a:off x="0" y="0"/>
-          <a:ext cx="0" cy="0"/>
-          <a:chOff x="0" y="0"/>
-          <a:chExt cx="0" cy="0"/>
-        </a:xfrm>
-      </p:grpSpPr>
-      <p:sp>
-        <p:nvSpPr>
-          <p:cNvPr id="35841" name="Rectangle 2">
-            <a:extLst>
-              <a:ext uri="{FF2B5EF4-FFF2-40B4-BE49-F238E27FC236}">
-                <a16:creationId xmlns:a16="http://schemas.microsoft.com/office/drawing/2014/main" id="{09D8876C-8F7A-C748-966B-672B36C17545}"/>
-              </a:ext>
-            </a:extLst>
-          </p:cNvPr>
-          <p:cNvSpPr>
-            <a:spLocks noGrp="1" noChangeArrowheads="1"/>
-          </p:cNvSpPr>
-          <p:nvPr>
-            <p:ph type="title"/>
-          </p:nvPr>
-        </p:nvSpPr>
-        <p:spPr>
-          <a:xfrm>
-            <a:off x="152400" y="123825"/>
-            <a:ext cx="7848600" cy="713582"/>
-          </a:xfrm>
-        </p:spPr>
-        <p:txBody>
-          <a:bodyPr/>
-          <a:lstStyle/>
-          <a:p>
-            <a:pPr eaLnBrk="1" hangingPunct="1"/>
-            <a:r>
-              <a:rPr lang="en-US" altLang="en-US">
-                <a:ea typeface="ＭＳ Ｐゴシック" panose="020B0600070205080204" pitchFamily="34" charset="-128"/>
-              </a:rPr>
-              <a:t>Download Processing</a:t>
-            </a:r>
-          </a:p>
-        </p:txBody>
-      </p:sp>
-      <p:sp>
-        <p:nvSpPr>
-          <p:cNvPr id="35842" name="Rectangle 3">
-            <a:extLst>
-              <a:ext uri="{FF2B5EF4-FFF2-40B4-BE49-F238E27FC236}">
-                <a16:creationId xmlns:a16="http://schemas.microsoft.com/office/drawing/2014/main" id="{C94BCA01-D831-ED4D-84FD-C30E8117F872}"/>
-              </a:ext>
-            </a:extLst>
-          </p:cNvPr>
-          <p:cNvSpPr>
-            <a:spLocks noGrp="1" noChangeArrowheads="1"/>
-          </p:cNvSpPr>
-          <p:nvPr>
-            <p:ph type="body" idx="1"/>
-          </p:nvPr>
-        </p:nvSpPr>
-        <p:spPr>
-          <a:xfrm>
-            <a:off x="152399" y="923926"/>
-            <a:ext cx="8715375" cy="4505324"/>
-          </a:xfrm>
-        </p:spPr>
-        <p:txBody>
-          <a:bodyPr/>
-          <a:lstStyle/>
-          <a:p>
-            <a:pPr marL="0" indent="0">
-              <a:buNone/>
-            </a:pPr>
-            <a:endParaRPr lang="en-US" altLang="en-US" sz="1667" dirty="0">
-              <a:latin typeface="Courier New" panose="02070309020205020404" pitchFamily="49" charset="0"/>
-              <a:ea typeface="ＭＳ Ｐゴシック" panose="020B0600070205080204" pitchFamily="34" charset="-128"/>
-            </a:endParaRPr>
-          </a:p>
-          <a:p>
-            <a:pPr marL="0" indent="0">
-              <a:buNone/>
-            </a:pPr>
-            <a:endParaRPr lang="en-US" altLang="en-US" sz="2167" dirty="0">
-              <a:ea typeface="ＭＳ Ｐゴシック" panose="020B0600070205080204" pitchFamily="34" charset="-128"/>
-            </a:endParaRPr>
-          </a:p>
-          <a:p>
-            <a:pPr marL="0" indent="0">
-              <a:buNone/>
-            </a:pPr>
-            <a:r>
-              <a:rPr lang="en-US" altLang="en-US" sz="2167" dirty="0">
-                <a:ea typeface="ＭＳ Ｐゴシック" panose="020B0600070205080204" pitchFamily="34" charset="-128"/>
-              </a:rPr>
-              <a:t>Download Processing!</a:t>
-            </a:r>
-          </a:p>
-          <a:p>
-            <a:pPr marL="0" indent="0">
-              <a:buNone/>
-            </a:pPr>
-            <a:endParaRPr lang="en-US" altLang="en-US" sz="2167" dirty="0">
-              <a:ea typeface="ＭＳ Ｐゴシック" panose="020B0600070205080204" pitchFamily="34" charset="-128"/>
-            </a:endParaRPr>
-          </a:p>
-          <a:p>
-            <a:pPr marL="0" indent="0">
-              <a:buNone/>
-            </a:pPr>
-            <a:r>
-              <a:rPr lang="en-US" altLang="en-US" sz="2167" dirty="0">
-                <a:ea typeface="ＭＳ Ｐゴシック" panose="020B0600070205080204" pitchFamily="34" charset="-128"/>
-              </a:rPr>
-              <a:t>Your computer is probably a 64-bit computer if it’s fairly recent. </a:t>
-            </a:r>
-          </a:p>
-          <a:p>
-            <a:pPr marL="0" indent="0">
-              <a:buNone/>
-            </a:pPr>
-            <a:endParaRPr lang="en-US" altLang="en-US" sz="2167" dirty="0">
-              <a:ea typeface="ＭＳ Ｐゴシック" panose="020B0600070205080204" pitchFamily="34" charset="-128"/>
-            </a:endParaRPr>
-          </a:p>
-          <a:p>
-            <a:pPr marL="0" indent="0">
-              <a:buNone/>
-            </a:pPr>
-            <a:r>
-              <a:rPr lang="en-US" altLang="en-US" sz="2167" dirty="0">
-                <a:ea typeface="ＭＳ Ｐゴシック" panose="020B0600070205080204" pitchFamily="34" charset="-128"/>
-                <a:hlinkClick r:id="rId2"/>
-              </a:rPr>
-              <a:t>http://www.processing.org</a:t>
-            </a:r>
-            <a:endParaRPr lang="en-US" altLang="en-US" sz="2167" dirty="0">
-              <a:ea typeface="ＭＳ Ｐゴシック" panose="020B0600070205080204" pitchFamily="34" charset="-128"/>
-            </a:endParaRPr>
-          </a:p>
-          <a:p>
-            <a:pPr marL="0" indent="0">
-              <a:buNone/>
-            </a:pPr>
-            <a:endParaRPr lang="en-US" altLang="en-US" sz="2167" dirty="0">
-              <a:ea typeface="ＭＳ Ｐゴシック" panose="020B0600070205080204" pitchFamily="34" charset="-128"/>
-            </a:endParaRPr>
-          </a:p>
-        </p:txBody>
-      </p:sp>
-    </p:spTree>
-    <p:extLst>
-      <p:ext uri="{BB962C8B-B14F-4D97-AF65-F5344CB8AC3E}">
-        <p14:creationId xmlns:p14="http://schemas.microsoft.com/office/powerpoint/2010/main" val="4104989124"/>
-      </p:ext>
-    </p:extLst>
-  </p:cSld>
-  <p:clrMapOvr>
-    <a:masterClrMapping/>
-  </p:clrMapOvr>
-  <p:transition/>
-</p:sld>
-</file>
-
-<file path=ppt/slides/slide11.xml><?xml version="1.0" encoding="utf-8"?>
-<p:sld xmlns:a="http://schemas.openxmlformats.org/drawingml/2006/main" xmlns:r="http://schemas.openxmlformats.org/officeDocument/2006/relationships" xmlns:p="http://schemas.openxmlformats.org/presentationml/2006/main">
-  <p:cSld>
-    <p:spTree>
-      <p:nvGrpSpPr>
-        <p:cNvPr id="1" name=""/>
-        <p:cNvGrpSpPr/>
-        <p:nvPr/>
-      </p:nvGrpSpPr>
-      <p:grpSpPr>
-        <a:xfrm>
-          <a:off x="0" y="0"/>
-          <a:ext cx="0" cy="0"/>
-          <a:chOff x="0" y="0"/>
-          <a:chExt cx="0" cy="0"/>
-        </a:xfrm>
-      </p:grpSpPr>
-      <p:sp>
-        <p:nvSpPr>
-          <p:cNvPr id="35841" name="Rectangle 2">
-            <a:extLst>
-              <a:ext uri="{FF2B5EF4-FFF2-40B4-BE49-F238E27FC236}">
-                <a16:creationId xmlns:a16="http://schemas.microsoft.com/office/drawing/2014/main" id="{09D8876C-8F7A-C748-966B-672B36C17545}"/>
-              </a:ext>
-            </a:extLst>
-          </p:cNvPr>
-          <p:cNvSpPr>
-            <a:spLocks noGrp="1" noChangeArrowheads="1"/>
-          </p:cNvSpPr>
-          <p:nvPr>
-            <p:ph type="title"/>
-          </p:nvPr>
-        </p:nvSpPr>
-        <p:spPr>
-          <a:xfrm>
-            <a:off x="152400" y="123825"/>
-            <a:ext cx="7848600" cy="713582"/>
-          </a:xfrm>
-        </p:spPr>
-        <p:txBody>
-          <a:bodyPr/>
-          <a:lstStyle/>
-          <a:p>
-            <a:pPr eaLnBrk="1" hangingPunct="1"/>
-            <a:r>
-              <a:rPr lang="en-US" altLang="en-US" dirty="0">
-                <a:ea typeface="ＭＳ Ｐゴシック" panose="020B0600070205080204" pitchFamily="34" charset="-128"/>
-              </a:rPr>
-              <a:t>Lab 1 </a:t>
-            </a:r>
-          </a:p>
-        </p:txBody>
-      </p:sp>
-      <p:sp>
-        <p:nvSpPr>
-          <p:cNvPr id="35842" name="Rectangle 3">
-            <a:extLst>
-              <a:ext uri="{FF2B5EF4-FFF2-40B4-BE49-F238E27FC236}">
-                <a16:creationId xmlns:a16="http://schemas.microsoft.com/office/drawing/2014/main" id="{C94BCA01-D831-ED4D-84FD-C30E8117F872}"/>
-              </a:ext>
-            </a:extLst>
-          </p:cNvPr>
-          <p:cNvSpPr>
-            <a:spLocks noGrp="1" noChangeArrowheads="1"/>
-          </p:cNvSpPr>
-          <p:nvPr>
-            <p:ph type="body" idx="1"/>
-          </p:nvPr>
-        </p:nvSpPr>
-        <p:spPr>
-          <a:xfrm>
-            <a:off x="152399" y="923926"/>
-            <a:ext cx="8715375" cy="4505324"/>
-          </a:xfrm>
-        </p:spPr>
-        <p:txBody>
-          <a:bodyPr/>
-          <a:lstStyle/>
-          <a:p>
-            <a:pPr marL="0" indent="0">
-              <a:buNone/>
-            </a:pPr>
-            <a:r>
-              <a:rPr lang="en-US" altLang="en-US" sz="1800" dirty="0">
-                <a:solidFill>
-                  <a:srgbClr val="000000"/>
-                </a:solidFill>
-                <a:ea typeface="ＭＳ Ｐゴシック" panose="020B0600070205080204" pitchFamily="34" charset="-128"/>
-              </a:rPr>
-              <a:t>Download the zip file that contains a starter's template code for processing on our course website </a:t>
-            </a:r>
-            <a:r>
-              <a:rPr lang="en-US" altLang="en-US" sz="1800" dirty="0">
-                <a:solidFill>
-                  <a:srgbClr val="FF0000"/>
-                </a:solidFill>
-                <a:ea typeface="ＭＳ Ｐゴシック" panose="020B0600070205080204" pitchFamily="34" charset="-128"/>
-                <a:hlinkClick r:id="rId2"/>
-              </a:rPr>
-              <a:t>here</a:t>
-            </a:r>
-            <a:r>
-              <a:rPr lang="en-US" altLang="en-US" sz="1800" dirty="0">
-                <a:solidFill>
-                  <a:srgbClr val="000000"/>
-                </a:solidFill>
-                <a:ea typeface="ＭＳ Ｐゴシック" panose="020B0600070205080204" pitchFamily="34" charset="-128"/>
-              </a:rPr>
-              <a:t>.</a:t>
-            </a:r>
-          </a:p>
-          <a:p>
-            <a:pPr marL="0" indent="0">
-              <a:buNone/>
-            </a:pPr>
-            <a:endParaRPr lang="en-US" sz="1800" dirty="0">
-              <a:solidFill>
-                <a:srgbClr val="000000"/>
-              </a:solidFill>
-              <a:ea typeface="ＭＳ Ｐゴシック" panose="020B0600070205080204" pitchFamily="34" charset="-128"/>
-            </a:endParaRPr>
-          </a:p>
-          <a:p>
-            <a:pPr marL="0" indent="0">
-              <a:buNone/>
-            </a:pPr>
-            <a:r>
-              <a:rPr lang="en-US" sz="1800" dirty="0">
-                <a:solidFill>
-                  <a:srgbClr val="000000"/>
-                </a:solidFill>
-                <a:ea typeface="ＭＳ Ｐゴシック" panose="020B0600070205080204" pitchFamily="34" charset="-128"/>
-              </a:rPr>
-              <a:t>Do the following:</a:t>
-            </a:r>
-          </a:p>
-          <a:p>
-            <a:pPr marL="342900" indent="-342900">
-              <a:buAutoNum type="arabicParenR"/>
-            </a:pPr>
-            <a:r>
-              <a:rPr lang="en-US" sz="1800" dirty="0">
-                <a:solidFill>
-                  <a:srgbClr val="000000"/>
-                </a:solidFill>
-                <a:ea typeface="ＭＳ Ｐゴシック" panose="020B0600070205080204" pitchFamily="34" charset="-128"/>
-              </a:rPr>
-              <a:t>Declare, initialize a sprite object using the image "</a:t>
-            </a:r>
-            <a:r>
-              <a:rPr lang="en-US" sz="1800" dirty="0" err="1">
-                <a:solidFill>
-                  <a:srgbClr val="000000"/>
-                </a:solidFill>
-                <a:ea typeface="ＭＳ Ｐゴシック" panose="020B0600070205080204" pitchFamily="34" charset="-128"/>
-              </a:rPr>
-              <a:t>tank.png</a:t>
-            </a:r>
-            <a:r>
-              <a:rPr lang="en-US" sz="1800" dirty="0">
-                <a:solidFill>
-                  <a:srgbClr val="000000"/>
-                </a:solidFill>
-                <a:ea typeface="ＭＳ Ｐゴシック" panose="020B0600070205080204" pitchFamily="34" charset="-128"/>
-              </a:rPr>
-              <a:t>". Draw it on the screen in the </a:t>
-            </a:r>
-            <a:r>
-              <a:rPr lang="en-US" sz="1800" dirty="0" err="1">
-                <a:solidFill>
-                  <a:srgbClr val="000000"/>
-                </a:solidFill>
-                <a:ea typeface="ＭＳ Ｐゴシック" panose="020B0600070205080204" pitchFamily="34" charset="-128"/>
-              </a:rPr>
-              <a:t>on_draw</a:t>
-            </a:r>
-            <a:r>
-              <a:rPr lang="en-US" sz="1800" dirty="0">
-                <a:solidFill>
-                  <a:srgbClr val="000000"/>
-                </a:solidFill>
-                <a:ea typeface="ＭＳ Ｐゴシック" panose="020B0600070205080204" pitchFamily="34" charset="-128"/>
-              </a:rPr>
-              <a:t> method.</a:t>
-            </a:r>
-          </a:p>
-          <a:p>
-            <a:pPr marL="342900" indent="-342900">
-              <a:buAutoNum type="arabicParenR"/>
-            </a:pPr>
-            <a:r>
-              <a:rPr lang="en-US" sz="1800" dirty="0">
-                <a:solidFill>
-                  <a:srgbClr val="000000"/>
-                </a:solidFill>
-                <a:ea typeface="ＭＳ Ｐゴシック" panose="020B0600070205080204" pitchFamily="34" charset="-128"/>
-              </a:rPr>
-              <a:t>Create a list containing 10 "</a:t>
-            </a:r>
-            <a:r>
-              <a:rPr lang="en-US" sz="1800" dirty="0" err="1">
-                <a:solidFill>
-                  <a:srgbClr val="000000"/>
-                </a:solidFill>
-                <a:ea typeface="ＭＳ Ｐゴシック" panose="020B0600070205080204" pitchFamily="34" charset="-128"/>
-              </a:rPr>
-              <a:t>coin.png</a:t>
-            </a:r>
-            <a:r>
-              <a:rPr lang="en-US" sz="1800" dirty="0">
-                <a:solidFill>
-                  <a:srgbClr val="000000"/>
-                </a:solidFill>
-                <a:ea typeface="ＭＳ Ｐゴシック" panose="020B0600070205080204" pitchFamily="34" charset="-128"/>
-              </a:rPr>
-              <a:t>" sprite objects. Randomize their positions. Display them on the screen on the </a:t>
-            </a:r>
-            <a:r>
-              <a:rPr lang="en-US" sz="1800" dirty="0" err="1">
-                <a:solidFill>
-                  <a:srgbClr val="000000"/>
-                </a:solidFill>
-                <a:ea typeface="ＭＳ Ｐゴシック" panose="020B0600070205080204" pitchFamily="34" charset="-128"/>
-              </a:rPr>
-              <a:t>on_draw</a:t>
-            </a:r>
-            <a:r>
-              <a:rPr lang="en-US" sz="1800" dirty="0">
-                <a:solidFill>
-                  <a:srgbClr val="000000"/>
-                </a:solidFill>
-                <a:ea typeface="ＭＳ Ｐゴシック" panose="020B0600070205080204" pitchFamily="34" charset="-128"/>
-              </a:rPr>
-              <a:t> method. </a:t>
-            </a:r>
-            <a:endParaRPr lang="en-US" sz="1800" dirty="0"/>
-          </a:p>
-          <a:p>
-            <a:pPr marL="0" indent="0">
-              <a:buNone/>
-            </a:pPr>
-            <a:endParaRPr lang="en-US" altLang="en-US" sz="1667" dirty="0">
-              <a:latin typeface="Courier New" panose="02070309020205020404" pitchFamily="49" charset="0"/>
-              <a:ea typeface="ＭＳ Ｐゴシック" panose="020B0600070205080204" pitchFamily="34" charset="-128"/>
-            </a:endParaRPr>
-          </a:p>
-          <a:p>
-            <a:pPr marL="0" indent="0">
-              <a:buNone/>
-            </a:pPr>
-            <a:endParaRPr lang="en-US" altLang="en-US" sz="2167" dirty="0">
-              <a:ea typeface="ＭＳ Ｐゴシック" panose="020B0600070205080204" pitchFamily="34" charset="-128"/>
-            </a:endParaRPr>
-          </a:p>
-          <a:p>
-            <a:pPr marL="0" indent="0">
-              <a:buNone/>
-            </a:pPr>
-            <a:endParaRPr lang="en-US" altLang="en-US" sz="2167" dirty="0">
-              <a:ea typeface="ＭＳ Ｐゴシック" panose="020B0600070205080204" pitchFamily="34" charset="-128"/>
-            </a:endParaRPr>
-          </a:p>
-        </p:txBody>
-      </p:sp>
-    </p:spTree>
-    <p:extLst>
-      <p:ext uri="{BB962C8B-B14F-4D97-AF65-F5344CB8AC3E}">
-        <p14:creationId xmlns:p14="http://schemas.microsoft.com/office/powerpoint/2010/main" val="1097849800"/>
-      </p:ext>
-    </p:extLst>
-  </p:cSld>
-  <p:clrMapOvr>
-    <a:masterClrMapping/>
-  </p:clrMapOvr>
-  <p:transition/>
-</p:sld>
-</file>
-
 <file path=ppt/slides/slide2.xml><?xml version="1.0" encoding="utf-8"?>
 <p:sld xmlns:a="http://schemas.openxmlformats.org/drawingml/2006/main" xmlns:r="http://schemas.openxmlformats.org/officeDocument/2006/relationships" xmlns:p="http://schemas.openxmlformats.org/presentationml/2006/main">
   <p:cSld>
@@ -10440,7 +9569,7 @@
                 <a:ea typeface="Tahoma" panose="020B0604030504040204" pitchFamily="34" charset="0"/>
                 <a:cs typeface="Tahoma" panose="020B0604030504040204" pitchFamily="34" charset="0"/>
               </a:rPr>
-              <a:t> only detects the latest key. Thus if we want to move a character right and up at the same time, </a:t>
+              <a:t> only detects the latest key.  Thus, if we want to move a character right and up at the same time, </a:t>
             </a:r>
             <a:r>
               <a:rPr lang="en-US" altLang="en-US" sz="2000" dirty="0" err="1">
@@ -10815,7 +9944,23 @@
                 <a:ea typeface="Tahoma" panose="020B0604030504040204" pitchFamily="34" charset="0"/>
                 <a:cs typeface="Tahoma" panose="020B0604030504040204" pitchFamily="34" charset="0"/>
               </a:rPr>
-              <a:t>The trick is to always update a character's position by adding velocity to position in the draw() method:</a:t>
+              <a:t>The trick is to always update a character's position by adding velocity to position in the </a:t>
+            </a:r>
+            <a:r>
+              <a:rPr lang="en-US" sz="2000" dirty="0" err="1">
+                <a:latin typeface="Gill Sans MT" panose="020B0502020104020203" pitchFamily="34" charset="77"/>
+                <a:ea typeface="Tahoma" panose="020B0604030504040204" pitchFamily="34" charset="0"/>
+                <a:cs typeface="Tahoma" panose="020B0604030504040204" pitchFamily="34" charset="0"/>
+              </a:rPr>
+              <a:t>on_update</a:t>
+            </a:r>
+            <a:r>
+              <a:rPr lang="en-US" sz="2000" dirty="0">
+                <a:latin typeface="Gill Sans MT" panose="020B0502020104020203" pitchFamily="34" charset="77"/>
+                <a:ea typeface="Tahoma" panose="020B0604030504040204" pitchFamily="34" charset="0"/>
+                <a:cs typeface="Tahoma" panose="020B0604030504040204" pitchFamily="34" charset="0"/>
+              </a:rPr>
+              <a:t>() method. Then, if a user presses a key, change the velocity component according to which key was pressed. If a key is released, reset the velocity in that direction to 0. </a:t>
             </a:r>
           </a:p>
           <a:p>
@@ -10835,102 +9980,146 @@
               <a:defRPr/>
             </a:pPr>
             <a:r>
-              <a:rPr lang="en-US" sz="2000" b="1" dirty="0">
+              <a:rPr lang="en-US" sz="2000" dirty="0">
                 <a:latin typeface="Courier New" panose="02070309020205020404" pitchFamily="49" charset="0"/>
                 <a:ea typeface="Tahoma" panose="020B0604030504040204" pitchFamily="34" charset="0"/>
                 <a:cs typeface="Courier New" panose="02070309020205020404" pitchFamily="49" charset="0"/>
               </a:rPr>
-              <a:t>void draw(){</a:t>
-            </a:r>
-          </a:p>
-          <a:p>
-            <a:pPr marL="0" indent="0">
-              <a:buNone/>
-              <a:defRPr/>
-            </a:pPr>
-            <a:r>
-              <a:rPr lang="en-US" sz="2000" b="1" dirty="0" err="1">
+              <a:t>def </a:t>
+            </a:r>
+            <a:r>
+              <a:rPr lang="en-US" sz="2000" dirty="0" err="1">
                 <a:latin typeface="Courier New" panose="02070309020205020404" pitchFamily="49" charset="0"/>
                 <a:ea typeface="Tahoma" panose="020B0604030504040204" pitchFamily="34" charset="0"/>
                 <a:cs typeface="Courier New" panose="02070309020205020404" pitchFamily="49" charset="0"/>
               </a:rPr>
-              <a:t>center_x</a:t>
-            </a:r>
-            <a:r>
-              <a:rPr lang="en-US" sz="2000" b="1" dirty="0">
+              <a:t>on_key_press</a:t>
+            </a:r>
+            <a:r>
+              <a:rPr lang="en-US" sz="2000" dirty="0">
                 <a:latin typeface="Courier New" panose="02070309020205020404" pitchFamily="49" charset="0"/>
                 <a:ea typeface="Tahoma" panose="020B0604030504040204" pitchFamily="34" charset="0"/>
                 <a:cs typeface="Courier New" panose="02070309020205020404" pitchFamily="49" charset="0"/>
               </a:rPr>
-              <a:t> += </a:t>
-            </a:r>
-            <a:r>
-              <a:rPr lang="en-US" sz="2000" b="1" dirty="0" err="1">
+              <a:t>(self, key):</a:t>
+            </a:r>
+          </a:p>
+          <a:p>
+            <a:pPr marL="0" indent="0">
+              <a:buNone/>
+              <a:defRPr/>
+            </a:pPr>
+            <a:r>
+              <a:rPr lang="en-US" sz="2000" dirty="0">
                 <a:latin typeface="Courier New" panose="02070309020205020404" pitchFamily="49" charset="0"/>
                 <a:ea typeface="Tahoma" panose="020B0604030504040204" pitchFamily="34" charset="0"/>
                 <a:cs typeface="Courier New" panose="02070309020205020404" pitchFamily="49" charset="0"/>
               </a:rPr>
-              <a:t>change_x</a:t>
-            </a:r>
-            <a:r>
-              <a:rPr lang="en-US" sz="2000" b="1" dirty="0">
+              <a:t>        if key == RIGHT:</a:t>
+            </a:r>
+          </a:p>
+          <a:p>
+            <a:pPr marL="0" indent="0">
+              <a:buNone/>
+              <a:defRPr/>
+            </a:pPr>
+            <a:r>
+              <a:rPr lang="en-US" sz="2000" dirty="0">
                 <a:latin typeface="Courier New" panose="02070309020205020404" pitchFamily="49" charset="0"/>
                 <a:ea typeface="Tahoma" panose="020B0604030504040204" pitchFamily="34" charset="0"/>
                 <a:cs typeface="Courier New" panose="02070309020205020404" pitchFamily="49" charset="0"/>
               </a:rPr>
-              <a:t>;</a:t>
-            </a:r>
-          </a:p>
-          <a:p>
-            <a:pPr marL="0" indent="0">
-              <a:buNone/>
-              <a:defRPr/>
-            </a:pPr>
-            <a:r>
-              <a:rPr lang="en-US" sz="2000" b="1" dirty="0" err="1">
+              <a:t>            </a:t>
+            </a:r>
+            <a:r>
+              <a:rPr lang="en-US" sz="2000" dirty="0" err="1">
                 <a:latin typeface="Courier New" panose="02070309020205020404" pitchFamily="49" charset="0"/>
                 <a:ea typeface="Tahoma" panose="020B0604030504040204" pitchFamily="34" charset="0"/>
                 <a:cs typeface="Courier New" panose="02070309020205020404" pitchFamily="49" charset="0"/>
               </a:rPr>
-              <a:t>center_y</a:t>
-            </a:r>
-            <a:r>
-              <a:rPr lang="en-US" sz="2000" b="1" dirty="0">
+              <a:t>self.player.change_x</a:t>
+            </a:r>
+            <a:r>
+              <a:rPr lang="en-US" sz="2000" dirty="0">
                 <a:latin typeface="Courier New" panose="02070309020205020404" pitchFamily="49" charset="0"/>
                 <a:ea typeface="Tahoma" panose="020B0604030504040204" pitchFamily="34" charset="0"/>
                 <a:cs typeface="Courier New" panose="02070309020205020404" pitchFamily="49" charset="0"/>
               </a:rPr>
-              <a:t> += </a:t>
-            </a:r>
-            <a:r>
-              <a:rPr lang="en-US" sz="2000" b="1" dirty="0" err="1">
+              <a:t> = 5</a:t>
+            </a:r>
+          </a:p>
+          <a:p>
+            <a:pPr marL="0" indent="0">
+              <a:buNone/>
+              <a:defRPr/>
+            </a:pPr>
+            <a:r>
+              <a:rPr lang="en-US" sz="2000" dirty="0">
                 <a:latin typeface="Courier New" panose="02070309020205020404" pitchFamily="49" charset="0"/>
                 <a:ea typeface="Tahoma" panose="020B0604030504040204" pitchFamily="34" charset="0"/>
                 <a:cs typeface="Courier New" panose="02070309020205020404" pitchFamily="49" charset="0"/>
               </a:rPr>
-              <a:t>change_y</a:t>
-            </a:r>
-            <a:r>
-              <a:rPr lang="en-US" sz="2000" b="1" dirty="0">
+              <a:t>def </a:t>
+            </a:r>
+            <a:r>
+              <a:rPr lang="en-US" sz="2000" dirty="0" err="1">
                 <a:latin typeface="Courier New" panose="02070309020205020404" pitchFamily="49" charset="0"/>
                 <a:ea typeface="Tahoma" panose="020B0604030504040204" pitchFamily="34" charset="0"/>
                 <a:cs typeface="Courier New" panose="02070309020205020404" pitchFamily="49" charset="0"/>
               </a:rPr>
-              <a:t>;</a:t>
-            </a:r>
-          </a:p>
-          <a:p>
-            <a:pPr marL="0" indent="0">
-              <a:buNone/>
-              <a:defRPr/>
-            </a:pPr>
-            <a:r>
-              <a:rPr lang="en-US" sz="2000" b="1" dirty="0">
+              <a:t>on_key_release</a:t>
+            </a:r>
+            <a:r>
+              <a:rPr lang="en-US" sz="2000" dirty="0">
                 <a:latin typeface="Courier New" panose="02070309020205020404" pitchFamily="49" charset="0"/>
                 <a:ea typeface="Tahoma" panose="020B0604030504040204" pitchFamily="34" charset="0"/>
                 <a:cs typeface="Courier New" panose="02070309020205020404" pitchFamily="49" charset="0"/>
               </a:rPr>
-              <a:t>}</a:t>
+              <a:t>(self, key):</a:t>
+            </a:r>
+          </a:p>
+          <a:p>
+            <a:pPr marL="0" indent="0">
+              <a:buNone/>
+              <a:defRPr/>
+            </a:pPr>
+            <a:r>
+              <a:rPr lang="en-US" sz="2000" dirty="0">
+                <a:latin typeface="Courier New" panose="02070309020205020404" pitchFamily="49" charset="0"/>
+                <a:ea typeface="Tahoma" panose="020B0604030504040204" pitchFamily="34" charset="0"/>
+                <a:cs typeface="Courier New" panose="02070309020205020404" pitchFamily="49" charset="0"/>
+              </a:rPr>
+              <a:t>        if key == RIGHT:</a:t>
+            </a:r>
+          </a:p>
+          <a:p>
+            <a:pPr marL="0" indent="0">
+              <a:buNone/>
+              <a:defRPr/>
+            </a:pPr>
+            <a:r>
+              <a:rPr lang="en-US" sz="2000" dirty="0">
+                <a:latin typeface="Courier New" panose="02070309020205020404" pitchFamily="49" charset="0"/>
+                <a:ea typeface="Tahoma" panose="020B0604030504040204" pitchFamily="34" charset="0"/>
+                <a:cs typeface="Courier New" panose="02070309020205020404" pitchFamily="49" charset="0"/>
+              </a:rPr>
+              <a:t>            </a:t>
+            </a:r>
+            <a:r>
+              <a:rPr lang="en-US" sz="2000" dirty="0" err="1">
+                <a:latin typeface="Courier New" panose="02070309020205020404" pitchFamily="49" charset="0"/>
+                <a:ea typeface="Tahoma" panose="020B0604030504040204" pitchFamily="34" charset="0"/>
+                <a:cs typeface="Courier New" panose="02070309020205020404" pitchFamily="49" charset="0"/>
+              </a:rPr>
+              <a:t>self.player.change_x</a:t>
+            </a:r>
+            <a:r>
+              <a:rPr lang="en-US" sz="2000" dirty="0">
+                <a:latin typeface="Courier New" panose="02070309020205020404" pitchFamily="49" charset="0"/>
+                <a:ea typeface="Tahoma" panose="020B0604030504040204" pitchFamily="34" charset="0"/>
+                <a:cs typeface="Courier New" panose="02070309020205020404" pitchFamily="49" charset="0"/>
+              </a:rPr>
+              <a:t> = 0</a:t>
             </a:r>
           </a:p>
           <a:p>
@@ -10943,20 +10132,6 @@
               <a:ea typeface="Tahoma" panose="020B0604030504040204" pitchFamily="34" charset="0"/>
               <a:cs typeface="Courier New" panose="02070309020205020404" pitchFamily="49" charset="0"/>
             </a:endParaRPr>
-          </a:p>
-          <a:p>
-            <a:pPr marL="0" indent="0">
-              <a:buNone/>
-              <a:defRPr/>
-            </a:pPr>
-            <a:r>
-              <a:rPr lang="en-US" sz="2000" dirty="0">
-                <a:latin typeface="Gill Sans MT" panose="020B0502020104020203" pitchFamily="34" charset="77"/>
-                <a:ea typeface="Tahoma" panose="020B0604030504040204" pitchFamily="34" charset="0"/>
-                <a:cs typeface="Tahoma" panose="020B0604030504040204" pitchFamily="34" charset="0"/>
-              </a:rPr>
-              <a:t>Then, if a user presses a key, change the velocity component according to which key was pressed. If a key is released, reset the velocity in that direction to 0. </a:t>
-            </a:r>
           </a:p>
           <a:p>
             <a:pPr marL="0" indent="0">
@@ -11145,1230 +10320,6 @@
 </file>
 
 <file path=ppt/slides/slide6.xml><?xml version="1.0" encoding="utf-8"?>
-<p:sld xmlns:a="http://schemas.openxmlformats.org/drawingml/2006/main" xmlns:r="http://schemas.openxmlformats.org/officeDocument/2006/relationships" xmlns:p="http://schemas.openxmlformats.org/presentationml/2006/main">
-  <p:cSld>
-    <p:spTree>
-      <p:nvGrpSpPr>
-        <p:cNvPr id="1" name=""/>
-        <p:cNvGrpSpPr/>
-        <p:nvPr/>
-      </p:nvGrpSpPr>
-      <p:grpSpPr>
-        <a:xfrm>
-          <a:off x="0" y="0"/>
-          <a:ext cx="0" cy="0"/>
-          <a:chOff x="0" y="0"/>
-          <a:chExt cx="0" cy="0"/>
-        </a:xfrm>
-      </p:grpSpPr>
-      <p:sp>
-        <p:nvSpPr>
-          <p:cNvPr id="20483" name="Rectangle 3">
-            <a:extLst>
-              <a:ext uri="{FF2B5EF4-FFF2-40B4-BE49-F238E27FC236}">
-                <a16:creationId xmlns:a16="http://schemas.microsoft.com/office/drawing/2014/main" id="{A8F31A66-1B3E-984C-AD67-E6CB9676BCA4}"/>
-              </a:ext>
-            </a:extLst>
-          </p:cNvPr>
-          <p:cNvSpPr>
-            <a:spLocks noGrp="1" noChangeArrowheads="1"/>
-          </p:cNvSpPr>
-          <p:nvPr>
-            <p:ph idx="4294967295"/>
-          </p:nvPr>
-        </p:nvSpPr>
-        <p:spPr>
-          <a:xfrm>
-            <a:off x="209550" y="653143"/>
-            <a:ext cx="8934450" cy="5061857"/>
-          </a:xfrm>
-        </p:spPr>
-        <p:txBody>
-          <a:bodyPr>
-            <a:noAutofit/>
-          </a:bodyPr>
-          <a:lstStyle/>
-          <a:p>
-            <a:pPr marL="0" indent="0">
-              <a:buNone/>
-              <a:defRPr/>
-            </a:pPr>
-            <a:r>
-              <a:rPr lang="en-US" sz="1700" b="1" dirty="0">
-                <a:latin typeface="Courier New" panose="02070309020205020404" pitchFamily="49" charset="0"/>
-                <a:ea typeface="Tahoma" panose="020B0604030504040204" pitchFamily="34" charset="0"/>
-                <a:cs typeface="Courier New" panose="02070309020205020404" pitchFamily="49" charset="0"/>
-              </a:rPr>
-              <a:t>…</a:t>
-            </a:r>
-          </a:p>
-          <a:p>
-            <a:pPr marL="0" indent="0">
-              <a:buNone/>
-              <a:defRPr/>
-            </a:pPr>
-            <a:r>
-              <a:rPr lang="en-US" sz="1700" b="1" dirty="0">
-                <a:latin typeface="Courier New" panose="02070309020205020404" pitchFamily="49" charset="0"/>
-                <a:ea typeface="Tahoma" panose="020B0604030504040204" pitchFamily="34" charset="0"/>
-                <a:cs typeface="Courier New" panose="02070309020205020404" pitchFamily="49" charset="0"/>
-              </a:rPr>
-              <a:t>void draw(){</a:t>
-            </a:r>
-          </a:p>
-          <a:p>
-            <a:pPr marL="0" indent="0">
-              <a:buNone/>
-              <a:defRPr/>
-            </a:pPr>
-            <a:r>
-              <a:rPr lang="en-US" sz="1700" b="1" dirty="0" err="1">
-                <a:latin typeface="Courier New" panose="02070309020205020404" pitchFamily="49" charset="0"/>
-                <a:ea typeface="Tahoma" panose="020B0604030504040204" pitchFamily="34" charset="0"/>
-                <a:cs typeface="Courier New" panose="02070309020205020404" pitchFamily="49" charset="0"/>
-              </a:rPr>
-              <a:t>center_x</a:t>
-            </a:r>
-            <a:r>
-              <a:rPr lang="en-US" sz="1700" b="1" dirty="0">
-                <a:latin typeface="Courier New" panose="02070309020205020404" pitchFamily="49" charset="0"/>
-                <a:ea typeface="Tahoma" panose="020B0604030504040204" pitchFamily="34" charset="0"/>
-                <a:cs typeface="Courier New" panose="02070309020205020404" pitchFamily="49" charset="0"/>
-              </a:rPr>
-              <a:t> += </a:t>
-            </a:r>
-            <a:r>
-              <a:rPr lang="en-US" sz="1700" b="1" dirty="0" err="1">
-                <a:latin typeface="Courier New" panose="02070309020205020404" pitchFamily="49" charset="0"/>
-                <a:ea typeface="Tahoma" panose="020B0604030504040204" pitchFamily="34" charset="0"/>
-                <a:cs typeface="Courier New" panose="02070309020205020404" pitchFamily="49" charset="0"/>
-              </a:rPr>
-              <a:t>change_x</a:t>
-            </a:r>
-            <a:r>
-              <a:rPr lang="en-US" sz="1700" b="1" dirty="0">
-                <a:latin typeface="Courier New" panose="02070309020205020404" pitchFamily="49" charset="0"/>
-                <a:ea typeface="Tahoma" panose="020B0604030504040204" pitchFamily="34" charset="0"/>
-                <a:cs typeface="Courier New" panose="02070309020205020404" pitchFamily="49" charset="0"/>
-              </a:rPr>
-              <a:t>;</a:t>
-            </a:r>
-          </a:p>
-          <a:p>
-            <a:pPr marL="0" indent="0">
-              <a:buNone/>
-              <a:defRPr/>
-            </a:pPr>
-            <a:r>
-              <a:rPr lang="en-US" sz="1700" b="1" dirty="0" err="1">
-                <a:latin typeface="Courier New" panose="02070309020205020404" pitchFamily="49" charset="0"/>
-                <a:ea typeface="Tahoma" panose="020B0604030504040204" pitchFamily="34" charset="0"/>
-                <a:cs typeface="Courier New" panose="02070309020205020404" pitchFamily="49" charset="0"/>
-              </a:rPr>
-              <a:t>center_y</a:t>
-            </a:r>
-            <a:r>
-              <a:rPr lang="en-US" sz="1700" b="1" dirty="0">
-                <a:latin typeface="Courier New" panose="02070309020205020404" pitchFamily="49" charset="0"/>
-                <a:ea typeface="Tahoma" panose="020B0604030504040204" pitchFamily="34" charset="0"/>
-                <a:cs typeface="Courier New" panose="02070309020205020404" pitchFamily="49" charset="0"/>
-              </a:rPr>
-              <a:t> += </a:t>
-            </a:r>
-            <a:r>
-              <a:rPr lang="en-US" sz="1700" b="1" dirty="0" err="1">
-                <a:latin typeface="Courier New" panose="02070309020205020404" pitchFamily="49" charset="0"/>
-                <a:ea typeface="Tahoma" panose="020B0604030504040204" pitchFamily="34" charset="0"/>
-                <a:cs typeface="Courier New" panose="02070309020205020404" pitchFamily="49" charset="0"/>
-              </a:rPr>
-              <a:t>change_y</a:t>
-            </a:r>
-            <a:r>
-              <a:rPr lang="en-US" sz="1700" b="1" dirty="0">
-                <a:latin typeface="Courier New" panose="02070309020205020404" pitchFamily="49" charset="0"/>
-                <a:ea typeface="Tahoma" panose="020B0604030504040204" pitchFamily="34" charset="0"/>
-                <a:cs typeface="Courier New" panose="02070309020205020404" pitchFamily="49" charset="0"/>
-              </a:rPr>
-              <a:t>;</a:t>
-            </a:r>
-          </a:p>
-          <a:p>
-            <a:pPr marL="0" indent="0">
-              <a:buNone/>
-              <a:defRPr/>
-            </a:pPr>
-            <a:r>
-              <a:rPr lang="en-US" sz="1700" b="1" dirty="0">
-                <a:latin typeface="Courier New" panose="02070309020205020404" pitchFamily="49" charset="0"/>
-                <a:ea typeface="Tahoma" panose="020B0604030504040204" pitchFamily="34" charset="0"/>
-                <a:cs typeface="Courier New" panose="02070309020205020404" pitchFamily="49" charset="0"/>
-              </a:rPr>
-              <a:t>}</a:t>
-            </a:r>
-          </a:p>
-          <a:p>
-            <a:pPr marL="0" indent="0">
-              <a:buNone/>
-              <a:defRPr/>
-            </a:pPr>
-            <a:r>
-              <a:rPr lang="en-US" sz="1700" b="1" dirty="0">
-                <a:latin typeface="Courier New" panose="02070309020205020404" pitchFamily="49" charset="0"/>
-                <a:ea typeface="Tahoma" panose="020B0604030504040204" pitchFamily="34" charset="0"/>
-                <a:cs typeface="Courier New" panose="02070309020205020404" pitchFamily="49" charset="0"/>
-              </a:rPr>
-              <a:t>void </a:t>
-            </a:r>
-            <a:r>
-              <a:rPr lang="en-US" sz="1700" b="1" dirty="0" err="1">
-                <a:latin typeface="Courier New" panose="02070309020205020404" pitchFamily="49" charset="0"/>
-                <a:ea typeface="Tahoma" panose="020B0604030504040204" pitchFamily="34" charset="0"/>
-                <a:cs typeface="Courier New" panose="02070309020205020404" pitchFamily="49" charset="0"/>
-              </a:rPr>
-              <a:t>keyPressed</a:t>
-            </a:r>
-            <a:r>
-              <a:rPr lang="en-US" sz="1700" b="1" dirty="0">
-                <a:latin typeface="Courier New" panose="02070309020205020404" pitchFamily="49" charset="0"/>
-                <a:ea typeface="Tahoma" panose="020B0604030504040204" pitchFamily="34" charset="0"/>
-                <a:cs typeface="Courier New" panose="02070309020205020404" pitchFamily="49" charset="0"/>
-              </a:rPr>
-              <a:t>(){</a:t>
-            </a:r>
-          </a:p>
-          <a:p>
-            <a:pPr marL="0" indent="0">
-              <a:buNone/>
-              <a:defRPr/>
-            </a:pPr>
-            <a:r>
-              <a:rPr lang="en-US" sz="1700" b="1" dirty="0">
-                <a:latin typeface="Courier New" panose="02070309020205020404" pitchFamily="49" charset="0"/>
-                <a:ea typeface="Tahoma" panose="020B0604030504040204" pitchFamily="34" charset="0"/>
-                <a:cs typeface="Courier New" panose="02070309020205020404" pitchFamily="49" charset="0"/>
-              </a:rPr>
-              <a:t>	if(</a:t>
-            </a:r>
-            <a:r>
-              <a:rPr lang="en-US" sz="1700" b="1" dirty="0" err="1">
-                <a:latin typeface="Courier New" panose="02070309020205020404" pitchFamily="49" charset="0"/>
-                <a:ea typeface="Tahoma" panose="020B0604030504040204" pitchFamily="34" charset="0"/>
-                <a:cs typeface="Courier New" panose="02070309020205020404" pitchFamily="49" charset="0"/>
-              </a:rPr>
-              <a:t>keyCode</a:t>
-            </a:r>
-            <a:r>
-              <a:rPr lang="en-US" sz="1700" b="1" dirty="0">
-                <a:latin typeface="Courier New" panose="02070309020205020404" pitchFamily="49" charset="0"/>
-                <a:ea typeface="Tahoma" panose="020B0604030504040204" pitchFamily="34" charset="0"/>
-                <a:cs typeface="Courier New" panose="02070309020205020404" pitchFamily="49" charset="0"/>
-              </a:rPr>
-              <a:t> == RIGHT)</a:t>
-            </a:r>
-          </a:p>
-          <a:p>
-            <a:pPr marL="0" indent="0">
-              <a:buNone/>
-              <a:defRPr/>
-            </a:pPr>
-            <a:r>
-              <a:rPr lang="en-US" sz="1700" b="1" dirty="0">
-                <a:latin typeface="Courier New" panose="02070309020205020404" pitchFamily="49" charset="0"/>
-                <a:ea typeface="Tahoma" panose="020B0604030504040204" pitchFamily="34" charset="0"/>
-                <a:cs typeface="Courier New" panose="02070309020205020404" pitchFamily="49" charset="0"/>
-              </a:rPr>
-              <a:t>		</a:t>
-            </a:r>
-            <a:r>
-              <a:rPr lang="en-US" sz="1700" b="1" dirty="0" err="1">
-                <a:latin typeface="Courier New" panose="02070309020205020404" pitchFamily="49" charset="0"/>
-                <a:ea typeface="Tahoma" panose="020B0604030504040204" pitchFamily="34" charset="0"/>
-                <a:cs typeface="Courier New" panose="02070309020205020404" pitchFamily="49" charset="0"/>
-              </a:rPr>
-              <a:t>change_x</a:t>
-            </a:r>
-            <a:r>
-              <a:rPr lang="en-US" sz="1700" b="1" dirty="0">
-                <a:latin typeface="Courier New" panose="02070309020205020404" pitchFamily="49" charset="0"/>
-                <a:ea typeface="Tahoma" panose="020B0604030504040204" pitchFamily="34" charset="0"/>
-                <a:cs typeface="Courier New" panose="02070309020205020404" pitchFamily="49" charset="0"/>
-              </a:rPr>
-              <a:t> = 5;</a:t>
-            </a:r>
-          </a:p>
-          <a:p>
-            <a:pPr marL="0" indent="0">
-              <a:buNone/>
-              <a:defRPr/>
-            </a:pPr>
-            <a:r>
-              <a:rPr lang="en-US" sz="1700" b="1" dirty="0">
-                <a:latin typeface="Courier New" panose="02070309020205020404" pitchFamily="49" charset="0"/>
-                <a:ea typeface="Tahoma" panose="020B0604030504040204" pitchFamily="34" charset="0"/>
-                <a:cs typeface="Courier New" panose="02070309020205020404" pitchFamily="49" charset="0"/>
-              </a:rPr>
-              <a:t>	…</a:t>
-            </a:r>
-          </a:p>
-          <a:p>
-            <a:pPr marL="0" indent="0">
-              <a:buNone/>
-              <a:defRPr/>
-            </a:pPr>
-            <a:r>
-              <a:rPr lang="en-US" sz="1700" b="1" dirty="0">
-                <a:latin typeface="Courier New" panose="02070309020205020404" pitchFamily="49" charset="0"/>
-                <a:ea typeface="Tahoma" panose="020B0604030504040204" pitchFamily="34" charset="0"/>
-                <a:cs typeface="Courier New" panose="02070309020205020404" pitchFamily="49" charset="0"/>
-              </a:rPr>
-              <a:t>}</a:t>
-            </a:r>
-          </a:p>
-          <a:p>
-            <a:pPr marL="0" indent="0">
-              <a:buNone/>
-              <a:defRPr/>
-            </a:pPr>
-            <a:r>
-              <a:rPr lang="en-US" sz="1700" b="1" dirty="0">
-                <a:latin typeface="Courier New" panose="02070309020205020404" pitchFamily="49" charset="0"/>
-                <a:ea typeface="Tahoma" panose="020B0604030504040204" pitchFamily="34" charset="0"/>
-                <a:cs typeface="Courier New" panose="02070309020205020404" pitchFamily="49" charset="0"/>
-              </a:rPr>
-              <a:t>void </a:t>
-            </a:r>
-            <a:r>
-              <a:rPr lang="en-US" sz="1700" b="1" dirty="0" err="1">
-                <a:latin typeface="Courier New" panose="02070309020205020404" pitchFamily="49" charset="0"/>
-                <a:ea typeface="Tahoma" panose="020B0604030504040204" pitchFamily="34" charset="0"/>
-                <a:cs typeface="Courier New" panose="02070309020205020404" pitchFamily="49" charset="0"/>
-              </a:rPr>
-              <a:t>keyReleased</a:t>
-            </a:r>
-            <a:r>
-              <a:rPr lang="en-US" sz="1700" b="1" dirty="0">
-                <a:latin typeface="Courier New" panose="02070309020205020404" pitchFamily="49" charset="0"/>
-                <a:ea typeface="Tahoma" panose="020B0604030504040204" pitchFamily="34" charset="0"/>
-                <a:cs typeface="Courier New" panose="02070309020205020404" pitchFamily="49" charset="0"/>
-              </a:rPr>
-              <a:t>(){</a:t>
-            </a:r>
-          </a:p>
-          <a:p>
-            <a:pPr marL="0" indent="0">
-              <a:buNone/>
-              <a:defRPr/>
-            </a:pPr>
-            <a:r>
-              <a:rPr lang="en-US" sz="1700" b="1" dirty="0">
-                <a:latin typeface="Courier New" panose="02070309020205020404" pitchFamily="49" charset="0"/>
-                <a:ea typeface="Tahoma" panose="020B0604030504040204" pitchFamily="34" charset="0"/>
-                <a:cs typeface="Courier New" panose="02070309020205020404" pitchFamily="49" charset="0"/>
-              </a:rPr>
-              <a:t>	if(</a:t>
-            </a:r>
-            <a:r>
-              <a:rPr lang="en-US" sz="1700" b="1" dirty="0" err="1">
-                <a:latin typeface="Courier New" panose="02070309020205020404" pitchFamily="49" charset="0"/>
-                <a:ea typeface="Tahoma" panose="020B0604030504040204" pitchFamily="34" charset="0"/>
-                <a:cs typeface="Courier New" panose="02070309020205020404" pitchFamily="49" charset="0"/>
-              </a:rPr>
-              <a:t>keyCode</a:t>
-            </a:r>
-            <a:r>
-              <a:rPr lang="en-US" sz="1700" b="1" dirty="0">
-                <a:latin typeface="Courier New" panose="02070309020205020404" pitchFamily="49" charset="0"/>
-                <a:ea typeface="Tahoma" panose="020B0604030504040204" pitchFamily="34" charset="0"/>
-                <a:cs typeface="Courier New" panose="02070309020205020404" pitchFamily="49" charset="0"/>
-              </a:rPr>
-              <a:t> == RIGHT)</a:t>
-            </a:r>
-          </a:p>
-          <a:p>
-            <a:pPr marL="0" indent="0">
-              <a:buNone/>
-              <a:defRPr/>
-            </a:pPr>
-            <a:r>
-              <a:rPr lang="en-US" sz="1700" b="1" dirty="0">
-                <a:latin typeface="Courier New" panose="02070309020205020404" pitchFamily="49" charset="0"/>
-                <a:ea typeface="Tahoma" panose="020B0604030504040204" pitchFamily="34" charset="0"/>
-                <a:cs typeface="Courier New" panose="02070309020205020404" pitchFamily="49" charset="0"/>
-              </a:rPr>
-              <a:t>		</a:t>
-            </a:r>
-            <a:r>
-              <a:rPr lang="en-US" sz="1700" b="1" dirty="0" err="1">
-                <a:latin typeface="Courier New" panose="02070309020205020404" pitchFamily="49" charset="0"/>
-                <a:ea typeface="Tahoma" panose="020B0604030504040204" pitchFamily="34" charset="0"/>
-                <a:cs typeface="Courier New" panose="02070309020205020404" pitchFamily="49" charset="0"/>
-              </a:rPr>
-              <a:t>change_x</a:t>
-            </a:r>
-            <a:r>
-              <a:rPr lang="en-US" sz="1700" b="1" dirty="0">
-                <a:latin typeface="Courier New" panose="02070309020205020404" pitchFamily="49" charset="0"/>
-                <a:ea typeface="Tahoma" panose="020B0604030504040204" pitchFamily="34" charset="0"/>
-                <a:cs typeface="Courier New" panose="02070309020205020404" pitchFamily="49" charset="0"/>
-              </a:rPr>
-              <a:t> = 0;</a:t>
-            </a:r>
-          </a:p>
-          <a:p>
-            <a:pPr marL="0" indent="0">
-              <a:buNone/>
-              <a:defRPr/>
-            </a:pPr>
-            <a:r>
-              <a:rPr lang="en-US" sz="1700" b="1" dirty="0">
-                <a:latin typeface="Courier New" panose="02070309020205020404" pitchFamily="49" charset="0"/>
-                <a:ea typeface="Tahoma" panose="020B0604030504040204" pitchFamily="34" charset="0"/>
-                <a:cs typeface="Courier New" panose="02070309020205020404" pitchFamily="49" charset="0"/>
-              </a:rPr>
-              <a:t>}</a:t>
-            </a:r>
-          </a:p>
-          <a:p>
-            <a:pPr marL="0" indent="0">
-              <a:buNone/>
-              <a:defRPr/>
-            </a:pPr>
-            <a:r>
-              <a:rPr lang="en-US" sz="1700" b="1" dirty="0">
-                <a:latin typeface="Tahoma" panose="020B0604030504040204" pitchFamily="34" charset="0"/>
-                <a:ea typeface="Tahoma" panose="020B0604030504040204" pitchFamily="34" charset="0"/>
-                <a:cs typeface="Tahoma" panose="020B0604030504040204" pitchFamily="34" charset="0"/>
-              </a:rPr>
-              <a:t> </a:t>
-            </a:r>
-            <a:br>
-              <a:rPr lang="en-US" sz="1700" b="1" dirty="0">
-                <a:latin typeface="Tahoma" panose="020B0604030504040204" pitchFamily="34" charset="0"/>
-                <a:ea typeface="Tahoma" panose="020B0604030504040204" pitchFamily="34" charset="0"/>
-                <a:cs typeface="Tahoma" panose="020B0604030504040204" pitchFamily="34" charset="0"/>
-              </a:rPr>
-            </a:br>
-            <a:endParaRPr lang="en-US" sz="1700" b="1" dirty="0">
-              <a:latin typeface="Tahoma" panose="020B0604030504040204" pitchFamily="34" charset="0"/>
-              <a:ea typeface="Tahoma" panose="020B0604030504040204" pitchFamily="34" charset="0"/>
-              <a:cs typeface="Tahoma" panose="020B0604030504040204" pitchFamily="34" charset="0"/>
-            </a:endParaRPr>
-          </a:p>
-          <a:p>
-            <a:pPr marL="0" indent="0">
-              <a:buNone/>
-              <a:defRPr/>
-            </a:pPr>
-            <a:endParaRPr lang="en-US" sz="1700" b="1" dirty="0">
-              <a:latin typeface="Tahoma" panose="020B0604030504040204" pitchFamily="34" charset="0"/>
-              <a:ea typeface="Tahoma" panose="020B0604030504040204" pitchFamily="34" charset="0"/>
-              <a:cs typeface="Tahoma" panose="020B0604030504040204" pitchFamily="34" charset="0"/>
-            </a:endParaRPr>
-          </a:p>
-        </p:txBody>
-      </p:sp>
-      <p:sp>
-        <p:nvSpPr>
-          <p:cNvPr id="4" name="Title 1">
-            <a:extLst>
-              <a:ext uri="{FF2B5EF4-FFF2-40B4-BE49-F238E27FC236}">
-                <a16:creationId xmlns:a16="http://schemas.microsoft.com/office/drawing/2014/main" id="{5180DD97-6C9D-934A-9866-DD38BE145E87}"/>
-              </a:ext>
-            </a:extLst>
-          </p:cNvPr>
-          <p:cNvSpPr txBox="1">
-            <a:spLocks/>
-          </p:cNvSpPr>
-          <p:nvPr/>
-        </p:nvSpPr>
-        <p:spPr>
-          <a:xfrm>
-            <a:off x="209550" y="98061"/>
-            <a:ext cx="6693068" cy="555082"/>
-          </a:xfrm>
-          <a:prstGeom prst="rect">
-            <a:avLst/>
-          </a:prstGeom>
-        </p:spPr>
-        <p:txBody>
-          <a:bodyPr/>
-          <a:lstStyle>
-            <a:lvl1pPr algn="l" defTabSz="342900" rtl="0" eaLnBrk="1" latinLnBrk="0" hangingPunct="1">
-              <a:spcBef>
-                <a:spcPct val="0"/>
-              </a:spcBef>
-              <a:buNone/>
-              <a:defRPr sz="2700" kern="1200">
-                <a:solidFill>
-                  <a:schemeClr val="tx1">
-                    <a:lumMod val="85000"/>
-                    <a:lumOff val="15000"/>
-                  </a:schemeClr>
-                </a:solidFill>
-                <a:latin typeface="+mj-lt"/>
-                <a:ea typeface="+mj-ea"/>
-                <a:cs typeface="+mj-cs"/>
-              </a:defRPr>
-            </a:lvl1pPr>
-            <a:lvl2pPr eaLnBrk="1" hangingPunct="1">
-              <a:defRPr>
-                <a:solidFill>
-                  <a:schemeClr val="tx2"/>
-                </a:solidFill>
-              </a:defRPr>
-            </a:lvl2pPr>
-            <a:lvl3pPr eaLnBrk="1" hangingPunct="1">
-              <a:defRPr>
-                <a:solidFill>
-                  <a:schemeClr val="tx2"/>
-                </a:solidFill>
-              </a:defRPr>
-            </a:lvl3pPr>
-            <a:lvl4pPr eaLnBrk="1" hangingPunct="1">
-              <a:defRPr>
-                <a:solidFill>
-                  <a:schemeClr val="tx2"/>
-                </a:solidFill>
-              </a:defRPr>
-            </a:lvl4pPr>
-            <a:lvl5pPr eaLnBrk="1" hangingPunct="1">
-              <a:defRPr>
-                <a:solidFill>
-                  <a:schemeClr val="tx2"/>
-                </a:solidFill>
-              </a:defRPr>
-            </a:lvl5pPr>
-            <a:lvl6pPr eaLnBrk="1" hangingPunct="1">
-              <a:defRPr>
-                <a:solidFill>
-                  <a:schemeClr val="tx2"/>
-                </a:solidFill>
-              </a:defRPr>
-            </a:lvl6pPr>
-            <a:lvl7pPr eaLnBrk="1" hangingPunct="1">
-              <a:defRPr>
-                <a:solidFill>
-                  <a:schemeClr val="tx2"/>
-                </a:solidFill>
-              </a:defRPr>
-            </a:lvl7pPr>
-            <a:lvl8pPr eaLnBrk="1" hangingPunct="1">
-              <a:defRPr>
-                <a:solidFill>
-                  <a:schemeClr val="tx2"/>
-                </a:solidFill>
-              </a:defRPr>
-            </a:lvl8pPr>
-            <a:lvl9pPr eaLnBrk="1" hangingPunct="1">
-              <a:defRPr>
-                <a:solidFill>
-                  <a:schemeClr val="tx2"/>
-                </a:solidFill>
-              </a:defRPr>
-            </a:lvl9pPr>
-          </a:lstStyle>
-          <a:p>
-            <a:pPr>
-              <a:defRPr/>
-            </a:pPr>
-            <a:r>
-              <a:rPr lang="en-US" dirty="0"/>
-              <a:t>Controlling a Character</a:t>
-            </a:r>
-          </a:p>
-        </p:txBody>
-      </p:sp>
-    </p:spTree>
-    <p:extLst>
-      <p:ext uri="{BB962C8B-B14F-4D97-AF65-F5344CB8AC3E}">
-        <p14:creationId xmlns:p14="http://schemas.microsoft.com/office/powerpoint/2010/main" val="3275695513"/>
-      </p:ext>
-    </p:extLst>
-  </p:cSld>
-  <p:clrMapOvr>
-    <a:masterClrMapping/>
-  </p:clrMapOvr>
-  <p:transition/>
-</p:sld>
-</file>
-
-<file path=ppt/slides/slide7.xml><?xml version="1.0" encoding="utf-8"?>
-<p:sld xmlns:a="http://schemas.openxmlformats.org/drawingml/2006/main" xmlns:r="http://schemas.openxmlformats.org/officeDocument/2006/relationships" xmlns:p="http://schemas.openxmlformats.org/presentationml/2006/main">
-  <p:cSld>
-    <p:spTree>
-      <p:nvGrpSpPr>
-        <p:cNvPr id="1" name=""/>
-        <p:cNvGrpSpPr/>
-        <p:nvPr/>
-      </p:nvGrpSpPr>
-      <p:grpSpPr>
-        <a:xfrm>
-          <a:off x="0" y="0"/>
-          <a:ext cx="0" cy="0"/>
-          <a:chOff x="0" y="0"/>
-          <a:chExt cx="0" cy="0"/>
-        </a:xfrm>
-      </p:grpSpPr>
-      <p:sp>
-        <p:nvSpPr>
-          <p:cNvPr id="22529" name="Rectangle 2">
-            <a:extLst>
-              <a:ext uri="{FF2B5EF4-FFF2-40B4-BE49-F238E27FC236}">
-                <a16:creationId xmlns:a16="http://schemas.microsoft.com/office/drawing/2014/main" id="{8FC9BF54-BC5C-D541-BCD1-D99DA9E7A890}"/>
-              </a:ext>
-            </a:extLst>
-          </p:cNvPr>
-          <p:cNvSpPr>
-            <a:spLocks noGrp="1" noChangeArrowheads="1"/>
-          </p:cNvSpPr>
-          <p:nvPr>
-            <p:ph type="title" idx="4294967295"/>
-          </p:nvPr>
-        </p:nvSpPr>
-        <p:spPr>
-          <a:xfrm>
-            <a:off x="173044" y="100992"/>
-            <a:ext cx="6683765" cy="494892"/>
-          </a:xfrm>
-        </p:spPr>
-        <p:txBody>
-          <a:bodyPr vert="horz" lIns="0" tIns="45720" rIns="0" bIns="0" rtlCol="0" anchor="b">
-            <a:normAutofit/>
-          </a:bodyPr>
-          <a:lstStyle/>
-          <a:p>
-            <a:pPr eaLnBrk="1" hangingPunct="1"/>
-            <a:r>
-              <a:rPr lang="en-US" altLang="en-US" dirty="0" err="1">
-                <a:ea typeface="ＭＳ Ｐゴシック" panose="020B0600070205080204" pitchFamily="34" charset="-128"/>
-              </a:rPr>
-              <a:t>on_key_press</a:t>
-            </a:r>
-            <a:endParaRPr lang="en-US" altLang="en-US" dirty="0">
-              <a:ea typeface="ＭＳ Ｐゴシック" panose="020B0600070205080204" pitchFamily="34" charset="-128"/>
-            </a:endParaRPr>
-          </a:p>
-        </p:txBody>
-      </p:sp>
-      <p:sp>
-        <p:nvSpPr>
-          <p:cNvPr id="62467" name="Rectangle 3">
-            <a:extLst>
-              <a:ext uri="{FF2B5EF4-FFF2-40B4-BE49-F238E27FC236}">
-                <a16:creationId xmlns:a16="http://schemas.microsoft.com/office/drawing/2014/main" id="{1D575D20-594C-2945-B2F4-512D3B748F19}"/>
-              </a:ext>
-            </a:extLst>
-          </p:cNvPr>
-          <p:cNvSpPr>
-            <a:spLocks noGrp="1" noChangeArrowheads="1"/>
-          </p:cNvSpPr>
-          <p:nvPr>
-            <p:ph idx="4294967295"/>
-          </p:nvPr>
-        </p:nvSpPr>
-        <p:spPr>
-          <a:xfrm>
-            <a:off x="173044" y="714375"/>
-            <a:ext cx="8837606" cy="4899633"/>
-          </a:xfrm>
-        </p:spPr>
-        <p:txBody>
-          <a:bodyPr/>
-          <a:lstStyle/>
-          <a:p>
-            <a:pPr marL="0" indent="0">
-              <a:lnSpc>
-                <a:spcPct val="90000"/>
-              </a:lnSpc>
-              <a:buNone/>
-            </a:pPr>
-            <a:endParaRPr lang="en-US" altLang="en-US" sz="1833" dirty="0">
-              <a:solidFill>
-                <a:srgbClr val="000000"/>
-              </a:solidFill>
-              <a:ea typeface="ＭＳ Ｐゴシック" panose="020B0600070205080204" pitchFamily="34" charset="-128"/>
-            </a:endParaRPr>
-          </a:p>
-          <a:p>
-            <a:pPr marL="0" indent="0">
-              <a:lnSpc>
-                <a:spcPct val="90000"/>
-              </a:lnSpc>
-              <a:buNone/>
-            </a:pPr>
-            <a:r>
-              <a:rPr lang="en-US" altLang="en-US" sz="1833" dirty="0">
-                <a:solidFill>
-                  <a:srgbClr val="000000"/>
-                </a:solidFill>
-                <a:ea typeface="ＭＳ Ｐゴシック" panose="020B0600070205080204" pitchFamily="34" charset="-128"/>
-              </a:rPr>
-              <a:t>The </a:t>
-            </a:r>
-            <a:r>
-              <a:rPr lang="en-US" altLang="en-US" sz="1833" dirty="0" err="1">
-                <a:solidFill>
-                  <a:srgbClr val="000000"/>
-                </a:solidFill>
-                <a:latin typeface="Courier New" panose="02070309020205020404" pitchFamily="49" charset="0"/>
-                <a:ea typeface="ＭＳ Ｐゴシック" panose="020B0600070205080204" pitchFamily="34" charset="-128"/>
-              </a:rPr>
-              <a:t>on_update</a:t>
-            </a:r>
-            <a:r>
-              <a:rPr lang="en-US" altLang="en-US" sz="1833" dirty="0">
-                <a:solidFill>
-                  <a:srgbClr val="000000"/>
-                </a:solidFill>
-                <a:latin typeface="Courier New" panose="02070309020205020404" pitchFamily="49" charset="0"/>
-                <a:ea typeface="ＭＳ Ｐゴシック" panose="020B0600070205080204" pitchFamily="34" charset="-128"/>
-              </a:rPr>
-              <a:t>() and </a:t>
-            </a:r>
-            <a:r>
-              <a:rPr lang="en-US" altLang="en-US" sz="1833" dirty="0" err="1">
-                <a:solidFill>
-                  <a:srgbClr val="000000"/>
-                </a:solidFill>
-                <a:latin typeface="Courier New" panose="02070309020205020404" pitchFamily="49" charset="0"/>
-                <a:ea typeface="ＭＳ Ｐゴシック" panose="020B0600070205080204" pitchFamily="34" charset="-128"/>
-              </a:rPr>
-              <a:t>on_draw</a:t>
-            </a:r>
-            <a:r>
-              <a:rPr lang="en-US" altLang="en-US" sz="1833" dirty="0">
-                <a:solidFill>
-                  <a:srgbClr val="000000"/>
-                </a:solidFill>
-                <a:latin typeface="Courier New" panose="02070309020205020404" pitchFamily="49" charset="0"/>
-                <a:ea typeface="ＭＳ Ｐゴシック" panose="020B0600070205080204" pitchFamily="34" charset="-128"/>
-              </a:rPr>
-              <a:t>() </a:t>
-            </a:r>
-            <a:r>
-              <a:rPr lang="en-US" altLang="en-US" sz="1833" dirty="0">
-                <a:solidFill>
-                  <a:srgbClr val="000000"/>
-                </a:solidFill>
-                <a:ea typeface="ＭＳ Ｐゴシック" panose="020B0600070205080204" pitchFamily="34" charset="-128"/>
-              </a:rPr>
-              <a:t>loops run continuously until they are interrupted by an event, for example, a keyboard or mouse event. </a:t>
-            </a:r>
-          </a:p>
-          <a:p>
-            <a:pPr marL="0" indent="0">
-              <a:lnSpc>
-                <a:spcPct val="90000"/>
-              </a:lnSpc>
-              <a:buNone/>
-            </a:pPr>
-            <a:endParaRPr lang="en-US" altLang="en-US" sz="1833" dirty="0">
-              <a:solidFill>
-                <a:srgbClr val="000000"/>
-              </a:solidFill>
-              <a:ea typeface="ＭＳ Ｐゴシック" panose="020B0600070205080204" pitchFamily="34" charset="-128"/>
-            </a:endParaRPr>
-          </a:p>
-          <a:p>
-            <a:pPr marL="0" indent="0">
-              <a:buNone/>
-            </a:pPr>
-            <a:r>
-              <a:rPr lang="en-US" altLang="en-US" sz="1833" dirty="0">
-                <a:solidFill>
-                  <a:srgbClr val="000000"/>
-                </a:solidFill>
-                <a:ea typeface="ＭＳ Ｐゴシック" panose="020B0600070205080204" pitchFamily="34" charset="-128"/>
-              </a:rPr>
-              <a:t>If a key is pressed, </a:t>
-            </a:r>
-            <a:r>
-              <a:rPr lang="en-US" altLang="en-US" sz="1833" dirty="0" err="1">
-                <a:solidFill>
-                  <a:srgbClr val="000000"/>
-                </a:solidFill>
-                <a:latin typeface="Courier New" panose="02070309020205020404" pitchFamily="49" charset="0"/>
-                <a:ea typeface="ＭＳ Ｐゴシック" panose="020B0600070205080204" pitchFamily="34" charset="-128"/>
-              </a:rPr>
-              <a:t>on_update</a:t>
-            </a:r>
-            <a:r>
-              <a:rPr lang="en-US" altLang="en-US" sz="1833" dirty="0">
-                <a:solidFill>
-                  <a:srgbClr val="000000"/>
-                </a:solidFill>
-                <a:latin typeface="Courier New" panose="02070309020205020404" pitchFamily="49" charset="0"/>
-                <a:ea typeface="ＭＳ Ｐゴシック" panose="020B0600070205080204" pitchFamily="34" charset="-128"/>
-              </a:rPr>
-              <a:t>() </a:t>
-            </a:r>
-            <a:r>
-              <a:rPr lang="en-US" altLang="en-US" sz="1833" dirty="0">
-                <a:solidFill>
-                  <a:srgbClr val="000000"/>
-                </a:solidFill>
-                <a:latin typeface="Gill Sans MT" panose="020B0502020104020203" pitchFamily="34" charset="77"/>
-                <a:ea typeface="ＭＳ Ｐゴシック" panose="020B0600070205080204" pitchFamily="34" charset="-128"/>
-              </a:rPr>
-              <a:t>and</a:t>
-            </a:r>
-            <a:r>
-              <a:rPr lang="en-US" altLang="en-US" sz="1833" dirty="0">
-                <a:solidFill>
-                  <a:srgbClr val="000000"/>
-                </a:solidFill>
-                <a:latin typeface="Courier New" panose="02070309020205020404" pitchFamily="49" charset="0"/>
-                <a:ea typeface="ＭＳ Ｐゴシック" panose="020B0600070205080204" pitchFamily="34" charset="-128"/>
-              </a:rPr>
-              <a:t> </a:t>
-            </a:r>
-            <a:r>
-              <a:rPr lang="en-US" altLang="en-US" sz="1833" dirty="0" err="1">
-                <a:solidFill>
-                  <a:srgbClr val="000000"/>
-                </a:solidFill>
-                <a:latin typeface="Courier New" panose="02070309020205020404" pitchFamily="49" charset="0"/>
-                <a:ea typeface="ＭＳ Ｐゴシック" panose="020B0600070205080204" pitchFamily="34" charset="-128"/>
-              </a:rPr>
-              <a:t>on_draw</a:t>
-            </a:r>
-            <a:r>
-              <a:rPr lang="en-US" altLang="en-US" sz="1833" dirty="0">
-                <a:solidFill>
-                  <a:srgbClr val="000000"/>
-                </a:solidFill>
-                <a:latin typeface="Courier New" panose="02070309020205020404" pitchFamily="49" charset="0"/>
-                <a:ea typeface="ＭＳ Ｐゴシック" panose="020B0600070205080204" pitchFamily="34" charset="-128"/>
-              </a:rPr>
-              <a:t>() </a:t>
-            </a:r>
-            <a:r>
-              <a:rPr lang="en-US" altLang="en-US" sz="1833" dirty="0">
-                <a:solidFill>
-                  <a:srgbClr val="000000"/>
-                </a:solidFill>
-                <a:ea typeface="ＭＳ Ｐゴシック" panose="020B0600070205080204" pitchFamily="34" charset="-128"/>
-              </a:rPr>
-              <a:t>temporarily halt, Processing then jump execution to the </a:t>
-            </a:r>
-            <a:r>
-              <a:rPr lang="en-US" altLang="en-US" sz="1833" dirty="0" err="1">
-                <a:solidFill>
-                  <a:srgbClr val="000000"/>
-                </a:solidFill>
-                <a:ea typeface="ＭＳ Ｐゴシック" panose="020B0600070205080204" pitchFamily="34" charset="-128"/>
-              </a:rPr>
-              <a:t>on_key_press</a:t>
-            </a:r>
-            <a:r>
-              <a:rPr lang="en-US" altLang="en-US" sz="1833" dirty="0">
-                <a:solidFill>
-                  <a:srgbClr val="000000"/>
-                </a:solidFill>
-                <a:latin typeface="Courier New" panose="02070309020205020404" pitchFamily="49" charset="0"/>
-                <a:ea typeface="ＭＳ Ｐゴシック" panose="020B0600070205080204" pitchFamily="34" charset="-128"/>
-              </a:rPr>
-              <a:t>()</a:t>
-            </a:r>
-            <a:r>
-              <a:rPr lang="en-US" altLang="en-US" sz="1833" dirty="0">
-                <a:solidFill>
-                  <a:srgbClr val="000000"/>
-                </a:solidFill>
-                <a:ea typeface="ＭＳ Ｐゴシック" panose="020B0600070205080204" pitchFamily="34" charset="-128"/>
-              </a:rPr>
-              <a:t> function, runs the function’s code then return control to the </a:t>
-            </a:r>
-            <a:r>
-              <a:rPr lang="en-US" altLang="en-US" sz="1833" dirty="0" err="1">
-                <a:solidFill>
-                  <a:srgbClr val="000000"/>
-                </a:solidFill>
-                <a:latin typeface="Courier New" panose="02070309020205020404" pitchFamily="49" charset="0"/>
-                <a:ea typeface="ＭＳ Ｐゴシック" panose="020B0600070205080204" pitchFamily="34" charset="-128"/>
-              </a:rPr>
-              <a:t>on_update</a:t>
-            </a:r>
-            <a:r>
-              <a:rPr lang="en-US" altLang="en-US" sz="1833" dirty="0">
-                <a:solidFill>
-                  <a:srgbClr val="000000"/>
-                </a:solidFill>
-                <a:latin typeface="Courier New" panose="02070309020205020404" pitchFamily="49" charset="0"/>
-                <a:ea typeface="ＭＳ Ｐゴシック" panose="020B0600070205080204" pitchFamily="34" charset="-128"/>
-              </a:rPr>
-              <a:t> and </a:t>
-            </a:r>
-            <a:r>
-              <a:rPr lang="en-US" altLang="en-US" sz="1833" dirty="0" err="1">
-                <a:solidFill>
-                  <a:srgbClr val="000000"/>
-                </a:solidFill>
-                <a:latin typeface="Courier New" panose="02070309020205020404" pitchFamily="49" charset="0"/>
-                <a:ea typeface="ＭＳ Ｐゴシック" panose="020B0600070205080204" pitchFamily="34" charset="-128"/>
-              </a:rPr>
-              <a:t>on_draw</a:t>
-            </a:r>
-            <a:r>
-              <a:rPr lang="en-US" altLang="en-US" sz="1833" dirty="0">
-                <a:solidFill>
-                  <a:srgbClr val="000000"/>
-                </a:solidFill>
-                <a:latin typeface="Courier New" panose="02070309020205020404" pitchFamily="49" charset="0"/>
-                <a:ea typeface="ＭＳ Ｐゴシック" panose="020B0600070205080204" pitchFamily="34" charset="-128"/>
-              </a:rPr>
-              <a:t> </a:t>
-            </a:r>
-            <a:r>
-              <a:rPr lang="en-US" altLang="en-US" sz="1833" dirty="0">
-                <a:solidFill>
-                  <a:srgbClr val="000000"/>
-                </a:solidFill>
-                <a:ea typeface="ＭＳ Ｐゴシック" panose="020B0600070205080204" pitchFamily="34" charset="-128"/>
-              </a:rPr>
-              <a:t> loops. </a:t>
-            </a:r>
-          </a:p>
-          <a:p>
-            <a:pPr marL="0" indent="0">
-              <a:buNone/>
-            </a:pPr>
-            <a:endParaRPr lang="en-US" altLang="en-US" sz="1833" dirty="0">
-              <a:solidFill>
-                <a:srgbClr val="000000"/>
-              </a:solidFill>
-              <a:ea typeface="ＭＳ Ｐゴシック" panose="020B0600070205080204" pitchFamily="34" charset="-128"/>
-            </a:endParaRPr>
-          </a:p>
-          <a:p>
-            <a:pPr marL="0" indent="0">
-              <a:buNone/>
-            </a:pPr>
-            <a:r>
-              <a:rPr lang="en-US" altLang="en-US" sz="1833" dirty="0">
-                <a:solidFill>
-                  <a:srgbClr val="000000"/>
-                </a:solidFill>
-                <a:ea typeface="ＭＳ Ｐゴシック" panose="020B0600070205080204" pitchFamily="34" charset="-128"/>
-              </a:rPr>
-              <a:t>The key that is pressed is store in the </a:t>
-            </a:r>
-            <a:r>
-              <a:rPr lang="en-US" altLang="en-US" sz="1833" dirty="0">
-                <a:solidFill>
-                  <a:srgbClr val="000000"/>
-                </a:solidFill>
-                <a:latin typeface="Courier New" panose="02070309020205020404" pitchFamily="49" charset="0"/>
-                <a:ea typeface="ＭＳ Ｐゴシック" panose="020B0600070205080204" pitchFamily="34" charset="-128"/>
-              </a:rPr>
-              <a:t>key</a:t>
-            </a:r>
-            <a:r>
-              <a:rPr lang="en-US" altLang="en-US" sz="1833" dirty="0">
-                <a:solidFill>
-                  <a:srgbClr val="000000"/>
-                </a:solidFill>
-                <a:ea typeface="ＭＳ Ｐゴシック" panose="020B0600070205080204" pitchFamily="34" charset="-128"/>
-              </a:rPr>
-              <a:t> variable.</a:t>
-            </a:r>
-          </a:p>
-          <a:p>
-            <a:pPr marL="0" indent="0">
-              <a:lnSpc>
-                <a:spcPct val="90000"/>
-              </a:lnSpc>
-              <a:buNone/>
-            </a:pPr>
-            <a:endParaRPr lang="en-US" altLang="en-US" sz="1833" dirty="0">
-              <a:solidFill>
-                <a:srgbClr val="000000"/>
-              </a:solidFill>
-              <a:ea typeface="ＭＳ Ｐゴシック" panose="020B0600070205080204" pitchFamily="34" charset="-128"/>
-            </a:endParaRPr>
-          </a:p>
-          <a:p>
-            <a:pPr marL="0" indent="0">
-              <a:lnSpc>
-                <a:spcPct val="90000"/>
-              </a:lnSpc>
-              <a:buNone/>
-            </a:pPr>
-            <a:r>
-              <a:rPr lang="en-US" altLang="en-US" sz="1833" dirty="0">
-                <a:solidFill>
-                  <a:srgbClr val="000000"/>
-                </a:solidFill>
-                <a:ea typeface="ＭＳ Ｐゴシック" panose="020B0600070205080204" pitchFamily="34" charset="-128"/>
-              </a:rPr>
-              <a:t>Similarly, if a key is released, </a:t>
-            </a:r>
-            <a:r>
-              <a:rPr lang="en-US" altLang="en-US" sz="1833" dirty="0" err="1">
-                <a:solidFill>
-                  <a:srgbClr val="000000"/>
-                </a:solidFill>
-                <a:latin typeface="Courier New" panose="02070309020205020404" pitchFamily="49" charset="0"/>
-                <a:ea typeface="ＭＳ Ｐゴシック" panose="020B0600070205080204" pitchFamily="34" charset="-128"/>
-              </a:rPr>
-              <a:t>on_key_release</a:t>
-            </a:r>
-            <a:r>
-              <a:rPr lang="en-US" altLang="en-US" sz="1833" dirty="0">
-                <a:solidFill>
-                  <a:srgbClr val="000000"/>
-                </a:solidFill>
-                <a:latin typeface="Courier New" panose="02070309020205020404" pitchFamily="49" charset="0"/>
-                <a:ea typeface="ＭＳ Ｐゴシック" panose="020B0600070205080204" pitchFamily="34" charset="-128"/>
-              </a:rPr>
-              <a:t>() </a:t>
-            </a:r>
-            <a:r>
-              <a:rPr lang="en-US" altLang="en-US" sz="1833" dirty="0">
-                <a:solidFill>
-                  <a:srgbClr val="000000"/>
-                </a:solidFill>
-                <a:ea typeface="ＭＳ Ｐゴシック" panose="020B0600070205080204" pitchFamily="34" charset="-128"/>
-              </a:rPr>
-              <a:t>is called. </a:t>
-            </a:r>
-          </a:p>
-          <a:p>
-            <a:pPr marL="0" indent="0">
-              <a:lnSpc>
-                <a:spcPct val="90000"/>
-              </a:lnSpc>
-              <a:buNone/>
-            </a:pPr>
-            <a:endParaRPr lang="en-US" altLang="en-US" sz="1833" dirty="0">
-              <a:solidFill>
-                <a:srgbClr val="000000"/>
-              </a:solidFill>
-              <a:ea typeface="ＭＳ Ｐゴシック" panose="020B0600070205080204" pitchFamily="34" charset="-128"/>
-            </a:endParaRPr>
-          </a:p>
-          <a:p>
-            <a:pPr marL="0" indent="0">
-              <a:lnSpc>
-                <a:spcPct val="90000"/>
-              </a:lnSpc>
-              <a:buNone/>
-            </a:pPr>
-            <a:endParaRPr lang="en-US" altLang="en-US" sz="1833" dirty="0">
-              <a:solidFill>
-                <a:srgbClr val="000000"/>
-              </a:solidFill>
-              <a:ea typeface="ＭＳ Ｐゴシック" panose="020B0600070205080204" pitchFamily="34" charset="-128"/>
-            </a:endParaRPr>
-          </a:p>
-          <a:p>
-            <a:pPr marL="0" indent="0">
-              <a:lnSpc>
-                <a:spcPct val="90000"/>
-              </a:lnSpc>
-              <a:buNone/>
-            </a:pPr>
-            <a:endParaRPr lang="en-US" altLang="en-US" sz="1833" dirty="0">
-              <a:solidFill>
-                <a:srgbClr val="000000"/>
-              </a:solidFill>
-              <a:ea typeface="ＭＳ Ｐゴシック" panose="020B0600070205080204" pitchFamily="34" charset="-128"/>
-            </a:endParaRPr>
-          </a:p>
-        </p:txBody>
-      </p:sp>
-    </p:spTree>
-    <p:extLst>
-      <p:ext uri="{BB962C8B-B14F-4D97-AF65-F5344CB8AC3E}">
-        <p14:creationId xmlns:p14="http://schemas.microsoft.com/office/powerpoint/2010/main" val="1587565841"/>
-      </p:ext>
-    </p:extLst>
-  </p:cSld>
-  <p:clrMapOvr>
-    <a:masterClrMapping/>
-  </p:clrMapOvr>
-  <p:transition/>
-  <p:timing>
-    <p:tnLst>
-      <p:par>
-        <p:cTn id="1" dur="indefinite" restart="never" nodeType="tmRoot">
-          <p:childTnLst>
-            <p:seq concurrent="1" nextAc="seek">
-              <p:cTn id="2" dur="indefinite" nodeType="mainSeq">
-                <p:childTnLst>
-                  <p:par>
-                    <p:cTn id="3" fill="hold" nodeType="clickPar">
-                      <p:stCondLst>
-                        <p:cond delay="indefinite"/>
-                      </p:stCondLst>
-                      <p:childTnLst>
-                        <p:par>
-                          <p:cTn id="4" fill="hold" nodeType="withGroup">
-                            <p:stCondLst>
-                              <p:cond delay="0"/>
-                            </p:stCondLst>
-                            <p:childTnLst>
-                              <p:par>
-                                <p:cTn id="5" presetID="1" presetClass="entr" presetSubtype="0" fill="hold" nodeType="clickEffect">
-                                  <p:stCondLst>
-                                    <p:cond delay="0"/>
-                                  </p:stCondLst>
-                                  <p:childTnLst>
-                                    <p:set>
-                                      <p:cBhvr>
-                                        <p:cTn id="6" dur="1" fill="hold">
-                                          <p:stCondLst>
-                                            <p:cond delay="0"/>
-                                          </p:stCondLst>
-                                        </p:cTn>
-                                        <p:tgtEl>
-                                          <p:spTgt spid="62467">
-                                            <p:txEl>
-                                              <p:pRg st="3" end="3"/>
-                                            </p:txEl>
-                                          </p:spTgt>
-                                        </p:tgtEl>
-                                        <p:attrNameLst>
-                                          <p:attrName>style.visibility</p:attrName>
-                                        </p:attrNameLst>
-                                      </p:cBhvr>
-                                      <p:to>
-                                        <p:strVal val="visible"/>
-                                      </p:to>
-                                    </p:set>
-                                  </p:childTnLst>
-                                </p:cTn>
-                              </p:par>
-                            </p:childTnLst>
-                          </p:cTn>
-                        </p:par>
-                      </p:childTnLst>
-                    </p:cTn>
-                  </p:par>
-                  <p:par>
-                    <p:cTn id="7" fill="hold">
-                      <p:stCondLst>
-                        <p:cond delay="indefinite"/>
-                      </p:stCondLst>
-                      <p:childTnLst>
-                        <p:par>
-                          <p:cTn id="8" fill="hold">
-                            <p:stCondLst>
-                              <p:cond delay="0"/>
-                            </p:stCondLst>
-                            <p:childTnLst>
-                              <p:par>
-                                <p:cTn id="9" presetID="1" presetClass="entr" presetSubtype="0" fill="hold" nodeType="clickEffect">
-                                  <p:stCondLst>
-                                    <p:cond delay="0"/>
-                                  </p:stCondLst>
-                                  <p:childTnLst>
-                                    <p:set>
-                                      <p:cBhvr>
-                                        <p:cTn id="10" dur="1" fill="hold">
-                                          <p:stCondLst>
-                                            <p:cond delay="0"/>
-                                          </p:stCondLst>
-                                        </p:cTn>
-                                        <p:tgtEl>
-                                          <p:spTgt spid="62467">
-                                            <p:txEl>
-                                              <p:pRg st="5" end="5"/>
-                                            </p:txEl>
-                                          </p:spTgt>
-                                        </p:tgtEl>
-                                        <p:attrNameLst>
-                                          <p:attrName>style.visibility</p:attrName>
-                                        </p:attrNameLst>
-                                      </p:cBhvr>
-                                      <p:to>
-                                        <p:strVal val="visible"/>
-                                      </p:to>
-                                    </p:set>
-                                  </p:childTnLst>
-                                </p:cTn>
-                              </p:par>
-                            </p:childTnLst>
-                          </p:cTn>
-                        </p:par>
-                      </p:childTnLst>
-                    </p:cTn>
-                  </p:par>
-                  <p:par>
-                    <p:cTn id="11" fill="hold" nodeType="clickPar">
-                      <p:stCondLst>
-                        <p:cond delay="indefinite"/>
-                      </p:stCondLst>
-                      <p:childTnLst>
-                        <p:par>
-                          <p:cTn id="12" fill="hold" nodeType="withGroup">
-                            <p:stCondLst>
-                              <p:cond delay="0"/>
-                            </p:stCondLst>
-                            <p:childTnLst>
-                              <p:par>
-                                <p:cTn id="13" presetID="1" presetClass="entr" presetSubtype="0" fill="hold" nodeType="clickEffect">
-                                  <p:stCondLst>
-                                    <p:cond delay="0"/>
-                                  </p:stCondLst>
-                                  <p:childTnLst>
-                                    <p:set>
-                                      <p:cBhvr>
-                                        <p:cTn id="14" dur="1" fill="hold">
-                                          <p:stCondLst>
-                                            <p:cond delay="0"/>
-                                          </p:stCondLst>
-                                        </p:cTn>
-                                        <p:tgtEl>
-                                          <p:spTgt spid="62467">
-                                            <p:txEl>
-                                              <p:pRg st="7" end="7"/>
-                                            </p:txEl>
-                                          </p:spTgt>
-                                        </p:tgtEl>
-                                        <p:attrNameLst>
-                                          <p:attrName>style.visibility</p:attrName>
-                                        </p:attrNameLst>
-                                      </p:cBhvr>
-                                      <p:to>
-                                        <p:strVal val="visible"/>
-                                      </p:to>
-                                    </p:set>
-                                  </p:childTnLst>
-                                </p:cTn>
-                              </p:par>
-                            </p:childTnLst>
-                          </p:cTn>
-                        </p:par>
-                      </p:childTnLst>
-                    </p:cTn>
-                  </p:par>
-                </p:childTnLst>
-              </p:cTn>
-              <p:prevCondLst>
-                <p:cond evt="onPrev" delay="0">
-                  <p:tgtEl>
-                    <p:sldTgt/>
-                  </p:tgtEl>
-                </p:cond>
-              </p:prevCondLst>
-              <p:nextCondLst>
-                <p:cond evt="onNext" delay="0">
-                  <p:tgtEl>
-                    <p:sldTgt/>
-                  </p:tgtEl>
-                </p:cond>
-              </p:nextCondLst>
-            </p:seq>
-          </p:childTnLst>
-        </p:cTn>
-      </p:par>
-    </p:tnLst>
-  </p:timing>
-</p:sld>
-</file>
-
-<file path=ppt/slides/slide8.xml><?xml version="1.0" encoding="utf-8"?>
 <p:sld xmlns:a="http://schemas.openxmlformats.org/drawingml/2006/main" xmlns:r="http://schemas.openxmlformats.org/officeDocument/2006/relationships" xmlns:p="http://schemas.openxmlformats.org/presentationml/2006/main">
   <p:cSld>
     <p:spTree>
@@ -12755,7 +10706,7 @@
 </p:sld>
 </file>
 
-<file path=ppt/slides/slide9.xml><?xml version="1.0" encoding="utf-8"?>
+<file path=ppt/slides/slide7.xml><?xml version="1.0" encoding="utf-8"?>
 <p:sld xmlns:a="http://schemas.openxmlformats.org/drawingml/2006/main" xmlns:r="http://schemas.openxmlformats.org/officeDocument/2006/relationships" xmlns:p="http://schemas.openxmlformats.org/presentationml/2006/main">
   <p:cSld>
     <p:spTree>
@@ -13164,6 +11115,130 @@
     <p:extLst>
       <p:ext uri="{BB962C8B-B14F-4D97-AF65-F5344CB8AC3E}">
         <p14:creationId xmlns:p14="http://schemas.microsoft.com/office/powerpoint/2010/main" val="1316208775"/>
+      </p:ext>
+    </p:extLst>
+  </p:cSld>
+  <p:clrMapOvr>
+    <a:masterClrMapping/>
+  </p:clrMapOvr>
+  <p:transition/>
+</p:sld>
+</file>
+
+<file path=ppt/slides/slide8.xml><?xml version="1.0" encoding="utf-8"?>
+<p:sld xmlns:a="http://schemas.openxmlformats.org/drawingml/2006/main" xmlns:r="http://schemas.openxmlformats.org/officeDocument/2006/relationships" xmlns:p="http://schemas.openxmlformats.org/presentationml/2006/main">
+  <p:cSld>
+    <p:spTree>
+      <p:nvGrpSpPr>
+        <p:cNvPr id="1" name=""/>
+        <p:cNvGrpSpPr/>
+        <p:nvPr/>
+      </p:nvGrpSpPr>
+      <p:grpSpPr>
+        <a:xfrm>
+          <a:off x="0" y="0"/>
+          <a:ext cx="0" cy="0"/>
+          <a:chOff x="0" y="0"/>
+          <a:chExt cx="0" cy="0"/>
+        </a:xfrm>
+      </p:grpSpPr>
+      <p:sp>
+        <p:nvSpPr>
+          <p:cNvPr id="35841" name="Rectangle 2">
+            <a:extLst>
+              <a:ext uri="{FF2B5EF4-FFF2-40B4-BE49-F238E27FC236}">
+                <a16:creationId xmlns:a16="http://schemas.microsoft.com/office/drawing/2014/main" id="{09D8876C-8F7A-C748-966B-672B36C17545}"/>
+              </a:ext>
+            </a:extLst>
+          </p:cNvPr>
+          <p:cNvSpPr>
+            <a:spLocks noGrp="1" noChangeArrowheads="1"/>
+          </p:cNvSpPr>
+          <p:nvPr>
+            <p:ph type="title"/>
+          </p:nvPr>
+        </p:nvSpPr>
+        <p:spPr>
+          <a:xfrm>
+            <a:off x="152400" y="123825"/>
+            <a:ext cx="7848600" cy="713582"/>
+          </a:xfrm>
+        </p:spPr>
+        <p:txBody>
+          <a:bodyPr/>
+          <a:lstStyle/>
+          <a:p>
+            <a:pPr eaLnBrk="1" hangingPunct="1"/>
+            <a:r>
+              <a:rPr lang="en-US" altLang="en-US" dirty="0">
+                <a:ea typeface="ＭＳ Ｐゴシック" panose="020B0600070205080204" pitchFamily="34" charset="-128"/>
+              </a:rPr>
+              <a:t>Control Sprite with Keyboard Lab</a:t>
+            </a:r>
+          </a:p>
+        </p:txBody>
+      </p:sp>
+      <p:sp>
+        <p:nvSpPr>
+          <p:cNvPr id="35842" name="Rectangle 3">
+            <a:extLst>
+              <a:ext uri="{FF2B5EF4-FFF2-40B4-BE49-F238E27FC236}">
+                <a16:creationId xmlns:a16="http://schemas.microsoft.com/office/drawing/2014/main" id="{C94BCA01-D831-ED4D-84FD-C30E8117F872}"/>
+              </a:ext>
+            </a:extLst>
+          </p:cNvPr>
+          <p:cNvSpPr>
+            <a:spLocks noGrp="1" noChangeArrowheads="1"/>
+          </p:cNvSpPr>
+          <p:nvPr>
+            <p:ph type="body" idx="1"/>
+          </p:nvPr>
+        </p:nvSpPr>
+        <p:spPr>
+          <a:xfrm>
+            <a:off x="152399" y="923926"/>
+            <a:ext cx="8715375" cy="4505324"/>
+          </a:xfrm>
+        </p:spPr>
+        <p:txBody>
+          <a:bodyPr/>
+          <a:lstStyle/>
+          <a:p>
+            <a:pPr marL="0" indent="0">
+              <a:buNone/>
+            </a:pPr>
+            <a:r>
+              <a:rPr lang="en-US" altLang="en-US" sz="2167" dirty="0">
+                <a:latin typeface="Gill Sans MT" panose="020B0502020104020203" pitchFamily="34" charset="77"/>
+                <a:ea typeface="ＭＳ Ｐゴシック" panose="020B0600070205080204" pitchFamily="34" charset="-128"/>
+              </a:rPr>
+              <a:t>Modify the previous "List of Sprite Objects" lab to allow for controlling the tank with keyboard inputs. </a:t>
+            </a:r>
+          </a:p>
+          <a:p>
+            <a:pPr marL="0" indent="0">
+              <a:buNone/>
+            </a:pPr>
+            <a:endParaRPr lang="en-US" altLang="en-US" sz="2167">
+              <a:latin typeface="Gill Sans MT" panose="020B0502020104020203" pitchFamily="34" charset="77"/>
+              <a:ea typeface="ＭＳ Ｐゴシック" panose="020B0600070205080204" pitchFamily="34" charset="-128"/>
+            </a:endParaRPr>
+          </a:p>
+          <a:p>
+            <a:pPr marL="0" indent="0">
+              <a:buNone/>
+            </a:pPr>
+            <a:endParaRPr lang="en-US" altLang="en-US" sz="2167" dirty="0">
+              <a:latin typeface="Gill Sans MT" panose="020B0502020104020203" pitchFamily="34" charset="77"/>
+              <a:ea typeface="ＭＳ Ｐゴシック" panose="020B0600070205080204" pitchFamily="34" charset="-128"/>
+            </a:endParaRPr>
+          </a:p>
+        </p:txBody>
+      </p:sp>
+    </p:spTree>
+    <p:extLst>
+      <p:ext uri="{BB962C8B-B14F-4D97-AF65-F5344CB8AC3E}">
+        <p14:creationId xmlns:p14="http://schemas.microsoft.com/office/powerpoint/2010/main" val="4104989124"/>
       </p:ext>
     </p:extLst>
   </p:cSld>

--- a/courses/apcsp/processing_arcade/processing2.pptx
+++ b/courses/apcsp/processing_arcade/processing2.pptx
@@ -125,7 +125,7 @@
 <file path=ppt/revisionInfo.xml><?xml version="1.0" encoding="utf-8"?>
 <p1510:revInfo xmlns:a="http://schemas.openxmlformats.org/drawingml/2006/main" xmlns:r="http://schemas.openxmlformats.org/officeDocument/2006/relationships" xmlns:p1510="http://schemas.microsoft.com/office/powerpoint/2015/10/main">
   <p1510:revLst>
-    <p1510:client id="{98AFD058-D505-904E-8E22-CB1366FC9E94}" v="243" dt="2021-02-02T04:13:59.008"/>
+    <p1510:client id="{98AFD058-D505-904E-8E22-CB1366FC9E94}" v="250" dt="2021-02-03T02:58:41.774"/>
   </p1510:revLst>
 </p1510:revInfo>
 </file>
@@ -1791,7 +1791,7 @@
   <pc:docChgLst>
     <pc:chgData name="Long B Nguyen" userId="f59fb8f3-a021-417a-8bc1-65c8d471c621" providerId="ADAL" clId="{98AFD058-D505-904E-8E22-CB1366FC9E94}"/>
     <pc:docChg chg="custSel addSld delSld modSld">
-      <pc:chgData name="Long B Nguyen" userId="f59fb8f3-a021-417a-8bc1-65c8d471c621" providerId="ADAL" clId="{98AFD058-D505-904E-8E22-CB1366FC9E94}" dt="2021-02-02T04:48:45.121" v="663" actId="20577"/>
+      <pc:chgData name="Long B Nguyen" userId="f59fb8f3-a021-417a-8bc1-65c8d471c621" providerId="ADAL" clId="{98AFD058-D505-904E-8E22-CB1366FC9E94}" dt="2021-02-03T03:58:15.711" v="1102" actId="20577"/>
       <pc:docMkLst>
         <pc:docMk/>
       </pc:docMkLst>
@@ -1868,6 +1868,21 @@
           </ac:spMkLst>
         </pc:spChg>
       </pc:sldChg>
+      <pc:sldChg chg="modSp mod">
+        <pc:chgData name="Long B Nguyen" userId="f59fb8f3-a021-417a-8bc1-65c8d471c621" providerId="ADAL" clId="{98AFD058-D505-904E-8E22-CB1366FC9E94}" dt="2021-02-03T02:58:16.902" v="703" actId="20577"/>
+        <pc:sldMkLst>
+          <pc:docMk/>
+          <pc:sldMk cId="3477128042" sldId="327"/>
+        </pc:sldMkLst>
+        <pc:spChg chg="mod">
+          <ac:chgData name="Long B Nguyen" userId="f59fb8f3-a021-417a-8bc1-65c8d471c621" providerId="ADAL" clId="{98AFD058-D505-904E-8E22-CB1366FC9E94}" dt="2021-02-03T02:58:16.902" v="703" actId="20577"/>
+          <ac:spMkLst>
+            <pc:docMk/>
+            <pc:sldMk cId="3477128042" sldId="327"/>
+            <ac:spMk id="26626" creationId="{4D0361EB-D6AE-704D-8E7B-E027D54EA1C7}"/>
+          </ac:spMkLst>
+        </pc:spChg>
+      </pc:sldChg>
       <pc:sldChg chg="del">
         <pc:chgData name="Long B Nguyen" userId="f59fb8f3-a021-417a-8bc1-65c8d471c621" providerId="ADAL" clId="{98AFD058-D505-904E-8E22-CB1366FC9E94}" dt="2021-02-01T03:02:26.317" v="0" actId="2696"/>
         <pc:sldMkLst>
@@ -1946,7 +1961,7 @@
         </pc:sldMkLst>
       </pc:sldChg>
       <pc:sldChg chg="modSp add mod">
-        <pc:chgData name="Long B Nguyen" userId="f59fb8f3-a021-417a-8bc1-65c8d471c621" providerId="ADAL" clId="{98AFD058-D505-904E-8E22-CB1366FC9E94}" dt="2021-02-02T04:14:39.239" v="497" actId="20577"/>
+        <pc:chgData name="Long B Nguyen" userId="f59fb8f3-a021-417a-8bc1-65c8d471c621" providerId="ADAL" clId="{98AFD058-D505-904E-8E22-CB1366FC9E94}" dt="2021-02-03T02:58:03.666" v="695" actId="20577"/>
         <pc:sldMkLst>
           <pc:docMk/>
           <pc:sldMk cId="4045518149" sldId="427"/>
@@ -1960,7 +1975,7 @@
           </ac:spMkLst>
         </pc:spChg>
         <pc:spChg chg="mod">
-          <ac:chgData name="Long B Nguyen" userId="f59fb8f3-a021-417a-8bc1-65c8d471c621" providerId="ADAL" clId="{98AFD058-D505-904E-8E22-CB1366FC9E94}" dt="2021-02-02T04:14:39.239" v="497" actId="20577"/>
+          <ac:chgData name="Long B Nguyen" userId="f59fb8f3-a021-417a-8bc1-65c8d471c621" providerId="ADAL" clId="{98AFD058-D505-904E-8E22-CB1366FC9E94}" dt="2021-02-03T02:58:03.666" v="695" actId="20577"/>
           <ac:spMkLst>
             <pc:docMk/>
             <pc:sldMk cId="4045518149" sldId="427"/>
@@ -1992,13 +2007,13 @@
         </pc:spChg>
       </pc:sldChg>
       <pc:sldChg chg="modSp mod">
-        <pc:chgData name="Long B Nguyen" userId="f59fb8f3-a021-417a-8bc1-65c8d471c621" providerId="ADAL" clId="{98AFD058-D505-904E-8E22-CB1366FC9E94}" dt="2021-02-01T03:02:48.341" v="54" actId="20577"/>
+        <pc:chgData name="Long B Nguyen" userId="f59fb8f3-a021-417a-8bc1-65c8d471c621" providerId="ADAL" clId="{98AFD058-D505-904E-8E22-CB1366FC9E94}" dt="2021-02-03T02:56:56.744" v="688" actId="20577"/>
         <pc:sldMkLst>
           <pc:docMk/>
           <pc:sldMk cId="847347657" sldId="555"/>
         </pc:sldMkLst>
         <pc:spChg chg="mod">
-          <ac:chgData name="Long B Nguyen" userId="f59fb8f3-a021-417a-8bc1-65c8d471c621" providerId="ADAL" clId="{98AFD058-D505-904E-8E22-CB1366FC9E94}" dt="2021-02-01T03:02:48.341" v="54" actId="20577"/>
+          <ac:chgData name="Long B Nguyen" userId="f59fb8f3-a021-417a-8bc1-65c8d471c621" providerId="ADAL" clId="{98AFD058-D505-904E-8E22-CB1366FC9E94}" dt="2021-02-03T02:56:56.744" v="688" actId="20577"/>
           <ac:spMkLst>
             <pc:docMk/>
             <pc:sldMk cId="847347657" sldId="555"/>
@@ -2035,7 +2050,7 @@
         </pc:sldMkLst>
       </pc:sldChg>
       <pc:sldChg chg="modSp mod">
-        <pc:chgData name="Long B Nguyen" userId="f59fb8f3-a021-417a-8bc1-65c8d471c621" providerId="ADAL" clId="{98AFD058-D505-904E-8E22-CB1366FC9E94}" dt="2021-02-02T04:48:45.121" v="663" actId="20577"/>
+        <pc:chgData name="Long B Nguyen" userId="f59fb8f3-a021-417a-8bc1-65c8d471c621" providerId="ADAL" clId="{98AFD058-D505-904E-8E22-CB1366FC9E94}" dt="2021-02-03T03:58:15.711" v="1102" actId="20577"/>
         <pc:sldMkLst>
           <pc:docMk/>
           <pc:sldMk cId="4104989124" sldId="565"/>
@@ -2049,7 +2064,7 @@
           </ac:spMkLst>
         </pc:spChg>
         <pc:spChg chg="mod">
-          <ac:chgData name="Long B Nguyen" userId="f59fb8f3-a021-417a-8bc1-65c8d471c621" providerId="ADAL" clId="{98AFD058-D505-904E-8E22-CB1366FC9E94}" dt="2021-02-02T04:48:45.121" v="663" actId="20577"/>
+          <ac:chgData name="Long B Nguyen" userId="f59fb8f3-a021-417a-8bc1-65c8d471c621" providerId="ADAL" clId="{98AFD058-D505-904E-8E22-CB1366FC9E94}" dt="2021-02-03T03:58:15.711" v="1102" actId="20577"/>
           <ac:spMkLst>
             <pc:docMk/>
             <pc:sldMk cId="4104989124" sldId="565"/>
@@ -2131,8 +2146,8 @@
           </ac:spMkLst>
         </pc:spChg>
       </pc:sldChg>
-      <pc:sldChg chg="modSp add mod">
-        <pc:chgData name="Long B Nguyen" userId="f59fb8f3-a021-417a-8bc1-65c8d471c621" providerId="ADAL" clId="{98AFD058-D505-904E-8E22-CB1366FC9E94}" dt="2021-02-01T03:11:12.296" v="219" actId="20577"/>
+      <pc:sldChg chg="modSp add mod modAnim">
+        <pc:chgData name="Long B Nguyen" userId="f59fb8f3-a021-417a-8bc1-65c8d471c621" providerId="ADAL" clId="{98AFD058-D505-904E-8E22-CB1366FC9E94}" dt="2021-02-03T02:57:20.060" v="694" actId="20577"/>
         <pc:sldMkLst>
           <pc:docMk/>
           <pc:sldMk cId="3898703545" sldId="574"/>
@@ -2146,11 +2161,26 @@
           </ac:spMkLst>
         </pc:spChg>
         <pc:spChg chg="mod">
-          <ac:chgData name="Long B Nguyen" userId="f59fb8f3-a021-417a-8bc1-65c8d471c621" providerId="ADAL" clId="{98AFD058-D505-904E-8E22-CB1366FC9E94}" dt="2021-02-01T03:11:12.296" v="219" actId="20577"/>
+          <ac:chgData name="Long B Nguyen" userId="f59fb8f3-a021-417a-8bc1-65c8d471c621" providerId="ADAL" clId="{98AFD058-D505-904E-8E22-CB1366FC9E94}" dt="2021-02-03T02:57:20.060" v="694" actId="20577"/>
           <ac:spMkLst>
             <pc:docMk/>
             <pc:sldMk cId="3898703545" sldId="574"/>
             <ac:spMk id="62467" creationId="{1D575D20-594C-2945-B2F4-512D3B748F19}"/>
+          </ac:spMkLst>
+        </pc:spChg>
+      </pc:sldChg>
+      <pc:sldChg chg="modSp add del mod">
+        <pc:chgData name="Long B Nguyen" userId="f59fb8f3-a021-417a-8bc1-65c8d471c621" providerId="ADAL" clId="{98AFD058-D505-904E-8E22-CB1366FC9E94}" dt="2021-02-03T03:00:40.311" v="745" actId="2696"/>
+        <pc:sldMkLst>
+          <pc:docMk/>
+          <pc:sldMk cId="4081041306" sldId="575"/>
+        </pc:sldMkLst>
+        <pc:spChg chg="mod">
+          <ac:chgData name="Long B Nguyen" userId="f59fb8f3-a021-417a-8bc1-65c8d471c621" providerId="ADAL" clId="{98AFD058-D505-904E-8E22-CB1366FC9E94}" dt="2021-02-03T03:00:18.243" v="744" actId="20577"/>
+          <ac:spMkLst>
+            <pc:docMk/>
+            <pc:sldMk cId="4081041306" sldId="575"/>
+            <ac:spMk id="26626" creationId="{4D0361EB-D6AE-704D-8E7B-E027D54EA1C7}"/>
           </ac:spMkLst>
         </pc:spChg>
       </pc:sldChg>
@@ -3659,7 +3689,7 @@
           <a:p>
             <a:fld id="{29FB45CD-1365-4F4B-B580-C19222E1A371}" type="datetimeFigureOut">
               <a:rPr lang="en-US" smtClean="0"/>
-              <a:t>2/1/21</a:t>
+              <a:t>2/2/21</a:t>
             </a:fld>
             <a:endParaRPr lang="en-US"/>
           </a:p>
@@ -5679,7 +5709,7 @@
           <a:p>
             <a:fld id="{4AAD347D-5ACD-4C99-B74B-A9C85AD731AF}" type="datetimeFigureOut">
               <a:rPr lang="en-US" smtClean="0"/>
-              <a:t>2/1/21</a:t>
+              <a:t>2/2/21</a:t>
             </a:fld>
             <a:endParaRPr lang="en-US" dirty="0"/>
           </a:p>
@@ -5849,7 +5879,7 @@
           <a:p>
             <a:fld id="{4509A250-FF31-4206-8172-F9D3106AACB1}" type="datetimeFigureOut">
               <a:rPr lang="en-US" smtClean="0"/>
-              <a:t>2/1/21</a:t>
+              <a:t>2/2/21</a:t>
             </a:fld>
             <a:endParaRPr lang="en-US" dirty="0"/>
           </a:p>
@@ -6029,7 +6059,7 @@
           <a:p>
             <a:fld id="{4509A250-FF31-4206-8172-F9D3106AACB1}" type="datetimeFigureOut">
               <a:rPr lang="en-US" smtClean="0"/>
-              <a:t>2/1/21</a:t>
+              <a:t>2/2/21</a:t>
             </a:fld>
             <a:endParaRPr lang="en-US" dirty="0"/>
           </a:p>
@@ -6199,7 +6229,7 @@
           <a:p>
             <a:fld id="{4509A250-FF31-4206-8172-F9D3106AACB1}" type="datetimeFigureOut">
               <a:rPr lang="en-US" smtClean="0"/>
-              <a:t>2/1/21</a:t>
+              <a:t>2/2/21</a:t>
             </a:fld>
             <a:endParaRPr lang="en-US" dirty="0"/>
           </a:p>
@@ -6445,7 +6475,7 @@
           <a:p>
             <a:fld id="{9796027F-7875-4030-9381-8BD8C4F21935}" type="datetimeFigureOut">
               <a:rPr lang="en-US" smtClean="0"/>
-              <a:t>2/1/21</a:t>
+              <a:t>2/2/21</a:t>
             </a:fld>
             <a:endParaRPr lang="en-US" dirty="0"/>
           </a:p>
@@ -6677,7 +6707,7 @@
           <a:p>
             <a:fld id="{9796027F-7875-4030-9381-8BD8C4F21935}" type="datetimeFigureOut">
               <a:rPr lang="en-US" smtClean="0"/>
-              <a:t>2/1/21</a:t>
+              <a:t>2/2/21</a:t>
             </a:fld>
             <a:endParaRPr lang="en-US" dirty="0"/>
           </a:p>
@@ -7044,7 +7074,7 @@
           <a:p>
             <a:fld id="{9796027F-7875-4030-9381-8BD8C4F21935}" type="datetimeFigureOut">
               <a:rPr lang="en-US" smtClean="0"/>
-              <a:t>2/1/21</a:t>
+              <a:t>2/2/21</a:t>
             </a:fld>
             <a:endParaRPr lang="en-US" dirty="0"/>
           </a:p>
@@ -7162,7 +7192,7 @@
           <a:p>
             <a:fld id="{4509A250-FF31-4206-8172-F9D3106AACB1}" type="datetimeFigureOut">
               <a:rPr lang="en-US" smtClean="0"/>
-              <a:t>2/1/21</a:t>
+              <a:t>2/2/21</a:t>
             </a:fld>
             <a:endParaRPr lang="en-US" dirty="0"/>
           </a:p>
@@ -7257,7 +7287,7 @@
           <a:p>
             <a:fld id="{4509A250-FF31-4206-8172-F9D3106AACB1}" type="datetimeFigureOut">
               <a:rPr lang="en-US" smtClean="0"/>
-              <a:t>2/1/21</a:t>
+              <a:t>2/2/21</a:t>
             </a:fld>
             <a:endParaRPr lang="en-US" dirty="0"/>
           </a:p>
@@ -7534,7 +7564,7 @@
           <a:p>
             <a:fld id="{4509A250-FF31-4206-8172-F9D3106AACB1}" type="datetimeFigureOut">
               <a:rPr lang="en-US" smtClean="0"/>
-              <a:t>2/1/21</a:t>
+              <a:t>2/2/21</a:t>
             </a:fld>
             <a:endParaRPr lang="en-US" dirty="0"/>
           </a:p>
@@ -7791,7 +7821,7 @@
           <a:p>
             <a:fld id="{4509A250-FF31-4206-8172-F9D3106AACB1}" type="datetimeFigureOut">
               <a:rPr lang="en-US" smtClean="0"/>
-              <a:t>2/1/21</a:t>
+              <a:t>2/2/21</a:t>
             </a:fld>
             <a:endParaRPr lang="en-US" dirty="0"/>
           </a:p>
@@ -8004,7 +8034,7 @@
           <a:p>
             <a:fld id="{4AAD347D-5ACD-4C99-B74B-A9C85AD731AF}" type="datetimeFigureOut">
               <a:rPr lang="en-US" smtClean="0"/>
-              <a:t>2/1/21</a:t>
+              <a:t>2/2/21</a:t>
             </a:fld>
             <a:endParaRPr lang="en-US" dirty="0"/>
           </a:p>
@@ -8473,7 +8503,7 @@
           <a:p>
             <a:r>
               <a:rPr lang="en-US" sz="2800" dirty="0"/>
-              <a:t>Controlling a Sprite with the Keyboard</a:t>
+              <a:t>Keyboard and Mouse Inputs</a:t>
             </a:r>
           </a:p>
           <a:p>
@@ -8847,33 +8877,11 @@
                 </a:solidFill>
                 <a:ea typeface="ＭＳ Ｐゴシック" panose="020B0600070205080204" pitchFamily="34" charset="-128"/>
               </a:rPr>
-              <a:t>loops. The key that is pressed is store in the </a:t>
-            </a:r>
-            <a:r>
-              <a:rPr lang="en-US" altLang="en-US" sz="1833" dirty="0">
-                <a:solidFill>
-                  <a:srgbClr val="000000"/>
-                </a:solidFill>
-                <a:latin typeface="Courier New" panose="02070309020205020404" pitchFamily="49" charset="0"/>
-                <a:ea typeface="ＭＳ Ｐゴシック" panose="020B0600070205080204" pitchFamily="34" charset="-128"/>
-              </a:rPr>
-              <a:t>key</a:t>
-            </a:r>
-            <a:r>
-              <a:rPr lang="en-US" altLang="en-US" sz="1833" dirty="0">
-                <a:solidFill>
-                  <a:srgbClr val="000000"/>
-                </a:solidFill>
-                <a:ea typeface="ＭＳ Ｐゴシック" panose="020B0600070205080204" pitchFamily="34" charset="-128"/>
-              </a:rPr>
-              <a:t> variable.</a:t>
+              <a:t>loops. </a:t>
             </a:r>
           </a:p>
           <a:p>
             <a:pPr marL="0" indent="0">
-              <a:lnSpc>
-                <a:spcPct val="90000"/>
-              </a:lnSpc>
               <a:buNone/>
             </a:pPr>
             <a:endParaRPr lang="en-US" altLang="en-US" sz="1833" dirty="0">
@@ -8885,9 +8893,6 @@
           </a:p>
           <a:p>
             <a:pPr marL="0" indent="0">
-              <a:lnSpc>
-                <a:spcPct val="90000"/>
-              </a:lnSpc>
               <a:buNone/>
             </a:pPr>
             <a:r>
@@ -8897,7 +8902,26 @@
                 </a:solidFill>
                 <a:ea typeface="ＭＳ Ｐゴシック" panose="020B0600070205080204" pitchFamily="34" charset="-128"/>
               </a:rPr>
-              <a:t>Similarly, if a key is released, </a:t>
+              <a:t>The key that is pressed is store in the </a:t>
+            </a:r>
+            <a:r>
+              <a:rPr lang="en-US" altLang="en-US" sz="1833" dirty="0">
+                <a:solidFill>
+                  <a:srgbClr val="000000"/>
+                </a:solidFill>
+                <a:latin typeface="Courier New" panose="02070309020205020404" pitchFamily="49" charset="0"/>
+                <a:ea typeface="ＭＳ Ｐゴシック" panose="020B0600070205080204" pitchFamily="34" charset="-128"/>
+              </a:rPr>
+              <a:t>key</a:t>
+            </a:r>
+            <a:r>
+              <a:rPr lang="en-US" altLang="en-US" sz="1833" dirty="0">
+                <a:solidFill>
+                  <a:srgbClr val="000000"/>
+                </a:solidFill>
+                <a:ea typeface="ＭＳ Ｐゴシック" panose="020B0600070205080204" pitchFamily="34" charset="-128"/>
+              </a:rPr>
+              <a:t> variable. Similarly, if a key is released, </a:t>
             </a:r>
             <a:r>
               <a:rPr lang="en-US" altLang="en-US" sz="1833" dirty="0" err="1">
@@ -8936,12 +8960,15 @@
               </a:lnSpc>
               <a:buNone/>
             </a:pPr>
-            <a:endParaRPr lang="en-US" altLang="en-US" sz="1833" dirty="0">
-              <a:solidFill>
-                <a:srgbClr val="000000"/>
-              </a:solidFill>
-              <a:ea typeface="ＭＳ Ｐゴシック" panose="020B0600070205080204" pitchFamily="34" charset="-128"/>
-            </a:endParaRPr>
+            <a:r>
+              <a:rPr lang="en-US" altLang="en-US" sz="1833" dirty="0">
+                <a:solidFill>
+                  <a:srgbClr val="000000"/>
+                </a:solidFill>
+                <a:ea typeface="ＭＳ Ｐゴシック" panose="020B0600070205080204" pitchFamily="34" charset="-128"/>
+              </a:rPr>
+              <a:t> </a:t>
+            </a:r>
           </a:p>
           <a:p>
             <a:pPr marL="0" indent="0">
@@ -9042,13 +9069,13 @@
                     </p:cTn>
                   </p:par>
                   <p:par>
-                    <p:cTn id="7" fill="hold" nodeType="clickPar">
+                    <p:cTn id="7" fill="hold">
                       <p:stCondLst>
                         <p:cond delay="indefinite"/>
                       </p:stCondLst>
                       <p:childTnLst>
                         <p:par>
-                          <p:cTn id="8" fill="hold" nodeType="withGroup">
+                          <p:cTn id="8" fill="hold">
                             <p:stCondLst>
                               <p:cond delay="0"/>
                             </p:stCondLst>
@@ -9070,6 +9097,55 @@
                                           <p:spTgt spid="62467">
                                             <p:txEl>
                                               <p:pRg st="5" end="5"/>
+                                            </p:txEl>
+                                          </p:spTgt>
+                                        </p:tgtEl>
+                                        <p:attrNameLst>
+                                          <p:attrName>style.visibility</p:attrName>
+                                        </p:attrNameLst>
+                                      </p:cBhvr>
+                                      <p:to>
+                                        <p:strVal val="visible"/>
+                                      </p:to>
+                                    </p:set>
+                                  </p:childTnLst>
+                                </p:cTn>
+                              </p:par>
+                            </p:childTnLst>
+                          </p:cTn>
+                        </p:par>
+                      </p:childTnLst>
+                    </p:cTn>
+                  </p:par>
+                  <p:par>
+                    <p:cTn id="11" fill="hold">
+                      <p:stCondLst>
+                        <p:cond delay="indefinite"/>
+                      </p:stCondLst>
+                      <p:childTnLst>
+                        <p:par>
+                          <p:cTn id="12" fill="hold">
+                            <p:stCondLst>
+                              <p:cond delay="0"/>
+                            </p:stCondLst>
+                            <p:childTnLst>
+                              <p:par>
+                                <p:cTn id="13" presetID="1" presetClass="entr" presetSubtype="0" fill="hold" nodeType="clickEffect">
+                                  <p:stCondLst>
+                                    <p:cond delay="0"/>
+                                  </p:stCondLst>
+                                  <p:childTnLst>
+                                    <p:set>
+                                      <p:cBhvr>
+                                        <p:cTn id="14" dur="1" fill="hold">
+                                          <p:stCondLst>
+                                            <p:cond delay="0"/>
+                                          </p:stCondLst>
+                                        </p:cTn>
+                                        <p:tgtEl>
+                                          <p:spTgt spid="62467">
+                                            <p:txEl>
+                                              <p:pRg st="6" end="6"/>
                                             </p:txEl>
                                           </p:spTgt>
                                         </p:tgtEl>
@@ -10053,6 +10129,17 @@
               <a:buNone/>
               <a:defRPr/>
             </a:pPr>
+            <a:endParaRPr lang="en-US" sz="2000" dirty="0">
+              <a:latin typeface="Courier New" panose="02070309020205020404" pitchFamily="49" charset="0"/>
+              <a:ea typeface="Tahoma" panose="020B0604030504040204" pitchFamily="34" charset="0"/>
+              <a:cs typeface="Courier New" panose="02070309020205020404" pitchFamily="49" charset="0"/>
+            </a:endParaRPr>
+          </a:p>
+          <a:p>
+            <a:pPr marL="0" indent="0">
+              <a:buNone/>
+              <a:defRPr/>
+            </a:pPr>
             <a:r>
               <a:rPr lang="en-US" sz="2000" dirty="0">
                 <a:latin typeface="Courier New" panose="02070309020205020404" pitchFamily="49" charset="0"/>
@@ -10531,7 +10618,7 @@
                 </a:solidFill>
                 <a:ea typeface="ＭＳ Ｐゴシック" panose="020B0600070205080204" pitchFamily="34" charset="-128"/>
               </a:rPr>
-              <a:t>on_key_release</a:t>
+              <a:t>on_mouse_release</a:t>
             </a:r>
             <a:r>
               <a:rPr lang="en-US" altLang="en-US" sz="1833" dirty="0">
@@ -11207,6 +11294,15 @@
             <a:pPr marL="0" indent="0">
               <a:buNone/>
             </a:pPr>
+            <a:endParaRPr lang="en-US" altLang="en-US" sz="2167" dirty="0">
+              <a:latin typeface="Gill Sans MT" panose="020B0502020104020203" pitchFamily="34" charset="77"/>
+              <a:ea typeface="ＭＳ Ｐゴシック" panose="020B0600070205080204" pitchFamily="34" charset="-128"/>
+            </a:endParaRPr>
+          </a:p>
+          <a:p>
+            <a:pPr marL="0" indent="0">
+              <a:buNone/>
+            </a:pPr>
             <a:r>
               <a:rPr lang="en-US" altLang="en-US" sz="2167" dirty="0">
                 <a:latin typeface="Gill Sans MT" panose="020B0502020104020203" pitchFamily="34" charset="77"/>
@@ -11219,7 +11315,108 @@
             <a:pPr marL="0" indent="0">
               <a:buNone/>
             </a:pPr>
-            <a:endParaRPr lang="en-US" altLang="en-US" sz="2167">
+            <a:endParaRPr lang="en-US" altLang="en-US" sz="2167" dirty="0">
+              <a:latin typeface="Gill Sans MT" panose="020B0502020104020203" pitchFamily="34" charset="77"/>
+              <a:ea typeface="ＭＳ Ｐゴシック" panose="020B0600070205080204" pitchFamily="34" charset="-128"/>
+            </a:endParaRPr>
+          </a:p>
+          <a:p>
+            <a:pPr marL="0" indent="0">
+              <a:buNone/>
+            </a:pPr>
+            <a:r>
+              <a:rPr lang="en-US" altLang="en-US" sz="2167" dirty="0">
+                <a:latin typeface="Gill Sans MT" panose="020B0502020104020203" pitchFamily="34" charset="77"/>
+                <a:ea typeface="ＭＳ Ｐゴシック" panose="020B0600070205080204" pitchFamily="34" charset="-128"/>
+              </a:rPr>
+              <a:t>Implement both </a:t>
+            </a:r>
+            <a:r>
+              <a:rPr lang="en-US" altLang="en-US" sz="2167" dirty="0" err="1">
+                <a:latin typeface="Courier New" panose="02070309020205020404" pitchFamily="49" charset="0"/>
+                <a:ea typeface="ＭＳ Ｐゴシック" panose="020B0600070205080204" pitchFamily="34" charset="-128"/>
+                <a:cs typeface="Courier New" panose="02070309020205020404" pitchFamily="49" charset="0"/>
+              </a:rPr>
+              <a:t>on_key_press</a:t>
+            </a:r>
+            <a:r>
+              <a:rPr lang="en-US" altLang="en-US" sz="2167" dirty="0">
+                <a:latin typeface="Gill Sans MT" panose="020B0502020104020203" pitchFamily="34" charset="77"/>
+                <a:ea typeface="ＭＳ Ｐゴシック" panose="020B0600070205080204" pitchFamily="34" charset="-128"/>
+              </a:rPr>
+              <a:t> and </a:t>
+            </a:r>
+            <a:r>
+              <a:rPr lang="en-US" altLang="en-US" sz="2167" dirty="0" err="1">
+                <a:latin typeface="Courier New" panose="02070309020205020404" pitchFamily="49" charset="0"/>
+                <a:ea typeface="ＭＳ Ｐゴシック" panose="020B0600070205080204" pitchFamily="34" charset="-128"/>
+                <a:cs typeface="Courier New" panose="02070309020205020404" pitchFamily="49" charset="0"/>
+              </a:rPr>
+              <a:t>on_key_release</a:t>
+            </a:r>
+            <a:r>
+              <a:rPr lang="en-US" altLang="en-US" sz="2167" dirty="0">
+                <a:latin typeface="Gill Sans MT" panose="020B0502020104020203" pitchFamily="34" charset="77"/>
+                <a:ea typeface="ＭＳ Ｐゴシック" panose="020B0600070205080204" pitchFamily="34" charset="-128"/>
+              </a:rPr>
+              <a:t> to respond to arrow keys: UP, DOWN, LEFT, RIGHT.</a:t>
+            </a:r>
+          </a:p>
+          <a:p>
+            <a:pPr marL="0" indent="0">
+              <a:buNone/>
+            </a:pPr>
+            <a:endParaRPr lang="en-US" altLang="en-US" sz="2167" dirty="0">
+              <a:latin typeface="Gill Sans MT" panose="020B0502020104020203" pitchFamily="34" charset="77"/>
+              <a:ea typeface="ＭＳ Ｐゴシック" panose="020B0600070205080204" pitchFamily="34" charset="-128"/>
+            </a:endParaRPr>
+          </a:p>
+          <a:p>
+            <a:pPr marL="0" indent="0">
+              <a:buNone/>
+            </a:pPr>
+            <a:r>
+              <a:rPr lang="en-US" altLang="en-US" sz="2167" dirty="0">
+                <a:latin typeface="Gill Sans MT" panose="020B0502020104020203" pitchFamily="34" charset="77"/>
+                <a:ea typeface="ＭＳ Ｐゴシック" panose="020B0600070205080204" pitchFamily="34" charset="-128"/>
+              </a:rPr>
+              <a:t>Each of the keys should move the tank in that direction. If two keys are pressed, for example, UP and RIGHT, the tank should move in the </a:t>
+            </a:r>
+            <a:r>
+              <a:rPr lang="en-US" altLang="en-US" sz="2167">
+                <a:latin typeface="Gill Sans MT" panose="020B0502020104020203" pitchFamily="34" charset="77"/>
+                <a:ea typeface="ＭＳ Ｐゴシック" panose="020B0600070205080204" pitchFamily="34" charset="-128"/>
+              </a:rPr>
+              <a:t>diagonal direction.</a:t>
+            </a:r>
+            <a:endParaRPr lang="en-US" altLang="en-US" sz="2167" dirty="0">
+              <a:latin typeface="Gill Sans MT" panose="020B0502020104020203" pitchFamily="34" charset="77"/>
+              <a:ea typeface="ＭＳ Ｐゴシック" panose="020B0600070205080204" pitchFamily="34" charset="-128"/>
+            </a:endParaRPr>
+          </a:p>
+          <a:p>
+            <a:pPr marL="0" indent="0">
+              <a:buNone/>
+            </a:pPr>
+            <a:endParaRPr lang="en-US" altLang="en-US" sz="2167" dirty="0">
+              <a:latin typeface="Gill Sans MT" panose="020B0502020104020203" pitchFamily="34" charset="77"/>
+              <a:ea typeface="ＭＳ Ｐゴシック" panose="020B0600070205080204" pitchFamily="34" charset="-128"/>
+            </a:endParaRPr>
+          </a:p>
+          <a:p>
+            <a:pPr marL="0" indent="0">
+              <a:buNone/>
+            </a:pPr>
+            <a:endParaRPr lang="en-US" altLang="en-US" sz="2167" dirty="0">
+              <a:latin typeface="Gill Sans MT" panose="020B0502020104020203" pitchFamily="34" charset="77"/>
+              <a:ea typeface="ＭＳ Ｐゴシック" panose="020B0600070205080204" pitchFamily="34" charset="-128"/>
+            </a:endParaRPr>
+          </a:p>
+          <a:p>
+            <a:pPr marL="0" indent="0">
+              <a:buNone/>
+            </a:pPr>
+            <a:endParaRPr lang="en-US" altLang="en-US" sz="2167" dirty="0">
               <a:latin typeface="Gill Sans MT" panose="020B0502020104020203" pitchFamily="34" charset="77"/>
               <a:ea typeface="ＭＳ Ｐゴシック" panose="020B0600070205080204" pitchFamily="34" charset="-128"/>
             </a:endParaRPr>

--- a/courses/apcsp/processing_arcade/processing2.pptx
+++ b/courses/apcsp/processing_arcade/processing2.pptx
@@ -5,17 +5,16 @@
     <p:sldMasterId id="2147483791" r:id="rId1"/>
   </p:sldMasterIdLst>
   <p:notesMasterIdLst>
-    <p:notesMasterId r:id="rId10"/>
+    <p:notesMasterId r:id="rId9"/>
   </p:notesMasterIdLst>
   <p:sldIdLst>
     <p:sldId id="555" r:id="rId2"/>
     <p:sldId id="574" r:id="rId3"/>
     <p:sldId id="326" r:id="rId4"/>
     <p:sldId id="573" r:id="rId5"/>
-    <p:sldId id="427" r:id="rId6"/>
+    <p:sldId id="575" r:id="rId6"/>
     <p:sldId id="327" r:id="rId7"/>
     <p:sldId id="568" r:id="rId8"/>
-    <p:sldId id="565" r:id="rId9"/>
   </p:sldIdLst>
   <p:sldSz cx="9144000" cy="5715000" type="screen16x10"/>
   <p:notesSz cx="6858000" cy="9144000"/>
@@ -125,1181 +124,13 @@
 <file path=ppt/revisionInfo.xml><?xml version="1.0" encoding="utf-8"?>
 <p1510:revInfo xmlns:a="http://schemas.openxmlformats.org/drawingml/2006/main" xmlns:r="http://schemas.openxmlformats.org/officeDocument/2006/relationships" xmlns:p1510="http://schemas.microsoft.com/office/powerpoint/2015/10/main">
   <p1510:revLst>
-    <p1510:client id="{98AFD058-D505-904E-8E22-CB1366FC9E94}" v="250" dt="2021-02-03T02:58:41.774"/>
+    <p1510:client id="{5B0B0F63-F277-2C42-BFD3-63FF1CB02747}" v="2" dt="2022-08-25T14:28:03.357"/>
   </p1510:revLst>
 </p1510:revInfo>
 </file>
 
 <file path=ppt/changesInfos/changesInfo1.xml><?xml version="1.0" encoding="utf-8"?>
 <pc:chgInfo xmlns:a="http://schemas.openxmlformats.org/drawingml/2006/main" xmlns:r="http://schemas.openxmlformats.org/officeDocument/2006/relationships" xmlns:ac="http://schemas.microsoft.com/office/drawing/2013/main/command" xmlns:pc="http://schemas.microsoft.com/office/powerpoint/2013/main/command">
-  <pc:docChgLst>
-    <pc:chgData name="Long B Nguyen" userId="f59fb8f3-a021-417a-8bc1-65c8d471c621" providerId="ADAL" clId="{59CB9C7B-CBC7-E549-B176-97F9C29CB310}"/>
-    <pc:docChg chg="undo custSel addSld delSld modSld">
-      <pc:chgData name="Long B Nguyen" userId="f59fb8f3-a021-417a-8bc1-65c8d471c621" providerId="ADAL" clId="{59CB9C7B-CBC7-E549-B176-97F9C29CB310}" dt="2019-11-19T12:47:14.779" v="13175" actId="20577"/>
-      <pc:docMkLst>
-        <pc:docMk/>
-      </pc:docMkLst>
-      <pc:sldChg chg="modSp modAnim">
-        <pc:chgData name="Long B Nguyen" userId="f59fb8f3-a021-417a-8bc1-65c8d471c621" providerId="ADAL" clId="{59CB9C7B-CBC7-E549-B176-97F9C29CB310}" dt="2019-11-14T12:40:42.660" v="12558"/>
-        <pc:sldMkLst>
-          <pc:docMk/>
-          <pc:sldMk cId="278045358" sldId="257"/>
-        </pc:sldMkLst>
-        <pc:spChg chg="mod">
-          <ac:chgData name="Long B Nguyen" userId="f59fb8f3-a021-417a-8bc1-65c8d471c621" providerId="ADAL" clId="{59CB9C7B-CBC7-E549-B176-97F9C29CB310}" dt="2019-11-12T01:11:38.632" v="9417" actId="20577"/>
-          <ac:spMkLst>
-            <pc:docMk/>
-            <pc:sldMk cId="278045358" sldId="257"/>
-            <ac:spMk id="2" creationId="{AA3A228F-61D0-D949-A5E7-F83756230BF8}"/>
-          </ac:spMkLst>
-        </pc:spChg>
-        <pc:spChg chg="mod">
-          <ac:chgData name="Long B Nguyen" userId="f59fb8f3-a021-417a-8bc1-65c8d471c621" providerId="ADAL" clId="{59CB9C7B-CBC7-E549-B176-97F9C29CB310}" dt="2019-11-13T15:49:37.520" v="12034" actId="20577"/>
-          <ac:spMkLst>
-            <pc:docMk/>
-            <pc:sldMk cId="278045358" sldId="257"/>
-            <ac:spMk id="9" creationId="{E3B2E017-30B2-884B-A113-B419A2ED51AD}"/>
-          </ac:spMkLst>
-        </pc:spChg>
-      </pc:sldChg>
-      <pc:sldChg chg="modSp">
-        <pc:chgData name="Long B Nguyen" userId="f59fb8f3-a021-417a-8bc1-65c8d471c621" providerId="ADAL" clId="{59CB9C7B-CBC7-E549-B176-97F9C29CB310}" dt="2019-11-12T15:11:32.112" v="11690" actId="20577"/>
-        <pc:sldMkLst>
-          <pc:docMk/>
-          <pc:sldMk cId="1438711869" sldId="284"/>
-        </pc:sldMkLst>
-        <pc:spChg chg="mod">
-          <ac:chgData name="Long B Nguyen" userId="f59fb8f3-a021-417a-8bc1-65c8d471c621" providerId="ADAL" clId="{59CB9C7B-CBC7-E549-B176-97F9C29CB310}" dt="2019-11-12T15:11:32.112" v="11690" actId="20577"/>
-          <ac:spMkLst>
-            <pc:docMk/>
-            <pc:sldMk cId="1438711869" sldId="284"/>
-            <ac:spMk id="9" creationId="{E3B2E017-30B2-884B-A113-B419A2ED51AD}"/>
-          </ac:spMkLst>
-        </pc:spChg>
-      </pc:sldChg>
-      <pc:sldChg chg="modSp">
-        <pc:chgData name="Long B Nguyen" userId="f59fb8f3-a021-417a-8bc1-65c8d471c621" providerId="ADAL" clId="{59CB9C7B-CBC7-E549-B176-97F9C29CB310}" dt="2019-11-13T15:48:40.306" v="11995" actId="20577"/>
-        <pc:sldMkLst>
-          <pc:docMk/>
-          <pc:sldMk cId="131840209" sldId="286"/>
-        </pc:sldMkLst>
-        <pc:spChg chg="mod">
-          <ac:chgData name="Long B Nguyen" userId="f59fb8f3-a021-417a-8bc1-65c8d471c621" providerId="ADAL" clId="{59CB9C7B-CBC7-E549-B176-97F9C29CB310}" dt="2019-11-13T15:48:40.306" v="11995" actId="20577"/>
-          <ac:spMkLst>
-            <pc:docMk/>
-            <pc:sldMk cId="131840209" sldId="286"/>
-            <ac:spMk id="9" creationId="{E3B2E017-30B2-884B-A113-B419A2ED51AD}"/>
-          </ac:spMkLst>
-        </pc:spChg>
-      </pc:sldChg>
-      <pc:sldChg chg="addSp delSp modSp">
-        <pc:chgData name="Long B Nguyen" userId="f59fb8f3-a021-417a-8bc1-65c8d471c621" providerId="ADAL" clId="{59CB9C7B-CBC7-E549-B176-97F9C29CB310}" dt="2019-11-10T19:22:00.946" v="8903" actId="20577"/>
-        <pc:sldMkLst>
-          <pc:docMk/>
-          <pc:sldMk cId="3036972376" sldId="321"/>
-        </pc:sldMkLst>
-        <pc:spChg chg="add del mod">
-          <ac:chgData name="Long B Nguyen" userId="f59fb8f3-a021-417a-8bc1-65c8d471c621" providerId="ADAL" clId="{59CB9C7B-CBC7-E549-B176-97F9C29CB310}" dt="2019-11-05T13:54:02.337" v="1287"/>
-          <ac:spMkLst>
-            <pc:docMk/>
-            <pc:sldMk cId="3036972376" sldId="321"/>
-            <ac:spMk id="3" creationId="{24F99C46-A32E-3148-9B44-9521E1A1E87B}"/>
-          </ac:spMkLst>
-        </pc:spChg>
-        <pc:spChg chg="add mod">
-          <ac:chgData name="Long B Nguyen" userId="f59fb8f3-a021-417a-8bc1-65c8d471c621" providerId="ADAL" clId="{59CB9C7B-CBC7-E549-B176-97F9C29CB310}" dt="2019-11-10T19:22:00.946" v="8903" actId="20577"/>
-          <ac:spMkLst>
-            <pc:docMk/>
-            <pc:sldMk cId="3036972376" sldId="321"/>
-            <ac:spMk id="4" creationId="{8659479A-1929-8C41-9815-9AEA66125320}"/>
-          </ac:spMkLst>
-        </pc:spChg>
-        <pc:spChg chg="mod">
-          <ac:chgData name="Long B Nguyen" userId="f59fb8f3-a021-417a-8bc1-65c8d471c621" providerId="ADAL" clId="{59CB9C7B-CBC7-E549-B176-97F9C29CB310}" dt="2019-11-04T19:50:37.380" v="66" actId="20577"/>
-          <ac:spMkLst>
-            <pc:docMk/>
-            <pc:sldMk cId="3036972376" sldId="321"/>
-            <ac:spMk id="9" creationId="{E3B2E017-30B2-884B-A113-B419A2ED51AD}"/>
-          </ac:spMkLst>
-        </pc:spChg>
-        <pc:cxnChg chg="add del mod">
-          <ac:chgData name="Long B Nguyen" userId="f59fb8f3-a021-417a-8bc1-65c8d471c621" providerId="ADAL" clId="{59CB9C7B-CBC7-E549-B176-97F9C29CB310}" dt="2019-11-05T13:54:02.337" v="1287"/>
-          <ac:cxnSpMkLst>
-            <pc:docMk/>
-            <pc:sldMk cId="3036972376" sldId="321"/>
-            <ac:cxnSpMk id="5" creationId="{4DB27AD3-BE1D-8F44-BD28-286CB0C4F16D}"/>
-          </ac:cxnSpMkLst>
-        </pc:cxnChg>
-      </pc:sldChg>
-      <pc:sldChg chg="addSp modSp modAnim">
-        <pc:chgData name="Long B Nguyen" userId="f59fb8f3-a021-417a-8bc1-65c8d471c621" providerId="ADAL" clId="{59CB9C7B-CBC7-E549-B176-97F9C29CB310}" dt="2019-11-14T13:00:38.436" v="12869" actId="20577"/>
-        <pc:sldMkLst>
-          <pc:docMk/>
-          <pc:sldMk cId="3329169435" sldId="324"/>
-        </pc:sldMkLst>
-        <pc:spChg chg="mod">
-          <ac:chgData name="Long B Nguyen" userId="f59fb8f3-a021-417a-8bc1-65c8d471c621" providerId="ADAL" clId="{59CB9C7B-CBC7-E549-B176-97F9C29CB310}" dt="2019-11-10T19:19:28.717" v="8860" actId="20577"/>
-          <ac:spMkLst>
-            <pc:docMk/>
-            <pc:sldMk cId="3329169435" sldId="324"/>
-            <ac:spMk id="2" creationId="{AA3A228F-61D0-D949-A5E7-F83756230BF8}"/>
-          </ac:spMkLst>
-        </pc:spChg>
-        <pc:spChg chg="add mod">
-          <ac:chgData name="Long B Nguyen" userId="f59fb8f3-a021-417a-8bc1-65c8d471c621" providerId="ADAL" clId="{59CB9C7B-CBC7-E549-B176-97F9C29CB310}" dt="2019-11-12T14:36:53.122" v="9544" actId="20577"/>
-          <ac:spMkLst>
-            <pc:docMk/>
-            <pc:sldMk cId="3329169435" sldId="324"/>
-            <ac:spMk id="3" creationId="{A1DFF59C-0607-DD47-93E1-3B5DBC7CB72D}"/>
-          </ac:spMkLst>
-        </pc:spChg>
-        <pc:spChg chg="add mod">
-          <ac:chgData name="Long B Nguyen" userId="f59fb8f3-a021-417a-8bc1-65c8d471c621" providerId="ADAL" clId="{59CB9C7B-CBC7-E549-B176-97F9C29CB310}" dt="2019-11-12T14:53:54.886" v="10799" actId="20577"/>
-          <ac:spMkLst>
-            <pc:docMk/>
-            <pc:sldMk cId="3329169435" sldId="324"/>
-            <ac:spMk id="8" creationId="{7C58B594-C488-9F41-BC3D-B12A7562F3F7}"/>
-          </ac:spMkLst>
-        </pc:spChg>
-        <pc:spChg chg="mod">
-          <ac:chgData name="Long B Nguyen" userId="f59fb8f3-a021-417a-8bc1-65c8d471c621" providerId="ADAL" clId="{59CB9C7B-CBC7-E549-B176-97F9C29CB310}" dt="2019-11-14T13:00:38.436" v="12869" actId="20577"/>
-          <ac:spMkLst>
-            <pc:docMk/>
-            <pc:sldMk cId="3329169435" sldId="324"/>
-            <ac:spMk id="9" creationId="{E3B2E017-30B2-884B-A113-B419A2ED51AD}"/>
-          </ac:spMkLst>
-        </pc:spChg>
-        <pc:spChg chg="add mod">
-          <ac:chgData name="Long B Nguyen" userId="f59fb8f3-a021-417a-8bc1-65c8d471c621" providerId="ADAL" clId="{59CB9C7B-CBC7-E549-B176-97F9C29CB310}" dt="2019-11-12T14:54:40.604" v="10805" actId="113"/>
-          <ac:spMkLst>
-            <pc:docMk/>
-            <pc:sldMk cId="3329169435" sldId="324"/>
-            <ac:spMk id="14" creationId="{5EDF072F-75BE-8741-9067-D2D254F08E47}"/>
-          </ac:spMkLst>
-        </pc:spChg>
-        <pc:cxnChg chg="add mod">
-          <ac:chgData name="Long B Nguyen" userId="f59fb8f3-a021-417a-8bc1-65c8d471c621" providerId="ADAL" clId="{59CB9C7B-CBC7-E549-B176-97F9C29CB310}" dt="2019-11-12T14:54:15.245" v="10800" actId="14100"/>
-          <ac:cxnSpMkLst>
-            <pc:docMk/>
-            <pc:sldMk cId="3329169435" sldId="324"/>
-            <ac:cxnSpMk id="4" creationId="{A46F3D1F-4E4F-FA42-90BE-0487CC045C6E}"/>
-          </ac:cxnSpMkLst>
-        </pc:cxnChg>
-        <pc:cxnChg chg="add mod">
-          <ac:chgData name="Long B Nguyen" userId="f59fb8f3-a021-417a-8bc1-65c8d471c621" providerId="ADAL" clId="{59CB9C7B-CBC7-E549-B176-97F9C29CB310}" dt="2019-11-05T13:38:52.025" v="508" actId="1036"/>
-          <ac:cxnSpMkLst>
-            <pc:docMk/>
-            <pc:sldMk cId="3329169435" sldId="324"/>
-            <ac:cxnSpMk id="10" creationId="{72A59FBC-12F0-5C49-8BA8-983F96E9EE0E}"/>
-          </ac:cxnSpMkLst>
-        </pc:cxnChg>
-        <pc:cxnChg chg="add mod">
-          <ac:chgData name="Long B Nguyen" userId="f59fb8f3-a021-417a-8bc1-65c8d471c621" providerId="ADAL" clId="{59CB9C7B-CBC7-E549-B176-97F9C29CB310}" dt="2019-11-12T14:54:28.685" v="10803" actId="14100"/>
-          <ac:cxnSpMkLst>
-            <pc:docMk/>
-            <pc:sldMk cId="3329169435" sldId="324"/>
-            <ac:cxnSpMk id="15" creationId="{F7544DEB-4070-1144-B42C-B2D00FB2B589}"/>
-          </ac:cxnSpMkLst>
-        </pc:cxnChg>
-      </pc:sldChg>
-      <pc:sldChg chg="addSp delSp modSp add delAnim modAnim">
-        <pc:chgData name="Long B Nguyen" userId="f59fb8f3-a021-417a-8bc1-65c8d471c621" providerId="ADAL" clId="{59CB9C7B-CBC7-E549-B176-97F9C29CB310}" dt="2019-11-14T12:43:23.402" v="12581"/>
-        <pc:sldMkLst>
-          <pc:docMk/>
-          <pc:sldMk cId="1776864183" sldId="328"/>
-        </pc:sldMkLst>
-        <pc:spChg chg="mod">
-          <ac:chgData name="Long B Nguyen" userId="f59fb8f3-a021-417a-8bc1-65c8d471c621" providerId="ADAL" clId="{59CB9C7B-CBC7-E549-B176-97F9C29CB310}" dt="2019-11-12T15:14:06.124" v="11712" actId="20577"/>
-          <ac:spMkLst>
-            <pc:docMk/>
-            <pc:sldMk cId="1776864183" sldId="328"/>
-            <ac:spMk id="2" creationId="{AA3A228F-61D0-D949-A5E7-F83756230BF8}"/>
-          </ac:spMkLst>
-        </pc:spChg>
-        <pc:spChg chg="add mod">
-          <ac:chgData name="Long B Nguyen" userId="f59fb8f3-a021-417a-8bc1-65c8d471c621" providerId="ADAL" clId="{59CB9C7B-CBC7-E549-B176-97F9C29CB310}" dt="2019-11-12T15:15:01.451" v="11782" actId="255"/>
-          <ac:spMkLst>
-            <pc:docMk/>
-            <pc:sldMk cId="1776864183" sldId="328"/>
-            <ac:spMk id="4" creationId="{FED0F1E3-82CD-B346-A913-A640D9993422}"/>
-          </ac:spMkLst>
-        </pc:spChg>
-        <pc:spChg chg="del">
-          <ac:chgData name="Long B Nguyen" userId="f59fb8f3-a021-417a-8bc1-65c8d471c621" providerId="ADAL" clId="{59CB9C7B-CBC7-E549-B176-97F9C29CB310}" dt="2019-11-12T15:14:09.609" v="11713" actId="478"/>
-          <ac:spMkLst>
-            <pc:docMk/>
-            <pc:sldMk cId="1776864183" sldId="328"/>
-            <ac:spMk id="8" creationId="{D57AD83D-A164-2C46-A5D9-850FF63C92FB}"/>
-          </ac:spMkLst>
-        </pc:spChg>
-        <pc:spChg chg="add mod">
-          <ac:chgData name="Long B Nguyen" userId="f59fb8f3-a021-417a-8bc1-65c8d471c621" providerId="ADAL" clId="{59CB9C7B-CBC7-E549-B176-97F9C29CB310}" dt="2019-11-12T15:17:48.107" v="11936" actId="1076"/>
-          <ac:spMkLst>
-            <pc:docMk/>
-            <pc:sldMk cId="1776864183" sldId="328"/>
-            <ac:spMk id="12" creationId="{9E2D0245-4E8B-0243-AE9F-4DE1A924CAF4}"/>
-          </ac:spMkLst>
-        </pc:spChg>
-        <pc:spChg chg="del">
-          <ac:chgData name="Long B Nguyen" userId="f59fb8f3-a021-417a-8bc1-65c8d471c621" providerId="ADAL" clId="{59CB9C7B-CBC7-E549-B176-97F9C29CB310}" dt="2019-11-12T15:14:25.270" v="11719" actId="478"/>
-          <ac:spMkLst>
-            <pc:docMk/>
-            <pc:sldMk cId="1776864183" sldId="328"/>
-            <ac:spMk id="15" creationId="{785021ED-C20D-0141-8AF2-FBA30E60D3E6}"/>
-          </ac:spMkLst>
-        </pc:spChg>
-        <pc:spChg chg="del">
-          <ac:chgData name="Long B Nguyen" userId="f59fb8f3-a021-417a-8bc1-65c8d471c621" providerId="ADAL" clId="{59CB9C7B-CBC7-E549-B176-97F9C29CB310}" dt="2019-11-12T15:14:22.851" v="11718" actId="478"/>
-          <ac:spMkLst>
-            <pc:docMk/>
-            <pc:sldMk cId="1776864183" sldId="328"/>
-            <ac:spMk id="16" creationId="{2C3068F1-27B1-8745-AC00-F5D5109130CF}"/>
-          </ac:spMkLst>
-        </pc:spChg>
-        <pc:spChg chg="add mod">
-          <ac:chgData name="Long B Nguyen" userId="f59fb8f3-a021-417a-8bc1-65c8d471c621" providerId="ADAL" clId="{59CB9C7B-CBC7-E549-B176-97F9C29CB310}" dt="2019-11-12T15:17:53.168" v="11938" actId="1076"/>
-          <ac:spMkLst>
-            <pc:docMk/>
-            <pc:sldMk cId="1776864183" sldId="328"/>
-            <ac:spMk id="18" creationId="{7116D9A5-60C1-8D4E-997E-2550DA5CAD84}"/>
-          </ac:spMkLst>
-        </pc:spChg>
-        <pc:spChg chg="add mod">
-          <ac:chgData name="Long B Nguyen" userId="f59fb8f3-a021-417a-8bc1-65c8d471c621" providerId="ADAL" clId="{59CB9C7B-CBC7-E549-B176-97F9C29CB310}" dt="2019-11-12T15:18:20.491" v="11962" actId="1076"/>
-          <ac:spMkLst>
-            <pc:docMk/>
-            <pc:sldMk cId="1776864183" sldId="328"/>
-            <ac:spMk id="22" creationId="{0E62641D-9476-0F48-9611-7021ACF92407}"/>
-          </ac:spMkLst>
-        </pc:spChg>
-        <pc:graphicFrameChg chg="mod modGraphic">
-          <ac:chgData name="Long B Nguyen" userId="f59fb8f3-a021-417a-8bc1-65c8d471c621" providerId="ADAL" clId="{59CB9C7B-CBC7-E549-B176-97F9C29CB310}" dt="2019-11-12T15:18:38.395" v="11977" actId="20577"/>
-          <ac:graphicFrameMkLst>
-            <pc:docMk/>
-            <pc:sldMk cId="1776864183" sldId="328"/>
-            <ac:graphicFrameMk id="3" creationId="{9AFC970E-3FBA-F843-9AA5-DEA44EAA51C8}"/>
-          </ac:graphicFrameMkLst>
-        </pc:graphicFrameChg>
-        <pc:graphicFrameChg chg="del">
-          <ac:chgData name="Long B Nguyen" userId="f59fb8f3-a021-417a-8bc1-65c8d471c621" providerId="ADAL" clId="{59CB9C7B-CBC7-E549-B176-97F9C29CB310}" dt="2019-11-12T15:14:13.755" v="11714" actId="478"/>
-          <ac:graphicFrameMkLst>
-            <pc:docMk/>
-            <pc:sldMk cId="1776864183" sldId="328"/>
-            <ac:graphicFrameMk id="5" creationId="{A202C015-BB96-FC4D-B798-E01CEEDE818A}"/>
-          </ac:graphicFrameMkLst>
-        </pc:graphicFrameChg>
-        <pc:graphicFrameChg chg="del modGraphic">
-          <ac:chgData name="Long B Nguyen" userId="f59fb8f3-a021-417a-8bc1-65c8d471c621" providerId="ADAL" clId="{59CB9C7B-CBC7-E549-B176-97F9C29CB310}" dt="2019-11-12T15:14:20.723" v="11717" actId="478"/>
-          <ac:graphicFrameMkLst>
-            <pc:docMk/>
-            <pc:sldMk cId="1776864183" sldId="328"/>
-            <ac:graphicFrameMk id="6" creationId="{CD4D97C6-774B-044C-9810-2CE615865126}"/>
-          </ac:graphicFrameMkLst>
-        </pc:graphicFrameChg>
-        <pc:cxnChg chg="del">
-          <ac:chgData name="Long B Nguyen" userId="f59fb8f3-a021-417a-8bc1-65c8d471c621" providerId="ADAL" clId="{59CB9C7B-CBC7-E549-B176-97F9C29CB310}" dt="2019-11-12T15:14:13.755" v="11714" actId="478"/>
-          <ac:cxnSpMkLst>
-            <pc:docMk/>
-            <pc:sldMk cId="1776864183" sldId="328"/>
-            <ac:cxnSpMk id="7" creationId="{0957043E-1F8C-8543-A3F1-31C9D596FC1F}"/>
-          </ac:cxnSpMkLst>
-        </pc:cxnChg>
-        <pc:cxnChg chg="del">
-          <ac:chgData name="Long B Nguyen" userId="f59fb8f3-a021-417a-8bc1-65c8d471c621" providerId="ADAL" clId="{59CB9C7B-CBC7-E549-B176-97F9C29CB310}" dt="2019-11-12T15:14:16.300" v="11715" actId="478"/>
-          <ac:cxnSpMkLst>
-            <pc:docMk/>
-            <pc:sldMk cId="1776864183" sldId="328"/>
-            <ac:cxnSpMk id="11" creationId="{EF130512-CDDF-C947-9F4C-970628FD5926}"/>
-          </ac:cxnSpMkLst>
-        </pc:cxnChg>
-        <pc:cxnChg chg="add mod">
-          <ac:chgData name="Long B Nguyen" userId="f59fb8f3-a021-417a-8bc1-65c8d471c621" providerId="ADAL" clId="{59CB9C7B-CBC7-E549-B176-97F9C29CB310}" dt="2019-11-12T15:17:50.325" v="11937" actId="14100"/>
-          <ac:cxnSpMkLst>
-            <pc:docMk/>
-            <pc:sldMk cId="1776864183" sldId="328"/>
-            <ac:cxnSpMk id="13" creationId="{8BC38A77-D77A-B949-95AE-18A25DC3C3F5}"/>
-          </ac:cxnSpMkLst>
-        </pc:cxnChg>
-        <pc:cxnChg chg="add del mod">
-          <ac:chgData name="Long B Nguyen" userId="f59fb8f3-a021-417a-8bc1-65c8d471c621" providerId="ADAL" clId="{59CB9C7B-CBC7-E549-B176-97F9C29CB310}" dt="2019-11-12T15:17:38.758" v="11908" actId="478"/>
-          <ac:cxnSpMkLst>
-            <pc:docMk/>
-            <pc:sldMk cId="1776864183" sldId="328"/>
-            <ac:cxnSpMk id="17" creationId="{F92AA7AF-571E-0D4A-BBBB-FE7856A0832F}"/>
-          </ac:cxnSpMkLst>
-        </pc:cxnChg>
-        <pc:cxnChg chg="add mod">
-          <ac:chgData name="Long B Nguyen" userId="f59fb8f3-a021-417a-8bc1-65c8d471c621" providerId="ADAL" clId="{59CB9C7B-CBC7-E549-B176-97F9C29CB310}" dt="2019-11-12T15:17:45.207" v="11935" actId="1037"/>
-          <ac:cxnSpMkLst>
-            <pc:docMk/>
-            <pc:sldMk cId="1776864183" sldId="328"/>
-            <ac:cxnSpMk id="20" creationId="{2FFEFA06-1569-2D46-A3A4-72572FB3A0DD}"/>
-          </ac:cxnSpMkLst>
-        </pc:cxnChg>
-        <pc:cxnChg chg="add mod">
-          <ac:chgData name="Long B Nguyen" userId="f59fb8f3-a021-417a-8bc1-65c8d471c621" providerId="ADAL" clId="{59CB9C7B-CBC7-E549-B176-97F9C29CB310}" dt="2019-11-12T15:18:16.030" v="11961" actId="14100"/>
-          <ac:cxnSpMkLst>
-            <pc:docMk/>
-            <pc:sldMk cId="1776864183" sldId="328"/>
-            <ac:cxnSpMk id="23" creationId="{DF859B50-AEDB-5C4C-BD6F-2305261149EE}"/>
-          </ac:cxnSpMkLst>
-        </pc:cxnChg>
-      </pc:sldChg>
-      <pc:sldChg chg="addSp modSp modAnim">
-        <pc:chgData name="Long B Nguyen" userId="f59fb8f3-a021-417a-8bc1-65c8d471c621" providerId="ADAL" clId="{59CB9C7B-CBC7-E549-B176-97F9C29CB310}" dt="2019-11-14T12:51:19.338" v="12789"/>
-        <pc:sldMkLst>
-          <pc:docMk/>
-          <pc:sldMk cId="1403592009" sldId="331"/>
-        </pc:sldMkLst>
-        <pc:spChg chg="add mod">
-          <ac:chgData name="Long B Nguyen" userId="f59fb8f3-a021-417a-8bc1-65c8d471c621" providerId="ADAL" clId="{59CB9C7B-CBC7-E549-B176-97F9C29CB310}" dt="2019-11-12T00:48:36.243" v="9287" actId="1076"/>
-          <ac:spMkLst>
-            <pc:docMk/>
-            <pc:sldMk cId="1403592009" sldId="331"/>
-            <ac:spMk id="4" creationId="{557F7968-AE4D-9746-81FE-F79B57BD6EFE}"/>
-          </ac:spMkLst>
-        </pc:spChg>
-        <pc:spChg chg="add mod">
-          <ac:chgData name="Long B Nguyen" userId="f59fb8f3-a021-417a-8bc1-65c8d471c621" providerId="ADAL" clId="{59CB9C7B-CBC7-E549-B176-97F9C29CB310}" dt="2019-11-12T00:48:25.450" v="9284" actId="1076"/>
-          <ac:spMkLst>
-            <pc:docMk/>
-            <pc:sldMk cId="1403592009" sldId="331"/>
-            <ac:spMk id="6" creationId="{95DF8A1A-4837-3C40-9A2C-4A5FFE885A41}"/>
-          </ac:spMkLst>
-        </pc:spChg>
-        <pc:spChg chg="mod">
-          <ac:chgData name="Long B Nguyen" userId="f59fb8f3-a021-417a-8bc1-65c8d471c621" providerId="ADAL" clId="{59CB9C7B-CBC7-E549-B176-97F9C29CB310}" dt="2019-11-12T00:46:34.030" v="9046" actId="207"/>
-          <ac:spMkLst>
-            <pc:docMk/>
-            <pc:sldMk cId="1403592009" sldId="331"/>
-            <ac:spMk id="9" creationId="{E3B2E017-30B2-884B-A113-B419A2ED51AD}"/>
-          </ac:spMkLst>
-        </pc:spChg>
-        <pc:cxnChg chg="add mod">
-          <ac:chgData name="Long B Nguyen" userId="f59fb8f3-a021-417a-8bc1-65c8d471c621" providerId="ADAL" clId="{59CB9C7B-CBC7-E549-B176-97F9C29CB310}" dt="2019-11-12T00:48:45.586" v="9289" actId="14100"/>
-          <ac:cxnSpMkLst>
-            <pc:docMk/>
-            <pc:sldMk cId="1403592009" sldId="331"/>
-            <ac:cxnSpMk id="5" creationId="{3734FE02-600C-2A44-BC16-F394E2FB5293}"/>
-          </ac:cxnSpMkLst>
-        </pc:cxnChg>
-        <pc:cxnChg chg="add mod">
-          <ac:chgData name="Long B Nguyen" userId="f59fb8f3-a021-417a-8bc1-65c8d471c621" providerId="ADAL" clId="{59CB9C7B-CBC7-E549-B176-97F9C29CB310}" dt="2019-11-12T00:48:32.563" v="9286" actId="14100"/>
-          <ac:cxnSpMkLst>
-            <pc:docMk/>
-            <pc:sldMk cId="1403592009" sldId="331"/>
-            <ac:cxnSpMk id="7" creationId="{C6885A45-616A-744B-A4F0-146A3737FC47}"/>
-          </ac:cxnSpMkLst>
-        </pc:cxnChg>
-      </pc:sldChg>
-      <pc:sldChg chg="addSp modSp add modAnim">
-        <pc:chgData name="Long B Nguyen" userId="f59fb8f3-a021-417a-8bc1-65c8d471c621" providerId="ADAL" clId="{59CB9C7B-CBC7-E549-B176-97F9C29CB310}" dt="2019-11-14T12:50:48.962" v="12785"/>
-        <pc:sldMkLst>
-          <pc:docMk/>
-          <pc:sldMk cId="1776526477" sldId="332"/>
-        </pc:sldMkLst>
-        <pc:spChg chg="mod">
-          <ac:chgData name="Long B Nguyen" userId="f59fb8f3-a021-417a-8bc1-65c8d471c621" providerId="ADAL" clId="{59CB9C7B-CBC7-E549-B176-97F9C29CB310}" dt="2019-11-06T17:40:28.615" v="1921" actId="1076"/>
-          <ac:spMkLst>
-            <pc:docMk/>
-            <pc:sldMk cId="1776526477" sldId="332"/>
-            <ac:spMk id="2" creationId="{AA3A228F-61D0-D949-A5E7-F83756230BF8}"/>
-          </ac:spMkLst>
-        </pc:spChg>
-        <pc:spChg chg="add mod">
-          <ac:chgData name="Long B Nguyen" userId="f59fb8f3-a021-417a-8bc1-65c8d471c621" providerId="ADAL" clId="{59CB9C7B-CBC7-E549-B176-97F9C29CB310}" dt="2019-11-14T12:49:55.911" v="12769" actId="1076"/>
-          <ac:spMkLst>
-            <pc:docMk/>
-            <pc:sldMk cId="1776526477" sldId="332"/>
-            <ac:spMk id="4" creationId="{BE66D76A-BB4F-8A4D-AB4B-A968E4D75F6C}"/>
-          </ac:spMkLst>
-        </pc:spChg>
-        <pc:spChg chg="add mod">
-          <ac:chgData name="Long B Nguyen" userId="f59fb8f3-a021-417a-8bc1-65c8d471c621" providerId="ADAL" clId="{59CB9C7B-CBC7-E549-B176-97F9C29CB310}" dt="2019-11-14T12:50:26.552" v="12783" actId="20577"/>
-          <ac:spMkLst>
-            <pc:docMk/>
-            <pc:sldMk cId="1776526477" sldId="332"/>
-            <ac:spMk id="6" creationId="{933C1516-15E0-6241-839C-CC896EC7C958}"/>
-          </ac:spMkLst>
-        </pc:spChg>
-        <pc:spChg chg="mod">
-          <ac:chgData name="Long B Nguyen" userId="f59fb8f3-a021-417a-8bc1-65c8d471c621" providerId="ADAL" clId="{59CB9C7B-CBC7-E549-B176-97F9C29CB310}" dt="2019-11-06T17:41:05.504" v="1934" actId="20577"/>
-          <ac:spMkLst>
-            <pc:docMk/>
-            <pc:sldMk cId="1776526477" sldId="332"/>
-            <ac:spMk id="9" creationId="{E3B2E017-30B2-884B-A113-B419A2ED51AD}"/>
-          </ac:spMkLst>
-        </pc:spChg>
-        <pc:cxnChg chg="add mod">
-          <ac:chgData name="Long B Nguyen" userId="f59fb8f3-a021-417a-8bc1-65c8d471c621" providerId="ADAL" clId="{59CB9C7B-CBC7-E549-B176-97F9C29CB310}" dt="2019-11-06T17:41:10.033" v="1935" actId="14100"/>
-          <ac:cxnSpMkLst>
-            <pc:docMk/>
-            <pc:sldMk cId="1776526477" sldId="332"/>
-            <ac:cxnSpMk id="5" creationId="{2ACA8F3D-2AEE-0146-8A7F-D08353AD1C3A}"/>
-          </ac:cxnSpMkLst>
-        </pc:cxnChg>
-      </pc:sldChg>
-      <pc:sldChg chg="addSp delSp modSp add modAnim">
-        <pc:chgData name="Long B Nguyen" userId="f59fb8f3-a021-417a-8bc1-65c8d471c621" providerId="ADAL" clId="{59CB9C7B-CBC7-E549-B176-97F9C29CB310}" dt="2019-11-14T13:02:05.813" v="12882"/>
-        <pc:sldMkLst>
-          <pc:docMk/>
-          <pc:sldMk cId="3768911574" sldId="333"/>
-        </pc:sldMkLst>
-        <pc:spChg chg="del">
-          <ac:chgData name="Long B Nguyen" userId="f59fb8f3-a021-417a-8bc1-65c8d471c621" providerId="ADAL" clId="{59CB9C7B-CBC7-E549-B176-97F9C29CB310}" dt="2019-11-05T13:39:00.362" v="509" actId="478"/>
-          <ac:spMkLst>
-            <pc:docMk/>
-            <pc:sldMk cId="3768911574" sldId="333"/>
-            <ac:spMk id="3" creationId="{A1DFF59C-0607-DD47-93E1-3B5DBC7CB72D}"/>
-          </ac:spMkLst>
-        </pc:spChg>
-        <pc:spChg chg="del">
-          <ac:chgData name="Long B Nguyen" userId="f59fb8f3-a021-417a-8bc1-65c8d471c621" providerId="ADAL" clId="{59CB9C7B-CBC7-E549-B176-97F9C29CB310}" dt="2019-11-05T13:39:12.947" v="513" actId="478"/>
-          <ac:spMkLst>
-            <pc:docMk/>
-            <pc:sldMk cId="3768911574" sldId="333"/>
-            <ac:spMk id="8" creationId="{7C58B594-C488-9F41-BC3D-B12A7562F3F7}"/>
-          </ac:spMkLst>
-        </pc:spChg>
-        <pc:spChg chg="mod">
-          <ac:chgData name="Long B Nguyen" userId="f59fb8f3-a021-417a-8bc1-65c8d471c621" providerId="ADAL" clId="{59CB9C7B-CBC7-E549-B176-97F9C29CB310}" dt="2019-11-05T13:44:18.384" v="791" actId="20577"/>
-          <ac:spMkLst>
-            <pc:docMk/>
-            <pc:sldMk cId="3768911574" sldId="333"/>
-            <ac:spMk id="9" creationId="{E3B2E017-30B2-884B-A113-B419A2ED51AD}"/>
-          </ac:spMkLst>
-        </pc:spChg>
-        <pc:spChg chg="mod">
-          <ac:chgData name="Long B Nguyen" userId="f59fb8f3-a021-417a-8bc1-65c8d471c621" providerId="ADAL" clId="{59CB9C7B-CBC7-E549-B176-97F9C29CB310}" dt="2019-11-14T12:45:21.882" v="12589" actId="20577"/>
-          <ac:spMkLst>
-            <pc:docMk/>
-            <pc:sldMk cId="3768911574" sldId="333"/>
-            <ac:spMk id="14" creationId="{5EDF072F-75BE-8741-9067-D2D254F08E47}"/>
-          </ac:spMkLst>
-        </pc:spChg>
-        <pc:spChg chg="add mod">
-          <ac:chgData name="Long B Nguyen" userId="f59fb8f3-a021-417a-8bc1-65c8d471c621" providerId="ADAL" clId="{59CB9C7B-CBC7-E549-B176-97F9C29CB310}" dt="2019-11-14T12:45:25.993" v="12592" actId="20577"/>
-          <ac:spMkLst>
-            <pc:docMk/>
-            <pc:sldMk cId="3768911574" sldId="333"/>
-            <ac:spMk id="16" creationId="{5A9C07C4-A578-9340-813C-79D04F7B9BE1}"/>
-          </ac:spMkLst>
-        </pc:spChg>
-        <pc:spChg chg="add mod">
-          <ac:chgData name="Long B Nguyen" userId="f59fb8f3-a021-417a-8bc1-65c8d471c621" providerId="ADAL" clId="{59CB9C7B-CBC7-E549-B176-97F9C29CB310}" dt="2019-11-14T12:46:25.792" v="12667" actId="1076"/>
-          <ac:spMkLst>
-            <pc:docMk/>
-            <pc:sldMk cId="3768911574" sldId="333"/>
-            <ac:spMk id="17" creationId="{A0DA8034-18BF-A04B-95E1-E02483E3609C}"/>
-          </ac:spMkLst>
-        </pc:spChg>
-        <pc:spChg chg="add mod">
-          <ac:chgData name="Long B Nguyen" userId="f59fb8f3-a021-417a-8bc1-65c8d471c621" providerId="ADAL" clId="{59CB9C7B-CBC7-E549-B176-97F9C29CB310}" dt="2019-11-14T12:45:11.008" v="12586" actId="20577"/>
-          <ac:spMkLst>
-            <pc:docMk/>
-            <pc:sldMk cId="3768911574" sldId="333"/>
-            <ac:spMk id="20" creationId="{F9A61694-4FC5-7F46-9DC1-78F5E8AD77B0}"/>
-          </ac:spMkLst>
-        </pc:spChg>
-        <pc:cxnChg chg="del">
-          <ac:chgData name="Long B Nguyen" userId="f59fb8f3-a021-417a-8bc1-65c8d471c621" providerId="ADAL" clId="{59CB9C7B-CBC7-E549-B176-97F9C29CB310}" dt="2019-11-05T13:39:02.337" v="510" actId="478"/>
-          <ac:cxnSpMkLst>
-            <pc:docMk/>
-            <pc:sldMk cId="3768911574" sldId="333"/>
-            <ac:cxnSpMk id="4" creationId="{A46F3D1F-4E4F-FA42-90BE-0487CC045C6E}"/>
-          </ac:cxnSpMkLst>
-        </pc:cxnChg>
-        <pc:cxnChg chg="del">
-          <ac:chgData name="Long B Nguyen" userId="f59fb8f3-a021-417a-8bc1-65c8d471c621" providerId="ADAL" clId="{59CB9C7B-CBC7-E549-B176-97F9C29CB310}" dt="2019-11-05T13:39:12.947" v="513" actId="478"/>
-          <ac:cxnSpMkLst>
-            <pc:docMk/>
-            <pc:sldMk cId="3768911574" sldId="333"/>
-            <ac:cxnSpMk id="10" creationId="{72A59FBC-12F0-5C49-8BA8-983F96E9EE0E}"/>
-          </ac:cxnSpMkLst>
-        </pc:cxnChg>
-        <pc:cxnChg chg="add mod">
-          <ac:chgData name="Long B Nguyen" userId="f59fb8f3-a021-417a-8bc1-65c8d471c621" providerId="ADAL" clId="{59CB9C7B-CBC7-E549-B176-97F9C29CB310}" dt="2019-11-10T19:21:05.339" v="8892" actId="1037"/>
-          <ac:cxnSpMkLst>
-            <pc:docMk/>
-            <pc:sldMk cId="3768911574" sldId="333"/>
-            <ac:cxnSpMk id="10" creationId="{78689255-3173-164C-A63E-73DEF65651F2}"/>
-          </ac:cxnSpMkLst>
-        </pc:cxnChg>
-        <pc:cxnChg chg="add mod">
-          <ac:chgData name="Long B Nguyen" userId="f59fb8f3-a021-417a-8bc1-65c8d471c621" providerId="ADAL" clId="{59CB9C7B-CBC7-E549-B176-97F9C29CB310}" dt="2019-11-05T13:39:49.663" v="528" actId="14100"/>
-          <ac:cxnSpMkLst>
-            <pc:docMk/>
-            <pc:sldMk cId="3768911574" sldId="333"/>
-            <ac:cxnSpMk id="12" creationId="{CC48B4CD-941B-0741-BFA8-B9998C524923}"/>
-          </ac:cxnSpMkLst>
-        </pc:cxnChg>
-        <pc:cxnChg chg="add mod">
-          <ac:chgData name="Long B Nguyen" userId="f59fb8f3-a021-417a-8bc1-65c8d471c621" providerId="ADAL" clId="{59CB9C7B-CBC7-E549-B176-97F9C29CB310}" dt="2019-11-05T13:39:43.740" v="525" actId="14100"/>
-          <ac:cxnSpMkLst>
-            <pc:docMk/>
-            <pc:sldMk cId="3768911574" sldId="333"/>
-            <ac:cxnSpMk id="13" creationId="{031D278B-4055-D447-8A45-9C9C2EE370C7}"/>
-          </ac:cxnSpMkLst>
-        </pc:cxnChg>
-        <pc:cxnChg chg="mod">
-          <ac:chgData name="Long B Nguyen" userId="f59fb8f3-a021-417a-8bc1-65c8d471c621" providerId="ADAL" clId="{59CB9C7B-CBC7-E549-B176-97F9C29CB310}" dt="2019-11-05T13:39:24.362" v="520" actId="692"/>
-          <ac:cxnSpMkLst>
-            <pc:docMk/>
-            <pc:sldMk cId="3768911574" sldId="333"/>
-            <ac:cxnSpMk id="15" creationId="{F7544DEB-4070-1144-B42C-B2D00FB2B589}"/>
-          </ac:cxnSpMkLst>
-        </pc:cxnChg>
-        <pc:cxnChg chg="add mod">
-          <ac:chgData name="Long B Nguyen" userId="f59fb8f3-a021-417a-8bc1-65c8d471c621" providerId="ADAL" clId="{59CB9C7B-CBC7-E549-B176-97F9C29CB310}" dt="2019-11-05T13:45:56.060" v="830" actId="14100"/>
-          <ac:cxnSpMkLst>
-            <pc:docMk/>
-            <pc:sldMk cId="3768911574" sldId="333"/>
-            <ac:cxnSpMk id="18" creationId="{0455C446-0CB9-7542-A5E5-DF0CA973519D}"/>
-          </ac:cxnSpMkLst>
-        </pc:cxnChg>
-        <pc:cxnChg chg="add mod">
-          <ac:chgData name="Long B Nguyen" userId="f59fb8f3-a021-417a-8bc1-65c8d471c621" providerId="ADAL" clId="{59CB9C7B-CBC7-E549-B176-97F9C29CB310}" dt="2019-11-14T12:46:41.528" v="12671" actId="14100"/>
-          <ac:cxnSpMkLst>
-            <pc:docMk/>
-            <pc:sldMk cId="3768911574" sldId="333"/>
-            <ac:cxnSpMk id="19" creationId="{A6C5B7ED-9686-3549-A3DD-5DD0CF6E8DED}"/>
-          </ac:cxnSpMkLst>
-        </pc:cxnChg>
-      </pc:sldChg>
-      <pc:sldChg chg="addSp delSp modSp add">
-        <pc:chgData name="Long B Nguyen" userId="f59fb8f3-a021-417a-8bc1-65c8d471c621" providerId="ADAL" clId="{59CB9C7B-CBC7-E549-B176-97F9C29CB310}" dt="2019-11-12T00:58:03.638" v="9374" actId="20577"/>
-        <pc:sldMkLst>
-          <pc:docMk/>
-          <pc:sldMk cId="1520390356" sldId="334"/>
-        </pc:sldMkLst>
-        <pc:spChg chg="del">
-          <ac:chgData name="Long B Nguyen" userId="f59fb8f3-a021-417a-8bc1-65c8d471c621" providerId="ADAL" clId="{59CB9C7B-CBC7-E549-B176-97F9C29CB310}" dt="2019-11-06T17:31:26.918" v="1461" actId="478"/>
-          <ac:spMkLst>
-            <pc:docMk/>
-            <pc:sldMk cId="1520390356" sldId="334"/>
-            <ac:spMk id="4" creationId="{557F7968-AE4D-9746-81FE-F79B57BD6EFE}"/>
-          </ac:spMkLst>
-        </pc:spChg>
-        <pc:spChg chg="mod">
-          <ac:chgData name="Long B Nguyen" userId="f59fb8f3-a021-417a-8bc1-65c8d471c621" providerId="ADAL" clId="{59CB9C7B-CBC7-E549-B176-97F9C29CB310}" dt="2019-11-12T00:58:03.638" v="9374" actId="20577"/>
-          <ac:spMkLst>
-            <pc:docMk/>
-            <pc:sldMk cId="1520390356" sldId="334"/>
-            <ac:spMk id="9" creationId="{E3B2E017-30B2-884B-A113-B419A2ED51AD}"/>
-          </ac:spMkLst>
-        </pc:spChg>
-        <pc:cxnChg chg="mod">
-          <ac:chgData name="Long B Nguyen" userId="f59fb8f3-a021-417a-8bc1-65c8d471c621" providerId="ADAL" clId="{59CB9C7B-CBC7-E549-B176-97F9C29CB310}" dt="2019-11-06T17:30:58.532" v="1457" actId="14100"/>
-          <ac:cxnSpMkLst>
-            <pc:docMk/>
-            <pc:sldMk cId="1520390356" sldId="334"/>
-            <ac:cxnSpMk id="5" creationId="{3734FE02-600C-2A44-BC16-F394E2FB5293}"/>
-          </ac:cxnSpMkLst>
-        </pc:cxnChg>
-        <pc:cxnChg chg="add mod">
-          <ac:chgData name="Long B Nguyen" userId="f59fb8f3-a021-417a-8bc1-65c8d471c621" providerId="ADAL" clId="{59CB9C7B-CBC7-E549-B176-97F9C29CB310}" dt="2019-11-06T17:31:06.805" v="1460" actId="14100"/>
-          <ac:cxnSpMkLst>
-            <pc:docMk/>
-            <pc:sldMk cId="1520390356" sldId="334"/>
-            <ac:cxnSpMk id="8" creationId="{EADE529A-64EB-0A40-B575-D437D32FAB41}"/>
-          </ac:cxnSpMkLst>
-        </pc:cxnChg>
-      </pc:sldChg>
-      <pc:sldChg chg="delSp modSp add modAnim">
-        <pc:chgData name="Long B Nguyen" userId="f59fb8f3-a021-417a-8bc1-65c8d471c621" providerId="ADAL" clId="{59CB9C7B-CBC7-E549-B176-97F9C29CB310}" dt="2019-11-14T12:48:46.852" v="12698" actId="20577"/>
-        <pc:sldMkLst>
-          <pc:docMk/>
-          <pc:sldMk cId="1370301937" sldId="335"/>
-        </pc:sldMkLst>
-        <pc:spChg chg="del">
-          <ac:chgData name="Long B Nguyen" userId="f59fb8f3-a021-417a-8bc1-65c8d471c621" providerId="ADAL" clId="{59CB9C7B-CBC7-E549-B176-97F9C29CB310}" dt="2019-11-06T17:36:49.176" v="1782" actId="478"/>
-          <ac:spMkLst>
-            <pc:docMk/>
-            <pc:sldMk cId="1370301937" sldId="335"/>
-            <ac:spMk id="14" creationId="{5EDF072F-75BE-8741-9067-D2D254F08E47}"/>
-          </ac:spMkLst>
-        </pc:spChg>
-        <pc:spChg chg="mod">
-          <ac:chgData name="Long B Nguyen" userId="f59fb8f3-a021-417a-8bc1-65c8d471c621" providerId="ADAL" clId="{59CB9C7B-CBC7-E549-B176-97F9C29CB310}" dt="2019-11-14T12:48:46.852" v="12698" actId="20577"/>
-          <ac:spMkLst>
-            <pc:docMk/>
-            <pc:sldMk cId="1370301937" sldId="335"/>
-            <ac:spMk id="20" creationId="{F9A61694-4FC5-7F46-9DC1-78F5E8AD77B0}"/>
-          </ac:spMkLst>
-        </pc:spChg>
-        <pc:cxnChg chg="del">
-          <ac:chgData name="Long B Nguyen" userId="f59fb8f3-a021-417a-8bc1-65c8d471c621" providerId="ADAL" clId="{59CB9C7B-CBC7-E549-B176-97F9C29CB310}" dt="2019-11-06T17:36:49.176" v="1782" actId="478"/>
-          <ac:cxnSpMkLst>
-            <pc:docMk/>
-            <pc:sldMk cId="1370301937" sldId="335"/>
-            <ac:cxnSpMk id="12" creationId="{CC48B4CD-941B-0741-BFA8-B9998C524923}"/>
-          </ac:cxnSpMkLst>
-        </pc:cxnChg>
-        <pc:cxnChg chg="del">
-          <ac:chgData name="Long B Nguyen" userId="f59fb8f3-a021-417a-8bc1-65c8d471c621" providerId="ADAL" clId="{59CB9C7B-CBC7-E549-B176-97F9C29CB310}" dt="2019-11-06T17:36:49.176" v="1782" actId="478"/>
-          <ac:cxnSpMkLst>
-            <pc:docMk/>
-            <pc:sldMk cId="1370301937" sldId="335"/>
-            <ac:cxnSpMk id="13" creationId="{031D278B-4055-D447-8A45-9C9C2EE370C7}"/>
-          </ac:cxnSpMkLst>
-        </pc:cxnChg>
-        <pc:cxnChg chg="del">
-          <ac:chgData name="Long B Nguyen" userId="f59fb8f3-a021-417a-8bc1-65c8d471c621" providerId="ADAL" clId="{59CB9C7B-CBC7-E549-B176-97F9C29CB310}" dt="2019-11-06T17:36:41.962" v="1781" actId="478"/>
-          <ac:cxnSpMkLst>
-            <pc:docMk/>
-            <pc:sldMk cId="1370301937" sldId="335"/>
-            <ac:cxnSpMk id="15" creationId="{F7544DEB-4070-1144-B42C-B2D00FB2B589}"/>
-          </ac:cxnSpMkLst>
-        </pc:cxnChg>
-        <pc:cxnChg chg="del">
-          <ac:chgData name="Long B Nguyen" userId="f59fb8f3-a021-417a-8bc1-65c8d471c621" providerId="ADAL" clId="{59CB9C7B-CBC7-E549-B176-97F9C29CB310}" dt="2019-11-06T17:36:40.542" v="1780" actId="478"/>
-          <ac:cxnSpMkLst>
-            <pc:docMk/>
-            <pc:sldMk cId="1370301937" sldId="335"/>
-            <ac:cxnSpMk id="18" creationId="{0455C446-0CB9-7542-A5E5-DF0CA973519D}"/>
-          </ac:cxnSpMkLst>
-        </pc:cxnChg>
-      </pc:sldChg>
-      <pc:sldChg chg="addSp delSp modSp add">
-        <pc:chgData name="Long B Nguyen" userId="f59fb8f3-a021-417a-8bc1-65c8d471c621" providerId="ADAL" clId="{59CB9C7B-CBC7-E549-B176-97F9C29CB310}" dt="2019-11-06T17:41:57.400" v="1984" actId="255"/>
-        <pc:sldMkLst>
-          <pc:docMk/>
-          <pc:sldMk cId="649473723" sldId="336"/>
-        </pc:sldMkLst>
-        <pc:spChg chg="del">
-          <ac:chgData name="Long B Nguyen" userId="f59fb8f3-a021-417a-8bc1-65c8d471c621" providerId="ADAL" clId="{59CB9C7B-CBC7-E549-B176-97F9C29CB310}" dt="2019-11-06T17:41:40.395" v="1977" actId="478"/>
-          <ac:spMkLst>
-            <pc:docMk/>
-            <pc:sldMk cId="649473723" sldId="336"/>
-            <ac:spMk id="4" creationId="{BE66D76A-BB4F-8A4D-AB4B-A968E4D75F6C}"/>
-          </ac:spMkLst>
-        </pc:spChg>
-        <pc:spChg chg="add mod">
-          <ac:chgData name="Long B Nguyen" userId="f59fb8f3-a021-417a-8bc1-65c8d471c621" providerId="ADAL" clId="{59CB9C7B-CBC7-E549-B176-97F9C29CB310}" dt="2019-11-06T17:41:57.400" v="1984" actId="255"/>
-          <ac:spMkLst>
-            <pc:docMk/>
-            <pc:sldMk cId="649473723" sldId="336"/>
-            <ac:spMk id="7" creationId="{A9401C64-AC9A-004F-A248-696EF36A106F}"/>
-          </ac:spMkLst>
-        </pc:spChg>
-        <pc:spChg chg="mod">
-          <ac:chgData name="Long B Nguyen" userId="f59fb8f3-a021-417a-8bc1-65c8d471c621" providerId="ADAL" clId="{59CB9C7B-CBC7-E549-B176-97F9C29CB310}" dt="2019-11-06T17:40:57.398" v="1930" actId="20577"/>
-          <ac:spMkLst>
-            <pc:docMk/>
-            <pc:sldMk cId="649473723" sldId="336"/>
-            <ac:spMk id="9" creationId="{E3B2E017-30B2-884B-A113-B419A2ED51AD}"/>
-          </ac:spMkLst>
-        </pc:spChg>
-        <pc:cxnChg chg="mod">
-          <ac:chgData name="Long B Nguyen" userId="f59fb8f3-a021-417a-8bc1-65c8d471c621" providerId="ADAL" clId="{59CB9C7B-CBC7-E549-B176-97F9C29CB310}" dt="2019-11-06T17:40:49.393" v="1926" actId="14100"/>
-          <ac:cxnSpMkLst>
-            <pc:docMk/>
-            <pc:sldMk cId="649473723" sldId="336"/>
-            <ac:cxnSpMk id="5" creationId="{2ACA8F3D-2AEE-0146-8A7F-D08353AD1C3A}"/>
-          </ac:cxnSpMkLst>
-        </pc:cxnChg>
-      </pc:sldChg>
-      <pc:sldChg chg="modSp add modAnim">
-        <pc:chgData name="Long B Nguyen" userId="f59fb8f3-a021-417a-8bc1-65c8d471c621" providerId="ADAL" clId="{59CB9C7B-CBC7-E549-B176-97F9C29CB310}" dt="2019-11-14T12:57:06.015" v="12816"/>
-        <pc:sldMkLst>
-          <pc:docMk/>
-          <pc:sldMk cId="1454819895" sldId="337"/>
-        </pc:sldMkLst>
-        <pc:spChg chg="mod">
-          <ac:chgData name="Long B Nguyen" userId="f59fb8f3-a021-417a-8bc1-65c8d471c621" providerId="ADAL" clId="{59CB9C7B-CBC7-E549-B176-97F9C29CB310}" dt="2019-11-12T00:45:18.003" v="9033" actId="20577"/>
-          <ac:spMkLst>
-            <pc:docMk/>
-            <pc:sldMk cId="1454819895" sldId="337"/>
-            <ac:spMk id="9" creationId="{E3B2E017-30B2-884B-A113-B419A2ED51AD}"/>
-          </ac:spMkLst>
-        </pc:spChg>
-      </pc:sldChg>
-      <pc:sldChg chg="modSp add modAnim">
-        <pc:chgData name="Long B Nguyen" userId="f59fb8f3-a021-417a-8bc1-65c8d471c621" providerId="ADAL" clId="{59CB9C7B-CBC7-E549-B176-97F9C29CB310}" dt="2019-11-14T12:57:17.150" v="12819"/>
-        <pc:sldMkLst>
-          <pc:docMk/>
-          <pc:sldMk cId="3761802647" sldId="338"/>
-        </pc:sldMkLst>
-        <pc:spChg chg="mod">
-          <ac:chgData name="Long B Nguyen" userId="f59fb8f3-a021-417a-8bc1-65c8d471c621" providerId="ADAL" clId="{59CB9C7B-CBC7-E549-B176-97F9C29CB310}" dt="2019-11-12T00:50:29.296" v="9342" actId="20577"/>
-          <ac:spMkLst>
-            <pc:docMk/>
-            <pc:sldMk cId="3761802647" sldId="338"/>
-            <ac:spMk id="9" creationId="{E3B2E017-30B2-884B-A113-B419A2ED51AD}"/>
-          </ac:spMkLst>
-        </pc:spChg>
-      </pc:sldChg>
-      <pc:sldChg chg="modSp add modAnim">
-        <pc:chgData name="Long B Nguyen" userId="f59fb8f3-a021-417a-8bc1-65c8d471c621" providerId="ADAL" clId="{59CB9C7B-CBC7-E549-B176-97F9C29CB310}" dt="2019-11-14T12:41:27.577" v="12568"/>
-        <pc:sldMkLst>
-          <pc:docMk/>
-          <pc:sldMk cId="2700872664" sldId="339"/>
-        </pc:sldMkLst>
-        <pc:spChg chg="mod">
-          <ac:chgData name="Long B Nguyen" userId="f59fb8f3-a021-417a-8bc1-65c8d471c621" providerId="ADAL" clId="{59CB9C7B-CBC7-E549-B176-97F9C29CB310}" dt="2019-11-10T19:18:36.909" v="8819" actId="20577"/>
-          <ac:spMkLst>
-            <pc:docMk/>
-            <pc:sldMk cId="2700872664" sldId="339"/>
-            <ac:spMk id="2" creationId="{AA3A228F-61D0-D949-A5E7-F83756230BF8}"/>
-          </ac:spMkLst>
-        </pc:spChg>
-        <pc:spChg chg="mod">
-          <ac:chgData name="Long B Nguyen" userId="f59fb8f3-a021-417a-8bc1-65c8d471c621" providerId="ADAL" clId="{59CB9C7B-CBC7-E549-B176-97F9C29CB310}" dt="2019-11-12T14:50:38.623" v="10523" actId="20577"/>
-          <ac:spMkLst>
-            <pc:docMk/>
-            <pc:sldMk cId="2700872664" sldId="339"/>
-            <ac:spMk id="9" creationId="{E3B2E017-30B2-884B-A113-B419A2ED51AD}"/>
-          </ac:spMkLst>
-        </pc:spChg>
-      </pc:sldChg>
-      <pc:sldChg chg="modSp add modAnim">
-        <pc:chgData name="Long B Nguyen" userId="f59fb8f3-a021-417a-8bc1-65c8d471c621" providerId="ADAL" clId="{59CB9C7B-CBC7-E549-B176-97F9C29CB310}" dt="2019-11-14T13:00:08.319" v="12834"/>
-        <pc:sldMkLst>
-          <pc:docMk/>
-          <pc:sldMk cId="2044636910" sldId="340"/>
-        </pc:sldMkLst>
-        <pc:spChg chg="mod">
-          <ac:chgData name="Long B Nguyen" userId="f59fb8f3-a021-417a-8bc1-65c8d471c621" providerId="ADAL" clId="{59CB9C7B-CBC7-E549-B176-97F9C29CB310}" dt="2019-11-10T19:19:14.943" v="8840" actId="20577"/>
-          <ac:spMkLst>
-            <pc:docMk/>
-            <pc:sldMk cId="2044636910" sldId="340"/>
-            <ac:spMk id="2" creationId="{AA3A228F-61D0-D949-A5E7-F83756230BF8}"/>
-          </ac:spMkLst>
-        </pc:spChg>
-        <pc:spChg chg="mod">
-          <ac:chgData name="Long B Nguyen" userId="f59fb8f3-a021-417a-8bc1-65c8d471c621" providerId="ADAL" clId="{59CB9C7B-CBC7-E549-B176-97F9C29CB310}" dt="2019-11-12T01:01:37.390" v="9406" actId="20577"/>
-          <ac:spMkLst>
-            <pc:docMk/>
-            <pc:sldMk cId="2044636910" sldId="340"/>
-            <ac:spMk id="9" creationId="{E3B2E017-30B2-884B-A113-B419A2ED51AD}"/>
-          </ac:spMkLst>
-        </pc:spChg>
-      </pc:sldChg>
-      <pc:sldChg chg="modSp add modAnim">
-        <pc:chgData name="Long B Nguyen" userId="f59fb8f3-a021-417a-8bc1-65c8d471c621" providerId="ADAL" clId="{59CB9C7B-CBC7-E549-B176-97F9C29CB310}" dt="2019-11-14T12:41:05.691" v="12564"/>
-        <pc:sldMkLst>
-          <pc:docMk/>
-          <pc:sldMk cId="2849583976" sldId="341"/>
-        </pc:sldMkLst>
-        <pc:spChg chg="mod">
-          <ac:chgData name="Long B Nguyen" userId="f59fb8f3-a021-417a-8bc1-65c8d471c621" providerId="ADAL" clId="{59CB9C7B-CBC7-E549-B176-97F9C29CB310}" dt="2019-11-13T15:50:19.846" v="12040" actId="20577"/>
-          <ac:spMkLst>
-            <pc:docMk/>
-            <pc:sldMk cId="2849583976" sldId="341"/>
-            <ac:spMk id="9" creationId="{E3B2E017-30B2-884B-A113-B419A2ED51AD}"/>
-          </ac:spMkLst>
-        </pc:spChg>
-      </pc:sldChg>
-      <pc:sldChg chg="modSp add modAnim">
-        <pc:chgData name="Long B Nguyen" userId="f59fb8f3-a021-417a-8bc1-65c8d471c621" providerId="ADAL" clId="{59CB9C7B-CBC7-E549-B176-97F9C29CB310}" dt="2019-11-14T12:40:58.843" v="12562"/>
-        <pc:sldMkLst>
-          <pc:docMk/>
-          <pc:sldMk cId="1097937752" sldId="342"/>
-        </pc:sldMkLst>
-        <pc:spChg chg="mod">
-          <ac:chgData name="Long B Nguyen" userId="f59fb8f3-a021-417a-8bc1-65c8d471c621" providerId="ADAL" clId="{59CB9C7B-CBC7-E549-B176-97F9C29CB310}" dt="2019-11-10T19:18:08.769" v="8792" actId="20577"/>
-          <ac:spMkLst>
-            <pc:docMk/>
-            <pc:sldMk cId="1097937752" sldId="342"/>
-            <ac:spMk id="2" creationId="{AA3A228F-61D0-D949-A5E7-F83756230BF8}"/>
-          </ac:spMkLst>
-        </pc:spChg>
-        <pc:spChg chg="mod">
-          <ac:chgData name="Long B Nguyen" userId="f59fb8f3-a021-417a-8bc1-65c8d471c621" providerId="ADAL" clId="{59CB9C7B-CBC7-E549-B176-97F9C29CB310}" dt="2019-11-13T15:50:02.213" v="12038" actId="114"/>
-          <ac:spMkLst>
-            <pc:docMk/>
-            <pc:sldMk cId="1097937752" sldId="342"/>
-            <ac:spMk id="9" creationId="{E3B2E017-30B2-884B-A113-B419A2ED51AD}"/>
-          </ac:spMkLst>
-        </pc:spChg>
-      </pc:sldChg>
-      <pc:sldChg chg="modSp add modAnim">
-        <pc:chgData name="Long B Nguyen" userId="f59fb8f3-a021-417a-8bc1-65c8d471c621" providerId="ADAL" clId="{59CB9C7B-CBC7-E549-B176-97F9C29CB310}" dt="2019-11-14T12:51:56.869" v="12795"/>
-        <pc:sldMkLst>
-          <pc:docMk/>
-          <pc:sldMk cId="2946703032" sldId="346"/>
-        </pc:sldMkLst>
-        <pc:spChg chg="mod">
-          <ac:chgData name="Long B Nguyen" userId="f59fb8f3-a021-417a-8bc1-65c8d471c621" providerId="ADAL" clId="{59CB9C7B-CBC7-E549-B176-97F9C29CB310}" dt="2019-11-12T00:56:32.031" v="9344" actId="14100"/>
-          <ac:spMkLst>
-            <pc:docMk/>
-            <pc:sldMk cId="2946703032" sldId="346"/>
-            <ac:spMk id="2" creationId="{AA3A228F-61D0-D949-A5E7-F83756230BF8}"/>
-          </ac:spMkLst>
-        </pc:spChg>
-        <pc:spChg chg="mod">
-          <ac:chgData name="Long B Nguyen" userId="f59fb8f3-a021-417a-8bc1-65c8d471c621" providerId="ADAL" clId="{59CB9C7B-CBC7-E549-B176-97F9C29CB310}" dt="2019-11-12T15:00:23.500" v="11132" actId="20577"/>
-          <ac:spMkLst>
-            <pc:docMk/>
-            <pc:sldMk cId="2946703032" sldId="346"/>
-            <ac:spMk id="9" creationId="{E3B2E017-30B2-884B-A113-B419A2ED51AD}"/>
-          </ac:spMkLst>
-        </pc:spChg>
-        <pc:spChg chg="mod">
-          <ac:chgData name="Long B Nguyen" userId="f59fb8f3-a021-417a-8bc1-65c8d471c621" providerId="ADAL" clId="{59CB9C7B-CBC7-E549-B176-97F9C29CB310}" dt="2019-11-10T19:16:44.615" v="8779" actId="1076"/>
-          <ac:spMkLst>
-            <pc:docMk/>
-            <pc:sldMk cId="2946703032" sldId="346"/>
-            <ac:spMk id="10" creationId="{9947108E-12E8-044F-805D-DC505E96834C}"/>
-          </ac:spMkLst>
-        </pc:spChg>
-      </pc:sldChg>
-      <pc:sldChg chg="delSp modSp add modAnim">
-        <pc:chgData name="Long B Nguyen" userId="f59fb8f3-a021-417a-8bc1-65c8d471c621" providerId="ADAL" clId="{59CB9C7B-CBC7-E549-B176-97F9C29CB310}" dt="2019-11-14T12:52:03.644" v="12797"/>
-        <pc:sldMkLst>
-          <pc:docMk/>
-          <pc:sldMk cId="3861312264" sldId="347"/>
-        </pc:sldMkLst>
-        <pc:spChg chg="mod">
-          <ac:chgData name="Long B Nguyen" userId="f59fb8f3-a021-417a-8bc1-65c8d471c621" providerId="ADAL" clId="{59CB9C7B-CBC7-E549-B176-97F9C29CB310}" dt="2019-11-10T18:41:18.297" v="6968" actId="20577"/>
-          <ac:spMkLst>
-            <pc:docMk/>
-            <pc:sldMk cId="3861312264" sldId="347"/>
-            <ac:spMk id="2" creationId="{AA3A228F-61D0-D949-A5E7-F83756230BF8}"/>
-          </ac:spMkLst>
-        </pc:spChg>
-        <pc:spChg chg="mod">
-          <ac:chgData name="Long B Nguyen" userId="f59fb8f3-a021-417a-8bc1-65c8d471c621" providerId="ADAL" clId="{59CB9C7B-CBC7-E549-B176-97F9C29CB310}" dt="2019-11-12T00:43:16.595" v="9017" actId="20577"/>
-          <ac:spMkLst>
-            <pc:docMk/>
-            <pc:sldMk cId="3861312264" sldId="347"/>
-            <ac:spMk id="9" creationId="{E3B2E017-30B2-884B-A113-B419A2ED51AD}"/>
-          </ac:spMkLst>
-        </pc:spChg>
-        <pc:spChg chg="del">
-          <ac:chgData name="Long B Nguyen" userId="f59fb8f3-a021-417a-8bc1-65c8d471c621" providerId="ADAL" clId="{59CB9C7B-CBC7-E549-B176-97F9C29CB310}" dt="2019-11-10T18:40:13.153" v="6927" actId="478"/>
-          <ac:spMkLst>
-            <pc:docMk/>
-            <pc:sldMk cId="3861312264" sldId="347"/>
-            <ac:spMk id="10" creationId="{9947108E-12E8-044F-805D-DC505E96834C}"/>
-          </ac:spMkLst>
-        </pc:spChg>
-      </pc:sldChg>
-      <pc:sldChg chg="addSp delSp modSp add modAnim">
-        <pc:chgData name="Long B Nguyen" userId="f59fb8f3-a021-417a-8bc1-65c8d471c621" providerId="ADAL" clId="{59CB9C7B-CBC7-E549-B176-97F9C29CB310}" dt="2019-11-14T13:12:01.541" v="12955" actId="20577"/>
-        <pc:sldMkLst>
-          <pc:docMk/>
-          <pc:sldMk cId="4152312606" sldId="348"/>
-        </pc:sldMkLst>
-        <pc:spChg chg="add mod">
-          <ac:chgData name="Long B Nguyen" userId="f59fb8f3-a021-417a-8bc1-65c8d471c621" providerId="ADAL" clId="{59CB9C7B-CBC7-E549-B176-97F9C29CB310}" dt="2019-11-14T13:12:01.541" v="12955" actId="20577"/>
-          <ac:spMkLst>
-            <pc:docMk/>
-            <pc:sldMk cId="4152312606" sldId="348"/>
-            <ac:spMk id="3" creationId="{74672431-8FFA-904A-BC8A-F824A588FCDD}"/>
-          </ac:spMkLst>
-        </pc:spChg>
-        <pc:spChg chg="add del mod">
-          <ac:chgData name="Long B Nguyen" userId="f59fb8f3-a021-417a-8bc1-65c8d471c621" providerId="ADAL" clId="{59CB9C7B-CBC7-E549-B176-97F9C29CB310}" dt="2019-11-10T19:00:18.499" v="7687" actId="478"/>
-          <ac:spMkLst>
-            <pc:docMk/>
-            <pc:sldMk cId="4152312606" sldId="348"/>
-            <ac:spMk id="3" creationId="{ABB60266-6ED5-534D-8933-CA03ABF66C15}"/>
-          </ac:spMkLst>
-        </pc:spChg>
-        <pc:spChg chg="add mod">
-          <ac:chgData name="Long B Nguyen" userId="f59fb8f3-a021-417a-8bc1-65c8d471c621" providerId="ADAL" clId="{59CB9C7B-CBC7-E549-B176-97F9C29CB310}" dt="2019-11-10T19:10:11.008" v="8412" actId="1036"/>
-          <ac:spMkLst>
-            <pc:docMk/>
-            <pc:sldMk cId="4152312606" sldId="348"/>
-            <ac:spMk id="4" creationId="{AFC1027A-A2B6-B44B-9245-2E5D826BC5DB}"/>
-          </ac:spMkLst>
-        </pc:spChg>
-        <pc:spChg chg="add mod">
-          <ac:chgData name="Long B Nguyen" userId="f59fb8f3-a021-417a-8bc1-65c8d471c621" providerId="ADAL" clId="{59CB9C7B-CBC7-E549-B176-97F9C29CB310}" dt="2019-11-10T19:11:32.585" v="8514" actId="207"/>
-          <ac:spMkLst>
-            <pc:docMk/>
-            <pc:sldMk cId="4152312606" sldId="348"/>
-            <ac:spMk id="5" creationId="{BABC40CC-AD73-DE40-9706-D1FABABD38CB}"/>
-          </ac:spMkLst>
-        </pc:spChg>
-        <pc:spChg chg="add mod">
-          <ac:chgData name="Long B Nguyen" userId="f59fb8f3-a021-417a-8bc1-65c8d471c621" providerId="ADAL" clId="{59CB9C7B-CBC7-E549-B176-97F9C29CB310}" dt="2019-11-10T19:10:11.008" v="8412" actId="1036"/>
-          <ac:spMkLst>
-            <pc:docMk/>
-            <pc:sldMk cId="4152312606" sldId="348"/>
-            <ac:spMk id="6" creationId="{DA0DFD29-B861-3643-8A1F-6A851B97825B}"/>
-          </ac:spMkLst>
-        </pc:spChg>
-        <pc:spChg chg="add mod">
-          <ac:chgData name="Long B Nguyen" userId="f59fb8f3-a021-417a-8bc1-65c8d471c621" providerId="ADAL" clId="{59CB9C7B-CBC7-E549-B176-97F9C29CB310}" dt="2019-11-10T19:10:20.645" v="8414" actId="255"/>
-          <ac:spMkLst>
-            <pc:docMk/>
-            <pc:sldMk cId="4152312606" sldId="348"/>
-            <ac:spMk id="7" creationId="{7FA88EF5-A7E3-4B42-AC10-E3709C51AEBA}"/>
-          </ac:spMkLst>
-        </pc:spChg>
-        <pc:spChg chg="add mod">
-          <ac:chgData name="Long B Nguyen" userId="f59fb8f3-a021-417a-8bc1-65c8d471c621" providerId="ADAL" clId="{59CB9C7B-CBC7-E549-B176-97F9C29CB310}" dt="2019-11-10T19:10:11.008" v="8412" actId="1036"/>
-          <ac:spMkLst>
-            <pc:docMk/>
-            <pc:sldMk cId="4152312606" sldId="348"/>
-            <ac:spMk id="8" creationId="{9678D9F0-77F4-7A43-B46C-EBDB97CE2005}"/>
-          </ac:spMkLst>
-        </pc:spChg>
-        <pc:spChg chg="mod">
-          <ac:chgData name="Long B Nguyen" userId="f59fb8f3-a021-417a-8bc1-65c8d471c621" providerId="ADAL" clId="{59CB9C7B-CBC7-E549-B176-97F9C29CB310}" dt="2019-11-12T00:43:34.297" v="9020" actId="20577"/>
-          <ac:spMkLst>
-            <pc:docMk/>
-            <pc:sldMk cId="4152312606" sldId="348"/>
-            <ac:spMk id="9" creationId="{E3B2E017-30B2-884B-A113-B419A2ED51AD}"/>
-          </ac:spMkLst>
-        </pc:spChg>
-      </pc:sldChg>
-      <pc:sldChg chg="modSp add modAnim">
-        <pc:chgData name="Long B Nguyen" userId="f59fb8f3-a021-417a-8bc1-65c8d471c621" providerId="ADAL" clId="{59CB9C7B-CBC7-E549-B176-97F9C29CB310}" dt="2019-11-14T13:07:01.353" v="12891" actId="20577"/>
-        <pc:sldMkLst>
-          <pc:docMk/>
-          <pc:sldMk cId="2239308720" sldId="349"/>
-        </pc:sldMkLst>
-        <pc:spChg chg="mod">
-          <ac:chgData name="Long B Nguyen" userId="f59fb8f3-a021-417a-8bc1-65c8d471c621" providerId="ADAL" clId="{59CB9C7B-CBC7-E549-B176-97F9C29CB310}" dt="2019-11-14T13:07:01.353" v="12891" actId="20577"/>
-          <ac:spMkLst>
-            <pc:docMk/>
-            <pc:sldMk cId="2239308720" sldId="349"/>
-            <ac:spMk id="5" creationId="{BABC40CC-AD73-DE40-9706-D1FABABD38CB}"/>
-          </ac:spMkLst>
-        </pc:spChg>
-        <pc:spChg chg="mod">
-          <ac:chgData name="Long B Nguyen" userId="f59fb8f3-a021-417a-8bc1-65c8d471c621" providerId="ADAL" clId="{59CB9C7B-CBC7-E549-B176-97F9C29CB310}" dt="2019-11-10T19:12:50.729" v="8607" actId="20577"/>
-          <ac:spMkLst>
-            <pc:docMk/>
-            <pc:sldMk cId="2239308720" sldId="349"/>
-            <ac:spMk id="7" creationId="{7FA88EF5-A7E3-4B42-AC10-E3709C51AEBA}"/>
-          </ac:spMkLst>
-        </pc:spChg>
-        <pc:spChg chg="mod">
-          <ac:chgData name="Long B Nguyen" userId="f59fb8f3-a021-417a-8bc1-65c8d471c621" providerId="ADAL" clId="{59CB9C7B-CBC7-E549-B176-97F9C29CB310}" dt="2019-11-10T19:11:23.207" v="8508" actId="20577"/>
-          <ac:spMkLst>
-            <pc:docMk/>
-            <pc:sldMk cId="2239308720" sldId="349"/>
-            <ac:spMk id="9" creationId="{E3B2E017-30B2-884B-A113-B419A2ED51AD}"/>
-          </ac:spMkLst>
-        </pc:spChg>
-      </pc:sldChg>
-      <pc:sldChg chg="modSp add modAnim">
-        <pc:chgData name="Long B Nguyen" userId="f59fb8f3-a021-417a-8bc1-65c8d471c621" providerId="ADAL" clId="{59CB9C7B-CBC7-E549-B176-97F9C29CB310}" dt="2019-11-14T12:56:28.365" v="12807"/>
-        <pc:sldMkLst>
-          <pc:docMk/>
-          <pc:sldMk cId="1532134668" sldId="350"/>
-        </pc:sldMkLst>
-        <pc:spChg chg="mod">
-          <ac:chgData name="Long B Nguyen" userId="f59fb8f3-a021-417a-8bc1-65c8d471c621" providerId="ADAL" clId="{59CB9C7B-CBC7-E549-B176-97F9C29CB310}" dt="2019-11-10T19:13:39.293" v="8668" actId="20577"/>
-          <ac:spMkLst>
-            <pc:docMk/>
-            <pc:sldMk cId="1532134668" sldId="350"/>
-            <ac:spMk id="5" creationId="{BABC40CC-AD73-DE40-9706-D1FABABD38CB}"/>
-          </ac:spMkLst>
-        </pc:spChg>
-        <pc:spChg chg="mod">
-          <ac:chgData name="Long B Nguyen" userId="f59fb8f3-a021-417a-8bc1-65c8d471c621" providerId="ADAL" clId="{59CB9C7B-CBC7-E549-B176-97F9C29CB310}" dt="2019-11-10T19:14:01.220" v="8681" actId="1076"/>
-          <ac:spMkLst>
-            <pc:docMk/>
-            <pc:sldMk cId="1532134668" sldId="350"/>
-            <ac:spMk id="7" creationId="{7FA88EF5-A7E3-4B42-AC10-E3709C51AEBA}"/>
-          </ac:spMkLst>
-        </pc:spChg>
-        <pc:spChg chg="mod">
-          <ac:chgData name="Long B Nguyen" userId="f59fb8f3-a021-417a-8bc1-65c8d471c621" providerId="ADAL" clId="{59CB9C7B-CBC7-E549-B176-97F9C29CB310}" dt="2019-11-10T19:13:22.858" v="8649" actId="20577"/>
-          <ac:spMkLst>
-            <pc:docMk/>
-            <pc:sldMk cId="1532134668" sldId="350"/>
-            <ac:spMk id="9" creationId="{E3B2E017-30B2-884B-A113-B419A2ED51AD}"/>
-          </ac:spMkLst>
-        </pc:spChg>
-      </pc:sldChg>
-      <pc:sldChg chg="add modAnim">
-        <pc:chgData name="Long B Nguyen" userId="f59fb8f3-a021-417a-8bc1-65c8d471c621" providerId="ADAL" clId="{59CB9C7B-CBC7-E549-B176-97F9C29CB310}" dt="2019-11-14T12:55:27.111" v="12804"/>
-        <pc:sldMkLst>
-          <pc:docMk/>
-          <pc:sldMk cId="3420249496" sldId="351"/>
-        </pc:sldMkLst>
-      </pc:sldChg>
-      <pc:sldChg chg="modSp add modAnim">
-        <pc:chgData name="Long B Nguyen" userId="f59fb8f3-a021-417a-8bc1-65c8d471c621" providerId="ADAL" clId="{59CB9C7B-CBC7-E549-B176-97F9C29CB310}" dt="2019-11-14T12:40:25.058" v="12554"/>
-        <pc:sldMkLst>
-          <pc:docMk/>
-          <pc:sldMk cId="2101795491" sldId="545"/>
-        </pc:sldMkLst>
-        <pc:spChg chg="mod">
-          <ac:chgData name="Long B Nguyen" userId="f59fb8f3-a021-417a-8bc1-65c8d471c621" providerId="ADAL" clId="{59CB9C7B-CBC7-E549-B176-97F9C29CB310}" dt="2019-11-12T00:41:44.199" v="8972" actId="20577"/>
-          <ac:spMkLst>
-            <pc:docMk/>
-            <pc:sldMk cId="2101795491" sldId="545"/>
-            <ac:spMk id="27650" creationId="{CDDBD0B0-F30B-EE40-92BE-F8B3992FD62C}"/>
-          </ac:spMkLst>
-        </pc:spChg>
-      </pc:sldChg>
-      <pc:sldChg chg="modSp add modAnim">
-        <pc:chgData name="Long B Nguyen" userId="f59fb8f3-a021-417a-8bc1-65c8d471c621" providerId="ADAL" clId="{59CB9C7B-CBC7-E549-B176-97F9C29CB310}" dt="2019-11-12T15:20:09.141" v="11989" actId="20577"/>
-        <pc:sldMkLst>
-          <pc:docMk/>
-          <pc:sldMk cId="1854861563" sldId="546"/>
-        </pc:sldMkLst>
-        <pc:spChg chg="mod">
-          <ac:chgData name="Long B Nguyen" userId="f59fb8f3-a021-417a-8bc1-65c8d471c621" providerId="ADAL" clId="{59CB9C7B-CBC7-E549-B176-97F9C29CB310}" dt="2019-11-12T01:38:55.875" v="9475" actId="20577"/>
-          <ac:spMkLst>
-            <pc:docMk/>
-            <pc:sldMk cId="1854861563" sldId="546"/>
-            <ac:spMk id="2" creationId="{AA3A228F-61D0-D949-A5E7-F83756230BF8}"/>
-          </ac:spMkLst>
-        </pc:spChg>
-        <pc:spChg chg="mod">
-          <ac:chgData name="Long B Nguyen" userId="f59fb8f3-a021-417a-8bc1-65c8d471c621" providerId="ADAL" clId="{59CB9C7B-CBC7-E549-B176-97F9C29CB310}" dt="2019-11-12T15:20:09.141" v="11989" actId="20577"/>
-          <ac:spMkLst>
-            <pc:docMk/>
-            <pc:sldMk cId="1854861563" sldId="546"/>
-            <ac:spMk id="9" creationId="{E3B2E017-30B2-884B-A113-B419A2ED51AD}"/>
-          </ac:spMkLst>
-        </pc:spChg>
-      </pc:sldChg>
-      <pc:sldChg chg="modSp add modAnim">
-        <pc:chgData name="Long B Nguyen" userId="f59fb8f3-a021-417a-8bc1-65c8d471c621" providerId="ADAL" clId="{59CB9C7B-CBC7-E549-B176-97F9C29CB310}" dt="2019-11-14T12:42:09.435" v="12575"/>
-        <pc:sldMkLst>
-          <pc:docMk/>
-          <pc:sldMk cId="906346442" sldId="547"/>
-        </pc:sldMkLst>
-        <pc:spChg chg="mod">
-          <ac:chgData name="Long B Nguyen" userId="f59fb8f3-a021-417a-8bc1-65c8d471c621" providerId="ADAL" clId="{59CB9C7B-CBC7-E549-B176-97F9C29CB310}" dt="2019-11-12T14:52:49.478" v="10756" actId="20577"/>
-          <ac:spMkLst>
-            <pc:docMk/>
-            <pc:sldMk cId="906346442" sldId="547"/>
-            <ac:spMk id="2" creationId="{AA3A228F-61D0-D949-A5E7-F83756230BF8}"/>
-          </ac:spMkLst>
-        </pc:spChg>
-        <pc:spChg chg="mod">
-          <ac:chgData name="Long B Nguyen" userId="f59fb8f3-a021-417a-8bc1-65c8d471c621" providerId="ADAL" clId="{59CB9C7B-CBC7-E549-B176-97F9C29CB310}" dt="2019-11-12T14:57:25.508" v="10934" actId="20577"/>
-          <ac:spMkLst>
-            <pc:docMk/>
-            <pc:sldMk cId="906346442" sldId="547"/>
-            <ac:spMk id="9" creationId="{E3B2E017-30B2-884B-A113-B419A2ED51AD}"/>
-          </ac:spMkLst>
-        </pc:spChg>
-      </pc:sldChg>
-      <pc:sldChg chg="modSp add modAnim">
-        <pc:chgData name="Long B Nguyen" userId="f59fb8f3-a021-417a-8bc1-65c8d471c621" providerId="ADAL" clId="{59CB9C7B-CBC7-E549-B176-97F9C29CB310}" dt="2019-11-14T12:49:01.182" v="12701"/>
-        <pc:sldMkLst>
-          <pc:docMk/>
-          <pc:sldMk cId="2079192273" sldId="548"/>
-        </pc:sldMkLst>
-        <pc:spChg chg="mod">
-          <ac:chgData name="Long B Nguyen" userId="f59fb8f3-a021-417a-8bc1-65c8d471c621" providerId="ADAL" clId="{59CB9C7B-CBC7-E549-B176-97F9C29CB310}" dt="2019-11-12T14:56:52.237" v="10880" actId="20577"/>
-          <ac:spMkLst>
-            <pc:docMk/>
-            <pc:sldMk cId="2079192273" sldId="548"/>
-            <ac:spMk id="2" creationId="{AA3A228F-61D0-D949-A5E7-F83756230BF8}"/>
-          </ac:spMkLst>
-        </pc:spChg>
-        <pc:spChg chg="mod">
-          <ac:chgData name="Long B Nguyen" userId="f59fb8f3-a021-417a-8bc1-65c8d471c621" providerId="ADAL" clId="{59CB9C7B-CBC7-E549-B176-97F9C29CB310}" dt="2019-11-12T14:58:49.833" v="11089" actId="20577"/>
-          <ac:spMkLst>
-            <pc:docMk/>
-            <pc:sldMk cId="2079192273" sldId="548"/>
-            <ac:spMk id="9" creationId="{E3B2E017-30B2-884B-A113-B419A2ED51AD}"/>
-          </ac:spMkLst>
-        </pc:spChg>
-      </pc:sldChg>
-      <pc:sldChg chg="delSp modSp add modAnim">
-        <pc:chgData name="Long B Nguyen" userId="f59fb8f3-a021-417a-8bc1-65c8d471c621" providerId="ADAL" clId="{59CB9C7B-CBC7-E549-B176-97F9C29CB310}" dt="2019-11-14T12:57:41.484" v="12822"/>
-        <pc:sldMkLst>
-          <pc:docMk/>
-          <pc:sldMk cId="1299838656" sldId="549"/>
-        </pc:sldMkLst>
-        <pc:spChg chg="mod">
-          <ac:chgData name="Long B Nguyen" userId="f59fb8f3-a021-417a-8bc1-65c8d471c621" providerId="ADAL" clId="{59CB9C7B-CBC7-E549-B176-97F9C29CB310}" dt="2019-11-12T15:10:57.849" v="11689" actId="20577"/>
-          <ac:spMkLst>
-            <pc:docMk/>
-            <pc:sldMk cId="1299838656" sldId="549"/>
-            <ac:spMk id="2" creationId="{AA3A228F-61D0-D949-A5E7-F83756230BF8}"/>
-          </ac:spMkLst>
-        </pc:spChg>
-        <pc:spChg chg="mod">
-          <ac:chgData name="Long B Nguyen" userId="f59fb8f3-a021-417a-8bc1-65c8d471c621" providerId="ADAL" clId="{59CB9C7B-CBC7-E549-B176-97F9C29CB310}" dt="2019-11-12T15:05:29.135" v="11446" actId="20577"/>
-          <ac:spMkLst>
-            <pc:docMk/>
-            <pc:sldMk cId="1299838656" sldId="549"/>
-            <ac:spMk id="9" creationId="{E3B2E017-30B2-884B-A113-B419A2ED51AD}"/>
-          </ac:spMkLst>
-        </pc:spChg>
-        <pc:spChg chg="del">
-          <ac:chgData name="Long B Nguyen" userId="f59fb8f3-a021-417a-8bc1-65c8d471c621" providerId="ADAL" clId="{59CB9C7B-CBC7-E549-B176-97F9C29CB310}" dt="2019-11-12T14:59:58.015" v="11128" actId="478"/>
-          <ac:spMkLst>
-            <pc:docMk/>
-            <pc:sldMk cId="1299838656" sldId="549"/>
-            <ac:spMk id="10" creationId="{9947108E-12E8-044F-805D-DC505E96834C}"/>
-          </ac:spMkLst>
-        </pc:spChg>
-      </pc:sldChg>
-      <pc:sldChg chg="modSp add modAnim">
-        <pc:chgData name="Long B Nguyen" userId="f59fb8f3-a021-417a-8bc1-65c8d471c621" providerId="ADAL" clId="{59CB9C7B-CBC7-E549-B176-97F9C29CB310}" dt="2019-11-14T12:58:19.218" v="12827"/>
-        <pc:sldMkLst>
-          <pc:docMk/>
-          <pc:sldMk cId="2820908233" sldId="551"/>
-        </pc:sldMkLst>
-        <pc:spChg chg="mod">
-          <ac:chgData name="Long B Nguyen" userId="f59fb8f3-a021-417a-8bc1-65c8d471c621" providerId="ADAL" clId="{59CB9C7B-CBC7-E549-B176-97F9C29CB310}" dt="2019-11-12T15:08:09.321" v="11682" actId="20577"/>
-          <ac:spMkLst>
-            <pc:docMk/>
-            <pc:sldMk cId="2820908233" sldId="551"/>
-            <ac:spMk id="2" creationId="{AA3A228F-61D0-D949-A5E7-F83756230BF8}"/>
-          </ac:spMkLst>
-        </pc:spChg>
-        <pc:spChg chg="mod">
-          <ac:chgData name="Long B Nguyen" userId="f59fb8f3-a021-417a-8bc1-65c8d471c621" providerId="ADAL" clId="{59CB9C7B-CBC7-E549-B176-97F9C29CB310}" dt="2019-11-12T15:08:50.392" v="11688" actId="207"/>
-          <ac:spMkLst>
-            <pc:docMk/>
-            <pc:sldMk cId="2820908233" sldId="551"/>
-            <ac:spMk id="9" creationId="{E3B2E017-30B2-884B-A113-B419A2ED51AD}"/>
-          </ac:spMkLst>
-        </pc:spChg>
-      </pc:sldChg>
-      <pc:sldChg chg="add del">
-        <pc:chgData name="Long B Nguyen" userId="f59fb8f3-a021-417a-8bc1-65c8d471c621" providerId="ADAL" clId="{59CB9C7B-CBC7-E549-B176-97F9C29CB310}" dt="2019-11-19T12:45:40.186" v="12957" actId="2696"/>
-        <pc:sldMkLst>
-          <pc:docMk/>
-          <pc:sldMk cId="1559918550" sldId="552"/>
-        </pc:sldMkLst>
-      </pc:sldChg>
-      <pc:sldChg chg="modSp add modAnim">
-        <pc:chgData name="Long B Nguyen" userId="f59fb8f3-a021-417a-8bc1-65c8d471c621" providerId="ADAL" clId="{59CB9C7B-CBC7-E549-B176-97F9C29CB310}" dt="2019-11-14T12:56:42.041" v="12810"/>
-        <pc:sldMkLst>
-          <pc:docMk/>
-          <pc:sldMk cId="1358728332" sldId="553"/>
-        </pc:sldMkLst>
-        <pc:spChg chg="mod">
-          <ac:chgData name="Long B Nguyen" userId="f59fb8f3-a021-417a-8bc1-65c8d471c621" providerId="ADAL" clId="{59CB9C7B-CBC7-E549-B176-97F9C29CB310}" dt="2019-11-13T15:57:03.762" v="12061" actId="20577"/>
-          <ac:spMkLst>
-            <pc:docMk/>
-            <pc:sldMk cId="1358728332" sldId="553"/>
-            <ac:spMk id="2" creationId="{AA3A228F-61D0-D949-A5E7-F83756230BF8}"/>
-          </ac:spMkLst>
-        </pc:spChg>
-        <pc:spChg chg="mod">
-          <ac:chgData name="Long B Nguyen" userId="f59fb8f3-a021-417a-8bc1-65c8d471c621" providerId="ADAL" clId="{59CB9C7B-CBC7-E549-B176-97F9C29CB310}" dt="2019-11-13T16:02:48.086" v="12552" actId="255"/>
-          <ac:spMkLst>
-            <pc:docMk/>
-            <pc:sldMk cId="1358728332" sldId="553"/>
-            <ac:spMk id="9" creationId="{E3B2E017-30B2-884B-A113-B419A2ED51AD}"/>
-          </ac:spMkLst>
-        </pc:spChg>
-      </pc:sldChg>
-      <pc:sldChg chg="modSp add">
-        <pc:chgData name="Long B Nguyen" userId="f59fb8f3-a021-417a-8bc1-65c8d471c621" providerId="ADAL" clId="{59CB9C7B-CBC7-E549-B176-97F9C29CB310}" dt="2019-11-19T12:47:14.779" v="13175" actId="20577"/>
-        <pc:sldMkLst>
-          <pc:docMk/>
-          <pc:sldMk cId="3027756854" sldId="554"/>
-        </pc:sldMkLst>
-        <pc:spChg chg="mod">
-          <ac:chgData name="Long B Nguyen" userId="f59fb8f3-a021-417a-8bc1-65c8d471c621" providerId="ADAL" clId="{59CB9C7B-CBC7-E549-B176-97F9C29CB310}" dt="2019-11-19T12:47:14.779" v="13175" actId="20577"/>
-          <ac:spMkLst>
-            <pc:docMk/>
-            <pc:sldMk cId="3027756854" sldId="554"/>
-            <ac:spMk id="9" creationId="{E3B2E017-30B2-884B-A113-B419A2ED51AD}"/>
-          </ac:spMkLst>
-        </pc:spChg>
-      </pc:sldChg>
-    </pc:docChg>
-  </pc:docChgLst>
   <pc:docChgLst>
     <pc:chgData name="Long B Nguyen" userId="f59fb8f3-a021-417a-8bc1-65c8d471c621" providerId="ADAL" clId="{308CFCF3-47BA-8D4A-8A80-5ECC75BA7E52}"/>
     <pc:docChg chg="addSld delSld modSld">
@@ -1785,6 +616,1424 @@
           <pc:docMk/>
           <pc:sldMk cId="2615412358" sldId="566"/>
         </pc:sldMkLst>
+      </pc:sldChg>
+    </pc:docChg>
+  </pc:docChgLst>
+  <pc:docChgLst>
+    <pc:chgData name="Long B Nguyen" userId="f59fb8f3-a021-417a-8bc1-65c8d471c621" providerId="ADAL" clId="{9268B748-66AA-0742-9E6D-C568D3B99E77}"/>
+    <pc:docChg chg="undo custSel addSld delSld modSld">
+      <pc:chgData name="Long B Nguyen" userId="f59fb8f3-a021-417a-8bc1-65c8d471c621" providerId="ADAL" clId="{9268B748-66AA-0742-9E6D-C568D3B99E77}" dt="2021-02-01T03:01:36.608" v="6026"/>
+      <pc:docMkLst>
+        <pc:docMk/>
+      </pc:docMkLst>
+      <pc:sldChg chg="modSp add del mod">
+        <pc:chgData name="Long B Nguyen" userId="f59fb8f3-a021-417a-8bc1-65c8d471c621" providerId="ADAL" clId="{9268B748-66AA-0742-9E6D-C568D3B99E77}" dt="2021-01-28T03:54:03.699" v="3911" actId="2696"/>
+        <pc:sldMkLst>
+          <pc:docMk/>
+          <pc:sldMk cId="1095332021" sldId="257"/>
+        </pc:sldMkLst>
+        <pc:spChg chg="mod">
+          <ac:chgData name="Long B Nguyen" userId="f59fb8f3-a021-417a-8bc1-65c8d471c621" providerId="ADAL" clId="{9268B748-66AA-0742-9E6D-C568D3B99E77}" dt="2021-01-28T03:27:21.454" v="3656" actId="1076"/>
+          <ac:spMkLst>
+            <pc:docMk/>
+            <pc:sldMk cId="1095332021" sldId="257"/>
+            <ac:spMk id="2" creationId="{AA3A228F-61D0-D949-A5E7-F83756230BF8}"/>
+          </ac:spMkLst>
+        </pc:spChg>
+        <pc:spChg chg="mod">
+          <ac:chgData name="Long B Nguyen" userId="f59fb8f3-a021-417a-8bc1-65c8d471c621" providerId="ADAL" clId="{9268B748-66AA-0742-9E6D-C568D3B99E77}" dt="2021-01-28T03:27:23.729" v="3657" actId="14100"/>
+          <ac:spMkLst>
+            <pc:docMk/>
+            <pc:sldMk cId="1095332021" sldId="257"/>
+            <ac:spMk id="9" creationId="{E3B2E017-30B2-884B-A113-B419A2ED51AD}"/>
+          </ac:spMkLst>
+        </pc:spChg>
+      </pc:sldChg>
+      <pc:sldChg chg="modSp add">
+        <pc:chgData name="Long B Nguyen" userId="f59fb8f3-a021-417a-8bc1-65c8d471c621" providerId="ADAL" clId="{9268B748-66AA-0742-9E6D-C568D3B99E77}" dt="2021-01-28T04:11:29.551" v="4100" actId="20577"/>
+        <pc:sldMkLst>
+          <pc:docMk/>
+          <pc:sldMk cId="2631037396" sldId="257"/>
+        </pc:sldMkLst>
+        <pc:spChg chg="mod">
+          <ac:chgData name="Long B Nguyen" userId="f59fb8f3-a021-417a-8bc1-65c8d471c621" providerId="ADAL" clId="{9268B748-66AA-0742-9E6D-C568D3B99E77}" dt="2021-01-28T04:11:29.551" v="4100" actId="20577"/>
+          <ac:spMkLst>
+            <pc:docMk/>
+            <pc:sldMk cId="2631037396" sldId="257"/>
+            <ac:spMk id="9" creationId="{E3B2E017-30B2-884B-A113-B419A2ED51AD}"/>
+          </ac:spMkLst>
+        </pc:spChg>
+      </pc:sldChg>
+      <pc:sldChg chg="modSp mod">
+        <pc:chgData name="Long B Nguyen" userId="f59fb8f3-a021-417a-8bc1-65c8d471c621" providerId="ADAL" clId="{9268B748-66AA-0742-9E6D-C568D3B99E77}" dt="2021-01-17T03:22:48.113" v="1429" actId="1076"/>
+        <pc:sldMkLst>
+          <pc:docMk/>
+          <pc:sldMk cId="1769313612" sldId="306"/>
+        </pc:sldMkLst>
+        <pc:spChg chg="mod">
+          <ac:chgData name="Long B Nguyen" userId="f59fb8f3-a021-417a-8bc1-65c8d471c621" providerId="ADAL" clId="{9268B748-66AA-0742-9E6D-C568D3B99E77}" dt="2021-01-17T03:22:46.292" v="1428" actId="1076"/>
+          <ac:spMkLst>
+            <pc:docMk/>
+            <pc:sldMk cId="1769313612" sldId="306"/>
+            <ac:spMk id="20482" creationId="{3F08065D-22F5-1B4A-B4B5-FFA336A1CACB}"/>
+          </ac:spMkLst>
+        </pc:spChg>
+        <pc:picChg chg="mod">
+          <ac:chgData name="Long B Nguyen" userId="f59fb8f3-a021-417a-8bc1-65c8d471c621" providerId="ADAL" clId="{9268B748-66AA-0742-9E6D-C568D3B99E77}" dt="2021-01-17T03:22:48.113" v="1429" actId="1076"/>
+          <ac:picMkLst>
+            <pc:docMk/>
+            <pc:sldMk cId="1769313612" sldId="306"/>
+            <ac:picMk id="11267" creationId="{02092175-2DD0-3D4C-A635-5613F8C56924}"/>
+          </ac:picMkLst>
+        </pc:picChg>
+      </pc:sldChg>
+      <pc:sldChg chg="modSp del mod">
+        <pc:chgData name="Long B Nguyen" userId="f59fb8f3-a021-417a-8bc1-65c8d471c621" providerId="ADAL" clId="{9268B748-66AA-0742-9E6D-C568D3B99E77}" dt="2021-01-17T03:25:19.644" v="1505" actId="2696"/>
+        <pc:sldMkLst>
+          <pc:docMk/>
+          <pc:sldMk cId="3175113722" sldId="307"/>
+        </pc:sldMkLst>
+        <pc:spChg chg="mod">
+          <ac:chgData name="Long B Nguyen" userId="f59fb8f3-a021-417a-8bc1-65c8d471c621" providerId="ADAL" clId="{9268B748-66AA-0742-9E6D-C568D3B99E77}" dt="2021-01-17T03:24:57.364" v="1503" actId="1076"/>
+          <ac:spMkLst>
+            <pc:docMk/>
+            <pc:sldMk cId="3175113722" sldId="307"/>
+            <ac:spMk id="20482" creationId="{4647B3F9-8A8F-FB4E-A9A1-ADAC1CD1217D}"/>
+          </ac:spMkLst>
+        </pc:spChg>
+        <pc:picChg chg="mod">
+          <ac:chgData name="Long B Nguyen" userId="f59fb8f3-a021-417a-8bc1-65c8d471c621" providerId="ADAL" clId="{9268B748-66AA-0742-9E6D-C568D3B99E77}" dt="2021-01-17T03:25:00.065" v="1504" actId="1076"/>
+          <ac:picMkLst>
+            <pc:docMk/>
+            <pc:sldMk cId="3175113722" sldId="307"/>
+            <ac:picMk id="16386" creationId="{40FC02DB-B26D-5A4E-BBEE-D925F4751876}"/>
+          </ac:picMkLst>
+        </pc:picChg>
+      </pc:sldChg>
+      <pc:sldChg chg="add">
+        <pc:chgData name="Long B Nguyen" userId="f59fb8f3-a021-417a-8bc1-65c8d471c621" providerId="ADAL" clId="{9268B748-66AA-0742-9E6D-C568D3B99E77}" dt="2021-01-28T13:03:32.143" v="4649"/>
+        <pc:sldMkLst>
+          <pc:docMk/>
+          <pc:sldMk cId="2659683092" sldId="308"/>
+        </pc:sldMkLst>
+      </pc:sldChg>
+      <pc:sldChg chg="modSp del mod">
+        <pc:chgData name="Long B Nguyen" userId="f59fb8f3-a021-417a-8bc1-65c8d471c621" providerId="ADAL" clId="{9268B748-66AA-0742-9E6D-C568D3B99E77}" dt="2021-01-28T13:03:20.422" v="4646" actId="2696"/>
+        <pc:sldMkLst>
+          <pc:docMk/>
+          <pc:sldMk cId="3855133670" sldId="308"/>
+        </pc:sldMkLst>
+        <pc:spChg chg="mod">
+          <ac:chgData name="Long B Nguyen" userId="f59fb8f3-a021-417a-8bc1-65c8d471c621" providerId="ADAL" clId="{9268B748-66AA-0742-9E6D-C568D3B99E77}" dt="2021-01-17T03:22:53.478" v="1430" actId="1076"/>
+          <ac:spMkLst>
+            <pc:docMk/>
+            <pc:sldMk cId="3855133670" sldId="308"/>
+            <ac:spMk id="20482" creationId="{F898970B-EA4B-5447-9CCD-BBB77899EA16}"/>
+          </ac:spMkLst>
+        </pc:spChg>
+        <pc:spChg chg="mod">
+          <ac:chgData name="Long B Nguyen" userId="f59fb8f3-a021-417a-8bc1-65c8d471c621" providerId="ADAL" clId="{9268B748-66AA-0742-9E6D-C568D3B99E77}" dt="2021-01-17T03:23:06.913" v="1435" actId="5793"/>
+          <ac:spMkLst>
+            <pc:docMk/>
+            <pc:sldMk cId="3855133670" sldId="308"/>
+            <ac:spMk id="20483" creationId="{A40AA280-3F94-D04A-88FB-96305DC268ED}"/>
+          </ac:spMkLst>
+        </pc:spChg>
+        <pc:picChg chg="mod">
+          <ac:chgData name="Long B Nguyen" userId="f59fb8f3-a021-417a-8bc1-65c8d471c621" providerId="ADAL" clId="{9268B748-66AA-0742-9E6D-C568D3B99E77}" dt="2021-01-17T03:22:57.913" v="1432" actId="1076"/>
+          <ac:picMkLst>
+            <pc:docMk/>
+            <pc:sldMk cId="3855133670" sldId="308"/>
+            <ac:picMk id="12291" creationId="{0A0C49C3-2913-EA43-8FE1-344434D9B958}"/>
+          </ac:picMkLst>
+        </pc:picChg>
+      </pc:sldChg>
+      <pc:sldChg chg="modSp del mod">
+        <pc:chgData name="Long B Nguyen" userId="f59fb8f3-a021-417a-8bc1-65c8d471c621" providerId="ADAL" clId="{9268B748-66AA-0742-9E6D-C568D3B99E77}" dt="2021-01-17T03:23:48.136" v="1445" actId="2696"/>
+        <pc:sldMkLst>
+          <pc:docMk/>
+          <pc:sldMk cId="3585856351" sldId="309"/>
+        </pc:sldMkLst>
+        <pc:spChg chg="mod">
+          <ac:chgData name="Long B Nguyen" userId="f59fb8f3-a021-417a-8bc1-65c8d471c621" providerId="ADAL" clId="{9268B748-66AA-0742-9E6D-C568D3B99E77}" dt="2021-01-17T03:23:30.639" v="1442" actId="1076"/>
+          <ac:spMkLst>
+            <pc:docMk/>
+            <pc:sldMk cId="3585856351" sldId="309"/>
+            <ac:spMk id="20482" creationId="{AA23FAD0-C454-854B-B4AF-02039D831D3A}"/>
+          </ac:spMkLst>
+        </pc:spChg>
+        <pc:spChg chg="mod">
+          <ac:chgData name="Long B Nguyen" userId="f59fb8f3-a021-417a-8bc1-65c8d471c621" providerId="ADAL" clId="{9268B748-66AA-0742-9E6D-C568D3B99E77}" dt="2021-01-17T03:23:35.152" v="1444" actId="14100"/>
+          <ac:spMkLst>
+            <pc:docMk/>
+            <pc:sldMk cId="3585856351" sldId="309"/>
+            <ac:spMk id="20483" creationId="{27143176-3E06-A54E-BA44-BA6A967C6460}"/>
+          </ac:spMkLst>
+        </pc:spChg>
+      </pc:sldChg>
+      <pc:sldChg chg="del">
+        <pc:chgData name="Long B Nguyen" userId="f59fb8f3-a021-417a-8bc1-65c8d471c621" providerId="ADAL" clId="{9268B748-66AA-0742-9E6D-C568D3B99E77}" dt="2021-01-17T03:25:19.644" v="1505" actId="2696"/>
+        <pc:sldMkLst>
+          <pc:docMk/>
+          <pc:sldMk cId="3276587347" sldId="310"/>
+        </pc:sldMkLst>
+      </pc:sldChg>
+      <pc:sldChg chg="modSp del mod modAnim">
+        <pc:chgData name="Long B Nguyen" userId="f59fb8f3-a021-417a-8bc1-65c8d471c621" providerId="ADAL" clId="{9268B748-66AA-0742-9E6D-C568D3B99E77}" dt="2021-01-28T13:03:20.465" v="4648" actId="2696"/>
+        <pc:sldMkLst>
+          <pc:docMk/>
+          <pc:sldMk cId="863905040" sldId="312"/>
+        </pc:sldMkLst>
+        <pc:spChg chg="mod">
+          <ac:chgData name="Long B Nguyen" userId="f59fb8f3-a021-417a-8bc1-65c8d471c621" providerId="ADAL" clId="{9268B748-66AA-0742-9E6D-C568D3B99E77}" dt="2021-01-28T13:00:32.343" v="4640" actId="14100"/>
+          <ac:spMkLst>
+            <pc:docMk/>
+            <pc:sldMk cId="863905040" sldId="312"/>
+            <ac:spMk id="20482" creationId="{73D160BB-46FA-B540-AB72-FF988D3E48D4}"/>
+          </ac:spMkLst>
+        </pc:spChg>
+        <pc:spChg chg="mod">
+          <ac:chgData name="Long B Nguyen" userId="f59fb8f3-a021-417a-8bc1-65c8d471c621" providerId="ADAL" clId="{9268B748-66AA-0742-9E6D-C568D3B99E77}" dt="2021-01-17T03:51:41.194" v="2584" actId="20577"/>
+          <ac:spMkLst>
+            <pc:docMk/>
+            <pc:sldMk cId="863905040" sldId="312"/>
+            <ac:spMk id="20483" creationId="{1BDDF6AF-7FBC-3849-B4A5-9D30ED403E3D}"/>
+          </ac:spMkLst>
+        </pc:spChg>
+      </pc:sldChg>
+      <pc:sldChg chg="add">
+        <pc:chgData name="Long B Nguyen" userId="f59fb8f3-a021-417a-8bc1-65c8d471c621" providerId="ADAL" clId="{9268B748-66AA-0742-9E6D-C568D3B99E77}" dt="2021-01-28T13:03:32.143" v="4649"/>
+        <pc:sldMkLst>
+          <pc:docMk/>
+          <pc:sldMk cId="3170541048" sldId="312"/>
+        </pc:sldMkLst>
+      </pc:sldChg>
+      <pc:sldChg chg="add">
+        <pc:chgData name="Long B Nguyen" userId="f59fb8f3-a021-417a-8bc1-65c8d471c621" providerId="ADAL" clId="{9268B748-66AA-0742-9E6D-C568D3B99E77}" dt="2021-01-28T13:03:32.143" v="4649"/>
+        <pc:sldMkLst>
+          <pc:docMk/>
+          <pc:sldMk cId="1518376867" sldId="313"/>
+        </pc:sldMkLst>
+      </pc:sldChg>
+      <pc:sldChg chg="modSp del mod modAnim">
+        <pc:chgData name="Long B Nguyen" userId="f59fb8f3-a021-417a-8bc1-65c8d471c621" providerId="ADAL" clId="{9268B748-66AA-0742-9E6D-C568D3B99E77}" dt="2021-01-28T13:03:20.443" v="4647" actId="2696"/>
+        <pc:sldMkLst>
+          <pc:docMk/>
+          <pc:sldMk cId="1871198671" sldId="313"/>
+        </pc:sldMkLst>
+        <pc:spChg chg="mod">
+          <ac:chgData name="Long B Nguyen" userId="f59fb8f3-a021-417a-8bc1-65c8d471c621" providerId="ADAL" clId="{9268B748-66AA-0742-9E6D-C568D3B99E77}" dt="2021-01-17T03:23:13.697" v="1436" actId="1076"/>
+          <ac:spMkLst>
+            <pc:docMk/>
+            <pc:sldMk cId="1871198671" sldId="313"/>
+            <ac:spMk id="20482" creationId="{0957306F-67E2-854F-B7E0-9A252AADF108}"/>
+          </ac:spMkLst>
+        </pc:spChg>
+        <pc:spChg chg="mod">
+          <ac:chgData name="Long B Nguyen" userId="f59fb8f3-a021-417a-8bc1-65c8d471c621" providerId="ADAL" clId="{9268B748-66AA-0742-9E6D-C568D3B99E77}" dt="2021-01-17T03:25:54.451" v="1510" actId="255"/>
+          <ac:spMkLst>
+            <pc:docMk/>
+            <pc:sldMk cId="1871198671" sldId="313"/>
+            <ac:spMk id="20483" creationId="{1F200ABD-6024-F048-94BB-113C30B1C4E9}"/>
+          </ac:spMkLst>
+        </pc:spChg>
+        <pc:picChg chg="mod">
+          <ac:chgData name="Long B Nguyen" userId="f59fb8f3-a021-417a-8bc1-65c8d471c621" providerId="ADAL" clId="{9268B748-66AA-0742-9E6D-C568D3B99E77}" dt="2021-01-17T03:23:18.486" v="1438" actId="1076"/>
+          <ac:picMkLst>
+            <pc:docMk/>
+            <pc:sldMk cId="1871198671" sldId="313"/>
+            <ac:picMk id="13315" creationId="{C0A2BC84-069B-3C4A-9CD8-B1A6968692D7}"/>
+          </ac:picMkLst>
+        </pc:picChg>
+      </pc:sldChg>
+      <pc:sldChg chg="del">
+        <pc:chgData name="Long B Nguyen" userId="f59fb8f3-a021-417a-8bc1-65c8d471c621" providerId="ADAL" clId="{9268B748-66AA-0742-9E6D-C568D3B99E77}" dt="2021-01-17T03:01:07.210" v="105" actId="2696"/>
+        <pc:sldMkLst>
+          <pc:docMk/>
+          <pc:sldMk cId="1880090826" sldId="316"/>
+        </pc:sldMkLst>
+      </pc:sldChg>
+      <pc:sldChg chg="del">
+        <pc:chgData name="Long B Nguyen" userId="f59fb8f3-a021-417a-8bc1-65c8d471c621" providerId="ADAL" clId="{9268B748-66AA-0742-9E6D-C568D3B99E77}" dt="2021-01-17T03:25:41.438" v="1508" actId="2696"/>
+        <pc:sldMkLst>
+          <pc:docMk/>
+          <pc:sldMk cId="518539467" sldId="317"/>
+        </pc:sldMkLst>
+      </pc:sldChg>
+      <pc:sldChg chg="del">
+        <pc:chgData name="Long B Nguyen" userId="f59fb8f3-a021-417a-8bc1-65c8d471c621" providerId="ADAL" clId="{9268B748-66AA-0742-9E6D-C568D3B99E77}" dt="2021-01-17T03:25:41.438" v="1508" actId="2696"/>
+        <pc:sldMkLst>
+          <pc:docMk/>
+          <pc:sldMk cId="2878693247" sldId="318"/>
+        </pc:sldMkLst>
+      </pc:sldChg>
+      <pc:sldChg chg="del">
+        <pc:chgData name="Long B Nguyen" userId="f59fb8f3-a021-417a-8bc1-65c8d471c621" providerId="ADAL" clId="{9268B748-66AA-0742-9E6D-C568D3B99E77}" dt="2021-01-17T03:25:41.438" v="1508" actId="2696"/>
+        <pc:sldMkLst>
+          <pc:docMk/>
+          <pc:sldMk cId="3014449171" sldId="319"/>
+        </pc:sldMkLst>
+      </pc:sldChg>
+      <pc:sldChg chg="modSp del mod">
+        <pc:chgData name="Long B Nguyen" userId="f59fb8f3-a021-417a-8bc1-65c8d471c621" providerId="ADAL" clId="{9268B748-66AA-0742-9E6D-C568D3B99E77}" dt="2021-01-17T03:27:23.279" v="1534" actId="2696"/>
+        <pc:sldMkLst>
+          <pc:docMk/>
+          <pc:sldMk cId="1925491708" sldId="322"/>
+        </pc:sldMkLst>
+        <pc:spChg chg="mod">
+          <ac:chgData name="Long B Nguyen" userId="f59fb8f3-a021-417a-8bc1-65c8d471c621" providerId="ADAL" clId="{9268B748-66AA-0742-9E6D-C568D3B99E77}" dt="2021-01-17T03:27:20.764" v="1533" actId="1076"/>
+          <ac:spMkLst>
+            <pc:docMk/>
+            <pc:sldMk cId="1925491708" sldId="322"/>
+            <ac:spMk id="20482" creationId="{CDA31265-BEED-1E44-AEB8-A0EC7AA2E02B}"/>
+          </ac:spMkLst>
+        </pc:spChg>
+      </pc:sldChg>
+      <pc:sldChg chg="del">
+        <pc:chgData name="Long B Nguyen" userId="f59fb8f3-a021-417a-8bc1-65c8d471c621" providerId="ADAL" clId="{9268B748-66AA-0742-9E6D-C568D3B99E77}" dt="2021-01-17T03:27:27.442" v="1536" actId="2696"/>
+        <pc:sldMkLst>
+          <pc:docMk/>
+          <pc:sldMk cId="856464997" sldId="323"/>
+        </pc:sldMkLst>
+      </pc:sldChg>
+      <pc:sldChg chg="modSp add mod modAnim">
+        <pc:chgData name="Long B Nguyen" userId="f59fb8f3-a021-417a-8bc1-65c8d471c621" providerId="ADAL" clId="{9268B748-66AA-0742-9E6D-C568D3B99E77}" dt="2021-01-17T05:36:14.742" v="2977" actId="2711"/>
+        <pc:sldMkLst>
+          <pc:docMk/>
+          <pc:sldMk cId="1587565841" sldId="325"/>
+        </pc:sldMkLst>
+        <pc:spChg chg="mod">
+          <ac:chgData name="Long B Nguyen" userId="f59fb8f3-a021-417a-8bc1-65c8d471c621" providerId="ADAL" clId="{9268B748-66AA-0742-9E6D-C568D3B99E77}" dt="2021-01-17T05:28:58.517" v="2760" actId="20577"/>
+          <ac:spMkLst>
+            <pc:docMk/>
+            <pc:sldMk cId="1587565841" sldId="325"/>
+            <ac:spMk id="22529" creationId="{8FC9BF54-BC5C-D541-BCD1-D99DA9E7A890}"/>
+          </ac:spMkLst>
+        </pc:spChg>
+        <pc:spChg chg="mod">
+          <ac:chgData name="Long B Nguyen" userId="f59fb8f3-a021-417a-8bc1-65c8d471c621" providerId="ADAL" clId="{9268B748-66AA-0742-9E6D-C568D3B99E77}" dt="2021-01-17T05:36:14.742" v="2977" actId="2711"/>
+          <ac:spMkLst>
+            <pc:docMk/>
+            <pc:sldMk cId="1587565841" sldId="325"/>
+            <ac:spMk id="62467" creationId="{1D575D20-594C-2945-B2F4-512D3B748F19}"/>
+          </ac:spMkLst>
+        </pc:spChg>
+      </pc:sldChg>
+      <pc:sldChg chg="modSp del mod">
+        <pc:chgData name="Long B Nguyen" userId="f59fb8f3-a021-417a-8bc1-65c8d471c621" providerId="ADAL" clId="{9268B748-66AA-0742-9E6D-C568D3B99E77}" dt="2021-01-17T03:26:45.693" v="1522" actId="2696"/>
+        <pc:sldMkLst>
+          <pc:docMk/>
+          <pc:sldMk cId="2537719982" sldId="325"/>
+        </pc:sldMkLst>
+        <pc:spChg chg="mod">
+          <ac:chgData name="Long B Nguyen" userId="f59fb8f3-a021-417a-8bc1-65c8d471c621" providerId="ADAL" clId="{9268B748-66AA-0742-9E6D-C568D3B99E77}" dt="2021-01-17T03:26:22.504" v="1518" actId="1076"/>
+          <ac:spMkLst>
+            <pc:docMk/>
+            <pc:sldMk cId="2537719982" sldId="325"/>
+            <ac:spMk id="22529" creationId="{8FC9BF54-BC5C-D541-BCD1-D99DA9E7A890}"/>
+          </ac:spMkLst>
+        </pc:spChg>
+        <pc:spChg chg="mod">
+          <ac:chgData name="Long B Nguyen" userId="f59fb8f3-a021-417a-8bc1-65c8d471c621" providerId="ADAL" clId="{9268B748-66AA-0742-9E6D-C568D3B99E77}" dt="2021-01-17T03:26:27.925" v="1520" actId="14100"/>
+          <ac:spMkLst>
+            <pc:docMk/>
+            <pc:sldMk cId="2537719982" sldId="325"/>
+            <ac:spMk id="62467" creationId="{1D575D20-594C-2945-B2F4-512D3B748F19}"/>
+          </ac:spMkLst>
+        </pc:spChg>
+      </pc:sldChg>
+      <pc:sldChg chg="del">
+        <pc:chgData name="Long B Nguyen" userId="f59fb8f3-a021-417a-8bc1-65c8d471c621" providerId="ADAL" clId="{9268B748-66AA-0742-9E6D-C568D3B99E77}" dt="2021-01-17T03:26:34.888" v="1521" actId="2696"/>
+        <pc:sldMkLst>
+          <pc:docMk/>
+          <pc:sldMk cId="73332731" sldId="326"/>
+        </pc:sldMkLst>
+      </pc:sldChg>
+      <pc:sldChg chg="add del">
+        <pc:chgData name="Long B Nguyen" userId="f59fb8f3-a021-417a-8bc1-65c8d471c621" providerId="ADAL" clId="{9268B748-66AA-0742-9E6D-C568D3B99E77}" dt="2021-01-17T05:33:11.872" v="2883" actId="2696"/>
+        <pc:sldMkLst>
+          <pc:docMk/>
+          <pc:sldMk cId="3350220248" sldId="326"/>
+        </pc:sldMkLst>
+      </pc:sldChg>
+      <pc:sldChg chg="modSp add mod">
+        <pc:chgData name="Long B Nguyen" userId="f59fb8f3-a021-417a-8bc1-65c8d471c621" providerId="ADAL" clId="{9268B748-66AA-0742-9E6D-C568D3B99E77}" dt="2021-01-17T05:38:28.997" v="3042" actId="2711"/>
+        <pc:sldMkLst>
+          <pc:docMk/>
+          <pc:sldMk cId="3477128042" sldId="327"/>
+        </pc:sldMkLst>
+        <pc:spChg chg="mod">
+          <ac:chgData name="Long B Nguyen" userId="f59fb8f3-a021-417a-8bc1-65c8d471c621" providerId="ADAL" clId="{9268B748-66AA-0742-9E6D-C568D3B99E77}" dt="2021-01-17T05:33:17.902" v="2884" actId="1076"/>
+          <ac:spMkLst>
+            <pc:docMk/>
+            <pc:sldMk cId="3477128042" sldId="327"/>
+            <ac:spMk id="26625" creationId="{E8538034-A182-104C-85BB-4372385916AB}"/>
+          </ac:spMkLst>
+        </pc:spChg>
+        <pc:spChg chg="mod">
+          <ac:chgData name="Long B Nguyen" userId="f59fb8f3-a021-417a-8bc1-65c8d471c621" providerId="ADAL" clId="{9268B748-66AA-0742-9E6D-C568D3B99E77}" dt="2021-01-17T05:38:28.997" v="3042" actId="2711"/>
+          <ac:spMkLst>
+            <pc:docMk/>
+            <pc:sldMk cId="3477128042" sldId="327"/>
+            <ac:spMk id="26626" creationId="{4D0361EB-D6AE-704D-8E7B-E027D54EA1C7}"/>
+          </ac:spMkLst>
+        </pc:spChg>
+      </pc:sldChg>
+      <pc:sldChg chg="del">
+        <pc:chgData name="Long B Nguyen" userId="f59fb8f3-a021-417a-8bc1-65c8d471c621" providerId="ADAL" clId="{9268B748-66AA-0742-9E6D-C568D3B99E77}" dt="2021-01-17T03:26:46.916" v="1523" actId="2696"/>
+        <pc:sldMkLst>
+          <pc:docMk/>
+          <pc:sldMk cId="3935762855" sldId="327"/>
+        </pc:sldMkLst>
+      </pc:sldChg>
+      <pc:sldChg chg="del">
+        <pc:chgData name="Long B Nguyen" userId="f59fb8f3-a021-417a-8bc1-65c8d471c621" providerId="ADAL" clId="{9268B748-66AA-0742-9E6D-C568D3B99E77}" dt="2021-01-17T03:27:23.279" v="1534" actId="2696"/>
+        <pc:sldMkLst>
+          <pc:docMk/>
+          <pc:sldMk cId="1369627949" sldId="330"/>
+        </pc:sldMkLst>
+      </pc:sldChg>
+      <pc:sldChg chg="modSp add del">
+        <pc:chgData name="Long B Nguyen" userId="f59fb8f3-a021-417a-8bc1-65c8d471c621" providerId="ADAL" clId="{9268B748-66AA-0742-9E6D-C568D3B99E77}" dt="2021-01-28T03:28:15.357" v="3659" actId="2696"/>
+        <pc:sldMkLst>
+          <pc:docMk/>
+          <pc:sldMk cId="507599542" sldId="339"/>
+        </pc:sldMkLst>
+        <pc:spChg chg="mod">
+          <ac:chgData name="Long B Nguyen" userId="f59fb8f3-a021-417a-8bc1-65c8d471c621" providerId="ADAL" clId="{9268B748-66AA-0742-9E6D-C568D3B99E77}" dt="2021-01-28T03:25:00.913" v="3573" actId="20577"/>
+          <ac:spMkLst>
+            <pc:docMk/>
+            <pc:sldMk cId="507599542" sldId="339"/>
+            <ac:spMk id="9" creationId="{E3B2E017-30B2-884B-A113-B419A2ED51AD}"/>
+          </ac:spMkLst>
+        </pc:spChg>
+      </pc:sldChg>
+      <pc:sldChg chg="modSp add del">
+        <pc:chgData name="Long B Nguyen" userId="f59fb8f3-a021-417a-8bc1-65c8d471c621" providerId="ADAL" clId="{9268B748-66AA-0742-9E6D-C568D3B99E77}" dt="2021-01-28T03:25:23.125" v="3591" actId="2696"/>
+        <pc:sldMkLst>
+          <pc:docMk/>
+          <pc:sldMk cId="156255905" sldId="340"/>
+        </pc:sldMkLst>
+        <pc:spChg chg="mod">
+          <ac:chgData name="Long B Nguyen" userId="f59fb8f3-a021-417a-8bc1-65c8d471c621" providerId="ADAL" clId="{9268B748-66AA-0742-9E6D-C568D3B99E77}" dt="2021-01-28T03:25:19.262" v="3590" actId="20577"/>
+          <ac:spMkLst>
+            <pc:docMk/>
+            <pc:sldMk cId="156255905" sldId="340"/>
+            <ac:spMk id="9" creationId="{E3B2E017-30B2-884B-A113-B419A2ED51AD}"/>
+          </ac:spMkLst>
+        </pc:spChg>
+      </pc:sldChg>
+      <pc:sldChg chg="modSp add">
+        <pc:chgData name="Long B Nguyen" userId="f59fb8f3-a021-417a-8bc1-65c8d471c621" providerId="ADAL" clId="{9268B748-66AA-0742-9E6D-C568D3B99E77}" dt="2021-01-28T04:11:59.089" v="4102" actId="20577"/>
+        <pc:sldMkLst>
+          <pc:docMk/>
+          <pc:sldMk cId="1190543687" sldId="341"/>
+        </pc:sldMkLst>
+        <pc:spChg chg="mod">
+          <ac:chgData name="Long B Nguyen" userId="f59fb8f3-a021-417a-8bc1-65c8d471c621" providerId="ADAL" clId="{9268B748-66AA-0742-9E6D-C568D3B99E77}" dt="2021-01-28T04:11:59.089" v="4102" actId="20577"/>
+          <ac:spMkLst>
+            <pc:docMk/>
+            <pc:sldMk cId="1190543687" sldId="341"/>
+            <ac:spMk id="9" creationId="{E3B2E017-30B2-884B-A113-B419A2ED51AD}"/>
+          </ac:spMkLst>
+        </pc:spChg>
+      </pc:sldChg>
+      <pc:sldChg chg="modSp add del mod modAnim">
+        <pc:chgData name="Long B Nguyen" userId="f59fb8f3-a021-417a-8bc1-65c8d471c621" providerId="ADAL" clId="{9268B748-66AA-0742-9E6D-C568D3B99E77}" dt="2021-01-28T03:54:03.748" v="3913" actId="2696"/>
+        <pc:sldMkLst>
+          <pc:docMk/>
+          <pc:sldMk cId="4136041801" sldId="341"/>
+        </pc:sldMkLst>
+        <pc:spChg chg="mod">
+          <ac:chgData name="Long B Nguyen" userId="f59fb8f3-a021-417a-8bc1-65c8d471c621" providerId="ADAL" clId="{9268B748-66AA-0742-9E6D-C568D3B99E77}" dt="2021-01-28T03:26:36.269" v="3631" actId="1076"/>
+          <ac:spMkLst>
+            <pc:docMk/>
+            <pc:sldMk cId="4136041801" sldId="341"/>
+            <ac:spMk id="2" creationId="{AA3A228F-61D0-D949-A5E7-F83756230BF8}"/>
+          </ac:spMkLst>
+        </pc:spChg>
+        <pc:spChg chg="mod">
+          <ac:chgData name="Long B Nguyen" userId="f59fb8f3-a021-417a-8bc1-65c8d471c621" providerId="ADAL" clId="{9268B748-66AA-0742-9E6D-C568D3B99E77}" dt="2021-01-28T03:27:05.671" v="3655" actId="20577"/>
+          <ac:spMkLst>
+            <pc:docMk/>
+            <pc:sldMk cId="4136041801" sldId="341"/>
+            <ac:spMk id="9" creationId="{E3B2E017-30B2-884B-A113-B419A2ED51AD}"/>
+          </ac:spMkLst>
+        </pc:spChg>
+      </pc:sldChg>
+      <pc:sldChg chg="modSp add del mod">
+        <pc:chgData name="Long B Nguyen" userId="f59fb8f3-a021-417a-8bc1-65c8d471c621" providerId="ADAL" clId="{9268B748-66AA-0742-9E6D-C568D3B99E77}" dt="2021-01-28T03:54:03.718" v="3912" actId="2696"/>
+        <pc:sldMkLst>
+          <pc:docMk/>
+          <pc:sldMk cId="429134499" sldId="342"/>
+        </pc:sldMkLst>
+        <pc:spChg chg="mod">
+          <ac:chgData name="Long B Nguyen" userId="f59fb8f3-a021-417a-8bc1-65c8d471c621" providerId="ADAL" clId="{9268B748-66AA-0742-9E6D-C568D3B99E77}" dt="2021-01-28T03:32:51.432" v="3907" actId="1076"/>
+          <ac:spMkLst>
+            <pc:docMk/>
+            <pc:sldMk cId="429134499" sldId="342"/>
+            <ac:spMk id="2" creationId="{AA3A228F-61D0-D949-A5E7-F83756230BF8}"/>
+          </ac:spMkLst>
+        </pc:spChg>
+        <pc:spChg chg="mod">
+          <ac:chgData name="Long B Nguyen" userId="f59fb8f3-a021-417a-8bc1-65c8d471c621" providerId="ADAL" clId="{9268B748-66AA-0742-9E6D-C568D3B99E77}" dt="2021-01-28T03:33:02.144" v="3910" actId="14100"/>
+          <ac:spMkLst>
+            <pc:docMk/>
+            <pc:sldMk cId="429134499" sldId="342"/>
+            <ac:spMk id="9" creationId="{E3B2E017-30B2-884B-A113-B419A2ED51AD}"/>
+          </ac:spMkLst>
+        </pc:spChg>
+      </pc:sldChg>
+      <pc:sldChg chg="add">
+        <pc:chgData name="Long B Nguyen" userId="f59fb8f3-a021-417a-8bc1-65c8d471c621" providerId="ADAL" clId="{9268B748-66AA-0742-9E6D-C568D3B99E77}" dt="2021-01-28T03:54:16.866" v="3923"/>
+        <pc:sldMkLst>
+          <pc:docMk/>
+          <pc:sldMk cId="1910973475" sldId="342"/>
+        </pc:sldMkLst>
+      </pc:sldChg>
+      <pc:sldChg chg="modSp add del mod">
+        <pc:chgData name="Long B Nguyen" userId="f59fb8f3-a021-417a-8bc1-65c8d471c621" providerId="ADAL" clId="{9268B748-66AA-0742-9E6D-C568D3B99E77}" dt="2021-01-28T03:27:57.525" v="3658" actId="2696"/>
+        <pc:sldMkLst>
+          <pc:docMk/>
+          <pc:sldMk cId="2262442249" sldId="350"/>
+        </pc:sldMkLst>
+        <pc:spChg chg="mod">
+          <ac:chgData name="Long B Nguyen" userId="f59fb8f3-a021-417a-8bc1-65c8d471c621" providerId="ADAL" clId="{9268B748-66AA-0742-9E6D-C568D3B99E77}" dt="2021-01-28T03:19:50.875" v="3407" actId="1076"/>
+          <ac:spMkLst>
+            <pc:docMk/>
+            <pc:sldMk cId="2262442249" sldId="350"/>
+            <ac:spMk id="2" creationId="{AA3A228F-61D0-D949-A5E7-F83756230BF8}"/>
+          </ac:spMkLst>
+        </pc:spChg>
+        <pc:spChg chg="mod">
+          <ac:chgData name="Long B Nguyen" userId="f59fb8f3-a021-417a-8bc1-65c8d471c621" providerId="ADAL" clId="{9268B748-66AA-0742-9E6D-C568D3B99E77}" dt="2021-01-28T03:26:23.670" v="3628" actId="21"/>
+          <ac:spMkLst>
+            <pc:docMk/>
+            <pc:sldMk cId="2262442249" sldId="350"/>
+            <ac:spMk id="9" creationId="{E3B2E017-30B2-884B-A113-B419A2ED51AD}"/>
+          </ac:spMkLst>
+        </pc:spChg>
+      </pc:sldChg>
+      <pc:sldChg chg="addSp delSp modSp add mod">
+        <pc:chgData name="Long B Nguyen" userId="f59fb8f3-a021-417a-8bc1-65c8d471c621" providerId="ADAL" clId="{9268B748-66AA-0742-9E6D-C568D3B99E77}" dt="2021-01-28T03:57:10.326" v="4071" actId="478"/>
+        <pc:sldMkLst>
+          <pc:docMk/>
+          <pc:sldMk cId="528345614" sldId="368"/>
+        </pc:sldMkLst>
+        <pc:spChg chg="add del mod">
+          <ac:chgData name="Long B Nguyen" userId="f59fb8f3-a021-417a-8bc1-65c8d471c621" providerId="ADAL" clId="{9268B748-66AA-0742-9E6D-C568D3B99E77}" dt="2021-01-28T03:57:10.326" v="4071" actId="478"/>
+          <ac:spMkLst>
+            <pc:docMk/>
+            <pc:sldMk cId="528345614" sldId="368"/>
+            <ac:spMk id="6" creationId="{CA05E5DF-0B6A-B24A-BF30-A2BD2298C9CE}"/>
+          </ac:spMkLst>
+        </pc:spChg>
+      </pc:sldChg>
+      <pc:sldChg chg="addSp modSp add del mod">
+        <pc:chgData name="Long B Nguyen" userId="f59fb8f3-a021-417a-8bc1-65c8d471c621" providerId="ADAL" clId="{9268B748-66AA-0742-9E6D-C568D3B99E77}" dt="2021-01-28T03:54:03.774" v="3914" actId="2696"/>
+        <pc:sldMkLst>
+          <pc:docMk/>
+          <pc:sldMk cId="1158998248" sldId="368"/>
+        </pc:sldMkLst>
+        <pc:spChg chg="mod">
+          <ac:chgData name="Long B Nguyen" userId="f59fb8f3-a021-417a-8bc1-65c8d471c621" providerId="ADAL" clId="{9268B748-66AA-0742-9E6D-C568D3B99E77}" dt="2021-01-28T03:11:00.656" v="3218" actId="1076"/>
+          <ac:spMkLst>
+            <pc:docMk/>
+            <pc:sldMk cId="1158998248" sldId="368"/>
+            <ac:spMk id="2" creationId="{AA3A228F-61D0-D949-A5E7-F83756230BF8}"/>
+          </ac:spMkLst>
+        </pc:spChg>
+        <pc:spChg chg="add mod">
+          <ac:chgData name="Long B Nguyen" userId="f59fb8f3-a021-417a-8bc1-65c8d471c621" providerId="ADAL" clId="{9268B748-66AA-0742-9E6D-C568D3B99E77}" dt="2021-01-28T03:30:09.327" v="3852" actId="1076"/>
+          <ac:spMkLst>
+            <pc:docMk/>
+            <pc:sldMk cId="1158998248" sldId="368"/>
+            <ac:spMk id="8" creationId="{3E503B95-E018-FE45-80D5-04FF0D154DAA}"/>
+          </ac:spMkLst>
+        </pc:spChg>
+        <pc:spChg chg="mod">
+          <ac:chgData name="Long B Nguyen" userId="f59fb8f3-a021-417a-8bc1-65c8d471c621" providerId="ADAL" clId="{9268B748-66AA-0742-9E6D-C568D3B99E77}" dt="2021-01-28T03:29:37.070" v="3815" actId="20577"/>
+          <ac:spMkLst>
+            <pc:docMk/>
+            <pc:sldMk cId="1158998248" sldId="368"/>
+            <ac:spMk id="9" creationId="{E3B2E017-30B2-884B-A113-B419A2ED51AD}"/>
+          </ac:spMkLst>
+        </pc:spChg>
+        <pc:spChg chg="add mod">
+          <ac:chgData name="Long B Nguyen" userId="f59fb8f3-a021-417a-8bc1-65c8d471c621" providerId="ADAL" clId="{9268B748-66AA-0742-9E6D-C568D3B99E77}" dt="2021-01-28T03:30:09.327" v="3852" actId="1076"/>
+          <ac:spMkLst>
+            <pc:docMk/>
+            <pc:sldMk cId="1158998248" sldId="368"/>
+            <ac:spMk id="10" creationId="{BE2ECC61-28C5-6B4B-83F0-B151E0573924}"/>
+          </ac:spMkLst>
+        </pc:spChg>
+        <pc:graphicFrameChg chg="mod modGraphic">
+          <ac:chgData name="Long B Nguyen" userId="f59fb8f3-a021-417a-8bc1-65c8d471c621" providerId="ADAL" clId="{9268B748-66AA-0742-9E6D-C568D3B99E77}" dt="2021-01-28T03:29:42.737" v="3816" actId="1076"/>
+          <ac:graphicFrameMkLst>
+            <pc:docMk/>
+            <pc:sldMk cId="1158998248" sldId="368"/>
+            <ac:graphicFrameMk id="4" creationId="{910DE0CC-5FEF-A94D-BF5D-C253E3945850}"/>
+          </ac:graphicFrameMkLst>
+        </pc:graphicFrameChg>
+        <pc:picChg chg="add mod">
+          <ac:chgData name="Long B Nguyen" userId="f59fb8f3-a021-417a-8bc1-65c8d471c621" providerId="ADAL" clId="{9268B748-66AA-0742-9E6D-C568D3B99E77}" dt="2021-01-28T03:29:44.622" v="3817" actId="1076"/>
+          <ac:picMkLst>
+            <pc:docMk/>
+            <pc:sldMk cId="1158998248" sldId="368"/>
+            <ac:picMk id="7" creationId="{0799DC86-A848-1840-A365-96FD89F949C4}"/>
+          </ac:picMkLst>
+        </pc:picChg>
+        <pc:cxnChg chg="add mod">
+          <ac:chgData name="Long B Nguyen" userId="f59fb8f3-a021-417a-8bc1-65c8d471c621" providerId="ADAL" clId="{9268B748-66AA-0742-9E6D-C568D3B99E77}" dt="2021-01-28T03:30:26.134" v="3855" actId="14100"/>
+          <ac:cxnSpMkLst>
+            <pc:docMk/>
+            <pc:sldMk cId="1158998248" sldId="368"/>
+            <ac:cxnSpMk id="11" creationId="{5338EC75-F1A0-C645-8B90-B3F51C319352}"/>
+          </ac:cxnSpMkLst>
+        </pc:cxnChg>
+      </pc:sldChg>
+      <pc:sldChg chg="add del">
+        <pc:chgData name="Long B Nguyen" userId="f59fb8f3-a021-417a-8bc1-65c8d471c621" providerId="ADAL" clId="{9268B748-66AA-0742-9E6D-C568D3B99E77}" dt="2021-01-28T03:14:22.673" v="3280" actId="2696"/>
+        <pc:sldMkLst>
+          <pc:docMk/>
+          <pc:sldMk cId="2919874628" sldId="369"/>
+        </pc:sldMkLst>
+      </pc:sldChg>
+      <pc:sldChg chg="modSp add del mod">
+        <pc:chgData name="Long B Nguyen" userId="f59fb8f3-a021-417a-8bc1-65c8d471c621" providerId="ADAL" clId="{9268B748-66AA-0742-9E6D-C568D3B99E77}" dt="2021-01-28T03:54:03.860" v="3917" actId="2696"/>
+        <pc:sldMkLst>
+          <pc:docMk/>
+          <pc:sldMk cId="534120995" sldId="371"/>
+        </pc:sldMkLst>
+        <pc:spChg chg="mod">
+          <ac:chgData name="Long B Nguyen" userId="f59fb8f3-a021-417a-8bc1-65c8d471c621" providerId="ADAL" clId="{9268B748-66AA-0742-9E6D-C568D3B99E77}" dt="2021-01-28T03:31:28.924" v="3885" actId="20577"/>
+          <ac:spMkLst>
+            <pc:docMk/>
+            <pc:sldMk cId="534120995" sldId="371"/>
+            <ac:spMk id="12" creationId="{D01CDE2F-903C-7F47-856D-C889E3B4FA1B}"/>
+          </ac:spMkLst>
+        </pc:spChg>
+        <pc:graphicFrameChg chg="mod modGraphic">
+          <ac:chgData name="Long B Nguyen" userId="f59fb8f3-a021-417a-8bc1-65c8d471c621" providerId="ADAL" clId="{9268B748-66AA-0742-9E6D-C568D3B99E77}" dt="2021-01-28T03:17:39.736" v="3321" actId="20577"/>
+          <ac:graphicFrameMkLst>
+            <pc:docMk/>
+            <pc:sldMk cId="534120995" sldId="371"/>
+            <ac:graphicFrameMk id="4" creationId="{910DE0CC-5FEF-A94D-BF5D-C253E3945850}"/>
+          </ac:graphicFrameMkLst>
+        </pc:graphicFrameChg>
+        <pc:cxnChg chg="mod">
+          <ac:chgData name="Long B Nguyen" userId="f59fb8f3-a021-417a-8bc1-65c8d471c621" providerId="ADAL" clId="{9268B748-66AA-0742-9E6D-C568D3B99E77}" dt="2021-01-28T03:32:02.426" v="3897" actId="14100"/>
+          <ac:cxnSpMkLst>
+            <pc:docMk/>
+            <pc:sldMk cId="534120995" sldId="371"/>
+            <ac:cxnSpMk id="11" creationId="{AC7375C5-F760-8B40-B965-09A789E2C477}"/>
+          </ac:cxnSpMkLst>
+        </pc:cxnChg>
+      </pc:sldChg>
+      <pc:sldChg chg="add del">
+        <pc:chgData name="Long B Nguyen" userId="f59fb8f3-a021-417a-8bc1-65c8d471c621" providerId="ADAL" clId="{9268B748-66AA-0742-9E6D-C568D3B99E77}" dt="2021-01-28T03:13:33.649" v="3273" actId="2696"/>
+        <pc:sldMkLst>
+          <pc:docMk/>
+          <pc:sldMk cId="1743667928" sldId="371"/>
+        </pc:sldMkLst>
+      </pc:sldChg>
+      <pc:sldChg chg="add">
+        <pc:chgData name="Long B Nguyen" userId="f59fb8f3-a021-417a-8bc1-65c8d471c621" providerId="ADAL" clId="{9268B748-66AA-0742-9E6D-C568D3B99E77}" dt="2021-01-28T03:54:16.866" v="3923"/>
+        <pc:sldMkLst>
+          <pc:docMk/>
+          <pc:sldMk cId="3119869035" sldId="371"/>
+        </pc:sldMkLst>
+      </pc:sldChg>
+      <pc:sldChg chg="modSp add del mod">
+        <pc:chgData name="Long B Nguyen" userId="f59fb8f3-a021-417a-8bc1-65c8d471c621" providerId="ADAL" clId="{9268B748-66AA-0742-9E6D-C568D3B99E77}" dt="2021-01-28T03:54:03.914" v="3919" actId="2696"/>
+        <pc:sldMkLst>
+          <pc:docMk/>
+          <pc:sldMk cId="1280520962" sldId="372"/>
+        </pc:sldMkLst>
+        <pc:spChg chg="mod">
+          <ac:chgData name="Long B Nguyen" userId="f59fb8f3-a021-417a-8bc1-65c8d471c621" providerId="ADAL" clId="{9268B748-66AA-0742-9E6D-C568D3B99E77}" dt="2021-01-28T03:32:14.252" v="3906" actId="20577"/>
+          <ac:spMkLst>
+            <pc:docMk/>
+            <pc:sldMk cId="1280520962" sldId="372"/>
+            <ac:spMk id="14" creationId="{63449E36-9DBB-134E-94FD-16C40C15EBDC}"/>
+          </ac:spMkLst>
+        </pc:spChg>
+        <pc:graphicFrameChg chg="mod modGraphic">
+          <ac:chgData name="Long B Nguyen" userId="f59fb8f3-a021-417a-8bc1-65c8d471c621" providerId="ADAL" clId="{9268B748-66AA-0742-9E6D-C568D3B99E77}" dt="2021-01-28T03:17:48.946" v="3327" actId="20577"/>
+          <ac:graphicFrameMkLst>
+            <pc:docMk/>
+            <pc:sldMk cId="1280520962" sldId="372"/>
+            <ac:graphicFrameMk id="4" creationId="{910DE0CC-5FEF-A94D-BF5D-C253E3945850}"/>
+          </ac:graphicFrameMkLst>
+        </pc:graphicFrameChg>
+        <pc:cxnChg chg="mod">
+          <ac:chgData name="Long B Nguyen" userId="f59fb8f3-a021-417a-8bc1-65c8d471c621" providerId="ADAL" clId="{9268B748-66AA-0742-9E6D-C568D3B99E77}" dt="2021-01-28T03:15:36.368" v="3290" actId="1076"/>
+          <ac:cxnSpMkLst>
+            <pc:docMk/>
+            <pc:sldMk cId="1280520962" sldId="372"/>
+            <ac:cxnSpMk id="13" creationId="{D2556216-41CD-8D42-B4C1-6D4D9ECF9A05}"/>
+          </ac:cxnSpMkLst>
+        </pc:cxnChg>
+      </pc:sldChg>
+      <pc:sldChg chg="add">
+        <pc:chgData name="Long B Nguyen" userId="f59fb8f3-a021-417a-8bc1-65c8d471c621" providerId="ADAL" clId="{9268B748-66AA-0742-9E6D-C568D3B99E77}" dt="2021-01-28T03:54:16.866" v="3923"/>
+        <pc:sldMkLst>
+          <pc:docMk/>
+          <pc:sldMk cId="4121273586" sldId="372"/>
+        </pc:sldMkLst>
+      </pc:sldChg>
+      <pc:sldChg chg="add">
+        <pc:chgData name="Long B Nguyen" userId="f59fb8f3-a021-417a-8bc1-65c8d471c621" providerId="ADAL" clId="{9268B748-66AA-0742-9E6D-C568D3B99E77}" dt="2021-01-28T03:54:16.866" v="3923"/>
+        <pc:sldMkLst>
+          <pc:docMk/>
+          <pc:sldMk cId="3678049184" sldId="373"/>
+        </pc:sldMkLst>
+      </pc:sldChg>
+      <pc:sldChg chg="modSp add del mod">
+        <pc:chgData name="Long B Nguyen" userId="f59fb8f3-a021-417a-8bc1-65c8d471c621" providerId="ADAL" clId="{9268B748-66AA-0742-9E6D-C568D3B99E77}" dt="2021-01-28T03:54:03.802" v="3915" actId="2696"/>
+        <pc:sldMkLst>
+          <pc:docMk/>
+          <pc:sldMk cId="3757013544" sldId="373"/>
+        </pc:sldMkLst>
+        <pc:graphicFrameChg chg="modGraphic">
+          <ac:chgData name="Long B Nguyen" userId="f59fb8f3-a021-417a-8bc1-65c8d471c621" providerId="ADAL" clId="{9268B748-66AA-0742-9E6D-C568D3B99E77}" dt="2021-01-28T03:17:20.973" v="3312" actId="20577"/>
+          <ac:graphicFrameMkLst>
+            <pc:docMk/>
+            <pc:sldMk cId="3757013544" sldId="373"/>
+            <ac:graphicFrameMk id="4" creationId="{910DE0CC-5FEF-A94D-BF5D-C253E3945850}"/>
+          </ac:graphicFrameMkLst>
+        </pc:graphicFrameChg>
+      </pc:sldChg>
+      <pc:sldChg chg="add">
+        <pc:chgData name="Long B Nguyen" userId="f59fb8f3-a021-417a-8bc1-65c8d471c621" providerId="ADAL" clId="{9268B748-66AA-0742-9E6D-C568D3B99E77}" dt="2021-01-28T03:54:16.866" v="3923"/>
+        <pc:sldMkLst>
+          <pc:docMk/>
+          <pc:sldMk cId="744554462" sldId="374"/>
+        </pc:sldMkLst>
+      </pc:sldChg>
+      <pc:sldChg chg="modSp add del mod">
+        <pc:chgData name="Long B Nguyen" userId="f59fb8f3-a021-417a-8bc1-65c8d471c621" providerId="ADAL" clId="{9268B748-66AA-0742-9E6D-C568D3B99E77}" dt="2021-01-28T03:54:03.968" v="3921" actId="2696"/>
+        <pc:sldMkLst>
+          <pc:docMk/>
+          <pc:sldMk cId="3840148047" sldId="374"/>
+        </pc:sldMkLst>
+        <pc:spChg chg="mod">
+          <ac:chgData name="Long B Nguyen" userId="f59fb8f3-a021-417a-8bc1-65c8d471c621" providerId="ADAL" clId="{9268B748-66AA-0742-9E6D-C568D3B99E77}" dt="2021-01-28T03:16:10.910" v="3304" actId="20577"/>
+          <ac:spMkLst>
+            <pc:docMk/>
+            <pc:sldMk cId="3840148047" sldId="374"/>
+            <ac:spMk id="10" creationId="{AA046367-C12B-9C4B-9484-F091A593B175}"/>
+          </ac:spMkLst>
+        </pc:spChg>
+        <pc:graphicFrameChg chg="mod modGraphic">
+          <ac:chgData name="Long B Nguyen" userId="f59fb8f3-a021-417a-8bc1-65c8d471c621" providerId="ADAL" clId="{9268B748-66AA-0742-9E6D-C568D3B99E77}" dt="2021-01-28T03:17:53.293" v="3330" actId="20577"/>
+          <ac:graphicFrameMkLst>
+            <pc:docMk/>
+            <pc:sldMk cId="3840148047" sldId="374"/>
+            <ac:graphicFrameMk id="4" creationId="{910DE0CC-5FEF-A94D-BF5D-C253E3945850}"/>
+          </ac:graphicFrameMkLst>
+        </pc:graphicFrameChg>
+        <pc:cxnChg chg="mod">
+          <ac:chgData name="Long B Nguyen" userId="f59fb8f3-a021-417a-8bc1-65c8d471c621" providerId="ADAL" clId="{9268B748-66AA-0742-9E6D-C568D3B99E77}" dt="2021-01-28T03:18:42.224" v="3334" actId="14100"/>
+          <ac:cxnSpMkLst>
+            <pc:docMk/>
+            <pc:sldMk cId="3840148047" sldId="374"/>
+            <ac:cxnSpMk id="13" creationId="{D2556216-41CD-8D42-B4C1-6D4D9ECF9A05}"/>
+          </ac:cxnSpMkLst>
+        </pc:cxnChg>
+      </pc:sldChg>
+      <pc:sldChg chg="add">
+        <pc:chgData name="Long B Nguyen" userId="f59fb8f3-a021-417a-8bc1-65c8d471c621" providerId="ADAL" clId="{9268B748-66AA-0742-9E6D-C568D3B99E77}" dt="2021-01-28T03:54:16.866" v="3923"/>
+        <pc:sldMkLst>
+          <pc:docMk/>
+          <pc:sldMk cId="1389296992" sldId="375"/>
+        </pc:sldMkLst>
+      </pc:sldChg>
+      <pc:sldChg chg="modSp add del mod">
+        <pc:chgData name="Long B Nguyen" userId="f59fb8f3-a021-417a-8bc1-65c8d471c621" providerId="ADAL" clId="{9268B748-66AA-0742-9E6D-C568D3B99E77}" dt="2021-01-28T03:54:03.987" v="3922" actId="2696"/>
+        <pc:sldMkLst>
+          <pc:docMk/>
+          <pc:sldMk cId="2304065647" sldId="375"/>
+        </pc:sldMkLst>
+        <pc:spChg chg="mod">
+          <ac:chgData name="Long B Nguyen" userId="f59fb8f3-a021-417a-8bc1-65c8d471c621" providerId="ADAL" clId="{9268B748-66AA-0742-9E6D-C568D3B99E77}" dt="2021-01-28T03:16:38.194" v="3305" actId="20577"/>
+          <ac:spMkLst>
+            <pc:docMk/>
+            <pc:sldMk cId="2304065647" sldId="375"/>
+            <ac:spMk id="11" creationId="{D4310815-845D-E54A-A272-6DAA89CB5B1C}"/>
+          </ac:spMkLst>
+        </pc:spChg>
+        <pc:graphicFrameChg chg="mod modGraphic">
+          <ac:chgData name="Long B Nguyen" userId="f59fb8f3-a021-417a-8bc1-65c8d471c621" providerId="ADAL" clId="{9268B748-66AA-0742-9E6D-C568D3B99E77}" dt="2021-01-28T03:17:58.355" v="3333" actId="20577"/>
+          <ac:graphicFrameMkLst>
+            <pc:docMk/>
+            <pc:sldMk cId="2304065647" sldId="375"/>
+            <ac:graphicFrameMk id="4" creationId="{910DE0CC-5FEF-A94D-BF5D-C253E3945850}"/>
+          </ac:graphicFrameMkLst>
+        </pc:graphicFrameChg>
+      </pc:sldChg>
+      <pc:sldChg chg="modSp add del mod">
+        <pc:chgData name="Long B Nguyen" userId="f59fb8f3-a021-417a-8bc1-65c8d471c621" providerId="ADAL" clId="{9268B748-66AA-0742-9E6D-C568D3B99E77}" dt="2021-01-28T03:15:09.808" v="3286" actId="2696"/>
+        <pc:sldMkLst>
+          <pc:docMk/>
+          <pc:sldMk cId="536933755" sldId="383"/>
+        </pc:sldMkLst>
+        <pc:graphicFrameChg chg="mod modGraphic">
+          <ac:chgData name="Long B Nguyen" userId="f59fb8f3-a021-417a-8bc1-65c8d471c621" providerId="ADAL" clId="{9268B748-66AA-0742-9E6D-C568D3B99E77}" dt="2021-01-28T03:14:47.258" v="3284" actId="14734"/>
+          <ac:graphicFrameMkLst>
+            <pc:docMk/>
+            <pc:sldMk cId="536933755" sldId="383"/>
+            <ac:graphicFrameMk id="4" creationId="{910DE0CC-5FEF-A94D-BF5D-C253E3945850}"/>
+          </ac:graphicFrameMkLst>
+        </pc:graphicFrameChg>
+        <pc:cxnChg chg="mod">
+          <ac:chgData name="Long B Nguyen" userId="f59fb8f3-a021-417a-8bc1-65c8d471c621" providerId="ADAL" clId="{9268B748-66AA-0742-9E6D-C568D3B99E77}" dt="2021-01-28T03:13:25.976" v="3272" actId="1076"/>
+          <ac:cxnSpMkLst>
+            <pc:docMk/>
+            <pc:sldMk cId="536933755" sldId="383"/>
+            <ac:cxnSpMk id="8" creationId="{A7347EC2-A2A0-0E43-A49A-A85D314519D0}"/>
+          </ac:cxnSpMkLst>
+        </pc:cxnChg>
+      </pc:sldChg>
+      <pc:sldChg chg="modSp add del mod">
+        <pc:chgData name="Long B Nguyen" userId="f59fb8f3-a021-417a-8bc1-65c8d471c621" providerId="ADAL" clId="{9268B748-66AA-0742-9E6D-C568D3B99E77}" dt="2021-01-28T03:54:03.833" v="3916" actId="2696"/>
+        <pc:sldMkLst>
+          <pc:docMk/>
+          <pc:sldMk cId="1573053566" sldId="383"/>
+        </pc:sldMkLst>
+        <pc:spChg chg="mod">
+          <ac:chgData name="Long B Nguyen" userId="f59fb8f3-a021-417a-8bc1-65c8d471c621" providerId="ADAL" clId="{9268B748-66AA-0742-9E6D-C568D3B99E77}" dt="2021-01-28T03:30:49.815" v="3856" actId="20577"/>
+          <ac:spMkLst>
+            <pc:docMk/>
+            <pc:sldMk cId="1573053566" sldId="383"/>
+            <ac:spMk id="7" creationId="{75F48114-9280-694B-AC75-C6668A84DF44}"/>
+          </ac:spMkLst>
+        </pc:spChg>
+        <pc:graphicFrameChg chg="mod modGraphic">
+          <ac:chgData name="Long B Nguyen" userId="f59fb8f3-a021-417a-8bc1-65c8d471c621" providerId="ADAL" clId="{9268B748-66AA-0742-9E6D-C568D3B99E77}" dt="2021-01-28T03:17:35.503" v="3318" actId="20577"/>
+          <ac:graphicFrameMkLst>
+            <pc:docMk/>
+            <pc:sldMk cId="1573053566" sldId="383"/>
+            <ac:graphicFrameMk id="4" creationId="{910DE0CC-5FEF-A94D-BF5D-C253E3945850}"/>
+          </ac:graphicFrameMkLst>
+        </pc:graphicFrameChg>
+      </pc:sldChg>
+      <pc:sldChg chg="add">
+        <pc:chgData name="Long B Nguyen" userId="f59fb8f3-a021-417a-8bc1-65c8d471c621" providerId="ADAL" clId="{9268B748-66AA-0742-9E6D-C568D3B99E77}" dt="2021-01-28T03:54:16.866" v="3923"/>
+        <pc:sldMkLst>
+          <pc:docMk/>
+          <pc:sldMk cId="2424282737" sldId="383"/>
+        </pc:sldMkLst>
+      </pc:sldChg>
+      <pc:sldChg chg="modSp add del mod">
+        <pc:chgData name="Long B Nguyen" userId="f59fb8f3-a021-417a-8bc1-65c8d471c621" providerId="ADAL" clId="{9268B748-66AA-0742-9E6D-C568D3B99E77}" dt="2021-01-28T03:54:03.886" v="3918" actId="2696"/>
+        <pc:sldMkLst>
+          <pc:docMk/>
+          <pc:sldMk cId="1039746147" sldId="385"/>
+        </pc:sldMkLst>
+        <pc:spChg chg="mod">
+          <ac:chgData name="Long B Nguyen" userId="f59fb8f3-a021-417a-8bc1-65c8d471c621" providerId="ADAL" clId="{9268B748-66AA-0742-9E6D-C568D3B99E77}" dt="2021-01-28T03:31:42.555" v="3896" actId="20577"/>
+          <ac:spMkLst>
+            <pc:docMk/>
+            <pc:sldMk cId="1039746147" sldId="385"/>
+            <ac:spMk id="14" creationId="{63449E36-9DBB-134E-94FD-16C40C15EBDC}"/>
+          </ac:spMkLst>
+        </pc:spChg>
+        <pc:graphicFrameChg chg="mod modGraphic">
+          <ac:chgData name="Long B Nguyen" userId="f59fb8f3-a021-417a-8bc1-65c8d471c621" providerId="ADAL" clId="{9268B748-66AA-0742-9E6D-C568D3B99E77}" dt="2021-01-28T03:17:44.271" v="3324" actId="20577"/>
+          <ac:graphicFrameMkLst>
+            <pc:docMk/>
+            <pc:sldMk cId="1039746147" sldId="385"/>
+            <ac:graphicFrameMk id="4" creationId="{910DE0CC-5FEF-A94D-BF5D-C253E3945850}"/>
+          </ac:graphicFrameMkLst>
+        </pc:graphicFrameChg>
+        <pc:cxnChg chg="mod">
+          <ac:chgData name="Long B Nguyen" userId="f59fb8f3-a021-417a-8bc1-65c8d471c621" providerId="ADAL" clId="{9268B748-66AA-0742-9E6D-C568D3B99E77}" dt="2021-01-28T03:14:35.755" v="3282" actId="1076"/>
+          <ac:cxnSpMkLst>
+            <pc:docMk/>
+            <pc:sldMk cId="1039746147" sldId="385"/>
+            <ac:cxnSpMk id="13" creationId="{D2556216-41CD-8D42-B4C1-6D4D9ECF9A05}"/>
+          </ac:cxnSpMkLst>
+        </pc:cxnChg>
+      </pc:sldChg>
+      <pc:sldChg chg="add">
+        <pc:chgData name="Long B Nguyen" userId="f59fb8f3-a021-417a-8bc1-65c8d471c621" providerId="ADAL" clId="{9268B748-66AA-0742-9E6D-C568D3B99E77}" dt="2021-01-28T03:54:16.866" v="3923"/>
+        <pc:sldMkLst>
+          <pc:docMk/>
+          <pc:sldMk cId="3949056306" sldId="385"/>
+        </pc:sldMkLst>
+      </pc:sldChg>
+      <pc:sldChg chg="modSp add mod modNotesTx">
+        <pc:chgData name="Long B Nguyen" userId="f59fb8f3-a021-417a-8bc1-65c8d471c621" providerId="ADAL" clId="{9268B748-66AA-0742-9E6D-C568D3B99E77}" dt="2021-01-17T03:52:20.756" v="2588" actId="20577"/>
+        <pc:sldMkLst>
+          <pc:docMk/>
+          <pc:sldMk cId="3182006449" sldId="424"/>
+        </pc:sldMkLst>
+        <pc:spChg chg="mod">
+          <ac:chgData name="Long B Nguyen" userId="f59fb8f3-a021-417a-8bc1-65c8d471c621" providerId="ADAL" clId="{9268B748-66AA-0742-9E6D-C568D3B99E77}" dt="2021-01-17T03:52:20.756" v="2588" actId="20577"/>
+          <ac:spMkLst>
+            <pc:docMk/>
+            <pc:sldMk cId="3182006449" sldId="424"/>
+            <ac:spMk id="30722" creationId="{C70E3A34-0037-734F-81D6-0339361ED841}"/>
+          </ac:spMkLst>
+        </pc:spChg>
+      </pc:sldChg>
+      <pc:sldChg chg="modSp del mod">
+        <pc:chgData name="Long B Nguyen" userId="f59fb8f3-a021-417a-8bc1-65c8d471c621" providerId="ADAL" clId="{9268B748-66AA-0742-9E6D-C568D3B99E77}" dt="2021-01-17T03:47:03.261" v="2400" actId="2696"/>
+        <pc:sldMkLst>
+          <pc:docMk/>
+          <pc:sldMk cId="3212712238" sldId="424"/>
+        </pc:sldMkLst>
+        <pc:spChg chg="mod">
+          <ac:chgData name="Long B Nguyen" userId="f59fb8f3-a021-417a-8bc1-65c8d471c621" providerId="ADAL" clId="{9268B748-66AA-0742-9E6D-C568D3B99E77}" dt="2021-01-17T03:26:57.150" v="1526" actId="1076"/>
+          <ac:spMkLst>
+            <pc:docMk/>
+            <pc:sldMk cId="3212712238" sldId="424"/>
+            <ac:spMk id="30721" creationId="{378752EF-A47C-2F42-B800-CF9B206624FE}"/>
+          </ac:spMkLst>
+        </pc:spChg>
+        <pc:spChg chg="mod">
+          <ac:chgData name="Long B Nguyen" userId="f59fb8f3-a021-417a-8bc1-65c8d471c621" providerId="ADAL" clId="{9268B748-66AA-0742-9E6D-C568D3B99E77}" dt="2021-01-17T03:27:02.729" v="1528" actId="14100"/>
+          <ac:spMkLst>
+            <pc:docMk/>
+            <pc:sldMk cId="3212712238" sldId="424"/>
+            <ac:spMk id="30722" creationId="{C70E3A34-0037-734F-81D6-0339361ED841}"/>
+          </ac:spMkLst>
+        </pc:spChg>
+      </pc:sldChg>
+      <pc:sldChg chg="del">
+        <pc:chgData name="Long B Nguyen" userId="f59fb8f3-a021-417a-8bc1-65c8d471c621" providerId="ADAL" clId="{9268B748-66AA-0742-9E6D-C568D3B99E77}" dt="2021-01-17T03:01:28.638" v="107" actId="2696"/>
+        <pc:sldMkLst>
+          <pc:docMk/>
+          <pc:sldMk cId="2744089513" sldId="425"/>
+        </pc:sldMkLst>
+      </pc:sldChg>
+      <pc:sldChg chg="del">
+        <pc:chgData name="Long B Nguyen" userId="f59fb8f3-a021-417a-8bc1-65c8d471c621" providerId="ADAL" clId="{9268B748-66AA-0742-9E6D-C568D3B99E77}" dt="2021-01-17T03:27:29.797" v="1537" actId="2696"/>
+        <pc:sldMkLst>
+          <pc:docMk/>
+          <pc:sldMk cId="3169230028" sldId="426"/>
+        </pc:sldMkLst>
+      </pc:sldChg>
+      <pc:sldChg chg="modSp mod">
+        <pc:chgData name="Long B Nguyen" userId="f59fb8f3-a021-417a-8bc1-65c8d471c621" providerId="ADAL" clId="{9268B748-66AA-0742-9E6D-C568D3B99E77}" dt="2021-01-17T03:00:25.901" v="15" actId="20577"/>
+        <pc:sldMkLst>
+          <pc:docMk/>
+          <pc:sldMk cId="847347657" sldId="555"/>
+        </pc:sldMkLst>
+        <pc:spChg chg="mod">
+          <ac:chgData name="Long B Nguyen" userId="f59fb8f3-a021-417a-8bc1-65c8d471c621" providerId="ADAL" clId="{9268B748-66AA-0742-9E6D-C568D3B99E77}" dt="2021-01-17T03:00:25.901" v="15" actId="20577"/>
+          <ac:spMkLst>
+            <pc:docMk/>
+            <pc:sldMk cId="847347657" sldId="555"/>
+            <ac:spMk id="3" creationId="{69ADCD5C-363A-6249-B0DD-5A7EF5ACE656}"/>
+          </ac:spMkLst>
+        </pc:spChg>
+      </pc:sldChg>
+      <pc:sldChg chg="modSp mod modAnim">
+        <pc:chgData name="Long B Nguyen" userId="f59fb8f3-a021-417a-8bc1-65c8d471c621" providerId="ADAL" clId="{9268B748-66AA-0742-9E6D-C568D3B99E77}" dt="2021-02-01T00:36:23.028" v="5586" actId="20577"/>
+        <pc:sldMkLst>
+          <pc:docMk/>
+          <pc:sldMk cId="3515362357" sldId="556"/>
+        </pc:sldMkLst>
+        <pc:spChg chg="mod">
+          <ac:chgData name="Long B Nguyen" userId="f59fb8f3-a021-417a-8bc1-65c8d471c621" providerId="ADAL" clId="{9268B748-66AA-0742-9E6D-C568D3B99E77}" dt="2021-01-17T03:22:03.170" v="1421" actId="1076"/>
+          <ac:spMkLst>
+            <pc:docMk/>
+            <pc:sldMk cId="3515362357" sldId="556"/>
+            <ac:spMk id="20482" creationId="{122029F5-C3C9-E94E-9E27-3AADE7978759}"/>
+          </ac:spMkLst>
+        </pc:spChg>
+        <pc:spChg chg="mod">
+          <ac:chgData name="Long B Nguyen" userId="f59fb8f3-a021-417a-8bc1-65c8d471c621" providerId="ADAL" clId="{9268B748-66AA-0742-9E6D-C568D3B99E77}" dt="2021-02-01T00:36:23.028" v="5586" actId="20577"/>
+          <ac:spMkLst>
+            <pc:docMk/>
+            <pc:sldMk cId="3515362357" sldId="556"/>
+            <ac:spMk id="20483" creationId="{11D6A34E-F264-984B-AD46-8F4C5C826246}"/>
+          </ac:spMkLst>
+        </pc:spChg>
+      </pc:sldChg>
+      <pc:sldChg chg="modSp mod modAnim">
+        <pc:chgData name="Long B Nguyen" userId="f59fb8f3-a021-417a-8bc1-65c8d471c621" providerId="ADAL" clId="{9268B748-66AA-0742-9E6D-C568D3B99E77}" dt="2021-02-01T02:57:47.994" v="5602"/>
+        <pc:sldMkLst>
+          <pc:docMk/>
+          <pc:sldMk cId="56364418" sldId="557"/>
+        </pc:sldMkLst>
+        <pc:spChg chg="mod">
+          <ac:chgData name="Long B Nguyen" userId="f59fb8f3-a021-417a-8bc1-65c8d471c621" providerId="ADAL" clId="{9268B748-66AA-0742-9E6D-C568D3B99E77}" dt="2021-02-01T02:57:47.994" v="5602"/>
+          <ac:spMkLst>
+            <pc:docMk/>
+            <pc:sldMk cId="56364418" sldId="557"/>
+            <ac:spMk id="6146" creationId="{095FC28F-CF01-5C45-8C80-38CA0C2B9DF5}"/>
+          </ac:spMkLst>
+        </pc:spChg>
+        <pc:spChg chg="mod">
+          <ac:chgData name="Long B Nguyen" userId="f59fb8f3-a021-417a-8bc1-65c8d471c621" providerId="ADAL" clId="{9268B748-66AA-0742-9E6D-C568D3B99E77}" dt="2021-01-17T03:21:32.889" v="1414" actId="1076"/>
+          <ac:spMkLst>
+            <pc:docMk/>
+            <pc:sldMk cId="56364418" sldId="557"/>
+            <ac:spMk id="20482" creationId="{6D756BCF-3D62-744E-A1A2-5EA11AF1F5DE}"/>
+          </ac:spMkLst>
+        </pc:spChg>
+      </pc:sldChg>
+      <pc:sldChg chg="modSp mod modAnim">
+        <pc:chgData name="Long B Nguyen" userId="f59fb8f3-a021-417a-8bc1-65c8d471c621" providerId="ADAL" clId="{9268B748-66AA-0742-9E6D-C568D3B99E77}" dt="2021-01-28T13:06:20.495" v="4681" actId="207"/>
+        <pc:sldMkLst>
+          <pc:docMk/>
+          <pc:sldMk cId="4185702486" sldId="558"/>
+        </pc:sldMkLst>
+        <pc:spChg chg="mod">
+          <ac:chgData name="Long B Nguyen" userId="f59fb8f3-a021-417a-8bc1-65c8d471c621" providerId="ADAL" clId="{9268B748-66AA-0742-9E6D-C568D3B99E77}" dt="2021-01-28T13:06:20.495" v="4681" actId="207"/>
+          <ac:spMkLst>
+            <pc:docMk/>
+            <pc:sldMk cId="4185702486" sldId="558"/>
+            <ac:spMk id="7170" creationId="{63A32A1E-B5AF-FA47-8296-065102CBE2F8}"/>
+          </ac:spMkLst>
+        </pc:spChg>
+        <pc:spChg chg="mod">
+          <ac:chgData name="Long B Nguyen" userId="f59fb8f3-a021-417a-8bc1-65c8d471c621" providerId="ADAL" clId="{9268B748-66AA-0742-9E6D-C568D3B99E77}" dt="2021-01-17T03:14:33.782" v="971" actId="20577"/>
+          <ac:spMkLst>
+            <pc:docMk/>
+            <pc:sldMk cId="4185702486" sldId="558"/>
+            <ac:spMk id="20482" creationId="{6D756BCF-3D62-744E-A1A2-5EA11AF1F5DE}"/>
+          </ac:spMkLst>
+        </pc:spChg>
+      </pc:sldChg>
+      <pc:sldChg chg="del">
+        <pc:chgData name="Long B Nguyen" userId="f59fb8f3-a021-417a-8bc1-65c8d471c621" providerId="ADAL" clId="{9268B748-66AA-0742-9E6D-C568D3B99E77}" dt="2021-01-17T03:22:35.767" v="1426" actId="2696"/>
+        <pc:sldMkLst>
+          <pc:docMk/>
+          <pc:sldMk cId="2190184513" sldId="559"/>
+        </pc:sldMkLst>
+      </pc:sldChg>
+      <pc:sldChg chg="del">
+        <pc:chgData name="Long B Nguyen" userId="f59fb8f3-a021-417a-8bc1-65c8d471c621" providerId="ADAL" clId="{9268B748-66AA-0742-9E6D-C568D3B99E77}" dt="2021-01-17T03:22:41.917" v="1427" actId="2696"/>
+        <pc:sldMkLst>
+          <pc:docMk/>
+          <pc:sldMk cId="3797534927" sldId="560"/>
+        </pc:sldMkLst>
+      </pc:sldChg>
+      <pc:sldChg chg="modSp mod">
+        <pc:chgData name="Long B Nguyen" userId="f59fb8f3-a021-417a-8bc1-65c8d471c621" providerId="ADAL" clId="{9268B748-66AA-0742-9E6D-C568D3B99E77}" dt="2021-01-17T03:49:49.752" v="2475" actId="20577"/>
+        <pc:sldMkLst>
+          <pc:docMk/>
+          <pc:sldMk cId="3461972299" sldId="561"/>
+        </pc:sldMkLst>
+        <pc:spChg chg="mod">
+          <ac:chgData name="Long B Nguyen" userId="f59fb8f3-a021-417a-8bc1-65c8d471c621" providerId="ADAL" clId="{9268B748-66AA-0742-9E6D-C568D3B99E77}" dt="2021-01-17T03:49:49.752" v="2475" actId="20577"/>
+          <ac:spMkLst>
+            <pc:docMk/>
+            <pc:sldMk cId="3461972299" sldId="561"/>
+            <ac:spMk id="18434" creationId="{DCC791A7-12CD-D84A-9EC8-A0C8BB69E328}"/>
+          </ac:spMkLst>
+        </pc:spChg>
+        <pc:spChg chg="mod">
+          <ac:chgData name="Long B Nguyen" userId="f59fb8f3-a021-417a-8bc1-65c8d471c621" providerId="ADAL" clId="{9268B748-66AA-0742-9E6D-C568D3B99E77}" dt="2021-01-17T03:25:23.592" v="1506" actId="1076"/>
+          <ac:spMkLst>
+            <pc:docMk/>
+            <pc:sldMk cId="3461972299" sldId="561"/>
+            <ac:spMk id="20482" creationId="{AA23FAD0-C454-854B-B4AF-02039D831D3A}"/>
+          </ac:spMkLst>
+        </pc:spChg>
+      </pc:sldChg>
+      <pc:sldChg chg="del">
+        <pc:chgData name="Long B Nguyen" userId="f59fb8f3-a021-417a-8bc1-65c8d471c621" providerId="ADAL" clId="{9268B748-66AA-0742-9E6D-C568D3B99E77}" dt="2021-01-17T03:26:48.352" v="1524" actId="2696"/>
+        <pc:sldMkLst>
+          <pc:docMk/>
+          <pc:sldMk cId="2056856836" sldId="562"/>
+        </pc:sldMkLst>
+      </pc:sldChg>
+      <pc:sldChg chg="del">
+        <pc:chgData name="Long B Nguyen" userId="f59fb8f3-a021-417a-8bc1-65c8d471c621" providerId="ADAL" clId="{9268B748-66AA-0742-9E6D-C568D3B99E77}" dt="2021-01-17T03:26:51.907" v="1525" actId="2696"/>
+        <pc:sldMkLst>
+          <pc:docMk/>
+          <pc:sldMk cId="1129266536" sldId="563"/>
+        </pc:sldMkLst>
+      </pc:sldChg>
+      <pc:sldChg chg="del">
+        <pc:chgData name="Long B Nguyen" userId="f59fb8f3-a021-417a-8bc1-65c8d471c621" providerId="ADAL" clId="{9268B748-66AA-0742-9E6D-C568D3B99E77}" dt="2021-01-17T03:01:27.950" v="106" actId="2696"/>
+        <pc:sldMkLst>
+          <pc:docMk/>
+          <pc:sldMk cId="602950482" sldId="564"/>
+        </pc:sldMkLst>
+      </pc:sldChg>
+      <pc:sldChg chg="addSp delSp modSp mod">
+        <pc:chgData name="Long B Nguyen" userId="f59fb8f3-a021-417a-8bc1-65c8d471c621" providerId="ADAL" clId="{9268B748-66AA-0742-9E6D-C568D3B99E77}" dt="2021-02-01T02:55:33.692" v="5588"/>
+        <pc:sldMkLst>
+          <pc:docMk/>
+          <pc:sldMk cId="4104989124" sldId="565"/>
+        </pc:sldMkLst>
+        <pc:spChg chg="mod">
+          <ac:chgData name="Long B Nguyen" userId="f59fb8f3-a021-417a-8bc1-65c8d471c621" providerId="ADAL" clId="{9268B748-66AA-0742-9E6D-C568D3B99E77}" dt="2021-01-17T03:27:09.403" v="1530" actId="1076"/>
+          <ac:spMkLst>
+            <pc:docMk/>
+            <pc:sldMk cId="4104989124" sldId="565"/>
+            <ac:spMk id="35841" creationId="{09D8876C-8F7A-C748-966B-672B36C17545}"/>
+          </ac:spMkLst>
+        </pc:spChg>
+        <pc:spChg chg="mod">
+          <ac:chgData name="Long B Nguyen" userId="f59fb8f3-a021-417a-8bc1-65c8d471c621" providerId="ADAL" clId="{9268B748-66AA-0742-9E6D-C568D3B99E77}" dt="2021-01-17T05:46:41.434" v="3212" actId="20577"/>
+          <ac:spMkLst>
+            <pc:docMk/>
+            <pc:sldMk cId="4104989124" sldId="565"/>
+            <ac:spMk id="35842" creationId="{C94BCA01-D831-ED4D-84FD-C30E8117F872}"/>
+          </ac:spMkLst>
+        </pc:spChg>
+        <pc:picChg chg="add del mod">
+          <ac:chgData name="Long B Nguyen" userId="f59fb8f3-a021-417a-8bc1-65c8d471c621" providerId="ADAL" clId="{9268B748-66AA-0742-9E6D-C568D3B99E77}" dt="2021-02-01T02:55:33.692" v="5588"/>
+          <ac:picMkLst>
+            <pc:docMk/>
+            <pc:sldMk cId="4104989124" sldId="565"/>
+            <ac:picMk id="3" creationId="{CC62BCE2-BD78-384D-9079-8FEAD8642B89}"/>
+          </ac:picMkLst>
+        </pc:picChg>
+      </pc:sldChg>
+      <pc:sldChg chg="addSp delSp modSp add del mod modAnim">
+        <pc:chgData name="Long B Nguyen" userId="f59fb8f3-a021-417a-8bc1-65c8d471c621" providerId="ADAL" clId="{9268B748-66AA-0742-9E6D-C568D3B99E77}" dt="2021-01-28T13:02:26.431" v="4643" actId="2696"/>
+        <pc:sldMkLst>
+          <pc:docMk/>
+          <pc:sldMk cId="37137412" sldId="566"/>
+        </pc:sldMkLst>
+        <pc:spChg chg="add mod">
+          <ac:chgData name="Long B Nguyen" userId="f59fb8f3-a021-417a-8bc1-65c8d471c621" providerId="ADAL" clId="{9268B748-66AA-0742-9E6D-C568D3B99E77}" dt="2021-01-17T03:47:39.202" v="2430" actId="1076"/>
+          <ac:spMkLst>
+            <pc:docMk/>
+            <pc:sldMk cId="37137412" sldId="566"/>
+            <ac:spMk id="2" creationId="{C360779D-4CA6-E54E-AF40-CFF286ECEDB6}"/>
+          </ac:spMkLst>
+        </pc:spChg>
+        <pc:spChg chg="mod">
+          <ac:chgData name="Long B Nguyen" userId="f59fb8f3-a021-417a-8bc1-65c8d471c621" providerId="ADAL" clId="{9268B748-66AA-0742-9E6D-C568D3B99E77}" dt="2021-01-17T05:26:06.909" v="2707" actId="20577"/>
+          <ac:spMkLst>
+            <pc:docMk/>
+            <pc:sldMk cId="37137412" sldId="566"/>
+            <ac:spMk id="35841" creationId="{09D8876C-8F7A-C748-966B-672B36C17545}"/>
+          </ac:spMkLst>
+        </pc:spChg>
+        <pc:spChg chg="mod">
+          <ac:chgData name="Long B Nguyen" userId="f59fb8f3-a021-417a-8bc1-65c8d471c621" providerId="ADAL" clId="{9268B748-66AA-0742-9E6D-C568D3B99E77}" dt="2021-01-17T03:41:20.895" v="2130" actId="20577"/>
+          <ac:spMkLst>
+            <pc:docMk/>
+            <pc:sldMk cId="37137412" sldId="566"/>
+            <ac:spMk id="35842" creationId="{C94BCA01-D831-ED4D-84FD-C30E8117F872}"/>
+          </ac:spMkLst>
+        </pc:spChg>
+        <pc:cxnChg chg="add mod">
+          <ac:chgData name="Long B Nguyen" userId="f59fb8f3-a021-417a-8bc1-65c8d471c621" providerId="ADAL" clId="{9268B748-66AA-0742-9E6D-C568D3B99E77}" dt="2021-01-17T03:39:46.671" v="2077" actId="1076"/>
+          <ac:cxnSpMkLst>
+            <pc:docMk/>
+            <pc:sldMk cId="37137412" sldId="566"/>
+            <ac:cxnSpMk id="4" creationId="{53D1A4C4-2FD3-E74A-B6A8-E938E6191ED0}"/>
+          </ac:cxnSpMkLst>
+        </pc:cxnChg>
+        <pc:cxnChg chg="add del mod">
+          <ac:chgData name="Long B Nguyen" userId="f59fb8f3-a021-417a-8bc1-65c8d471c621" providerId="ADAL" clId="{9268B748-66AA-0742-9E6D-C568D3B99E77}" dt="2021-01-17T03:39:43.507" v="2076" actId="478"/>
+          <ac:cxnSpMkLst>
+            <pc:docMk/>
+            <pc:sldMk cId="37137412" sldId="566"/>
+            <ac:cxnSpMk id="8" creationId="{11602C2F-2F76-ED4E-9EAB-79F64A2F7942}"/>
+          </ac:cxnSpMkLst>
+        </pc:cxnChg>
+        <pc:cxnChg chg="add mod">
+          <ac:chgData name="Long B Nguyen" userId="f59fb8f3-a021-417a-8bc1-65c8d471c621" providerId="ADAL" clId="{9268B748-66AA-0742-9E6D-C568D3B99E77}" dt="2021-01-17T03:41:17.784" v="2129" actId="1076"/>
+          <ac:cxnSpMkLst>
+            <pc:docMk/>
+            <pc:sldMk cId="37137412" sldId="566"/>
+            <ac:cxnSpMk id="9" creationId="{1AB067D5-4CF2-3E4D-A945-5CDBCBD53EF8}"/>
+          </ac:cxnSpMkLst>
+        </pc:cxnChg>
+      </pc:sldChg>
+      <pc:sldChg chg="del">
+        <pc:chgData name="Long B Nguyen" userId="f59fb8f3-a021-417a-8bc1-65c8d471c621" providerId="ADAL" clId="{9268B748-66AA-0742-9E6D-C568D3B99E77}" dt="2021-01-17T03:27:25.431" v="1535" actId="2696"/>
+        <pc:sldMkLst>
+          <pc:docMk/>
+          <pc:sldMk cId="2615412358" sldId="566"/>
+        </pc:sldMkLst>
+      </pc:sldChg>
+      <pc:sldChg chg="addSp delSp modSp add mod delAnim modAnim">
+        <pc:chgData name="Long B Nguyen" userId="f59fb8f3-a021-417a-8bc1-65c8d471c621" providerId="ADAL" clId="{9268B748-66AA-0742-9E6D-C568D3B99E77}" dt="2021-01-28T14:31:33.213" v="5579"/>
+        <pc:sldMkLst>
+          <pc:docMk/>
+          <pc:sldMk cId="2722221053" sldId="566"/>
+        </pc:sldMkLst>
+        <pc:spChg chg="add mod">
+          <ac:chgData name="Long B Nguyen" userId="f59fb8f3-a021-417a-8bc1-65c8d471c621" providerId="ADAL" clId="{9268B748-66AA-0742-9E6D-C568D3B99E77}" dt="2021-01-28T14:29:04.207" v="5566" actId="20577"/>
+          <ac:spMkLst>
+            <pc:docMk/>
+            <pc:sldMk cId="2722221053" sldId="566"/>
+            <ac:spMk id="8" creationId="{CDB6DDAB-EF4C-A94C-87F4-05952EB9F7FB}"/>
+          </ac:spMkLst>
+        </pc:spChg>
+        <pc:spChg chg="mod">
+          <ac:chgData name="Long B Nguyen" userId="f59fb8f3-a021-417a-8bc1-65c8d471c621" providerId="ADAL" clId="{9268B748-66AA-0742-9E6D-C568D3B99E77}" dt="2021-01-28T13:06:54.656" v="4688" actId="20577"/>
+          <ac:spMkLst>
+            <pc:docMk/>
+            <pc:sldMk cId="2722221053" sldId="566"/>
+            <ac:spMk id="35842" creationId="{C94BCA01-D831-ED4D-84FD-C30E8117F872}"/>
+          </ac:spMkLst>
+        </pc:spChg>
+        <pc:cxnChg chg="del mod">
+          <ac:chgData name="Long B Nguyen" userId="f59fb8f3-a021-417a-8bc1-65c8d471c621" providerId="ADAL" clId="{9268B748-66AA-0742-9E6D-C568D3B99E77}" dt="2021-01-28T14:28:51.842" v="5562" actId="478"/>
+          <ac:cxnSpMkLst>
+            <pc:docMk/>
+            <pc:sldMk cId="2722221053" sldId="566"/>
+            <ac:cxnSpMk id="9" creationId="{1AB067D5-4CF2-3E4D-A945-5CDBCBD53EF8}"/>
+          </ac:cxnSpMkLst>
+        </pc:cxnChg>
+        <pc:cxnChg chg="add mod">
+          <ac:chgData name="Long B Nguyen" userId="f59fb8f3-a021-417a-8bc1-65c8d471c621" providerId="ADAL" clId="{9268B748-66AA-0742-9E6D-C568D3B99E77}" dt="2021-01-28T14:29:34.408" v="5571" actId="14100"/>
+          <ac:cxnSpMkLst>
+            <pc:docMk/>
+            <pc:sldMk cId="2722221053" sldId="566"/>
+            <ac:cxnSpMk id="10" creationId="{8D505A7E-646A-6B46-825F-49A2F6E29335}"/>
+          </ac:cxnSpMkLst>
+        </pc:cxnChg>
+      </pc:sldChg>
+      <pc:sldChg chg="addSp delSp modSp add del mod modAnim">
+        <pc:chgData name="Long B Nguyen" userId="f59fb8f3-a021-417a-8bc1-65c8d471c621" providerId="ADAL" clId="{9268B748-66AA-0742-9E6D-C568D3B99E77}" dt="2021-01-28T13:02:26.460" v="4644" actId="2696"/>
+        <pc:sldMkLst>
+          <pc:docMk/>
+          <pc:sldMk cId="4138501364" sldId="567"/>
+        </pc:sldMkLst>
+        <pc:spChg chg="mod">
+          <ac:chgData name="Long B Nguyen" userId="f59fb8f3-a021-417a-8bc1-65c8d471c621" providerId="ADAL" clId="{9268B748-66AA-0742-9E6D-C568D3B99E77}" dt="2021-01-17T03:44:37.880" v="2320" actId="1076"/>
+          <ac:spMkLst>
+            <pc:docMk/>
+            <pc:sldMk cId="4138501364" sldId="567"/>
+            <ac:spMk id="2" creationId="{C360779D-4CA6-E54E-AF40-CFF286ECEDB6}"/>
+          </ac:spMkLst>
+        </pc:spChg>
+        <pc:spChg chg="add mod">
+          <ac:chgData name="Long B Nguyen" userId="f59fb8f3-a021-417a-8bc1-65c8d471c621" providerId="ADAL" clId="{9268B748-66AA-0742-9E6D-C568D3B99E77}" dt="2021-01-17T03:46:24.835" v="2399" actId="207"/>
+          <ac:spMkLst>
+            <pc:docMk/>
+            <pc:sldMk cId="4138501364" sldId="567"/>
+            <ac:spMk id="7" creationId="{FCD9C15D-1329-1444-B6C2-5E444C159CB2}"/>
+          </ac:spMkLst>
+        </pc:spChg>
+        <pc:spChg chg="mod">
+          <ac:chgData name="Long B Nguyen" userId="f59fb8f3-a021-417a-8bc1-65c8d471c621" providerId="ADAL" clId="{9268B748-66AA-0742-9E6D-C568D3B99E77}" dt="2021-01-17T03:41:51.515" v="2140" actId="20577"/>
+          <ac:spMkLst>
+            <pc:docMk/>
+            <pc:sldMk cId="4138501364" sldId="567"/>
+            <ac:spMk id="35841" creationId="{09D8876C-8F7A-C748-966B-672B36C17545}"/>
+          </ac:spMkLst>
+        </pc:spChg>
+        <pc:spChg chg="mod">
+          <ac:chgData name="Long B Nguyen" userId="f59fb8f3-a021-417a-8bc1-65c8d471c621" providerId="ADAL" clId="{9268B748-66AA-0742-9E6D-C568D3B99E77}" dt="2021-01-17T03:46:04.905" v="2342" actId="20577"/>
+          <ac:spMkLst>
+            <pc:docMk/>
+            <pc:sldMk cId="4138501364" sldId="567"/>
+            <ac:spMk id="35842" creationId="{C94BCA01-D831-ED4D-84FD-C30E8117F872}"/>
+          </ac:spMkLst>
+        </pc:spChg>
+        <pc:cxnChg chg="del">
+          <ac:chgData name="Long B Nguyen" userId="f59fb8f3-a021-417a-8bc1-65c8d471c621" providerId="ADAL" clId="{9268B748-66AA-0742-9E6D-C568D3B99E77}" dt="2021-01-17T03:42:10.314" v="2199" actId="478"/>
+          <ac:cxnSpMkLst>
+            <pc:docMk/>
+            <pc:sldMk cId="4138501364" sldId="567"/>
+            <ac:cxnSpMk id="4" creationId="{53D1A4C4-2FD3-E74A-B6A8-E938E6191ED0}"/>
+          </ac:cxnSpMkLst>
+        </pc:cxnChg>
+        <pc:cxnChg chg="del">
+          <ac:chgData name="Long B Nguyen" userId="f59fb8f3-a021-417a-8bc1-65c8d471c621" providerId="ADAL" clId="{9268B748-66AA-0742-9E6D-C568D3B99E77}" dt="2021-01-17T03:42:08.524" v="2198" actId="478"/>
+          <ac:cxnSpMkLst>
+            <pc:docMk/>
+            <pc:sldMk cId="4138501364" sldId="567"/>
+            <ac:cxnSpMk id="9" creationId="{1AB067D5-4CF2-3E4D-A945-5CDBCBD53EF8}"/>
+          </ac:cxnSpMkLst>
+        </pc:cxnChg>
+      </pc:sldChg>
+      <pc:sldChg chg="addSp modSp add mod modAnim">
+        <pc:chgData name="Long B Nguyen" userId="f59fb8f3-a021-417a-8bc1-65c8d471c621" providerId="ADAL" clId="{9268B748-66AA-0742-9E6D-C568D3B99E77}" dt="2021-01-28T14:32:22.838" v="5585"/>
+        <pc:sldMkLst>
+          <pc:docMk/>
+          <pc:sldMk cId="4279211704" sldId="567"/>
+        </pc:sldMkLst>
+        <pc:spChg chg="mod">
+          <ac:chgData name="Long B Nguyen" userId="f59fb8f3-a021-417a-8bc1-65c8d471c621" providerId="ADAL" clId="{9268B748-66AA-0742-9E6D-C568D3B99E77}" dt="2021-01-28T13:04:28.502" v="4654" actId="1076"/>
+          <ac:spMkLst>
+            <pc:docMk/>
+            <pc:sldMk cId="4279211704" sldId="567"/>
+            <ac:spMk id="2" creationId="{C360779D-4CA6-E54E-AF40-CFF286ECEDB6}"/>
+          </ac:spMkLst>
+        </pc:spChg>
+        <pc:spChg chg="mod">
+          <ac:chgData name="Long B Nguyen" userId="f59fb8f3-a021-417a-8bc1-65c8d471c621" providerId="ADAL" clId="{9268B748-66AA-0742-9E6D-C568D3B99E77}" dt="2021-01-28T13:04:31.664" v="4655" actId="1076"/>
+          <ac:spMkLst>
+            <pc:docMk/>
+            <pc:sldMk cId="4279211704" sldId="567"/>
+            <ac:spMk id="7" creationId="{FCD9C15D-1329-1444-B6C2-5E444C159CB2}"/>
+          </ac:spMkLst>
+        </pc:spChg>
+        <pc:spChg chg="mod">
+          <ac:chgData name="Long B Nguyen" userId="f59fb8f3-a021-417a-8bc1-65c8d471c621" providerId="ADAL" clId="{9268B748-66AA-0742-9E6D-C568D3B99E77}" dt="2021-01-28T13:05:56.420" v="4677" actId="207"/>
+          <ac:spMkLst>
+            <pc:docMk/>
+            <pc:sldMk cId="4279211704" sldId="567"/>
+            <ac:spMk id="35842" creationId="{C94BCA01-D831-ED4D-84FD-C30E8117F872}"/>
+          </ac:spMkLst>
+        </pc:spChg>
+        <pc:cxnChg chg="add mod">
+          <ac:chgData name="Long B Nguyen" userId="f59fb8f3-a021-417a-8bc1-65c8d471c621" providerId="ADAL" clId="{9268B748-66AA-0742-9E6D-C568D3B99E77}" dt="2021-01-28T13:04:46.723" v="4658" actId="14100"/>
+          <ac:cxnSpMkLst>
+            <pc:docMk/>
+            <pc:sldMk cId="4279211704" sldId="567"/>
+            <ac:cxnSpMk id="6" creationId="{2FF5D069-E1A9-3247-B4C1-70C074CCF398}"/>
+          </ac:cxnSpMkLst>
+        </pc:cxnChg>
+      </pc:sldChg>
+      <pc:sldChg chg="add">
+        <pc:chgData name="Long B Nguyen" userId="f59fb8f3-a021-417a-8bc1-65c8d471c621" providerId="ADAL" clId="{9268B748-66AA-0742-9E6D-C568D3B99E77}" dt="2021-01-17T05:39:24.341" v="3092"/>
+        <pc:sldMkLst>
+          <pc:docMk/>
+          <pc:sldMk cId="1316208775" sldId="568"/>
+        </pc:sldMkLst>
+      </pc:sldChg>
+      <pc:sldChg chg="modSp add del mod">
+        <pc:chgData name="Long B Nguyen" userId="f59fb8f3-a021-417a-8bc1-65c8d471c621" providerId="ADAL" clId="{9268B748-66AA-0742-9E6D-C568D3B99E77}" dt="2021-01-17T05:39:20.803" v="3091" actId="2696"/>
+        <pc:sldMkLst>
+          <pc:docMk/>
+          <pc:sldMk cId="1870468434" sldId="568"/>
+        </pc:sldMkLst>
+        <pc:spChg chg="mod">
+          <ac:chgData name="Long B Nguyen" userId="f59fb8f3-a021-417a-8bc1-65c8d471c621" providerId="ADAL" clId="{9268B748-66AA-0742-9E6D-C568D3B99E77}" dt="2021-01-17T05:24:21.392" v="2611" actId="20577"/>
+          <ac:spMkLst>
+            <pc:docMk/>
+            <pc:sldMk cId="1870468434" sldId="568"/>
+            <ac:spMk id="30721" creationId="{378752EF-A47C-2F42-B800-CF9B206624FE}"/>
+          </ac:spMkLst>
+        </pc:spChg>
+        <pc:spChg chg="mod">
+          <ac:chgData name="Long B Nguyen" userId="f59fb8f3-a021-417a-8bc1-65c8d471c621" providerId="ADAL" clId="{9268B748-66AA-0742-9E6D-C568D3B99E77}" dt="2021-01-17T05:39:05.749" v="3090" actId="20577"/>
+          <ac:spMkLst>
+            <pc:docMk/>
+            <pc:sldMk cId="1870468434" sldId="568"/>
+            <ac:spMk id="30722" creationId="{C70E3A34-0037-734F-81D6-0339361ED841}"/>
+          </ac:spMkLst>
+        </pc:spChg>
+      </pc:sldChg>
+      <pc:sldChg chg="add del">
+        <pc:chgData name="Long B Nguyen" userId="f59fb8f3-a021-417a-8bc1-65c8d471c621" providerId="ADAL" clId="{9268B748-66AA-0742-9E6D-C568D3B99E77}" dt="2021-01-28T03:14:03.181" v="3278"/>
+        <pc:sldMkLst>
+          <pc:docMk/>
+          <pc:sldMk cId="2249337032" sldId="569"/>
+        </pc:sldMkLst>
+      </pc:sldChg>
+      <pc:sldChg chg="add">
+        <pc:chgData name="Long B Nguyen" userId="f59fb8f3-a021-417a-8bc1-65c8d471c621" providerId="ADAL" clId="{9268B748-66AA-0742-9E6D-C568D3B99E77}" dt="2021-01-28T03:54:16.866" v="3923"/>
+        <pc:sldMkLst>
+          <pc:docMk/>
+          <pc:sldMk cId="3614561866" sldId="569"/>
+        </pc:sldMkLst>
+      </pc:sldChg>
+      <pc:sldChg chg="modSp add del mod">
+        <pc:chgData name="Long B Nguyen" userId="f59fb8f3-a021-417a-8bc1-65c8d471c621" providerId="ADAL" clId="{9268B748-66AA-0742-9E6D-C568D3B99E77}" dt="2021-01-28T03:54:03.940" v="3920" actId="2696"/>
+        <pc:sldMkLst>
+          <pc:docMk/>
+          <pc:sldMk cId="3828686532" sldId="569"/>
+        </pc:sldMkLst>
+        <pc:spChg chg="mod">
+          <ac:chgData name="Long B Nguyen" userId="f59fb8f3-a021-417a-8bc1-65c8d471c621" providerId="ADAL" clId="{9268B748-66AA-0742-9E6D-C568D3B99E77}" dt="2021-01-28T03:21:30.597" v="3481" actId="14100"/>
+          <ac:spMkLst>
+            <pc:docMk/>
+            <pc:sldMk cId="3828686532" sldId="569"/>
+            <ac:spMk id="14" creationId="{63449E36-9DBB-134E-94FD-16C40C15EBDC}"/>
+          </ac:spMkLst>
+        </pc:spChg>
+        <pc:cxnChg chg="mod">
+          <ac:chgData name="Long B Nguyen" userId="f59fb8f3-a021-417a-8bc1-65c8d471c621" providerId="ADAL" clId="{9268B748-66AA-0742-9E6D-C568D3B99E77}" dt="2021-01-28T03:18:50.056" v="3336" actId="1076"/>
+          <ac:cxnSpMkLst>
+            <pc:docMk/>
+            <pc:sldMk cId="3828686532" sldId="569"/>
+            <ac:cxnSpMk id="13" creationId="{D2556216-41CD-8D42-B4C1-6D4D9ECF9A05}"/>
+          </ac:cxnSpMkLst>
+        </pc:cxnChg>
+      </pc:sldChg>
+      <pc:sldChg chg="new del">
+        <pc:chgData name="Long B Nguyen" userId="f59fb8f3-a021-417a-8bc1-65c8d471c621" providerId="ADAL" clId="{9268B748-66AA-0742-9E6D-C568D3B99E77}" dt="2021-01-28T14:20:01.244" v="4694" actId="2696"/>
+        <pc:sldMkLst>
+          <pc:docMk/>
+          <pc:sldMk cId="3048806200" sldId="570"/>
+        </pc:sldMkLst>
+      </pc:sldChg>
+      <pc:sldChg chg="modSp add mod modAnim">
+        <pc:chgData name="Long B Nguyen" userId="f59fb8f3-a021-417a-8bc1-65c8d471c621" providerId="ADAL" clId="{9268B748-66AA-0742-9E6D-C568D3B99E77}" dt="2021-01-28T14:23:36.330" v="5462"/>
+        <pc:sldMkLst>
+          <pc:docMk/>
+          <pc:sldMk cId="662705235" sldId="571"/>
+        </pc:sldMkLst>
+        <pc:spChg chg="mod">
+          <ac:chgData name="Long B Nguyen" userId="f59fb8f3-a021-417a-8bc1-65c8d471c621" providerId="ADAL" clId="{9268B748-66AA-0742-9E6D-C568D3B99E77}" dt="2021-01-28T14:23:08.398" v="5459" actId="20577"/>
+          <ac:spMkLst>
+            <pc:docMk/>
+            <pc:sldMk cId="662705235" sldId="571"/>
+            <ac:spMk id="6146" creationId="{095FC28F-CF01-5C45-8C80-38CA0C2B9DF5}"/>
+          </ac:spMkLst>
+        </pc:spChg>
+        <pc:spChg chg="mod">
+          <ac:chgData name="Long B Nguyen" userId="f59fb8f3-a021-417a-8bc1-65c8d471c621" providerId="ADAL" clId="{9268B748-66AA-0742-9E6D-C568D3B99E77}" dt="2021-01-28T14:20:11.164" v="4733" actId="14100"/>
+          <ac:spMkLst>
+            <pc:docMk/>
+            <pc:sldMk cId="662705235" sldId="571"/>
+            <ac:spMk id="20482" creationId="{6D756BCF-3D62-744E-A1A2-5EA11AF1F5DE}"/>
+          </ac:spMkLst>
+        </pc:spChg>
+      </pc:sldChg>
+      <pc:sldChg chg="addSp delSp modSp add mod">
+        <pc:chgData name="Long B Nguyen" userId="f59fb8f3-a021-417a-8bc1-65c8d471c621" providerId="ADAL" clId="{9268B748-66AA-0742-9E6D-C568D3B99E77}" dt="2021-02-01T03:01:36.608" v="6026"/>
+        <pc:sldMkLst>
+          <pc:docMk/>
+          <pc:sldMk cId="1097849800" sldId="572"/>
+        </pc:sldMkLst>
+        <pc:spChg chg="add del mod">
+          <ac:chgData name="Long B Nguyen" userId="f59fb8f3-a021-417a-8bc1-65c8d471c621" providerId="ADAL" clId="{9268B748-66AA-0742-9E6D-C568D3B99E77}" dt="2021-02-01T03:01:36.608" v="6026"/>
+          <ac:spMkLst>
+            <pc:docMk/>
+            <pc:sldMk cId="1097849800" sldId="572"/>
+            <ac:spMk id="2" creationId="{0536A3E0-4619-5D4A-8AD5-E279CAAEAADF}"/>
+          </ac:spMkLst>
+        </pc:spChg>
+        <pc:spChg chg="mod">
+          <ac:chgData name="Long B Nguyen" userId="f59fb8f3-a021-417a-8bc1-65c8d471c621" providerId="ADAL" clId="{9268B748-66AA-0742-9E6D-C568D3B99E77}" dt="2021-02-01T02:55:57.194" v="5595" actId="20577"/>
+          <ac:spMkLst>
+            <pc:docMk/>
+            <pc:sldMk cId="1097849800" sldId="572"/>
+            <ac:spMk id="35841" creationId="{09D8876C-8F7A-C748-966B-672B36C17545}"/>
+          </ac:spMkLst>
+        </pc:spChg>
+        <pc:spChg chg="mod">
+          <ac:chgData name="Long B Nguyen" userId="f59fb8f3-a021-417a-8bc1-65c8d471c621" providerId="ADAL" clId="{9268B748-66AA-0742-9E6D-C568D3B99E77}" dt="2021-02-01T03:01:13.323" v="6024" actId="20577"/>
+          <ac:spMkLst>
+            <pc:docMk/>
+            <pc:sldMk cId="1097849800" sldId="572"/>
+            <ac:spMk id="35842" creationId="{C94BCA01-D831-ED4D-84FD-C30E8117F872}"/>
+          </ac:spMkLst>
+        </pc:spChg>
+      </pc:sldChg>
+    </pc:docChg>
+  </pc:docChgLst>
+  <pc:docChgLst>
+    <pc:chgData name="Long B Nguyen" userId="f59fb8f3-a021-417a-8bc1-65c8d471c621" providerId="ADAL" clId="{8C729B60-193B-8444-910A-752A96A0942F}"/>
+    <pc:docChg chg="modSld">
+      <pc:chgData name="Long B Nguyen" userId="f59fb8f3-a021-417a-8bc1-65c8d471c621" providerId="ADAL" clId="{8C729B60-193B-8444-910A-752A96A0942F}" dt="2020-03-29T01:57:52.362" v="1" actId="20577"/>
+      <pc:docMkLst>
+        <pc:docMk/>
+      </pc:docMkLst>
+      <pc:sldChg chg="modSp">
+        <pc:chgData name="Long B Nguyen" userId="f59fb8f3-a021-417a-8bc1-65c8d471c621" providerId="ADAL" clId="{8C729B60-193B-8444-910A-752A96A0942F}" dt="2020-03-29T01:57:52.362" v="1" actId="20577"/>
+        <pc:sldMkLst>
+          <pc:docMk/>
+          <pc:sldMk cId="1880090826" sldId="316"/>
+        </pc:sldMkLst>
+        <pc:spChg chg="mod">
+          <ac:chgData name="Long B Nguyen" userId="f59fb8f3-a021-417a-8bc1-65c8d471c621" providerId="ADAL" clId="{8C729B60-193B-8444-910A-752A96A0942F}" dt="2020-03-29T01:57:52.362" v="1" actId="20577"/>
+          <ac:spMkLst>
+            <pc:docMk/>
+            <pc:sldMk cId="1880090826" sldId="316"/>
+            <ac:spMk id="10242" creationId="{2E23079A-5ACF-FA4B-BC1D-0D52C05F7CA4}"/>
+          </ac:spMkLst>
+        </pc:spChg>
       </pc:sldChg>
     </pc:docChg>
   </pc:docChgLst>
@@ -2187,1418 +2436,1273 @@
     </pc:docChg>
   </pc:docChgLst>
   <pc:docChgLst>
-    <pc:chgData name="Long B Nguyen" userId="f59fb8f3-a021-417a-8bc1-65c8d471c621" providerId="ADAL" clId="{8C729B60-193B-8444-910A-752A96A0942F}"/>
-    <pc:docChg chg="modSld">
-      <pc:chgData name="Long B Nguyen" userId="f59fb8f3-a021-417a-8bc1-65c8d471c621" providerId="ADAL" clId="{8C729B60-193B-8444-910A-752A96A0942F}" dt="2020-03-29T01:57:52.362" v="1" actId="20577"/>
+    <pc:chgData name="Long Nguyen" userId="f59fb8f3-a021-417a-8bc1-65c8d471c621" providerId="ADAL" clId="{5B0B0F63-F277-2C42-BFD3-63FF1CB02747}"/>
+    <pc:docChg chg="undo custSel addSld delSld modSld sldOrd">
+      <pc:chgData name="Long Nguyen" userId="f59fb8f3-a021-417a-8bc1-65c8d471c621" providerId="ADAL" clId="{5B0B0F63-F277-2C42-BFD3-63FF1CB02747}" dt="2022-08-25T14:28:44.623" v="124" actId="20577"/>
       <pc:docMkLst>
         <pc:docMk/>
       </pc:docMkLst>
-      <pc:sldChg chg="modSp">
-        <pc:chgData name="Long B Nguyen" userId="f59fb8f3-a021-417a-8bc1-65c8d471c621" providerId="ADAL" clId="{8C729B60-193B-8444-910A-752A96A0942F}" dt="2020-03-29T01:57:52.362" v="1" actId="20577"/>
-        <pc:sldMkLst>
-          <pc:docMk/>
-          <pc:sldMk cId="1880090826" sldId="316"/>
-        </pc:sldMkLst>
-        <pc:spChg chg="mod">
-          <ac:chgData name="Long B Nguyen" userId="f59fb8f3-a021-417a-8bc1-65c8d471c621" providerId="ADAL" clId="{8C729B60-193B-8444-910A-752A96A0942F}" dt="2020-03-29T01:57:52.362" v="1" actId="20577"/>
-          <ac:spMkLst>
-            <pc:docMk/>
-            <pc:sldMk cId="1880090826" sldId="316"/>
-            <ac:spMk id="10242" creationId="{2E23079A-5ACF-FA4B-BC1D-0D52C05F7CA4}"/>
+      <pc:sldChg chg="modSp mod">
+        <pc:chgData name="Long Nguyen" userId="f59fb8f3-a021-417a-8bc1-65c8d471c621" providerId="ADAL" clId="{5B0B0F63-F277-2C42-BFD3-63FF1CB02747}" dt="2022-08-25T14:27:50.057" v="13" actId="27636"/>
+        <pc:sldMkLst>
+          <pc:docMk/>
+          <pc:sldMk cId="3386423262" sldId="326"/>
+        </pc:sldMkLst>
+        <pc:spChg chg="mod">
+          <ac:chgData name="Long Nguyen" userId="f59fb8f3-a021-417a-8bc1-65c8d471c621" providerId="ADAL" clId="{5B0B0F63-F277-2C42-BFD3-63FF1CB02747}" dt="2022-08-25T14:27:50.057" v="13" actId="27636"/>
+          <ac:spMkLst>
+            <pc:docMk/>
+            <pc:sldMk cId="3386423262" sldId="326"/>
+            <ac:spMk id="24577" creationId="{51B8378A-87DA-334E-8507-C3BDD734C809}"/>
+          </ac:spMkLst>
+        </pc:spChg>
+      </pc:sldChg>
+      <pc:sldChg chg="modSp add del mod">
+        <pc:chgData name="Long Nguyen" userId="f59fb8f3-a021-417a-8bc1-65c8d471c621" providerId="ADAL" clId="{5B0B0F63-F277-2C42-BFD3-63FF1CB02747}" dt="2022-08-25T14:28:05.576" v="15" actId="2696"/>
+        <pc:sldMkLst>
+          <pc:docMk/>
+          <pc:sldMk cId="2427672704" sldId="427"/>
+        </pc:sldMkLst>
+        <pc:spChg chg="mod">
+          <ac:chgData name="Long Nguyen" userId="f59fb8f3-a021-417a-8bc1-65c8d471c621" providerId="ADAL" clId="{5B0B0F63-F277-2C42-BFD3-63FF1CB02747}" dt="2022-08-25T14:27:50" v="10" actId="27636"/>
+          <ac:spMkLst>
+            <pc:docMk/>
+            <pc:sldMk cId="2427672704" sldId="427"/>
+            <ac:spMk id="20483" creationId="{A8F31A66-1B3E-984C-AD67-E6CB9676BCA4}"/>
+          </ac:spMkLst>
+        </pc:spChg>
+      </pc:sldChg>
+      <pc:sldChg chg="del">
+        <pc:chgData name="Long Nguyen" userId="f59fb8f3-a021-417a-8bc1-65c8d471c621" providerId="ADAL" clId="{5B0B0F63-F277-2C42-BFD3-63FF1CB02747}" dt="2022-08-25T14:27:35.582" v="7" actId="2696"/>
+        <pc:sldMkLst>
+          <pc:docMk/>
+          <pc:sldMk cId="4045518149" sldId="427"/>
+        </pc:sldMkLst>
+      </pc:sldChg>
+      <pc:sldChg chg="del">
+        <pc:chgData name="Long Nguyen" userId="f59fb8f3-a021-417a-8bc1-65c8d471c621" providerId="ADAL" clId="{5B0B0F63-F277-2C42-BFD3-63FF1CB02747}" dt="2022-08-25T14:27:46.647" v="8" actId="2696"/>
+        <pc:sldMkLst>
+          <pc:docMk/>
+          <pc:sldMk cId="4104989124" sldId="565"/>
+        </pc:sldMkLst>
+      </pc:sldChg>
+      <pc:sldChg chg="modSp mod">
+        <pc:chgData name="Long Nguyen" userId="f59fb8f3-a021-417a-8bc1-65c8d471c621" providerId="ADAL" clId="{5B0B0F63-F277-2C42-BFD3-63FF1CB02747}" dt="2022-08-25T14:27:50.047" v="11" actId="27636"/>
+        <pc:sldMkLst>
+          <pc:docMk/>
+          <pc:sldMk cId="1316208775" sldId="568"/>
+        </pc:sldMkLst>
+        <pc:spChg chg="mod">
+          <ac:chgData name="Long Nguyen" userId="f59fb8f3-a021-417a-8bc1-65c8d471c621" providerId="ADAL" clId="{5B0B0F63-F277-2C42-BFD3-63FF1CB02747}" dt="2022-08-25T14:27:50.047" v="11" actId="27636"/>
+          <ac:spMkLst>
+            <pc:docMk/>
+            <pc:sldMk cId="1316208775" sldId="568"/>
+            <ac:spMk id="30722" creationId="{C70E3A34-0037-734F-81D6-0339361ED841}"/>
+          </ac:spMkLst>
+        </pc:spChg>
+      </pc:sldChg>
+      <pc:sldChg chg="ord">
+        <pc:chgData name="Long Nguyen" userId="f59fb8f3-a021-417a-8bc1-65c8d471c621" providerId="ADAL" clId="{5B0B0F63-F277-2C42-BFD3-63FF1CB02747}" dt="2022-08-25T14:24:48.023" v="6" actId="20578"/>
+        <pc:sldMkLst>
+          <pc:docMk/>
+          <pc:sldMk cId="124955920" sldId="573"/>
+        </pc:sldMkLst>
+      </pc:sldChg>
+      <pc:sldChg chg="modSp mod ord">
+        <pc:chgData name="Long Nguyen" userId="f59fb8f3-a021-417a-8bc1-65c8d471c621" providerId="ADAL" clId="{5B0B0F63-F277-2C42-BFD3-63FF1CB02747}" dt="2022-08-25T14:27:50.054" v="12" actId="27636"/>
+        <pc:sldMkLst>
+          <pc:docMk/>
+          <pc:sldMk cId="3898703545" sldId="574"/>
+        </pc:sldMkLst>
+        <pc:spChg chg="mod">
+          <ac:chgData name="Long Nguyen" userId="f59fb8f3-a021-417a-8bc1-65c8d471c621" providerId="ADAL" clId="{5B0B0F63-F277-2C42-BFD3-63FF1CB02747}" dt="2022-08-25T14:27:50.054" v="12" actId="27636"/>
+          <ac:spMkLst>
+            <pc:docMk/>
+            <pc:sldMk cId="3898703545" sldId="574"/>
+            <ac:spMk id="22529" creationId="{8FC9BF54-BC5C-D541-BCD1-D99DA9E7A890}"/>
+          </ac:spMkLst>
+        </pc:spChg>
+      </pc:sldChg>
+      <pc:sldChg chg="modSp add del mod">
+        <pc:chgData name="Long Nguyen" userId="f59fb8f3-a021-417a-8bc1-65c8d471c621" providerId="ADAL" clId="{5B0B0F63-F277-2C42-BFD3-63FF1CB02747}" dt="2022-08-25T14:28:44.623" v="124" actId="20577"/>
+        <pc:sldMkLst>
+          <pc:docMk/>
+          <pc:sldMk cId="4045518149" sldId="575"/>
+        </pc:sldMkLst>
+        <pc:spChg chg="mod">
+          <ac:chgData name="Long Nguyen" userId="f59fb8f3-a021-417a-8bc1-65c8d471c621" providerId="ADAL" clId="{5B0B0F63-F277-2C42-BFD3-63FF1CB02747}" dt="2022-08-25T14:28:44.623" v="124" actId="20577"/>
+          <ac:spMkLst>
+            <pc:docMk/>
+            <pc:sldMk cId="4045518149" sldId="575"/>
+            <ac:spMk id="20483" creationId="{A8F31A66-1B3E-984C-AD67-E6CB9676BCA4}"/>
           </ac:spMkLst>
         </pc:spChg>
       </pc:sldChg>
     </pc:docChg>
   </pc:docChgLst>
   <pc:docChgLst>
-    <pc:chgData name="Long B Nguyen" userId="f59fb8f3-a021-417a-8bc1-65c8d471c621" providerId="ADAL" clId="{9268B748-66AA-0742-9E6D-C568D3B99E77}"/>
+    <pc:chgData name="Long B Nguyen" userId="f59fb8f3-a021-417a-8bc1-65c8d471c621" providerId="ADAL" clId="{59CB9C7B-CBC7-E549-B176-97F9C29CB310}"/>
     <pc:docChg chg="undo custSel addSld delSld modSld">
-      <pc:chgData name="Long B Nguyen" userId="f59fb8f3-a021-417a-8bc1-65c8d471c621" providerId="ADAL" clId="{9268B748-66AA-0742-9E6D-C568D3B99E77}" dt="2021-02-01T03:01:36.608" v="6026"/>
+      <pc:chgData name="Long B Nguyen" userId="f59fb8f3-a021-417a-8bc1-65c8d471c621" providerId="ADAL" clId="{59CB9C7B-CBC7-E549-B176-97F9C29CB310}" dt="2019-11-19T12:47:14.779" v="13175" actId="20577"/>
       <pc:docMkLst>
         <pc:docMk/>
       </pc:docMkLst>
-      <pc:sldChg chg="modSp add del mod">
-        <pc:chgData name="Long B Nguyen" userId="f59fb8f3-a021-417a-8bc1-65c8d471c621" providerId="ADAL" clId="{9268B748-66AA-0742-9E6D-C568D3B99E77}" dt="2021-01-28T03:54:03.699" v="3911" actId="2696"/>
-        <pc:sldMkLst>
-          <pc:docMk/>
-          <pc:sldMk cId="1095332021" sldId="257"/>
-        </pc:sldMkLst>
-        <pc:spChg chg="mod">
-          <ac:chgData name="Long B Nguyen" userId="f59fb8f3-a021-417a-8bc1-65c8d471c621" providerId="ADAL" clId="{9268B748-66AA-0742-9E6D-C568D3B99E77}" dt="2021-01-28T03:27:21.454" v="3656" actId="1076"/>
-          <ac:spMkLst>
-            <pc:docMk/>
-            <pc:sldMk cId="1095332021" sldId="257"/>
+      <pc:sldChg chg="modSp modAnim">
+        <pc:chgData name="Long B Nguyen" userId="f59fb8f3-a021-417a-8bc1-65c8d471c621" providerId="ADAL" clId="{59CB9C7B-CBC7-E549-B176-97F9C29CB310}" dt="2019-11-14T12:40:42.660" v="12558"/>
+        <pc:sldMkLst>
+          <pc:docMk/>
+          <pc:sldMk cId="278045358" sldId="257"/>
+        </pc:sldMkLst>
+        <pc:spChg chg="mod">
+          <ac:chgData name="Long B Nguyen" userId="f59fb8f3-a021-417a-8bc1-65c8d471c621" providerId="ADAL" clId="{59CB9C7B-CBC7-E549-B176-97F9C29CB310}" dt="2019-11-12T01:11:38.632" v="9417" actId="20577"/>
+          <ac:spMkLst>
+            <pc:docMk/>
+            <pc:sldMk cId="278045358" sldId="257"/>
             <ac:spMk id="2" creationId="{AA3A228F-61D0-D949-A5E7-F83756230BF8}"/>
           </ac:spMkLst>
         </pc:spChg>
         <pc:spChg chg="mod">
-          <ac:chgData name="Long B Nguyen" userId="f59fb8f3-a021-417a-8bc1-65c8d471c621" providerId="ADAL" clId="{9268B748-66AA-0742-9E6D-C568D3B99E77}" dt="2021-01-28T03:27:23.729" v="3657" actId="14100"/>
-          <ac:spMkLst>
-            <pc:docMk/>
-            <pc:sldMk cId="1095332021" sldId="257"/>
+          <ac:chgData name="Long B Nguyen" userId="f59fb8f3-a021-417a-8bc1-65c8d471c621" providerId="ADAL" clId="{59CB9C7B-CBC7-E549-B176-97F9C29CB310}" dt="2019-11-13T15:49:37.520" v="12034" actId="20577"/>
+          <ac:spMkLst>
+            <pc:docMk/>
+            <pc:sldMk cId="278045358" sldId="257"/>
             <ac:spMk id="9" creationId="{E3B2E017-30B2-884B-A113-B419A2ED51AD}"/>
           </ac:spMkLst>
         </pc:spChg>
       </pc:sldChg>
-      <pc:sldChg chg="modSp add">
-        <pc:chgData name="Long B Nguyen" userId="f59fb8f3-a021-417a-8bc1-65c8d471c621" providerId="ADAL" clId="{9268B748-66AA-0742-9E6D-C568D3B99E77}" dt="2021-01-28T04:11:29.551" v="4100" actId="20577"/>
-        <pc:sldMkLst>
-          <pc:docMk/>
-          <pc:sldMk cId="2631037396" sldId="257"/>
-        </pc:sldMkLst>
-        <pc:spChg chg="mod">
-          <ac:chgData name="Long B Nguyen" userId="f59fb8f3-a021-417a-8bc1-65c8d471c621" providerId="ADAL" clId="{9268B748-66AA-0742-9E6D-C568D3B99E77}" dt="2021-01-28T04:11:29.551" v="4100" actId="20577"/>
-          <ac:spMkLst>
-            <pc:docMk/>
-            <pc:sldMk cId="2631037396" sldId="257"/>
+      <pc:sldChg chg="modSp">
+        <pc:chgData name="Long B Nguyen" userId="f59fb8f3-a021-417a-8bc1-65c8d471c621" providerId="ADAL" clId="{59CB9C7B-CBC7-E549-B176-97F9C29CB310}" dt="2019-11-12T15:11:32.112" v="11690" actId="20577"/>
+        <pc:sldMkLst>
+          <pc:docMk/>
+          <pc:sldMk cId="1438711869" sldId="284"/>
+        </pc:sldMkLst>
+        <pc:spChg chg="mod">
+          <ac:chgData name="Long B Nguyen" userId="f59fb8f3-a021-417a-8bc1-65c8d471c621" providerId="ADAL" clId="{59CB9C7B-CBC7-E549-B176-97F9C29CB310}" dt="2019-11-12T15:11:32.112" v="11690" actId="20577"/>
+          <ac:spMkLst>
+            <pc:docMk/>
+            <pc:sldMk cId="1438711869" sldId="284"/>
             <ac:spMk id="9" creationId="{E3B2E017-30B2-884B-A113-B419A2ED51AD}"/>
           </ac:spMkLst>
         </pc:spChg>
       </pc:sldChg>
-      <pc:sldChg chg="modSp mod">
-        <pc:chgData name="Long B Nguyen" userId="f59fb8f3-a021-417a-8bc1-65c8d471c621" providerId="ADAL" clId="{9268B748-66AA-0742-9E6D-C568D3B99E77}" dt="2021-01-17T03:22:48.113" v="1429" actId="1076"/>
-        <pc:sldMkLst>
-          <pc:docMk/>
-          <pc:sldMk cId="1769313612" sldId="306"/>
-        </pc:sldMkLst>
-        <pc:spChg chg="mod">
-          <ac:chgData name="Long B Nguyen" userId="f59fb8f3-a021-417a-8bc1-65c8d471c621" providerId="ADAL" clId="{9268B748-66AA-0742-9E6D-C568D3B99E77}" dt="2021-01-17T03:22:46.292" v="1428" actId="1076"/>
-          <ac:spMkLst>
-            <pc:docMk/>
-            <pc:sldMk cId="1769313612" sldId="306"/>
-            <ac:spMk id="20482" creationId="{3F08065D-22F5-1B4A-B4B5-FFA336A1CACB}"/>
-          </ac:spMkLst>
-        </pc:spChg>
-        <pc:picChg chg="mod">
-          <ac:chgData name="Long B Nguyen" userId="f59fb8f3-a021-417a-8bc1-65c8d471c621" providerId="ADAL" clId="{9268B748-66AA-0742-9E6D-C568D3B99E77}" dt="2021-01-17T03:22:48.113" v="1429" actId="1076"/>
-          <ac:picMkLst>
-            <pc:docMk/>
-            <pc:sldMk cId="1769313612" sldId="306"/>
-            <ac:picMk id="11267" creationId="{02092175-2DD0-3D4C-A635-5613F8C56924}"/>
-          </ac:picMkLst>
-        </pc:picChg>
-      </pc:sldChg>
-      <pc:sldChg chg="modSp del mod">
-        <pc:chgData name="Long B Nguyen" userId="f59fb8f3-a021-417a-8bc1-65c8d471c621" providerId="ADAL" clId="{9268B748-66AA-0742-9E6D-C568D3B99E77}" dt="2021-01-17T03:25:19.644" v="1505" actId="2696"/>
-        <pc:sldMkLst>
-          <pc:docMk/>
-          <pc:sldMk cId="3175113722" sldId="307"/>
-        </pc:sldMkLst>
-        <pc:spChg chg="mod">
-          <ac:chgData name="Long B Nguyen" userId="f59fb8f3-a021-417a-8bc1-65c8d471c621" providerId="ADAL" clId="{9268B748-66AA-0742-9E6D-C568D3B99E77}" dt="2021-01-17T03:24:57.364" v="1503" actId="1076"/>
-          <ac:spMkLst>
-            <pc:docMk/>
-            <pc:sldMk cId="3175113722" sldId="307"/>
-            <ac:spMk id="20482" creationId="{4647B3F9-8A8F-FB4E-A9A1-ADAC1CD1217D}"/>
-          </ac:spMkLst>
-        </pc:spChg>
-        <pc:picChg chg="mod">
-          <ac:chgData name="Long B Nguyen" userId="f59fb8f3-a021-417a-8bc1-65c8d471c621" providerId="ADAL" clId="{9268B748-66AA-0742-9E6D-C568D3B99E77}" dt="2021-01-17T03:25:00.065" v="1504" actId="1076"/>
-          <ac:picMkLst>
-            <pc:docMk/>
-            <pc:sldMk cId="3175113722" sldId="307"/>
-            <ac:picMk id="16386" creationId="{40FC02DB-B26D-5A4E-BBEE-D925F4751876}"/>
-          </ac:picMkLst>
-        </pc:picChg>
-      </pc:sldChg>
-      <pc:sldChg chg="add">
-        <pc:chgData name="Long B Nguyen" userId="f59fb8f3-a021-417a-8bc1-65c8d471c621" providerId="ADAL" clId="{9268B748-66AA-0742-9E6D-C568D3B99E77}" dt="2021-01-28T13:03:32.143" v="4649"/>
-        <pc:sldMkLst>
-          <pc:docMk/>
-          <pc:sldMk cId="2659683092" sldId="308"/>
-        </pc:sldMkLst>
-      </pc:sldChg>
-      <pc:sldChg chg="modSp del mod">
-        <pc:chgData name="Long B Nguyen" userId="f59fb8f3-a021-417a-8bc1-65c8d471c621" providerId="ADAL" clId="{9268B748-66AA-0742-9E6D-C568D3B99E77}" dt="2021-01-28T13:03:20.422" v="4646" actId="2696"/>
-        <pc:sldMkLst>
-          <pc:docMk/>
-          <pc:sldMk cId="3855133670" sldId="308"/>
-        </pc:sldMkLst>
-        <pc:spChg chg="mod">
-          <ac:chgData name="Long B Nguyen" userId="f59fb8f3-a021-417a-8bc1-65c8d471c621" providerId="ADAL" clId="{9268B748-66AA-0742-9E6D-C568D3B99E77}" dt="2021-01-17T03:22:53.478" v="1430" actId="1076"/>
-          <ac:spMkLst>
-            <pc:docMk/>
-            <pc:sldMk cId="3855133670" sldId="308"/>
-            <ac:spMk id="20482" creationId="{F898970B-EA4B-5447-9CCD-BBB77899EA16}"/>
-          </ac:spMkLst>
-        </pc:spChg>
-        <pc:spChg chg="mod">
-          <ac:chgData name="Long B Nguyen" userId="f59fb8f3-a021-417a-8bc1-65c8d471c621" providerId="ADAL" clId="{9268B748-66AA-0742-9E6D-C568D3B99E77}" dt="2021-01-17T03:23:06.913" v="1435" actId="5793"/>
-          <ac:spMkLst>
-            <pc:docMk/>
-            <pc:sldMk cId="3855133670" sldId="308"/>
-            <ac:spMk id="20483" creationId="{A40AA280-3F94-D04A-88FB-96305DC268ED}"/>
-          </ac:spMkLst>
-        </pc:spChg>
-        <pc:picChg chg="mod">
-          <ac:chgData name="Long B Nguyen" userId="f59fb8f3-a021-417a-8bc1-65c8d471c621" providerId="ADAL" clId="{9268B748-66AA-0742-9E6D-C568D3B99E77}" dt="2021-01-17T03:22:57.913" v="1432" actId="1076"/>
-          <ac:picMkLst>
-            <pc:docMk/>
-            <pc:sldMk cId="3855133670" sldId="308"/>
-            <ac:picMk id="12291" creationId="{0A0C49C3-2913-EA43-8FE1-344434D9B958}"/>
-          </ac:picMkLst>
-        </pc:picChg>
-      </pc:sldChg>
-      <pc:sldChg chg="modSp del mod">
-        <pc:chgData name="Long B Nguyen" userId="f59fb8f3-a021-417a-8bc1-65c8d471c621" providerId="ADAL" clId="{9268B748-66AA-0742-9E6D-C568D3B99E77}" dt="2021-01-17T03:23:48.136" v="1445" actId="2696"/>
-        <pc:sldMkLst>
-          <pc:docMk/>
-          <pc:sldMk cId="3585856351" sldId="309"/>
-        </pc:sldMkLst>
-        <pc:spChg chg="mod">
-          <ac:chgData name="Long B Nguyen" userId="f59fb8f3-a021-417a-8bc1-65c8d471c621" providerId="ADAL" clId="{9268B748-66AA-0742-9E6D-C568D3B99E77}" dt="2021-01-17T03:23:30.639" v="1442" actId="1076"/>
-          <ac:spMkLst>
-            <pc:docMk/>
-            <pc:sldMk cId="3585856351" sldId="309"/>
-            <ac:spMk id="20482" creationId="{AA23FAD0-C454-854B-B4AF-02039D831D3A}"/>
-          </ac:spMkLst>
-        </pc:spChg>
-        <pc:spChg chg="mod">
-          <ac:chgData name="Long B Nguyen" userId="f59fb8f3-a021-417a-8bc1-65c8d471c621" providerId="ADAL" clId="{9268B748-66AA-0742-9E6D-C568D3B99E77}" dt="2021-01-17T03:23:35.152" v="1444" actId="14100"/>
-          <ac:spMkLst>
-            <pc:docMk/>
-            <pc:sldMk cId="3585856351" sldId="309"/>
-            <ac:spMk id="20483" creationId="{27143176-3E06-A54E-BA44-BA6A967C6460}"/>
-          </ac:spMkLst>
-        </pc:spChg>
-      </pc:sldChg>
-      <pc:sldChg chg="del">
-        <pc:chgData name="Long B Nguyen" userId="f59fb8f3-a021-417a-8bc1-65c8d471c621" providerId="ADAL" clId="{9268B748-66AA-0742-9E6D-C568D3B99E77}" dt="2021-01-17T03:25:19.644" v="1505" actId="2696"/>
-        <pc:sldMkLst>
-          <pc:docMk/>
-          <pc:sldMk cId="3276587347" sldId="310"/>
-        </pc:sldMkLst>
-      </pc:sldChg>
-      <pc:sldChg chg="modSp del mod modAnim">
-        <pc:chgData name="Long B Nguyen" userId="f59fb8f3-a021-417a-8bc1-65c8d471c621" providerId="ADAL" clId="{9268B748-66AA-0742-9E6D-C568D3B99E77}" dt="2021-01-28T13:03:20.465" v="4648" actId="2696"/>
-        <pc:sldMkLst>
-          <pc:docMk/>
-          <pc:sldMk cId="863905040" sldId="312"/>
-        </pc:sldMkLst>
-        <pc:spChg chg="mod">
-          <ac:chgData name="Long B Nguyen" userId="f59fb8f3-a021-417a-8bc1-65c8d471c621" providerId="ADAL" clId="{9268B748-66AA-0742-9E6D-C568D3B99E77}" dt="2021-01-28T13:00:32.343" v="4640" actId="14100"/>
-          <ac:spMkLst>
-            <pc:docMk/>
-            <pc:sldMk cId="863905040" sldId="312"/>
-            <ac:spMk id="20482" creationId="{73D160BB-46FA-B540-AB72-FF988D3E48D4}"/>
-          </ac:spMkLst>
-        </pc:spChg>
-        <pc:spChg chg="mod">
-          <ac:chgData name="Long B Nguyen" userId="f59fb8f3-a021-417a-8bc1-65c8d471c621" providerId="ADAL" clId="{9268B748-66AA-0742-9E6D-C568D3B99E77}" dt="2021-01-17T03:51:41.194" v="2584" actId="20577"/>
-          <ac:spMkLst>
-            <pc:docMk/>
-            <pc:sldMk cId="863905040" sldId="312"/>
-            <ac:spMk id="20483" creationId="{1BDDF6AF-7FBC-3849-B4A5-9D30ED403E3D}"/>
-          </ac:spMkLst>
-        </pc:spChg>
-      </pc:sldChg>
-      <pc:sldChg chg="add">
-        <pc:chgData name="Long B Nguyen" userId="f59fb8f3-a021-417a-8bc1-65c8d471c621" providerId="ADAL" clId="{9268B748-66AA-0742-9E6D-C568D3B99E77}" dt="2021-01-28T13:03:32.143" v="4649"/>
-        <pc:sldMkLst>
-          <pc:docMk/>
-          <pc:sldMk cId="3170541048" sldId="312"/>
-        </pc:sldMkLst>
-      </pc:sldChg>
-      <pc:sldChg chg="add">
-        <pc:chgData name="Long B Nguyen" userId="f59fb8f3-a021-417a-8bc1-65c8d471c621" providerId="ADAL" clId="{9268B748-66AA-0742-9E6D-C568D3B99E77}" dt="2021-01-28T13:03:32.143" v="4649"/>
-        <pc:sldMkLst>
-          <pc:docMk/>
-          <pc:sldMk cId="1518376867" sldId="313"/>
-        </pc:sldMkLst>
-      </pc:sldChg>
-      <pc:sldChg chg="modSp del mod modAnim">
-        <pc:chgData name="Long B Nguyen" userId="f59fb8f3-a021-417a-8bc1-65c8d471c621" providerId="ADAL" clId="{9268B748-66AA-0742-9E6D-C568D3B99E77}" dt="2021-01-28T13:03:20.443" v="4647" actId="2696"/>
-        <pc:sldMkLst>
-          <pc:docMk/>
-          <pc:sldMk cId="1871198671" sldId="313"/>
-        </pc:sldMkLst>
-        <pc:spChg chg="mod">
-          <ac:chgData name="Long B Nguyen" userId="f59fb8f3-a021-417a-8bc1-65c8d471c621" providerId="ADAL" clId="{9268B748-66AA-0742-9E6D-C568D3B99E77}" dt="2021-01-17T03:23:13.697" v="1436" actId="1076"/>
-          <ac:spMkLst>
-            <pc:docMk/>
-            <pc:sldMk cId="1871198671" sldId="313"/>
-            <ac:spMk id="20482" creationId="{0957306F-67E2-854F-B7E0-9A252AADF108}"/>
-          </ac:spMkLst>
-        </pc:spChg>
-        <pc:spChg chg="mod">
-          <ac:chgData name="Long B Nguyen" userId="f59fb8f3-a021-417a-8bc1-65c8d471c621" providerId="ADAL" clId="{9268B748-66AA-0742-9E6D-C568D3B99E77}" dt="2021-01-17T03:25:54.451" v="1510" actId="255"/>
-          <ac:spMkLst>
-            <pc:docMk/>
-            <pc:sldMk cId="1871198671" sldId="313"/>
-            <ac:spMk id="20483" creationId="{1F200ABD-6024-F048-94BB-113C30B1C4E9}"/>
-          </ac:spMkLst>
-        </pc:spChg>
-        <pc:picChg chg="mod">
-          <ac:chgData name="Long B Nguyen" userId="f59fb8f3-a021-417a-8bc1-65c8d471c621" providerId="ADAL" clId="{9268B748-66AA-0742-9E6D-C568D3B99E77}" dt="2021-01-17T03:23:18.486" v="1438" actId="1076"/>
-          <ac:picMkLst>
-            <pc:docMk/>
-            <pc:sldMk cId="1871198671" sldId="313"/>
-            <ac:picMk id="13315" creationId="{C0A2BC84-069B-3C4A-9CD8-B1A6968692D7}"/>
-          </ac:picMkLst>
-        </pc:picChg>
-      </pc:sldChg>
-      <pc:sldChg chg="del">
-        <pc:chgData name="Long B Nguyen" userId="f59fb8f3-a021-417a-8bc1-65c8d471c621" providerId="ADAL" clId="{9268B748-66AA-0742-9E6D-C568D3B99E77}" dt="2021-01-17T03:01:07.210" v="105" actId="2696"/>
-        <pc:sldMkLst>
-          <pc:docMk/>
-          <pc:sldMk cId="1880090826" sldId="316"/>
-        </pc:sldMkLst>
-      </pc:sldChg>
-      <pc:sldChg chg="del">
-        <pc:chgData name="Long B Nguyen" userId="f59fb8f3-a021-417a-8bc1-65c8d471c621" providerId="ADAL" clId="{9268B748-66AA-0742-9E6D-C568D3B99E77}" dt="2021-01-17T03:25:41.438" v="1508" actId="2696"/>
-        <pc:sldMkLst>
-          <pc:docMk/>
-          <pc:sldMk cId="518539467" sldId="317"/>
-        </pc:sldMkLst>
-      </pc:sldChg>
-      <pc:sldChg chg="del">
-        <pc:chgData name="Long B Nguyen" userId="f59fb8f3-a021-417a-8bc1-65c8d471c621" providerId="ADAL" clId="{9268B748-66AA-0742-9E6D-C568D3B99E77}" dt="2021-01-17T03:25:41.438" v="1508" actId="2696"/>
-        <pc:sldMkLst>
-          <pc:docMk/>
-          <pc:sldMk cId="2878693247" sldId="318"/>
-        </pc:sldMkLst>
-      </pc:sldChg>
-      <pc:sldChg chg="del">
-        <pc:chgData name="Long B Nguyen" userId="f59fb8f3-a021-417a-8bc1-65c8d471c621" providerId="ADAL" clId="{9268B748-66AA-0742-9E6D-C568D3B99E77}" dt="2021-01-17T03:25:41.438" v="1508" actId="2696"/>
-        <pc:sldMkLst>
-          <pc:docMk/>
-          <pc:sldMk cId="3014449171" sldId="319"/>
-        </pc:sldMkLst>
-      </pc:sldChg>
-      <pc:sldChg chg="modSp del mod">
-        <pc:chgData name="Long B Nguyen" userId="f59fb8f3-a021-417a-8bc1-65c8d471c621" providerId="ADAL" clId="{9268B748-66AA-0742-9E6D-C568D3B99E77}" dt="2021-01-17T03:27:23.279" v="1534" actId="2696"/>
-        <pc:sldMkLst>
-          <pc:docMk/>
-          <pc:sldMk cId="1925491708" sldId="322"/>
-        </pc:sldMkLst>
-        <pc:spChg chg="mod">
-          <ac:chgData name="Long B Nguyen" userId="f59fb8f3-a021-417a-8bc1-65c8d471c621" providerId="ADAL" clId="{9268B748-66AA-0742-9E6D-C568D3B99E77}" dt="2021-01-17T03:27:20.764" v="1533" actId="1076"/>
-          <ac:spMkLst>
-            <pc:docMk/>
-            <pc:sldMk cId="1925491708" sldId="322"/>
-            <ac:spMk id="20482" creationId="{CDA31265-BEED-1E44-AEB8-A0EC7AA2E02B}"/>
-          </ac:spMkLst>
-        </pc:spChg>
-      </pc:sldChg>
-      <pc:sldChg chg="del">
-        <pc:chgData name="Long B Nguyen" userId="f59fb8f3-a021-417a-8bc1-65c8d471c621" providerId="ADAL" clId="{9268B748-66AA-0742-9E6D-C568D3B99E77}" dt="2021-01-17T03:27:27.442" v="1536" actId="2696"/>
-        <pc:sldMkLst>
-          <pc:docMk/>
-          <pc:sldMk cId="856464997" sldId="323"/>
-        </pc:sldMkLst>
-      </pc:sldChg>
-      <pc:sldChg chg="modSp add mod modAnim">
-        <pc:chgData name="Long B Nguyen" userId="f59fb8f3-a021-417a-8bc1-65c8d471c621" providerId="ADAL" clId="{9268B748-66AA-0742-9E6D-C568D3B99E77}" dt="2021-01-17T05:36:14.742" v="2977" actId="2711"/>
-        <pc:sldMkLst>
-          <pc:docMk/>
-          <pc:sldMk cId="1587565841" sldId="325"/>
-        </pc:sldMkLst>
-        <pc:spChg chg="mod">
-          <ac:chgData name="Long B Nguyen" userId="f59fb8f3-a021-417a-8bc1-65c8d471c621" providerId="ADAL" clId="{9268B748-66AA-0742-9E6D-C568D3B99E77}" dt="2021-01-17T05:28:58.517" v="2760" actId="20577"/>
-          <ac:spMkLst>
-            <pc:docMk/>
-            <pc:sldMk cId="1587565841" sldId="325"/>
-            <ac:spMk id="22529" creationId="{8FC9BF54-BC5C-D541-BCD1-D99DA9E7A890}"/>
-          </ac:spMkLst>
-        </pc:spChg>
-        <pc:spChg chg="mod">
-          <ac:chgData name="Long B Nguyen" userId="f59fb8f3-a021-417a-8bc1-65c8d471c621" providerId="ADAL" clId="{9268B748-66AA-0742-9E6D-C568D3B99E77}" dt="2021-01-17T05:36:14.742" v="2977" actId="2711"/>
-          <ac:spMkLst>
-            <pc:docMk/>
-            <pc:sldMk cId="1587565841" sldId="325"/>
-            <ac:spMk id="62467" creationId="{1D575D20-594C-2945-B2F4-512D3B748F19}"/>
-          </ac:spMkLst>
-        </pc:spChg>
-      </pc:sldChg>
-      <pc:sldChg chg="modSp del mod">
-        <pc:chgData name="Long B Nguyen" userId="f59fb8f3-a021-417a-8bc1-65c8d471c621" providerId="ADAL" clId="{9268B748-66AA-0742-9E6D-C568D3B99E77}" dt="2021-01-17T03:26:45.693" v="1522" actId="2696"/>
-        <pc:sldMkLst>
-          <pc:docMk/>
-          <pc:sldMk cId="2537719982" sldId="325"/>
-        </pc:sldMkLst>
-        <pc:spChg chg="mod">
-          <ac:chgData name="Long B Nguyen" userId="f59fb8f3-a021-417a-8bc1-65c8d471c621" providerId="ADAL" clId="{9268B748-66AA-0742-9E6D-C568D3B99E77}" dt="2021-01-17T03:26:22.504" v="1518" actId="1076"/>
-          <ac:spMkLst>
-            <pc:docMk/>
-            <pc:sldMk cId="2537719982" sldId="325"/>
-            <ac:spMk id="22529" creationId="{8FC9BF54-BC5C-D541-BCD1-D99DA9E7A890}"/>
-          </ac:spMkLst>
-        </pc:spChg>
-        <pc:spChg chg="mod">
-          <ac:chgData name="Long B Nguyen" userId="f59fb8f3-a021-417a-8bc1-65c8d471c621" providerId="ADAL" clId="{9268B748-66AA-0742-9E6D-C568D3B99E77}" dt="2021-01-17T03:26:27.925" v="1520" actId="14100"/>
-          <ac:spMkLst>
-            <pc:docMk/>
-            <pc:sldMk cId="2537719982" sldId="325"/>
-            <ac:spMk id="62467" creationId="{1D575D20-594C-2945-B2F4-512D3B748F19}"/>
-          </ac:spMkLst>
-        </pc:spChg>
-      </pc:sldChg>
-      <pc:sldChg chg="del">
-        <pc:chgData name="Long B Nguyen" userId="f59fb8f3-a021-417a-8bc1-65c8d471c621" providerId="ADAL" clId="{9268B748-66AA-0742-9E6D-C568D3B99E77}" dt="2021-01-17T03:26:34.888" v="1521" actId="2696"/>
-        <pc:sldMkLst>
-          <pc:docMk/>
-          <pc:sldMk cId="73332731" sldId="326"/>
-        </pc:sldMkLst>
-      </pc:sldChg>
-      <pc:sldChg chg="add del">
-        <pc:chgData name="Long B Nguyen" userId="f59fb8f3-a021-417a-8bc1-65c8d471c621" providerId="ADAL" clId="{9268B748-66AA-0742-9E6D-C568D3B99E77}" dt="2021-01-17T05:33:11.872" v="2883" actId="2696"/>
-        <pc:sldMkLst>
-          <pc:docMk/>
-          <pc:sldMk cId="3350220248" sldId="326"/>
-        </pc:sldMkLst>
-      </pc:sldChg>
-      <pc:sldChg chg="modSp add mod">
-        <pc:chgData name="Long B Nguyen" userId="f59fb8f3-a021-417a-8bc1-65c8d471c621" providerId="ADAL" clId="{9268B748-66AA-0742-9E6D-C568D3B99E77}" dt="2021-01-17T05:38:28.997" v="3042" actId="2711"/>
-        <pc:sldMkLst>
-          <pc:docMk/>
-          <pc:sldMk cId="3477128042" sldId="327"/>
-        </pc:sldMkLst>
-        <pc:spChg chg="mod">
-          <ac:chgData name="Long B Nguyen" userId="f59fb8f3-a021-417a-8bc1-65c8d471c621" providerId="ADAL" clId="{9268B748-66AA-0742-9E6D-C568D3B99E77}" dt="2021-01-17T05:33:17.902" v="2884" actId="1076"/>
-          <ac:spMkLst>
-            <pc:docMk/>
-            <pc:sldMk cId="3477128042" sldId="327"/>
-            <ac:spMk id="26625" creationId="{E8538034-A182-104C-85BB-4372385916AB}"/>
-          </ac:spMkLst>
-        </pc:spChg>
-        <pc:spChg chg="mod">
-          <ac:chgData name="Long B Nguyen" userId="f59fb8f3-a021-417a-8bc1-65c8d471c621" providerId="ADAL" clId="{9268B748-66AA-0742-9E6D-C568D3B99E77}" dt="2021-01-17T05:38:28.997" v="3042" actId="2711"/>
-          <ac:spMkLst>
-            <pc:docMk/>
-            <pc:sldMk cId="3477128042" sldId="327"/>
-            <ac:spMk id="26626" creationId="{4D0361EB-D6AE-704D-8E7B-E027D54EA1C7}"/>
-          </ac:spMkLst>
-        </pc:spChg>
-      </pc:sldChg>
-      <pc:sldChg chg="del">
-        <pc:chgData name="Long B Nguyen" userId="f59fb8f3-a021-417a-8bc1-65c8d471c621" providerId="ADAL" clId="{9268B748-66AA-0742-9E6D-C568D3B99E77}" dt="2021-01-17T03:26:46.916" v="1523" actId="2696"/>
-        <pc:sldMkLst>
-          <pc:docMk/>
-          <pc:sldMk cId="3935762855" sldId="327"/>
-        </pc:sldMkLst>
-      </pc:sldChg>
-      <pc:sldChg chg="del">
-        <pc:chgData name="Long B Nguyen" userId="f59fb8f3-a021-417a-8bc1-65c8d471c621" providerId="ADAL" clId="{9268B748-66AA-0742-9E6D-C568D3B99E77}" dt="2021-01-17T03:27:23.279" v="1534" actId="2696"/>
-        <pc:sldMkLst>
-          <pc:docMk/>
-          <pc:sldMk cId="1369627949" sldId="330"/>
-        </pc:sldMkLst>
-      </pc:sldChg>
-      <pc:sldChg chg="modSp add del">
-        <pc:chgData name="Long B Nguyen" userId="f59fb8f3-a021-417a-8bc1-65c8d471c621" providerId="ADAL" clId="{9268B748-66AA-0742-9E6D-C568D3B99E77}" dt="2021-01-28T03:28:15.357" v="3659" actId="2696"/>
-        <pc:sldMkLst>
-          <pc:docMk/>
-          <pc:sldMk cId="507599542" sldId="339"/>
-        </pc:sldMkLst>
-        <pc:spChg chg="mod">
-          <ac:chgData name="Long B Nguyen" userId="f59fb8f3-a021-417a-8bc1-65c8d471c621" providerId="ADAL" clId="{9268B748-66AA-0742-9E6D-C568D3B99E77}" dt="2021-01-28T03:25:00.913" v="3573" actId="20577"/>
-          <ac:spMkLst>
-            <pc:docMk/>
-            <pc:sldMk cId="507599542" sldId="339"/>
+      <pc:sldChg chg="modSp">
+        <pc:chgData name="Long B Nguyen" userId="f59fb8f3-a021-417a-8bc1-65c8d471c621" providerId="ADAL" clId="{59CB9C7B-CBC7-E549-B176-97F9C29CB310}" dt="2019-11-13T15:48:40.306" v="11995" actId="20577"/>
+        <pc:sldMkLst>
+          <pc:docMk/>
+          <pc:sldMk cId="131840209" sldId="286"/>
+        </pc:sldMkLst>
+        <pc:spChg chg="mod">
+          <ac:chgData name="Long B Nguyen" userId="f59fb8f3-a021-417a-8bc1-65c8d471c621" providerId="ADAL" clId="{59CB9C7B-CBC7-E549-B176-97F9C29CB310}" dt="2019-11-13T15:48:40.306" v="11995" actId="20577"/>
+          <ac:spMkLst>
+            <pc:docMk/>
+            <pc:sldMk cId="131840209" sldId="286"/>
             <ac:spMk id="9" creationId="{E3B2E017-30B2-884B-A113-B419A2ED51AD}"/>
           </ac:spMkLst>
         </pc:spChg>
       </pc:sldChg>
-      <pc:sldChg chg="modSp add del">
-        <pc:chgData name="Long B Nguyen" userId="f59fb8f3-a021-417a-8bc1-65c8d471c621" providerId="ADAL" clId="{9268B748-66AA-0742-9E6D-C568D3B99E77}" dt="2021-01-28T03:25:23.125" v="3591" actId="2696"/>
-        <pc:sldMkLst>
-          <pc:docMk/>
-          <pc:sldMk cId="156255905" sldId="340"/>
-        </pc:sldMkLst>
-        <pc:spChg chg="mod">
-          <ac:chgData name="Long B Nguyen" userId="f59fb8f3-a021-417a-8bc1-65c8d471c621" providerId="ADAL" clId="{9268B748-66AA-0742-9E6D-C568D3B99E77}" dt="2021-01-28T03:25:19.262" v="3590" actId="20577"/>
-          <ac:spMkLst>
-            <pc:docMk/>
-            <pc:sldMk cId="156255905" sldId="340"/>
+      <pc:sldChg chg="addSp delSp modSp">
+        <pc:chgData name="Long B Nguyen" userId="f59fb8f3-a021-417a-8bc1-65c8d471c621" providerId="ADAL" clId="{59CB9C7B-CBC7-E549-B176-97F9C29CB310}" dt="2019-11-10T19:22:00.946" v="8903" actId="20577"/>
+        <pc:sldMkLst>
+          <pc:docMk/>
+          <pc:sldMk cId="3036972376" sldId="321"/>
+        </pc:sldMkLst>
+        <pc:spChg chg="add del mod">
+          <ac:chgData name="Long B Nguyen" userId="f59fb8f3-a021-417a-8bc1-65c8d471c621" providerId="ADAL" clId="{59CB9C7B-CBC7-E549-B176-97F9C29CB310}" dt="2019-11-05T13:54:02.337" v="1287"/>
+          <ac:spMkLst>
+            <pc:docMk/>
+            <pc:sldMk cId="3036972376" sldId="321"/>
+            <ac:spMk id="3" creationId="{24F99C46-A32E-3148-9B44-9521E1A1E87B}"/>
+          </ac:spMkLst>
+        </pc:spChg>
+        <pc:spChg chg="add mod">
+          <ac:chgData name="Long B Nguyen" userId="f59fb8f3-a021-417a-8bc1-65c8d471c621" providerId="ADAL" clId="{59CB9C7B-CBC7-E549-B176-97F9C29CB310}" dt="2019-11-10T19:22:00.946" v="8903" actId="20577"/>
+          <ac:spMkLst>
+            <pc:docMk/>
+            <pc:sldMk cId="3036972376" sldId="321"/>
+            <ac:spMk id="4" creationId="{8659479A-1929-8C41-9815-9AEA66125320}"/>
+          </ac:spMkLst>
+        </pc:spChg>
+        <pc:spChg chg="mod">
+          <ac:chgData name="Long B Nguyen" userId="f59fb8f3-a021-417a-8bc1-65c8d471c621" providerId="ADAL" clId="{59CB9C7B-CBC7-E549-B176-97F9C29CB310}" dt="2019-11-04T19:50:37.380" v="66" actId="20577"/>
+          <ac:spMkLst>
+            <pc:docMk/>
+            <pc:sldMk cId="3036972376" sldId="321"/>
             <ac:spMk id="9" creationId="{E3B2E017-30B2-884B-A113-B419A2ED51AD}"/>
           </ac:spMkLst>
         </pc:spChg>
-      </pc:sldChg>
-      <pc:sldChg chg="modSp add">
-        <pc:chgData name="Long B Nguyen" userId="f59fb8f3-a021-417a-8bc1-65c8d471c621" providerId="ADAL" clId="{9268B748-66AA-0742-9E6D-C568D3B99E77}" dt="2021-01-28T04:11:59.089" v="4102" actId="20577"/>
-        <pc:sldMkLst>
-          <pc:docMk/>
-          <pc:sldMk cId="1190543687" sldId="341"/>
-        </pc:sldMkLst>
-        <pc:spChg chg="mod">
-          <ac:chgData name="Long B Nguyen" userId="f59fb8f3-a021-417a-8bc1-65c8d471c621" providerId="ADAL" clId="{9268B748-66AA-0742-9E6D-C568D3B99E77}" dt="2021-01-28T04:11:59.089" v="4102" actId="20577"/>
-          <ac:spMkLst>
-            <pc:docMk/>
-            <pc:sldMk cId="1190543687" sldId="341"/>
+        <pc:cxnChg chg="add del mod">
+          <ac:chgData name="Long B Nguyen" userId="f59fb8f3-a021-417a-8bc1-65c8d471c621" providerId="ADAL" clId="{59CB9C7B-CBC7-E549-B176-97F9C29CB310}" dt="2019-11-05T13:54:02.337" v="1287"/>
+          <ac:cxnSpMkLst>
+            <pc:docMk/>
+            <pc:sldMk cId="3036972376" sldId="321"/>
+            <ac:cxnSpMk id="5" creationId="{4DB27AD3-BE1D-8F44-BD28-286CB0C4F16D}"/>
+          </ac:cxnSpMkLst>
+        </pc:cxnChg>
+      </pc:sldChg>
+      <pc:sldChg chg="addSp modSp modAnim">
+        <pc:chgData name="Long B Nguyen" userId="f59fb8f3-a021-417a-8bc1-65c8d471c621" providerId="ADAL" clId="{59CB9C7B-CBC7-E549-B176-97F9C29CB310}" dt="2019-11-14T13:00:38.436" v="12869" actId="20577"/>
+        <pc:sldMkLst>
+          <pc:docMk/>
+          <pc:sldMk cId="3329169435" sldId="324"/>
+        </pc:sldMkLst>
+        <pc:spChg chg="mod">
+          <ac:chgData name="Long B Nguyen" userId="f59fb8f3-a021-417a-8bc1-65c8d471c621" providerId="ADAL" clId="{59CB9C7B-CBC7-E549-B176-97F9C29CB310}" dt="2019-11-10T19:19:28.717" v="8860" actId="20577"/>
+          <ac:spMkLst>
+            <pc:docMk/>
+            <pc:sldMk cId="3329169435" sldId="324"/>
+            <ac:spMk id="2" creationId="{AA3A228F-61D0-D949-A5E7-F83756230BF8}"/>
+          </ac:spMkLst>
+        </pc:spChg>
+        <pc:spChg chg="add mod">
+          <ac:chgData name="Long B Nguyen" userId="f59fb8f3-a021-417a-8bc1-65c8d471c621" providerId="ADAL" clId="{59CB9C7B-CBC7-E549-B176-97F9C29CB310}" dt="2019-11-12T14:36:53.122" v="9544" actId="20577"/>
+          <ac:spMkLst>
+            <pc:docMk/>
+            <pc:sldMk cId="3329169435" sldId="324"/>
+            <ac:spMk id="3" creationId="{A1DFF59C-0607-DD47-93E1-3B5DBC7CB72D}"/>
+          </ac:spMkLst>
+        </pc:spChg>
+        <pc:spChg chg="add mod">
+          <ac:chgData name="Long B Nguyen" userId="f59fb8f3-a021-417a-8bc1-65c8d471c621" providerId="ADAL" clId="{59CB9C7B-CBC7-E549-B176-97F9C29CB310}" dt="2019-11-12T14:53:54.886" v="10799" actId="20577"/>
+          <ac:spMkLst>
+            <pc:docMk/>
+            <pc:sldMk cId="3329169435" sldId="324"/>
+            <ac:spMk id="8" creationId="{7C58B594-C488-9F41-BC3D-B12A7562F3F7}"/>
+          </ac:spMkLst>
+        </pc:spChg>
+        <pc:spChg chg="mod">
+          <ac:chgData name="Long B Nguyen" userId="f59fb8f3-a021-417a-8bc1-65c8d471c621" providerId="ADAL" clId="{59CB9C7B-CBC7-E549-B176-97F9C29CB310}" dt="2019-11-14T13:00:38.436" v="12869" actId="20577"/>
+          <ac:spMkLst>
+            <pc:docMk/>
+            <pc:sldMk cId="3329169435" sldId="324"/>
             <ac:spMk id="9" creationId="{E3B2E017-30B2-884B-A113-B419A2ED51AD}"/>
           </ac:spMkLst>
         </pc:spChg>
-      </pc:sldChg>
-      <pc:sldChg chg="modSp add del mod modAnim">
-        <pc:chgData name="Long B Nguyen" userId="f59fb8f3-a021-417a-8bc1-65c8d471c621" providerId="ADAL" clId="{9268B748-66AA-0742-9E6D-C568D3B99E77}" dt="2021-01-28T03:54:03.748" v="3913" actId="2696"/>
-        <pc:sldMkLst>
-          <pc:docMk/>
-          <pc:sldMk cId="4136041801" sldId="341"/>
-        </pc:sldMkLst>
-        <pc:spChg chg="mod">
-          <ac:chgData name="Long B Nguyen" userId="f59fb8f3-a021-417a-8bc1-65c8d471c621" providerId="ADAL" clId="{9268B748-66AA-0742-9E6D-C568D3B99E77}" dt="2021-01-28T03:26:36.269" v="3631" actId="1076"/>
-          <ac:spMkLst>
-            <pc:docMk/>
-            <pc:sldMk cId="4136041801" sldId="341"/>
+        <pc:spChg chg="add mod">
+          <ac:chgData name="Long B Nguyen" userId="f59fb8f3-a021-417a-8bc1-65c8d471c621" providerId="ADAL" clId="{59CB9C7B-CBC7-E549-B176-97F9C29CB310}" dt="2019-11-12T14:54:40.604" v="10805" actId="113"/>
+          <ac:spMkLst>
+            <pc:docMk/>
+            <pc:sldMk cId="3329169435" sldId="324"/>
+            <ac:spMk id="14" creationId="{5EDF072F-75BE-8741-9067-D2D254F08E47}"/>
+          </ac:spMkLst>
+        </pc:spChg>
+        <pc:cxnChg chg="add mod">
+          <ac:chgData name="Long B Nguyen" userId="f59fb8f3-a021-417a-8bc1-65c8d471c621" providerId="ADAL" clId="{59CB9C7B-CBC7-E549-B176-97F9C29CB310}" dt="2019-11-12T14:54:15.245" v="10800" actId="14100"/>
+          <ac:cxnSpMkLst>
+            <pc:docMk/>
+            <pc:sldMk cId="3329169435" sldId="324"/>
+            <ac:cxnSpMk id="4" creationId="{A46F3D1F-4E4F-FA42-90BE-0487CC045C6E}"/>
+          </ac:cxnSpMkLst>
+        </pc:cxnChg>
+        <pc:cxnChg chg="add mod">
+          <ac:chgData name="Long B Nguyen" userId="f59fb8f3-a021-417a-8bc1-65c8d471c621" providerId="ADAL" clId="{59CB9C7B-CBC7-E549-B176-97F9C29CB310}" dt="2019-11-05T13:38:52.025" v="508" actId="1036"/>
+          <ac:cxnSpMkLst>
+            <pc:docMk/>
+            <pc:sldMk cId="3329169435" sldId="324"/>
+            <ac:cxnSpMk id="10" creationId="{72A59FBC-12F0-5C49-8BA8-983F96E9EE0E}"/>
+          </ac:cxnSpMkLst>
+        </pc:cxnChg>
+        <pc:cxnChg chg="add mod">
+          <ac:chgData name="Long B Nguyen" userId="f59fb8f3-a021-417a-8bc1-65c8d471c621" providerId="ADAL" clId="{59CB9C7B-CBC7-E549-B176-97F9C29CB310}" dt="2019-11-12T14:54:28.685" v="10803" actId="14100"/>
+          <ac:cxnSpMkLst>
+            <pc:docMk/>
+            <pc:sldMk cId="3329169435" sldId="324"/>
+            <ac:cxnSpMk id="15" creationId="{F7544DEB-4070-1144-B42C-B2D00FB2B589}"/>
+          </ac:cxnSpMkLst>
+        </pc:cxnChg>
+      </pc:sldChg>
+      <pc:sldChg chg="addSp delSp modSp add delAnim modAnim">
+        <pc:chgData name="Long B Nguyen" userId="f59fb8f3-a021-417a-8bc1-65c8d471c621" providerId="ADAL" clId="{59CB9C7B-CBC7-E549-B176-97F9C29CB310}" dt="2019-11-14T12:43:23.402" v="12581"/>
+        <pc:sldMkLst>
+          <pc:docMk/>
+          <pc:sldMk cId="1776864183" sldId="328"/>
+        </pc:sldMkLst>
+        <pc:spChg chg="mod">
+          <ac:chgData name="Long B Nguyen" userId="f59fb8f3-a021-417a-8bc1-65c8d471c621" providerId="ADAL" clId="{59CB9C7B-CBC7-E549-B176-97F9C29CB310}" dt="2019-11-12T15:14:06.124" v="11712" actId="20577"/>
+          <ac:spMkLst>
+            <pc:docMk/>
+            <pc:sldMk cId="1776864183" sldId="328"/>
             <ac:spMk id="2" creationId="{AA3A228F-61D0-D949-A5E7-F83756230BF8}"/>
           </ac:spMkLst>
         </pc:spChg>
-        <pc:spChg chg="mod">
-          <ac:chgData name="Long B Nguyen" userId="f59fb8f3-a021-417a-8bc1-65c8d471c621" providerId="ADAL" clId="{9268B748-66AA-0742-9E6D-C568D3B99E77}" dt="2021-01-28T03:27:05.671" v="3655" actId="20577"/>
-          <ac:spMkLst>
-            <pc:docMk/>
-            <pc:sldMk cId="4136041801" sldId="341"/>
-            <ac:spMk id="9" creationId="{E3B2E017-30B2-884B-A113-B419A2ED51AD}"/>
-          </ac:spMkLst>
-        </pc:spChg>
-      </pc:sldChg>
-      <pc:sldChg chg="modSp add del mod">
-        <pc:chgData name="Long B Nguyen" userId="f59fb8f3-a021-417a-8bc1-65c8d471c621" providerId="ADAL" clId="{9268B748-66AA-0742-9E6D-C568D3B99E77}" dt="2021-01-28T03:54:03.718" v="3912" actId="2696"/>
-        <pc:sldMkLst>
-          <pc:docMk/>
-          <pc:sldMk cId="429134499" sldId="342"/>
-        </pc:sldMkLst>
-        <pc:spChg chg="mod">
-          <ac:chgData name="Long B Nguyen" userId="f59fb8f3-a021-417a-8bc1-65c8d471c621" providerId="ADAL" clId="{9268B748-66AA-0742-9E6D-C568D3B99E77}" dt="2021-01-28T03:32:51.432" v="3907" actId="1076"/>
-          <ac:spMkLst>
-            <pc:docMk/>
-            <pc:sldMk cId="429134499" sldId="342"/>
-            <ac:spMk id="2" creationId="{AA3A228F-61D0-D949-A5E7-F83756230BF8}"/>
-          </ac:spMkLst>
-        </pc:spChg>
-        <pc:spChg chg="mod">
-          <ac:chgData name="Long B Nguyen" userId="f59fb8f3-a021-417a-8bc1-65c8d471c621" providerId="ADAL" clId="{9268B748-66AA-0742-9E6D-C568D3B99E77}" dt="2021-01-28T03:33:02.144" v="3910" actId="14100"/>
-          <ac:spMkLst>
-            <pc:docMk/>
-            <pc:sldMk cId="429134499" sldId="342"/>
-            <ac:spMk id="9" creationId="{E3B2E017-30B2-884B-A113-B419A2ED51AD}"/>
-          </ac:spMkLst>
-        </pc:spChg>
-      </pc:sldChg>
-      <pc:sldChg chg="add">
-        <pc:chgData name="Long B Nguyen" userId="f59fb8f3-a021-417a-8bc1-65c8d471c621" providerId="ADAL" clId="{9268B748-66AA-0742-9E6D-C568D3B99E77}" dt="2021-01-28T03:54:16.866" v="3923"/>
-        <pc:sldMkLst>
-          <pc:docMk/>
-          <pc:sldMk cId="1910973475" sldId="342"/>
-        </pc:sldMkLst>
-      </pc:sldChg>
-      <pc:sldChg chg="modSp add del mod">
-        <pc:chgData name="Long B Nguyen" userId="f59fb8f3-a021-417a-8bc1-65c8d471c621" providerId="ADAL" clId="{9268B748-66AA-0742-9E6D-C568D3B99E77}" dt="2021-01-28T03:27:57.525" v="3658" actId="2696"/>
-        <pc:sldMkLst>
-          <pc:docMk/>
-          <pc:sldMk cId="2262442249" sldId="350"/>
-        </pc:sldMkLst>
-        <pc:spChg chg="mod">
-          <ac:chgData name="Long B Nguyen" userId="f59fb8f3-a021-417a-8bc1-65c8d471c621" providerId="ADAL" clId="{9268B748-66AA-0742-9E6D-C568D3B99E77}" dt="2021-01-28T03:19:50.875" v="3407" actId="1076"/>
-          <ac:spMkLst>
-            <pc:docMk/>
-            <pc:sldMk cId="2262442249" sldId="350"/>
-            <ac:spMk id="2" creationId="{AA3A228F-61D0-D949-A5E7-F83756230BF8}"/>
-          </ac:spMkLst>
-        </pc:spChg>
-        <pc:spChg chg="mod">
-          <ac:chgData name="Long B Nguyen" userId="f59fb8f3-a021-417a-8bc1-65c8d471c621" providerId="ADAL" clId="{9268B748-66AA-0742-9E6D-C568D3B99E77}" dt="2021-01-28T03:26:23.670" v="3628" actId="21"/>
-          <ac:spMkLst>
-            <pc:docMk/>
-            <pc:sldMk cId="2262442249" sldId="350"/>
-            <ac:spMk id="9" creationId="{E3B2E017-30B2-884B-A113-B419A2ED51AD}"/>
-          </ac:spMkLst>
-        </pc:spChg>
-      </pc:sldChg>
-      <pc:sldChg chg="addSp delSp modSp add mod">
-        <pc:chgData name="Long B Nguyen" userId="f59fb8f3-a021-417a-8bc1-65c8d471c621" providerId="ADAL" clId="{9268B748-66AA-0742-9E6D-C568D3B99E77}" dt="2021-01-28T03:57:10.326" v="4071" actId="478"/>
-        <pc:sldMkLst>
-          <pc:docMk/>
-          <pc:sldMk cId="528345614" sldId="368"/>
-        </pc:sldMkLst>
-        <pc:spChg chg="add del mod">
-          <ac:chgData name="Long B Nguyen" userId="f59fb8f3-a021-417a-8bc1-65c8d471c621" providerId="ADAL" clId="{9268B748-66AA-0742-9E6D-C568D3B99E77}" dt="2021-01-28T03:57:10.326" v="4071" actId="478"/>
-          <ac:spMkLst>
-            <pc:docMk/>
-            <pc:sldMk cId="528345614" sldId="368"/>
-            <ac:spMk id="6" creationId="{CA05E5DF-0B6A-B24A-BF30-A2BD2298C9CE}"/>
-          </ac:spMkLst>
-        </pc:spChg>
-      </pc:sldChg>
-      <pc:sldChg chg="addSp modSp add del mod">
-        <pc:chgData name="Long B Nguyen" userId="f59fb8f3-a021-417a-8bc1-65c8d471c621" providerId="ADAL" clId="{9268B748-66AA-0742-9E6D-C568D3B99E77}" dt="2021-01-28T03:54:03.774" v="3914" actId="2696"/>
-        <pc:sldMkLst>
-          <pc:docMk/>
-          <pc:sldMk cId="1158998248" sldId="368"/>
-        </pc:sldMkLst>
-        <pc:spChg chg="mod">
-          <ac:chgData name="Long B Nguyen" userId="f59fb8f3-a021-417a-8bc1-65c8d471c621" providerId="ADAL" clId="{9268B748-66AA-0742-9E6D-C568D3B99E77}" dt="2021-01-28T03:11:00.656" v="3218" actId="1076"/>
-          <ac:spMkLst>
-            <pc:docMk/>
-            <pc:sldMk cId="1158998248" sldId="368"/>
-            <ac:spMk id="2" creationId="{AA3A228F-61D0-D949-A5E7-F83756230BF8}"/>
-          </ac:spMkLst>
-        </pc:spChg>
         <pc:spChg chg="add mod">
-          <ac:chgData name="Long B Nguyen" userId="f59fb8f3-a021-417a-8bc1-65c8d471c621" providerId="ADAL" clId="{9268B748-66AA-0742-9E6D-C568D3B99E77}" dt="2021-01-28T03:30:09.327" v="3852" actId="1076"/>
-          <ac:spMkLst>
-            <pc:docMk/>
-            <pc:sldMk cId="1158998248" sldId="368"/>
-            <ac:spMk id="8" creationId="{3E503B95-E018-FE45-80D5-04FF0D154DAA}"/>
-          </ac:spMkLst>
-        </pc:spChg>
-        <pc:spChg chg="mod">
-          <ac:chgData name="Long B Nguyen" userId="f59fb8f3-a021-417a-8bc1-65c8d471c621" providerId="ADAL" clId="{9268B748-66AA-0742-9E6D-C568D3B99E77}" dt="2021-01-28T03:29:37.070" v="3815" actId="20577"/>
-          <ac:spMkLst>
-            <pc:docMk/>
-            <pc:sldMk cId="1158998248" sldId="368"/>
-            <ac:spMk id="9" creationId="{E3B2E017-30B2-884B-A113-B419A2ED51AD}"/>
+          <ac:chgData name="Long B Nguyen" userId="f59fb8f3-a021-417a-8bc1-65c8d471c621" providerId="ADAL" clId="{59CB9C7B-CBC7-E549-B176-97F9C29CB310}" dt="2019-11-12T15:15:01.451" v="11782" actId="255"/>
+          <ac:spMkLst>
+            <pc:docMk/>
+            <pc:sldMk cId="1776864183" sldId="328"/>
+            <ac:spMk id="4" creationId="{FED0F1E3-82CD-B346-A913-A640D9993422}"/>
+          </ac:spMkLst>
+        </pc:spChg>
+        <pc:spChg chg="del">
+          <ac:chgData name="Long B Nguyen" userId="f59fb8f3-a021-417a-8bc1-65c8d471c621" providerId="ADAL" clId="{59CB9C7B-CBC7-E549-B176-97F9C29CB310}" dt="2019-11-12T15:14:09.609" v="11713" actId="478"/>
+          <ac:spMkLst>
+            <pc:docMk/>
+            <pc:sldMk cId="1776864183" sldId="328"/>
+            <ac:spMk id="8" creationId="{D57AD83D-A164-2C46-A5D9-850FF63C92FB}"/>
           </ac:spMkLst>
         </pc:spChg>
         <pc:spChg chg="add mod">
-          <ac:chgData name="Long B Nguyen" userId="f59fb8f3-a021-417a-8bc1-65c8d471c621" providerId="ADAL" clId="{9268B748-66AA-0742-9E6D-C568D3B99E77}" dt="2021-01-28T03:30:09.327" v="3852" actId="1076"/>
-          <ac:spMkLst>
-            <pc:docMk/>
-            <pc:sldMk cId="1158998248" sldId="368"/>
-            <ac:spMk id="10" creationId="{BE2ECC61-28C5-6B4B-83F0-B151E0573924}"/>
+          <ac:chgData name="Long B Nguyen" userId="f59fb8f3-a021-417a-8bc1-65c8d471c621" providerId="ADAL" clId="{59CB9C7B-CBC7-E549-B176-97F9C29CB310}" dt="2019-11-12T15:17:48.107" v="11936" actId="1076"/>
+          <ac:spMkLst>
+            <pc:docMk/>
+            <pc:sldMk cId="1776864183" sldId="328"/>
+            <ac:spMk id="12" creationId="{9E2D0245-4E8B-0243-AE9F-4DE1A924CAF4}"/>
+          </ac:spMkLst>
+        </pc:spChg>
+        <pc:spChg chg="del">
+          <ac:chgData name="Long B Nguyen" userId="f59fb8f3-a021-417a-8bc1-65c8d471c621" providerId="ADAL" clId="{59CB9C7B-CBC7-E549-B176-97F9C29CB310}" dt="2019-11-12T15:14:25.270" v="11719" actId="478"/>
+          <ac:spMkLst>
+            <pc:docMk/>
+            <pc:sldMk cId="1776864183" sldId="328"/>
+            <ac:spMk id="15" creationId="{785021ED-C20D-0141-8AF2-FBA30E60D3E6}"/>
+          </ac:spMkLst>
+        </pc:spChg>
+        <pc:spChg chg="del">
+          <ac:chgData name="Long B Nguyen" userId="f59fb8f3-a021-417a-8bc1-65c8d471c621" providerId="ADAL" clId="{59CB9C7B-CBC7-E549-B176-97F9C29CB310}" dt="2019-11-12T15:14:22.851" v="11718" actId="478"/>
+          <ac:spMkLst>
+            <pc:docMk/>
+            <pc:sldMk cId="1776864183" sldId="328"/>
+            <ac:spMk id="16" creationId="{2C3068F1-27B1-8745-AC00-F5D5109130CF}"/>
+          </ac:spMkLst>
+        </pc:spChg>
+        <pc:spChg chg="add mod">
+          <ac:chgData name="Long B Nguyen" userId="f59fb8f3-a021-417a-8bc1-65c8d471c621" providerId="ADAL" clId="{59CB9C7B-CBC7-E549-B176-97F9C29CB310}" dt="2019-11-12T15:17:53.168" v="11938" actId="1076"/>
+          <ac:spMkLst>
+            <pc:docMk/>
+            <pc:sldMk cId="1776864183" sldId="328"/>
+            <ac:spMk id="18" creationId="{7116D9A5-60C1-8D4E-997E-2550DA5CAD84}"/>
+          </ac:spMkLst>
+        </pc:spChg>
+        <pc:spChg chg="add mod">
+          <ac:chgData name="Long B Nguyen" userId="f59fb8f3-a021-417a-8bc1-65c8d471c621" providerId="ADAL" clId="{59CB9C7B-CBC7-E549-B176-97F9C29CB310}" dt="2019-11-12T15:18:20.491" v="11962" actId="1076"/>
+          <ac:spMkLst>
+            <pc:docMk/>
+            <pc:sldMk cId="1776864183" sldId="328"/>
+            <ac:spMk id="22" creationId="{0E62641D-9476-0F48-9611-7021ACF92407}"/>
           </ac:spMkLst>
         </pc:spChg>
         <pc:graphicFrameChg chg="mod modGraphic">
-          <ac:chgData name="Long B Nguyen" userId="f59fb8f3-a021-417a-8bc1-65c8d471c621" providerId="ADAL" clId="{9268B748-66AA-0742-9E6D-C568D3B99E77}" dt="2021-01-28T03:29:42.737" v="3816" actId="1076"/>
+          <ac:chgData name="Long B Nguyen" userId="f59fb8f3-a021-417a-8bc1-65c8d471c621" providerId="ADAL" clId="{59CB9C7B-CBC7-E549-B176-97F9C29CB310}" dt="2019-11-12T15:18:38.395" v="11977" actId="20577"/>
           <ac:graphicFrameMkLst>
             <pc:docMk/>
-            <pc:sldMk cId="1158998248" sldId="368"/>
-            <ac:graphicFrameMk id="4" creationId="{910DE0CC-5FEF-A94D-BF5D-C253E3945850}"/>
+            <pc:sldMk cId="1776864183" sldId="328"/>
+            <ac:graphicFrameMk id="3" creationId="{9AFC970E-3FBA-F843-9AA5-DEA44EAA51C8}"/>
           </ac:graphicFrameMkLst>
         </pc:graphicFrameChg>
-        <pc:picChg chg="add mod">
-          <ac:chgData name="Long B Nguyen" userId="f59fb8f3-a021-417a-8bc1-65c8d471c621" providerId="ADAL" clId="{9268B748-66AA-0742-9E6D-C568D3B99E77}" dt="2021-01-28T03:29:44.622" v="3817" actId="1076"/>
-          <ac:picMkLst>
-            <pc:docMk/>
-            <pc:sldMk cId="1158998248" sldId="368"/>
-            <ac:picMk id="7" creationId="{0799DC86-A848-1840-A365-96FD89F949C4}"/>
-          </ac:picMkLst>
-        </pc:picChg>
-        <pc:cxnChg chg="add mod">
-          <ac:chgData name="Long B Nguyen" userId="f59fb8f3-a021-417a-8bc1-65c8d471c621" providerId="ADAL" clId="{9268B748-66AA-0742-9E6D-C568D3B99E77}" dt="2021-01-28T03:30:26.134" v="3855" actId="14100"/>
+        <pc:graphicFrameChg chg="del">
+          <ac:chgData name="Long B Nguyen" userId="f59fb8f3-a021-417a-8bc1-65c8d471c621" providerId="ADAL" clId="{59CB9C7B-CBC7-E549-B176-97F9C29CB310}" dt="2019-11-12T15:14:13.755" v="11714" actId="478"/>
+          <ac:graphicFrameMkLst>
+            <pc:docMk/>
+            <pc:sldMk cId="1776864183" sldId="328"/>
+            <ac:graphicFrameMk id="5" creationId="{A202C015-BB96-FC4D-B798-E01CEEDE818A}"/>
+          </ac:graphicFrameMkLst>
+        </pc:graphicFrameChg>
+        <pc:graphicFrameChg chg="del modGraphic">
+          <ac:chgData name="Long B Nguyen" userId="f59fb8f3-a021-417a-8bc1-65c8d471c621" providerId="ADAL" clId="{59CB9C7B-CBC7-E549-B176-97F9C29CB310}" dt="2019-11-12T15:14:20.723" v="11717" actId="478"/>
+          <ac:graphicFrameMkLst>
+            <pc:docMk/>
+            <pc:sldMk cId="1776864183" sldId="328"/>
+            <ac:graphicFrameMk id="6" creationId="{CD4D97C6-774B-044C-9810-2CE615865126}"/>
+          </ac:graphicFrameMkLst>
+        </pc:graphicFrameChg>
+        <pc:cxnChg chg="del">
+          <ac:chgData name="Long B Nguyen" userId="f59fb8f3-a021-417a-8bc1-65c8d471c621" providerId="ADAL" clId="{59CB9C7B-CBC7-E549-B176-97F9C29CB310}" dt="2019-11-12T15:14:13.755" v="11714" actId="478"/>
           <ac:cxnSpMkLst>
             <pc:docMk/>
-            <pc:sldMk cId="1158998248" sldId="368"/>
-            <ac:cxnSpMk id="11" creationId="{5338EC75-F1A0-C645-8B90-B3F51C319352}"/>
+            <pc:sldMk cId="1776864183" sldId="328"/>
+            <ac:cxnSpMk id="7" creationId="{0957043E-1F8C-8543-A3F1-31C9D596FC1F}"/>
           </ac:cxnSpMkLst>
         </pc:cxnChg>
-      </pc:sldChg>
-      <pc:sldChg chg="add del">
-        <pc:chgData name="Long B Nguyen" userId="f59fb8f3-a021-417a-8bc1-65c8d471c621" providerId="ADAL" clId="{9268B748-66AA-0742-9E6D-C568D3B99E77}" dt="2021-01-28T03:14:22.673" v="3280" actId="2696"/>
-        <pc:sldMkLst>
-          <pc:docMk/>
-          <pc:sldMk cId="2919874628" sldId="369"/>
-        </pc:sldMkLst>
-      </pc:sldChg>
-      <pc:sldChg chg="modSp add del mod">
-        <pc:chgData name="Long B Nguyen" userId="f59fb8f3-a021-417a-8bc1-65c8d471c621" providerId="ADAL" clId="{9268B748-66AA-0742-9E6D-C568D3B99E77}" dt="2021-01-28T03:54:03.860" v="3917" actId="2696"/>
-        <pc:sldMkLst>
-          <pc:docMk/>
-          <pc:sldMk cId="534120995" sldId="371"/>
-        </pc:sldMkLst>
-        <pc:spChg chg="mod">
-          <ac:chgData name="Long B Nguyen" userId="f59fb8f3-a021-417a-8bc1-65c8d471c621" providerId="ADAL" clId="{9268B748-66AA-0742-9E6D-C568D3B99E77}" dt="2021-01-28T03:31:28.924" v="3885" actId="20577"/>
-          <ac:spMkLst>
-            <pc:docMk/>
-            <pc:sldMk cId="534120995" sldId="371"/>
-            <ac:spMk id="12" creationId="{D01CDE2F-903C-7F47-856D-C889E3B4FA1B}"/>
-          </ac:spMkLst>
-        </pc:spChg>
-        <pc:graphicFrameChg chg="mod modGraphic">
-          <ac:chgData name="Long B Nguyen" userId="f59fb8f3-a021-417a-8bc1-65c8d471c621" providerId="ADAL" clId="{9268B748-66AA-0742-9E6D-C568D3B99E77}" dt="2021-01-28T03:17:39.736" v="3321" actId="20577"/>
-          <ac:graphicFrameMkLst>
-            <pc:docMk/>
-            <pc:sldMk cId="534120995" sldId="371"/>
-            <ac:graphicFrameMk id="4" creationId="{910DE0CC-5FEF-A94D-BF5D-C253E3945850}"/>
-          </ac:graphicFrameMkLst>
-        </pc:graphicFrameChg>
-        <pc:cxnChg chg="mod">
-          <ac:chgData name="Long B Nguyen" userId="f59fb8f3-a021-417a-8bc1-65c8d471c621" providerId="ADAL" clId="{9268B748-66AA-0742-9E6D-C568D3B99E77}" dt="2021-01-28T03:32:02.426" v="3897" actId="14100"/>
+        <pc:cxnChg chg="del">
+          <ac:chgData name="Long B Nguyen" userId="f59fb8f3-a021-417a-8bc1-65c8d471c621" providerId="ADAL" clId="{59CB9C7B-CBC7-E549-B176-97F9C29CB310}" dt="2019-11-12T15:14:16.300" v="11715" actId="478"/>
           <ac:cxnSpMkLst>
             <pc:docMk/>
-            <pc:sldMk cId="534120995" sldId="371"/>
-            <ac:cxnSpMk id="11" creationId="{AC7375C5-F760-8B40-B965-09A789E2C477}"/>
+            <pc:sldMk cId="1776864183" sldId="328"/>
+            <ac:cxnSpMk id="11" creationId="{EF130512-CDDF-C947-9F4C-970628FD5926}"/>
           </ac:cxnSpMkLst>
         </pc:cxnChg>
-      </pc:sldChg>
-      <pc:sldChg chg="add del">
-        <pc:chgData name="Long B Nguyen" userId="f59fb8f3-a021-417a-8bc1-65c8d471c621" providerId="ADAL" clId="{9268B748-66AA-0742-9E6D-C568D3B99E77}" dt="2021-01-28T03:13:33.649" v="3273" actId="2696"/>
-        <pc:sldMkLst>
-          <pc:docMk/>
-          <pc:sldMk cId="1743667928" sldId="371"/>
-        </pc:sldMkLst>
-      </pc:sldChg>
-      <pc:sldChg chg="add">
-        <pc:chgData name="Long B Nguyen" userId="f59fb8f3-a021-417a-8bc1-65c8d471c621" providerId="ADAL" clId="{9268B748-66AA-0742-9E6D-C568D3B99E77}" dt="2021-01-28T03:54:16.866" v="3923"/>
-        <pc:sldMkLst>
-          <pc:docMk/>
-          <pc:sldMk cId="3119869035" sldId="371"/>
-        </pc:sldMkLst>
-      </pc:sldChg>
-      <pc:sldChg chg="modSp add del mod">
-        <pc:chgData name="Long B Nguyen" userId="f59fb8f3-a021-417a-8bc1-65c8d471c621" providerId="ADAL" clId="{9268B748-66AA-0742-9E6D-C568D3B99E77}" dt="2021-01-28T03:54:03.914" v="3919" actId="2696"/>
-        <pc:sldMkLst>
-          <pc:docMk/>
-          <pc:sldMk cId="1280520962" sldId="372"/>
-        </pc:sldMkLst>
-        <pc:spChg chg="mod">
-          <ac:chgData name="Long B Nguyen" userId="f59fb8f3-a021-417a-8bc1-65c8d471c621" providerId="ADAL" clId="{9268B748-66AA-0742-9E6D-C568D3B99E77}" dt="2021-01-28T03:32:14.252" v="3906" actId="20577"/>
-          <ac:spMkLst>
-            <pc:docMk/>
-            <pc:sldMk cId="1280520962" sldId="372"/>
-            <ac:spMk id="14" creationId="{63449E36-9DBB-134E-94FD-16C40C15EBDC}"/>
-          </ac:spMkLst>
-        </pc:spChg>
-        <pc:graphicFrameChg chg="mod modGraphic">
-          <ac:chgData name="Long B Nguyen" userId="f59fb8f3-a021-417a-8bc1-65c8d471c621" providerId="ADAL" clId="{9268B748-66AA-0742-9E6D-C568D3B99E77}" dt="2021-01-28T03:17:48.946" v="3327" actId="20577"/>
-          <ac:graphicFrameMkLst>
-            <pc:docMk/>
-            <pc:sldMk cId="1280520962" sldId="372"/>
-            <ac:graphicFrameMk id="4" creationId="{910DE0CC-5FEF-A94D-BF5D-C253E3945850}"/>
-          </ac:graphicFrameMkLst>
-        </pc:graphicFrameChg>
-        <pc:cxnChg chg="mod">
-          <ac:chgData name="Long B Nguyen" userId="f59fb8f3-a021-417a-8bc1-65c8d471c621" providerId="ADAL" clId="{9268B748-66AA-0742-9E6D-C568D3B99E77}" dt="2021-01-28T03:15:36.368" v="3290" actId="1076"/>
+        <pc:cxnChg chg="add mod">
+          <ac:chgData name="Long B Nguyen" userId="f59fb8f3-a021-417a-8bc1-65c8d471c621" providerId="ADAL" clId="{59CB9C7B-CBC7-E549-B176-97F9C29CB310}" dt="2019-11-12T15:17:50.325" v="11937" actId="14100"/>
           <ac:cxnSpMkLst>
             <pc:docMk/>
-            <pc:sldMk cId="1280520962" sldId="372"/>
-            <ac:cxnSpMk id="13" creationId="{D2556216-41CD-8D42-B4C1-6D4D9ECF9A05}"/>
-          </ac:cxnSpMkLst>
-        </pc:cxnChg>
-      </pc:sldChg>
-      <pc:sldChg chg="add">
-        <pc:chgData name="Long B Nguyen" userId="f59fb8f3-a021-417a-8bc1-65c8d471c621" providerId="ADAL" clId="{9268B748-66AA-0742-9E6D-C568D3B99E77}" dt="2021-01-28T03:54:16.866" v="3923"/>
-        <pc:sldMkLst>
-          <pc:docMk/>
-          <pc:sldMk cId="4121273586" sldId="372"/>
-        </pc:sldMkLst>
-      </pc:sldChg>
-      <pc:sldChg chg="add">
-        <pc:chgData name="Long B Nguyen" userId="f59fb8f3-a021-417a-8bc1-65c8d471c621" providerId="ADAL" clId="{9268B748-66AA-0742-9E6D-C568D3B99E77}" dt="2021-01-28T03:54:16.866" v="3923"/>
-        <pc:sldMkLst>
-          <pc:docMk/>
-          <pc:sldMk cId="3678049184" sldId="373"/>
-        </pc:sldMkLst>
-      </pc:sldChg>
-      <pc:sldChg chg="modSp add del mod">
-        <pc:chgData name="Long B Nguyen" userId="f59fb8f3-a021-417a-8bc1-65c8d471c621" providerId="ADAL" clId="{9268B748-66AA-0742-9E6D-C568D3B99E77}" dt="2021-01-28T03:54:03.802" v="3915" actId="2696"/>
-        <pc:sldMkLst>
-          <pc:docMk/>
-          <pc:sldMk cId="3757013544" sldId="373"/>
-        </pc:sldMkLst>
-        <pc:graphicFrameChg chg="modGraphic">
-          <ac:chgData name="Long B Nguyen" userId="f59fb8f3-a021-417a-8bc1-65c8d471c621" providerId="ADAL" clId="{9268B748-66AA-0742-9E6D-C568D3B99E77}" dt="2021-01-28T03:17:20.973" v="3312" actId="20577"/>
-          <ac:graphicFrameMkLst>
-            <pc:docMk/>
-            <pc:sldMk cId="3757013544" sldId="373"/>
-            <ac:graphicFrameMk id="4" creationId="{910DE0CC-5FEF-A94D-BF5D-C253E3945850}"/>
-          </ac:graphicFrameMkLst>
-        </pc:graphicFrameChg>
-      </pc:sldChg>
-      <pc:sldChg chg="add">
-        <pc:chgData name="Long B Nguyen" userId="f59fb8f3-a021-417a-8bc1-65c8d471c621" providerId="ADAL" clId="{9268B748-66AA-0742-9E6D-C568D3B99E77}" dt="2021-01-28T03:54:16.866" v="3923"/>
-        <pc:sldMkLst>
-          <pc:docMk/>
-          <pc:sldMk cId="744554462" sldId="374"/>
-        </pc:sldMkLst>
-      </pc:sldChg>
-      <pc:sldChg chg="modSp add del mod">
-        <pc:chgData name="Long B Nguyen" userId="f59fb8f3-a021-417a-8bc1-65c8d471c621" providerId="ADAL" clId="{9268B748-66AA-0742-9E6D-C568D3B99E77}" dt="2021-01-28T03:54:03.968" v="3921" actId="2696"/>
-        <pc:sldMkLst>
-          <pc:docMk/>
-          <pc:sldMk cId="3840148047" sldId="374"/>
-        </pc:sldMkLst>
-        <pc:spChg chg="mod">
-          <ac:chgData name="Long B Nguyen" userId="f59fb8f3-a021-417a-8bc1-65c8d471c621" providerId="ADAL" clId="{9268B748-66AA-0742-9E6D-C568D3B99E77}" dt="2021-01-28T03:16:10.910" v="3304" actId="20577"/>
-          <ac:spMkLst>
-            <pc:docMk/>
-            <pc:sldMk cId="3840148047" sldId="374"/>
-            <ac:spMk id="10" creationId="{AA046367-C12B-9C4B-9484-F091A593B175}"/>
-          </ac:spMkLst>
-        </pc:spChg>
-        <pc:graphicFrameChg chg="mod modGraphic">
-          <ac:chgData name="Long B Nguyen" userId="f59fb8f3-a021-417a-8bc1-65c8d471c621" providerId="ADAL" clId="{9268B748-66AA-0742-9E6D-C568D3B99E77}" dt="2021-01-28T03:17:53.293" v="3330" actId="20577"/>
-          <ac:graphicFrameMkLst>
-            <pc:docMk/>
-            <pc:sldMk cId="3840148047" sldId="374"/>
-            <ac:graphicFrameMk id="4" creationId="{910DE0CC-5FEF-A94D-BF5D-C253E3945850}"/>
-          </ac:graphicFrameMkLst>
-        </pc:graphicFrameChg>
-        <pc:cxnChg chg="mod">
-          <ac:chgData name="Long B Nguyen" userId="f59fb8f3-a021-417a-8bc1-65c8d471c621" providerId="ADAL" clId="{9268B748-66AA-0742-9E6D-C568D3B99E77}" dt="2021-01-28T03:18:42.224" v="3334" actId="14100"/>
-          <ac:cxnSpMkLst>
-            <pc:docMk/>
-            <pc:sldMk cId="3840148047" sldId="374"/>
-            <ac:cxnSpMk id="13" creationId="{D2556216-41CD-8D42-B4C1-6D4D9ECF9A05}"/>
-          </ac:cxnSpMkLst>
-        </pc:cxnChg>
-      </pc:sldChg>
-      <pc:sldChg chg="add">
-        <pc:chgData name="Long B Nguyen" userId="f59fb8f3-a021-417a-8bc1-65c8d471c621" providerId="ADAL" clId="{9268B748-66AA-0742-9E6D-C568D3B99E77}" dt="2021-01-28T03:54:16.866" v="3923"/>
-        <pc:sldMkLst>
-          <pc:docMk/>
-          <pc:sldMk cId="1389296992" sldId="375"/>
-        </pc:sldMkLst>
-      </pc:sldChg>
-      <pc:sldChg chg="modSp add del mod">
-        <pc:chgData name="Long B Nguyen" userId="f59fb8f3-a021-417a-8bc1-65c8d471c621" providerId="ADAL" clId="{9268B748-66AA-0742-9E6D-C568D3B99E77}" dt="2021-01-28T03:54:03.987" v="3922" actId="2696"/>
-        <pc:sldMkLst>
-          <pc:docMk/>
-          <pc:sldMk cId="2304065647" sldId="375"/>
-        </pc:sldMkLst>
-        <pc:spChg chg="mod">
-          <ac:chgData name="Long B Nguyen" userId="f59fb8f3-a021-417a-8bc1-65c8d471c621" providerId="ADAL" clId="{9268B748-66AA-0742-9E6D-C568D3B99E77}" dt="2021-01-28T03:16:38.194" v="3305" actId="20577"/>
-          <ac:spMkLst>
-            <pc:docMk/>
-            <pc:sldMk cId="2304065647" sldId="375"/>
-            <ac:spMk id="11" creationId="{D4310815-845D-E54A-A272-6DAA89CB5B1C}"/>
-          </ac:spMkLst>
-        </pc:spChg>
-        <pc:graphicFrameChg chg="mod modGraphic">
-          <ac:chgData name="Long B Nguyen" userId="f59fb8f3-a021-417a-8bc1-65c8d471c621" providerId="ADAL" clId="{9268B748-66AA-0742-9E6D-C568D3B99E77}" dt="2021-01-28T03:17:58.355" v="3333" actId="20577"/>
-          <ac:graphicFrameMkLst>
-            <pc:docMk/>
-            <pc:sldMk cId="2304065647" sldId="375"/>
-            <ac:graphicFrameMk id="4" creationId="{910DE0CC-5FEF-A94D-BF5D-C253E3945850}"/>
-          </ac:graphicFrameMkLst>
-        </pc:graphicFrameChg>
-      </pc:sldChg>
-      <pc:sldChg chg="modSp add del mod">
-        <pc:chgData name="Long B Nguyen" userId="f59fb8f3-a021-417a-8bc1-65c8d471c621" providerId="ADAL" clId="{9268B748-66AA-0742-9E6D-C568D3B99E77}" dt="2021-01-28T03:15:09.808" v="3286" actId="2696"/>
-        <pc:sldMkLst>
-          <pc:docMk/>
-          <pc:sldMk cId="536933755" sldId="383"/>
-        </pc:sldMkLst>
-        <pc:graphicFrameChg chg="mod modGraphic">
-          <ac:chgData name="Long B Nguyen" userId="f59fb8f3-a021-417a-8bc1-65c8d471c621" providerId="ADAL" clId="{9268B748-66AA-0742-9E6D-C568D3B99E77}" dt="2021-01-28T03:14:47.258" v="3284" actId="14734"/>
-          <ac:graphicFrameMkLst>
-            <pc:docMk/>
-            <pc:sldMk cId="536933755" sldId="383"/>
-            <ac:graphicFrameMk id="4" creationId="{910DE0CC-5FEF-A94D-BF5D-C253E3945850}"/>
-          </ac:graphicFrameMkLst>
-        </pc:graphicFrameChg>
-        <pc:cxnChg chg="mod">
-          <ac:chgData name="Long B Nguyen" userId="f59fb8f3-a021-417a-8bc1-65c8d471c621" providerId="ADAL" clId="{9268B748-66AA-0742-9E6D-C568D3B99E77}" dt="2021-01-28T03:13:25.976" v="3272" actId="1076"/>
-          <ac:cxnSpMkLst>
-            <pc:docMk/>
-            <pc:sldMk cId="536933755" sldId="383"/>
-            <ac:cxnSpMk id="8" creationId="{A7347EC2-A2A0-0E43-A49A-A85D314519D0}"/>
-          </ac:cxnSpMkLst>
-        </pc:cxnChg>
-      </pc:sldChg>
-      <pc:sldChg chg="modSp add del mod">
-        <pc:chgData name="Long B Nguyen" userId="f59fb8f3-a021-417a-8bc1-65c8d471c621" providerId="ADAL" clId="{9268B748-66AA-0742-9E6D-C568D3B99E77}" dt="2021-01-28T03:54:03.833" v="3916" actId="2696"/>
-        <pc:sldMkLst>
-          <pc:docMk/>
-          <pc:sldMk cId="1573053566" sldId="383"/>
-        </pc:sldMkLst>
-        <pc:spChg chg="mod">
-          <ac:chgData name="Long B Nguyen" userId="f59fb8f3-a021-417a-8bc1-65c8d471c621" providerId="ADAL" clId="{9268B748-66AA-0742-9E6D-C568D3B99E77}" dt="2021-01-28T03:30:49.815" v="3856" actId="20577"/>
-          <ac:spMkLst>
-            <pc:docMk/>
-            <pc:sldMk cId="1573053566" sldId="383"/>
-            <ac:spMk id="7" creationId="{75F48114-9280-694B-AC75-C6668A84DF44}"/>
-          </ac:spMkLst>
-        </pc:spChg>
-        <pc:graphicFrameChg chg="mod modGraphic">
-          <ac:chgData name="Long B Nguyen" userId="f59fb8f3-a021-417a-8bc1-65c8d471c621" providerId="ADAL" clId="{9268B748-66AA-0742-9E6D-C568D3B99E77}" dt="2021-01-28T03:17:35.503" v="3318" actId="20577"/>
-          <ac:graphicFrameMkLst>
-            <pc:docMk/>
-            <pc:sldMk cId="1573053566" sldId="383"/>
-            <ac:graphicFrameMk id="4" creationId="{910DE0CC-5FEF-A94D-BF5D-C253E3945850}"/>
-          </ac:graphicFrameMkLst>
-        </pc:graphicFrameChg>
-      </pc:sldChg>
-      <pc:sldChg chg="add">
-        <pc:chgData name="Long B Nguyen" userId="f59fb8f3-a021-417a-8bc1-65c8d471c621" providerId="ADAL" clId="{9268B748-66AA-0742-9E6D-C568D3B99E77}" dt="2021-01-28T03:54:16.866" v="3923"/>
-        <pc:sldMkLst>
-          <pc:docMk/>
-          <pc:sldMk cId="2424282737" sldId="383"/>
-        </pc:sldMkLst>
-      </pc:sldChg>
-      <pc:sldChg chg="modSp add del mod">
-        <pc:chgData name="Long B Nguyen" userId="f59fb8f3-a021-417a-8bc1-65c8d471c621" providerId="ADAL" clId="{9268B748-66AA-0742-9E6D-C568D3B99E77}" dt="2021-01-28T03:54:03.886" v="3918" actId="2696"/>
-        <pc:sldMkLst>
-          <pc:docMk/>
-          <pc:sldMk cId="1039746147" sldId="385"/>
-        </pc:sldMkLst>
-        <pc:spChg chg="mod">
-          <ac:chgData name="Long B Nguyen" userId="f59fb8f3-a021-417a-8bc1-65c8d471c621" providerId="ADAL" clId="{9268B748-66AA-0742-9E6D-C568D3B99E77}" dt="2021-01-28T03:31:42.555" v="3896" actId="20577"/>
-          <ac:spMkLst>
-            <pc:docMk/>
-            <pc:sldMk cId="1039746147" sldId="385"/>
-            <ac:spMk id="14" creationId="{63449E36-9DBB-134E-94FD-16C40C15EBDC}"/>
-          </ac:spMkLst>
-        </pc:spChg>
-        <pc:graphicFrameChg chg="mod modGraphic">
-          <ac:chgData name="Long B Nguyen" userId="f59fb8f3-a021-417a-8bc1-65c8d471c621" providerId="ADAL" clId="{9268B748-66AA-0742-9E6D-C568D3B99E77}" dt="2021-01-28T03:17:44.271" v="3324" actId="20577"/>
-          <ac:graphicFrameMkLst>
-            <pc:docMk/>
-            <pc:sldMk cId="1039746147" sldId="385"/>
-            <ac:graphicFrameMk id="4" creationId="{910DE0CC-5FEF-A94D-BF5D-C253E3945850}"/>
-          </ac:graphicFrameMkLst>
-        </pc:graphicFrameChg>
-        <pc:cxnChg chg="mod">
-          <ac:chgData name="Long B Nguyen" userId="f59fb8f3-a021-417a-8bc1-65c8d471c621" providerId="ADAL" clId="{9268B748-66AA-0742-9E6D-C568D3B99E77}" dt="2021-01-28T03:14:35.755" v="3282" actId="1076"/>
-          <ac:cxnSpMkLst>
-            <pc:docMk/>
-            <pc:sldMk cId="1039746147" sldId="385"/>
-            <ac:cxnSpMk id="13" creationId="{D2556216-41CD-8D42-B4C1-6D4D9ECF9A05}"/>
-          </ac:cxnSpMkLst>
-        </pc:cxnChg>
-      </pc:sldChg>
-      <pc:sldChg chg="add">
-        <pc:chgData name="Long B Nguyen" userId="f59fb8f3-a021-417a-8bc1-65c8d471c621" providerId="ADAL" clId="{9268B748-66AA-0742-9E6D-C568D3B99E77}" dt="2021-01-28T03:54:16.866" v="3923"/>
-        <pc:sldMkLst>
-          <pc:docMk/>
-          <pc:sldMk cId="3949056306" sldId="385"/>
-        </pc:sldMkLst>
-      </pc:sldChg>
-      <pc:sldChg chg="modSp add mod modNotesTx">
-        <pc:chgData name="Long B Nguyen" userId="f59fb8f3-a021-417a-8bc1-65c8d471c621" providerId="ADAL" clId="{9268B748-66AA-0742-9E6D-C568D3B99E77}" dt="2021-01-17T03:52:20.756" v="2588" actId="20577"/>
-        <pc:sldMkLst>
-          <pc:docMk/>
-          <pc:sldMk cId="3182006449" sldId="424"/>
-        </pc:sldMkLst>
-        <pc:spChg chg="mod">
-          <ac:chgData name="Long B Nguyen" userId="f59fb8f3-a021-417a-8bc1-65c8d471c621" providerId="ADAL" clId="{9268B748-66AA-0742-9E6D-C568D3B99E77}" dt="2021-01-17T03:52:20.756" v="2588" actId="20577"/>
-          <ac:spMkLst>
-            <pc:docMk/>
-            <pc:sldMk cId="3182006449" sldId="424"/>
-            <ac:spMk id="30722" creationId="{C70E3A34-0037-734F-81D6-0339361ED841}"/>
-          </ac:spMkLst>
-        </pc:spChg>
-      </pc:sldChg>
-      <pc:sldChg chg="modSp del mod">
-        <pc:chgData name="Long B Nguyen" userId="f59fb8f3-a021-417a-8bc1-65c8d471c621" providerId="ADAL" clId="{9268B748-66AA-0742-9E6D-C568D3B99E77}" dt="2021-01-17T03:47:03.261" v="2400" actId="2696"/>
-        <pc:sldMkLst>
-          <pc:docMk/>
-          <pc:sldMk cId="3212712238" sldId="424"/>
-        </pc:sldMkLst>
-        <pc:spChg chg="mod">
-          <ac:chgData name="Long B Nguyen" userId="f59fb8f3-a021-417a-8bc1-65c8d471c621" providerId="ADAL" clId="{9268B748-66AA-0742-9E6D-C568D3B99E77}" dt="2021-01-17T03:26:57.150" v="1526" actId="1076"/>
-          <ac:spMkLst>
-            <pc:docMk/>
-            <pc:sldMk cId="3212712238" sldId="424"/>
-            <ac:spMk id="30721" creationId="{378752EF-A47C-2F42-B800-CF9B206624FE}"/>
-          </ac:spMkLst>
-        </pc:spChg>
-        <pc:spChg chg="mod">
-          <ac:chgData name="Long B Nguyen" userId="f59fb8f3-a021-417a-8bc1-65c8d471c621" providerId="ADAL" clId="{9268B748-66AA-0742-9E6D-C568D3B99E77}" dt="2021-01-17T03:27:02.729" v="1528" actId="14100"/>
-          <ac:spMkLst>
-            <pc:docMk/>
-            <pc:sldMk cId="3212712238" sldId="424"/>
-            <ac:spMk id="30722" creationId="{C70E3A34-0037-734F-81D6-0339361ED841}"/>
-          </ac:spMkLst>
-        </pc:spChg>
-      </pc:sldChg>
-      <pc:sldChg chg="del">
-        <pc:chgData name="Long B Nguyen" userId="f59fb8f3-a021-417a-8bc1-65c8d471c621" providerId="ADAL" clId="{9268B748-66AA-0742-9E6D-C568D3B99E77}" dt="2021-01-17T03:01:28.638" v="107" actId="2696"/>
-        <pc:sldMkLst>
-          <pc:docMk/>
-          <pc:sldMk cId="2744089513" sldId="425"/>
-        </pc:sldMkLst>
-      </pc:sldChg>
-      <pc:sldChg chg="del">
-        <pc:chgData name="Long B Nguyen" userId="f59fb8f3-a021-417a-8bc1-65c8d471c621" providerId="ADAL" clId="{9268B748-66AA-0742-9E6D-C568D3B99E77}" dt="2021-01-17T03:27:29.797" v="1537" actId="2696"/>
-        <pc:sldMkLst>
-          <pc:docMk/>
-          <pc:sldMk cId="3169230028" sldId="426"/>
-        </pc:sldMkLst>
-      </pc:sldChg>
-      <pc:sldChg chg="modSp mod">
-        <pc:chgData name="Long B Nguyen" userId="f59fb8f3-a021-417a-8bc1-65c8d471c621" providerId="ADAL" clId="{9268B748-66AA-0742-9E6D-C568D3B99E77}" dt="2021-01-17T03:00:25.901" v="15" actId="20577"/>
-        <pc:sldMkLst>
-          <pc:docMk/>
-          <pc:sldMk cId="847347657" sldId="555"/>
-        </pc:sldMkLst>
-        <pc:spChg chg="mod">
-          <ac:chgData name="Long B Nguyen" userId="f59fb8f3-a021-417a-8bc1-65c8d471c621" providerId="ADAL" clId="{9268B748-66AA-0742-9E6D-C568D3B99E77}" dt="2021-01-17T03:00:25.901" v="15" actId="20577"/>
-          <ac:spMkLst>
-            <pc:docMk/>
-            <pc:sldMk cId="847347657" sldId="555"/>
-            <ac:spMk id="3" creationId="{69ADCD5C-363A-6249-B0DD-5A7EF5ACE656}"/>
-          </ac:spMkLst>
-        </pc:spChg>
-      </pc:sldChg>
-      <pc:sldChg chg="modSp mod modAnim">
-        <pc:chgData name="Long B Nguyen" userId="f59fb8f3-a021-417a-8bc1-65c8d471c621" providerId="ADAL" clId="{9268B748-66AA-0742-9E6D-C568D3B99E77}" dt="2021-02-01T00:36:23.028" v="5586" actId="20577"/>
-        <pc:sldMkLst>
-          <pc:docMk/>
-          <pc:sldMk cId="3515362357" sldId="556"/>
-        </pc:sldMkLst>
-        <pc:spChg chg="mod">
-          <ac:chgData name="Long B Nguyen" userId="f59fb8f3-a021-417a-8bc1-65c8d471c621" providerId="ADAL" clId="{9268B748-66AA-0742-9E6D-C568D3B99E77}" dt="2021-01-17T03:22:03.170" v="1421" actId="1076"/>
-          <ac:spMkLst>
-            <pc:docMk/>
-            <pc:sldMk cId="3515362357" sldId="556"/>
-            <ac:spMk id="20482" creationId="{122029F5-C3C9-E94E-9E27-3AADE7978759}"/>
-          </ac:spMkLst>
-        </pc:spChg>
-        <pc:spChg chg="mod">
-          <ac:chgData name="Long B Nguyen" userId="f59fb8f3-a021-417a-8bc1-65c8d471c621" providerId="ADAL" clId="{9268B748-66AA-0742-9E6D-C568D3B99E77}" dt="2021-02-01T00:36:23.028" v="5586" actId="20577"/>
-          <ac:spMkLst>
-            <pc:docMk/>
-            <pc:sldMk cId="3515362357" sldId="556"/>
-            <ac:spMk id="20483" creationId="{11D6A34E-F264-984B-AD46-8F4C5C826246}"/>
-          </ac:spMkLst>
-        </pc:spChg>
-      </pc:sldChg>
-      <pc:sldChg chg="modSp mod modAnim">
-        <pc:chgData name="Long B Nguyen" userId="f59fb8f3-a021-417a-8bc1-65c8d471c621" providerId="ADAL" clId="{9268B748-66AA-0742-9E6D-C568D3B99E77}" dt="2021-02-01T02:57:47.994" v="5602"/>
-        <pc:sldMkLst>
-          <pc:docMk/>
-          <pc:sldMk cId="56364418" sldId="557"/>
-        </pc:sldMkLst>
-        <pc:spChg chg="mod">
-          <ac:chgData name="Long B Nguyen" userId="f59fb8f3-a021-417a-8bc1-65c8d471c621" providerId="ADAL" clId="{9268B748-66AA-0742-9E6D-C568D3B99E77}" dt="2021-02-01T02:57:47.994" v="5602"/>
-          <ac:spMkLst>
-            <pc:docMk/>
-            <pc:sldMk cId="56364418" sldId="557"/>
-            <ac:spMk id="6146" creationId="{095FC28F-CF01-5C45-8C80-38CA0C2B9DF5}"/>
-          </ac:spMkLst>
-        </pc:spChg>
-        <pc:spChg chg="mod">
-          <ac:chgData name="Long B Nguyen" userId="f59fb8f3-a021-417a-8bc1-65c8d471c621" providerId="ADAL" clId="{9268B748-66AA-0742-9E6D-C568D3B99E77}" dt="2021-01-17T03:21:32.889" v="1414" actId="1076"/>
-          <ac:spMkLst>
-            <pc:docMk/>
-            <pc:sldMk cId="56364418" sldId="557"/>
-            <ac:spMk id="20482" creationId="{6D756BCF-3D62-744E-A1A2-5EA11AF1F5DE}"/>
-          </ac:spMkLst>
-        </pc:spChg>
-      </pc:sldChg>
-      <pc:sldChg chg="modSp mod modAnim">
-        <pc:chgData name="Long B Nguyen" userId="f59fb8f3-a021-417a-8bc1-65c8d471c621" providerId="ADAL" clId="{9268B748-66AA-0742-9E6D-C568D3B99E77}" dt="2021-01-28T13:06:20.495" v="4681" actId="207"/>
-        <pc:sldMkLst>
-          <pc:docMk/>
-          <pc:sldMk cId="4185702486" sldId="558"/>
-        </pc:sldMkLst>
-        <pc:spChg chg="mod">
-          <ac:chgData name="Long B Nguyen" userId="f59fb8f3-a021-417a-8bc1-65c8d471c621" providerId="ADAL" clId="{9268B748-66AA-0742-9E6D-C568D3B99E77}" dt="2021-01-28T13:06:20.495" v="4681" actId="207"/>
-          <ac:spMkLst>
-            <pc:docMk/>
-            <pc:sldMk cId="4185702486" sldId="558"/>
-            <ac:spMk id="7170" creationId="{63A32A1E-B5AF-FA47-8296-065102CBE2F8}"/>
-          </ac:spMkLst>
-        </pc:spChg>
-        <pc:spChg chg="mod">
-          <ac:chgData name="Long B Nguyen" userId="f59fb8f3-a021-417a-8bc1-65c8d471c621" providerId="ADAL" clId="{9268B748-66AA-0742-9E6D-C568D3B99E77}" dt="2021-01-17T03:14:33.782" v="971" actId="20577"/>
-          <ac:spMkLst>
-            <pc:docMk/>
-            <pc:sldMk cId="4185702486" sldId="558"/>
-            <ac:spMk id="20482" creationId="{6D756BCF-3D62-744E-A1A2-5EA11AF1F5DE}"/>
-          </ac:spMkLst>
-        </pc:spChg>
-      </pc:sldChg>
-      <pc:sldChg chg="del">
-        <pc:chgData name="Long B Nguyen" userId="f59fb8f3-a021-417a-8bc1-65c8d471c621" providerId="ADAL" clId="{9268B748-66AA-0742-9E6D-C568D3B99E77}" dt="2021-01-17T03:22:35.767" v="1426" actId="2696"/>
-        <pc:sldMkLst>
-          <pc:docMk/>
-          <pc:sldMk cId="2190184513" sldId="559"/>
-        </pc:sldMkLst>
-      </pc:sldChg>
-      <pc:sldChg chg="del">
-        <pc:chgData name="Long B Nguyen" userId="f59fb8f3-a021-417a-8bc1-65c8d471c621" providerId="ADAL" clId="{9268B748-66AA-0742-9E6D-C568D3B99E77}" dt="2021-01-17T03:22:41.917" v="1427" actId="2696"/>
-        <pc:sldMkLst>
-          <pc:docMk/>
-          <pc:sldMk cId="3797534927" sldId="560"/>
-        </pc:sldMkLst>
-      </pc:sldChg>
-      <pc:sldChg chg="modSp mod">
-        <pc:chgData name="Long B Nguyen" userId="f59fb8f3-a021-417a-8bc1-65c8d471c621" providerId="ADAL" clId="{9268B748-66AA-0742-9E6D-C568D3B99E77}" dt="2021-01-17T03:49:49.752" v="2475" actId="20577"/>
-        <pc:sldMkLst>
-          <pc:docMk/>
-          <pc:sldMk cId="3461972299" sldId="561"/>
-        </pc:sldMkLst>
-        <pc:spChg chg="mod">
-          <ac:chgData name="Long B Nguyen" userId="f59fb8f3-a021-417a-8bc1-65c8d471c621" providerId="ADAL" clId="{9268B748-66AA-0742-9E6D-C568D3B99E77}" dt="2021-01-17T03:49:49.752" v="2475" actId="20577"/>
-          <ac:spMkLst>
-            <pc:docMk/>
-            <pc:sldMk cId="3461972299" sldId="561"/>
-            <ac:spMk id="18434" creationId="{DCC791A7-12CD-D84A-9EC8-A0C8BB69E328}"/>
-          </ac:spMkLst>
-        </pc:spChg>
-        <pc:spChg chg="mod">
-          <ac:chgData name="Long B Nguyen" userId="f59fb8f3-a021-417a-8bc1-65c8d471c621" providerId="ADAL" clId="{9268B748-66AA-0742-9E6D-C568D3B99E77}" dt="2021-01-17T03:25:23.592" v="1506" actId="1076"/>
-          <ac:spMkLst>
-            <pc:docMk/>
-            <pc:sldMk cId="3461972299" sldId="561"/>
-            <ac:spMk id="20482" creationId="{AA23FAD0-C454-854B-B4AF-02039D831D3A}"/>
-          </ac:spMkLst>
-        </pc:spChg>
-      </pc:sldChg>
-      <pc:sldChg chg="del">
-        <pc:chgData name="Long B Nguyen" userId="f59fb8f3-a021-417a-8bc1-65c8d471c621" providerId="ADAL" clId="{9268B748-66AA-0742-9E6D-C568D3B99E77}" dt="2021-01-17T03:26:48.352" v="1524" actId="2696"/>
-        <pc:sldMkLst>
-          <pc:docMk/>
-          <pc:sldMk cId="2056856836" sldId="562"/>
-        </pc:sldMkLst>
-      </pc:sldChg>
-      <pc:sldChg chg="del">
-        <pc:chgData name="Long B Nguyen" userId="f59fb8f3-a021-417a-8bc1-65c8d471c621" providerId="ADAL" clId="{9268B748-66AA-0742-9E6D-C568D3B99E77}" dt="2021-01-17T03:26:51.907" v="1525" actId="2696"/>
-        <pc:sldMkLst>
-          <pc:docMk/>
-          <pc:sldMk cId="1129266536" sldId="563"/>
-        </pc:sldMkLst>
-      </pc:sldChg>
-      <pc:sldChg chg="del">
-        <pc:chgData name="Long B Nguyen" userId="f59fb8f3-a021-417a-8bc1-65c8d471c621" providerId="ADAL" clId="{9268B748-66AA-0742-9E6D-C568D3B99E77}" dt="2021-01-17T03:01:27.950" v="106" actId="2696"/>
-        <pc:sldMkLst>
-          <pc:docMk/>
-          <pc:sldMk cId="602950482" sldId="564"/>
-        </pc:sldMkLst>
-      </pc:sldChg>
-      <pc:sldChg chg="addSp delSp modSp mod">
-        <pc:chgData name="Long B Nguyen" userId="f59fb8f3-a021-417a-8bc1-65c8d471c621" providerId="ADAL" clId="{9268B748-66AA-0742-9E6D-C568D3B99E77}" dt="2021-02-01T02:55:33.692" v="5588"/>
-        <pc:sldMkLst>
-          <pc:docMk/>
-          <pc:sldMk cId="4104989124" sldId="565"/>
-        </pc:sldMkLst>
-        <pc:spChg chg="mod">
-          <ac:chgData name="Long B Nguyen" userId="f59fb8f3-a021-417a-8bc1-65c8d471c621" providerId="ADAL" clId="{9268B748-66AA-0742-9E6D-C568D3B99E77}" dt="2021-01-17T03:27:09.403" v="1530" actId="1076"/>
-          <ac:spMkLst>
-            <pc:docMk/>
-            <pc:sldMk cId="4104989124" sldId="565"/>
-            <ac:spMk id="35841" creationId="{09D8876C-8F7A-C748-966B-672B36C17545}"/>
-          </ac:spMkLst>
-        </pc:spChg>
-        <pc:spChg chg="mod">
-          <ac:chgData name="Long B Nguyen" userId="f59fb8f3-a021-417a-8bc1-65c8d471c621" providerId="ADAL" clId="{9268B748-66AA-0742-9E6D-C568D3B99E77}" dt="2021-01-17T05:46:41.434" v="3212" actId="20577"/>
-          <ac:spMkLst>
-            <pc:docMk/>
-            <pc:sldMk cId="4104989124" sldId="565"/>
-            <ac:spMk id="35842" creationId="{C94BCA01-D831-ED4D-84FD-C30E8117F872}"/>
-          </ac:spMkLst>
-        </pc:spChg>
-        <pc:picChg chg="add del mod">
-          <ac:chgData name="Long B Nguyen" userId="f59fb8f3-a021-417a-8bc1-65c8d471c621" providerId="ADAL" clId="{9268B748-66AA-0742-9E6D-C568D3B99E77}" dt="2021-02-01T02:55:33.692" v="5588"/>
-          <ac:picMkLst>
-            <pc:docMk/>
-            <pc:sldMk cId="4104989124" sldId="565"/>
-            <ac:picMk id="3" creationId="{CC62BCE2-BD78-384D-9079-8FEAD8642B89}"/>
-          </ac:picMkLst>
-        </pc:picChg>
-      </pc:sldChg>
-      <pc:sldChg chg="addSp delSp modSp add del mod modAnim">
-        <pc:chgData name="Long B Nguyen" userId="f59fb8f3-a021-417a-8bc1-65c8d471c621" providerId="ADAL" clId="{9268B748-66AA-0742-9E6D-C568D3B99E77}" dt="2021-01-28T13:02:26.431" v="4643" actId="2696"/>
-        <pc:sldMkLst>
-          <pc:docMk/>
-          <pc:sldMk cId="37137412" sldId="566"/>
-        </pc:sldMkLst>
-        <pc:spChg chg="add mod">
-          <ac:chgData name="Long B Nguyen" userId="f59fb8f3-a021-417a-8bc1-65c8d471c621" providerId="ADAL" clId="{9268B748-66AA-0742-9E6D-C568D3B99E77}" dt="2021-01-17T03:47:39.202" v="2430" actId="1076"/>
-          <ac:spMkLst>
-            <pc:docMk/>
-            <pc:sldMk cId="37137412" sldId="566"/>
-            <ac:spMk id="2" creationId="{C360779D-4CA6-E54E-AF40-CFF286ECEDB6}"/>
-          </ac:spMkLst>
-        </pc:spChg>
-        <pc:spChg chg="mod">
-          <ac:chgData name="Long B Nguyen" userId="f59fb8f3-a021-417a-8bc1-65c8d471c621" providerId="ADAL" clId="{9268B748-66AA-0742-9E6D-C568D3B99E77}" dt="2021-01-17T05:26:06.909" v="2707" actId="20577"/>
-          <ac:spMkLst>
-            <pc:docMk/>
-            <pc:sldMk cId="37137412" sldId="566"/>
-            <ac:spMk id="35841" creationId="{09D8876C-8F7A-C748-966B-672B36C17545}"/>
-          </ac:spMkLst>
-        </pc:spChg>
-        <pc:spChg chg="mod">
-          <ac:chgData name="Long B Nguyen" userId="f59fb8f3-a021-417a-8bc1-65c8d471c621" providerId="ADAL" clId="{9268B748-66AA-0742-9E6D-C568D3B99E77}" dt="2021-01-17T03:41:20.895" v="2130" actId="20577"/>
-          <ac:spMkLst>
-            <pc:docMk/>
-            <pc:sldMk cId="37137412" sldId="566"/>
-            <ac:spMk id="35842" creationId="{C94BCA01-D831-ED4D-84FD-C30E8117F872}"/>
-          </ac:spMkLst>
-        </pc:spChg>
-        <pc:cxnChg chg="add mod">
-          <ac:chgData name="Long B Nguyen" userId="f59fb8f3-a021-417a-8bc1-65c8d471c621" providerId="ADAL" clId="{9268B748-66AA-0742-9E6D-C568D3B99E77}" dt="2021-01-17T03:39:46.671" v="2077" actId="1076"/>
-          <ac:cxnSpMkLst>
-            <pc:docMk/>
-            <pc:sldMk cId="37137412" sldId="566"/>
-            <ac:cxnSpMk id="4" creationId="{53D1A4C4-2FD3-E74A-B6A8-E938E6191ED0}"/>
+            <pc:sldMk cId="1776864183" sldId="328"/>
+            <ac:cxnSpMk id="13" creationId="{8BC38A77-D77A-B949-95AE-18A25DC3C3F5}"/>
           </ac:cxnSpMkLst>
         </pc:cxnChg>
         <pc:cxnChg chg="add del mod">
-          <ac:chgData name="Long B Nguyen" userId="f59fb8f3-a021-417a-8bc1-65c8d471c621" providerId="ADAL" clId="{9268B748-66AA-0742-9E6D-C568D3B99E77}" dt="2021-01-17T03:39:43.507" v="2076" actId="478"/>
+          <ac:chgData name="Long B Nguyen" userId="f59fb8f3-a021-417a-8bc1-65c8d471c621" providerId="ADAL" clId="{59CB9C7B-CBC7-E549-B176-97F9C29CB310}" dt="2019-11-12T15:17:38.758" v="11908" actId="478"/>
           <ac:cxnSpMkLst>
             <pc:docMk/>
-            <pc:sldMk cId="37137412" sldId="566"/>
-            <ac:cxnSpMk id="8" creationId="{11602C2F-2F76-ED4E-9EAB-79F64A2F7942}"/>
+            <pc:sldMk cId="1776864183" sldId="328"/>
+            <ac:cxnSpMk id="17" creationId="{F92AA7AF-571E-0D4A-BBBB-FE7856A0832F}"/>
           </ac:cxnSpMkLst>
         </pc:cxnChg>
         <pc:cxnChg chg="add mod">
-          <ac:chgData name="Long B Nguyen" userId="f59fb8f3-a021-417a-8bc1-65c8d471c621" providerId="ADAL" clId="{9268B748-66AA-0742-9E6D-C568D3B99E77}" dt="2021-01-17T03:41:17.784" v="2129" actId="1076"/>
+          <ac:chgData name="Long B Nguyen" userId="f59fb8f3-a021-417a-8bc1-65c8d471c621" providerId="ADAL" clId="{59CB9C7B-CBC7-E549-B176-97F9C29CB310}" dt="2019-11-12T15:17:45.207" v="11935" actId="1037"/>
           <ac:cxnSpMkLst>
             <pc:docMk/>
-            <pc:sldMk cId="37137412" sldId="566"/>
-            <ac:cxnSpMk id="9" creationId="{1AB067D5-4CF2-3E4D-A945-5CDBCBD53EF8}"/>
-          </ac:cxnSpMkLst>
-        </pc:cxnChg>
-      </pc:sldChg>
-      <pc:sldChg chg="del">
-        <pc:chgData name="Long B Nguyen" userId="f59fb8f3-a021-417a-8bc1-65c8d471c621" providerId="ADAL" clId="{9268B748-66AA-0742-9E6D-C568D3B99E77}" dt="2021-01-17T03:27:25.431" v="1535" actId="2696"/>
-        <pc:sldMkLst>
-          <pc:docMk/>
-          <pc:sldMk cId="2615412358" sldId="566"/>
-        </pc:sldMkLst>
-      </pc:sldChg>
-      <pc:sldChg chg="addSp delSp modSp add mod delAnim modAnim">
-        <pc:chgData name="Long B Nguyen" userId="f59fb8f3-a021-417a-8bc1-65c8d471c621" providerId="ADAL" clId="{9268B748-66AA-0742-9E6D-C568D3B99E77}" dt="2021-01-28T14:31:33.213" v="5579"/>
-        <pc:sldMkLst>
-          <pc:docMk/>
-          <pc:sldMk cId="2722221053" sldId="566"/>
-        </pc:sldMkLst>
-        <pc:spChg chg="add mod">
-          <ac:chgData name="Long B Nguyen" userId="f59fb8f3-a021-417a-8bc1-65c8d471c621" providerId="ADAL" clId="{9268B748-66AA-0742-9E6D-C568D3B99E77}" dt="2021-01-28T14:29:04.207" v="5566" actId="20577"/>
-          <ac:spMkLst>
-            <pc:docMk/>
-            <pc:sldMk cId="2722221053" sldId="566"/>
-            <ac:spMk id="8" creationId="{CDB6DDAB-EF4C-A94C-87F4-05952EB9F7FB}"/>
-          </ac:spMkLst>
-        </pc:spChg>
-        <pc:spChg chg="mod">
-          <ac:chgData name="Long B Nguyen" userId="f59fb8f3-a021-417a-8bc1-65c8d471c621" providerId="ADAL" clId="{9268B748-66AA-0742-9E6D-C568D3B99E77}" dt="2021-01-28T13:06:54.656" v="4688" actId="20577"/>
-          <ac:spMkLst>
-            <pc:docMk/>
-            <pc:sldMk cId="2722221053" sldId="566"/>
-            <ac:spMk id="35842" creationId="{C94BCA01-D831-ED4D-84FD-C30E8117F872}"/>
-          </ac:spMkLst>
-        </pc:spChg>
-        <pc:cxnChg chg="del mod">
-          <ac:chgData name="Long B Nguyen" userId="f59fb8f3-a021-417a-8bc1-65c8d471c621" providerId="ADAL" clId="{9268B748-66AA-0742-9E6D-C568D3B99E77}" dt="2021-01-28T14:28:51.842" v="5562" actId="478"/>
-          <ac:cxnSpMkLst>
-            <pc:docMk/>
-            <pc:sldMk cId="2722221053" sldId="566"/>
-            <ac:cxnSpMk id="9" creationId="{1AB067D5-4CF2-3E4D-A945-5CDBCBD53EF8}"/>
+            <pc:sldMk cId="1776864183" sldId="328"/>
+            <ac:cxnSpMk id="20" creationId="{2FFEFA06-1569-2D46-A3A4-72572FB3A0DD}"/>
           </ac:cxnSpMkLst>
         </pc:cxnChg>
         <pc:cxnChg chg="add mod">
-          <ac:chgData name="Long B Nguyen" userId="f59fb8f3-a021-417a-8bc1-65c8d471c621" providerId="ADAL" clId="{9268B748-66AA-0742-9E6D-C568D3B99E77}" dt="2021-01-28T14:29:34.408" v="5571" actId="14100"/>
+          <ac:chgData name="Long B Nguyen" userId="f59fb8f3-a021-417a-8bc1-65c8d471c621" providerId="ADAL" clId="{59CB9C7B-CBC7-E549-B176-97F9C29CB310}" dt="2019-11-12T15:18:16.030" v="11961" actId="14100"/>
           <ac:cxnSpMkLst>
             <pc:docMk/>
-            <pc:sldMk cId="2722221053" sldId="566"/>
-            <ac:cxnSpMk id="10" creationId="{8D505A7E-646A-6B46-825F-49A2F6E29335}"/>
+            <pc:sldMk cId="1776864183" sldId="328"/>
+            <ac:cxnSpMk id="23" creationId="{DF859B50-AEDB-5C4C-BD6F-2305261149EE}"/>
           </ac:cxnSpMkLst>
         </pc:cxnChg>
       </pc:sldChg>
-      <pc:sldChg chg="addSp delSp modSp add del mod modAnim">
-        <pc:chgData name="Long B Nguyen" userId="f59fb8f3-a021-417a-8bc1-65c8d471c621" providerId="ADAL" clId="{9268B748-66AA-0742-9E6D-C568D3B99E77}" dt="2021-01-28T13:02:26.460" v="4644" actId="2696"/>
-        <pc:sldMkLst>
-          <pc:docMk/>
-          <pc:sldMk cId="4138501364" sldId="567"/>
-        </pc:sldMkLst>
-        <pc:spChg chg="mod">
-          <ac:chgData name="Long B Nguyen" userId="f59fb8f3-a021-417a-8bc1-65c8d471c621" providerId="ADAL" clId="{9268B748-66AA-0742-9E6D-C568D3B99E77}" dt="2021-01-17T03:44:37.880" v="2320" actId="1076"/>
-          <ac:spMkLst>
-            <pc:docMk/>
-            <pc:sldMk cId="4138501364" sldId="567"/>
-            <ac:spMk id="2" creationId="{C360779D-4CA6-E54E-AF40-CFF286ECEDB6}"/>
-          </ac:spMkLst>
-        </pc:spChg>
+      <pc:sldChg chg="addSp modSp modAnim">
+        <pc:chgData name="Long B Nguyen" userId="f59fb8f3-a021-417a-8bc1-65c8d471c621" providerId="ADAL" clId="{59CB9C7B-CBC7-E549-B176-97F9C29CB310}" dt="2019-11-14T12:51:19.338" v="12789"/>
+        <pc:sldMkLst>
+          <pc:docMk/>
+          <pc:sldMk cId="1403592009" sldId="331"/>
+        </pc:sldMkLst>
         <pc:spChg chg="add mod">
-          <ac:chgData name="Long B Nguyen" userId="f59fb8f3-a021-417a-8bc1-65c8d471c621" providerId="ADAL" clId="{9268B748-66AA-0742-9E6D-C568D3B99E77}" dt="2021-01-17T03:46:24.835" v="2399" actId="207"/>
-          <ac:spMkLst>
-            <pc:docMk/>
-            <pc:sldMk cId="4138501364" sldId="567"/>
-            <ac:spMk id="7" creationId="{FCD9C15D-1329-1444-B6C2-5E444C159CB2}"/>
-          </ac:spMkLst>
-        </pc:spChg>
-        <pc:spChg chg="mod">
-          <ac:chgData name="Long B Nguyen" userId="f59fb8f3-a021-417a-8bc1-65c8d471c621" providerId="ADAL" clId="{9268B748-66AA-0742-9E6D-C568D3B99E77}" dt="2021-01-17T03:41:51.515" v="2140" actId="20577"/>
-          <ac:spMkLst>
-            <pc:docMk/>
-            <pc:sldMk cId="4138501364" sldId="567"/>
-            <ac:spMk id="35841" creationId="{09D8876C-8F7A-C748-966B-672B36C17545}"/>
-          </ac:spMkLst>
-        </pc:spChg>
-        <pc:spChg chg="mod">
-          <ac:chgData name="Long B Nguyen" userId="f59fb8f3-a021-417a-8bc1-65c8d471c621" providerId="ADAL" clId="{9268B748-66AA-0742-9E6D-C568D3B99E77}" dt="2021-01-17T03:46:04.905" v="2342" actId="20577"/>
-          <ac:spMkLst>
-            <pc:docMk/>
-            <pc:sldMk cId="4138501364" sldId="567"/>
-            <ac:spMk id="35842" creationId="{C94BCA01-D831-ED4D-84FD-C30E8117F872}"/>
+          <ac:chgData name="Long B Nguyen" userId="f59fb8f3-a021-417a-8bc1-65c8d471c621" providerId="ADAL" clId="{59CB9C7B-CBC7-E549-B176-97F9C29CB310}" dt="2019-11-12T00:48:36.243" v="9287" actId="1076"/>
+          <ac:spMkLst>
+            <pc:docMk/>
+            <pc:sldMk cId="1403592009" sldId="331"/>
+            <ac:spMk id="4" creationId="{557F7968-AE4D-9746-81FE-F79B57BD6EFE}"/>
+          </ac:spMkLst>
+        </pc:spChg>
+        <pc:spChg chg="add mod">
+          <ac:chgData name="Long B Nguyen" userId="f59fb8f3-a021-417a-8bc1-65c8d471c621" providerId="ADAL" clId="{59CB9C7B-CBC7-E549-B176-97F9C29CB310}" dt="2019-11-12T00:48:25.450" v="9284" actId="1076"/>
+          <ac:spMkLst>
+            <pc:docMk/>
+            <pc:sldMk cId="1403592009" sldId="331"/>
+            <ac:spMk id="6" creationId="{95DF8A1A-4837-3C40-9A2C-4A5FFE885A41}"/>
+          </ac:spMkLst>
+        </pc:spChg>
+        <pc:spChg chg="mod">
+          <ac:chgData name="Long B Nguyen" userId="f59fb8f3-a021-417a-8bc1-65c8d471c621" providerId="ADAL" clId="{59CB9C7B-CBC7-E549-B176-97F9C29CB310}" dt="2019-11-12T00:46:34.030" v="9046" actId="207"/>
+          <ac:spMkLst>
+            <pc:docMk/>
+            <pc:sldMk cId="1403592009" sldId="331"/>
+            <ac:spMk id="9" creationId="{E3B2E017-30B2-884B-A113-B419A2ED51AD}"/>
+          </ac:spMkLst>
+        </pc:spChg>
+        <pc:cxnChg chg="add mod">
+          <ac:chgData name="Long B Nguyen" userId="f59fb8f3-a021-417a-8bc1-65c8d471c621" providerId="ADAL" clId="{59CB9C7B-CBC7-E549-B176-97F9C29CB310}" dt="2019-11-12T00:48:45.586" v="9289" actId="14100"/>
+          <ac:cxnSpMkLst>
+            <pc:docMk/>
+            <pc:sldMk cId="1403592009" sldId="331"/>
+            <ac:cxnSpMk id="5" creationId="{3734FE02-600C-2A44-BC16-F394E2FB5293}"/>
+          </ac:cxnSpMkLst>
+        </pc:cxnChg>
+        <pc:cxnChg chg="add mod">
+          <ac:chgData name="Long B Nguyen" userId="f59fb8f3-a021-417a-8bc1-65c8d471c621" providerId="ADAL" clId="{59CB9C7B-CBC7-E549-B176-97F9C29CB310}" dt="2019-11-12T00:48:32.563" v="9286" actId="14100"/>
+          <ac:cxnSpMkLst>
+            <pc:docMk/>
+            <pc:sldMk cId="1403592009" sldId="331"/>
+            <ac:cxnSpMk id="7" creationId="{C6885A45-616A-744B-A4F0-146A3737FC47}"/>
+          </ac:cxnSpMkLst>
+        </pc:cxnChg>
+      </pc:sldChg>
+      <pc:sldChg chg="addSp modSp add modAnim">
+        <pc:chgData name="Long B Nguyen" userId="f59fb8f3-a021-417a-8bc1-65c8d471c621" providerId="ADAL" clId="{59CB9C7B-CBC7-E549-B176-97F9C29CB310}" dt="2019-11-14T12:50:48.962" v="12785"/>
+        <pc:sldMkLst>
+          <pc:docMk/>
+          <pc:sldMk cId="1776526477" sldId="332"/>
+        </pc:sldMkLst>
+        <pc:spChg chg="mod">
+          <ac:chgData name="Long B Nguyen" userId="f59fb8f3-a021-417a-8bc1-65c8d471c621" providerId="ADAL" clId="{59CB9C7B-CBC7-E549-B176-97F9C29CB310}" dt="2019-11-06T17:40:28.615" v="1921" actId="1076"/>
+          <ac:spMkLst>
+            <pc:docMk/>
+            <pc:sldMk cId="1776526477" sldId="332"/>
+            <ac:spMk id="2" creationId="{AA3A228F-61D0-D949-A5E7-F83756230BF8}"/>
+          </ac:spMkLst>
+        </pc:spChg>
+        <pc:spChg chg="add mod">
+          <ac:chgData name="Long B Nguyen" userId="f59fb8f3-a021-417a-8bc1-65c8d471c621" providerId="ADAL" clId="{59CB9C7B-CBC7-E549-B176-97F9C29CB310}" dt="2019-11-14T12:49:55.911" v="12769" actId="1076"/>
+          <ac:spMkLst>
+            <pc:docMk/>
+            <pc:sldMk cId="1776526477" sldId="332"/>
+            <ac:spMk id="4" creationId="{BE66D76A-BB4F-8A4D-AB4B-A968E4D75F6C}"/>
+          </ac:spMkLst>
+        </pc:spChg>
+        <pc:spChg chg="add mod">
+          <ac:chgData name="Long B Nguyen" userId="f59fb8f3-a021-417a-8bc1-65c8d471c621" providerId="ADAL" clId="{59CB9C7B-CBC7-E549-B176-97F9C29CB310}" dt="2019-11-14T12:50:26.552" v="12783" actId="20577"/>
+          <ac:spMkLst>
+            <pc:docMk/>
+            <pc:sldMk cId="1776526477" sldId="332"/>
+            <ac:spMk id="6" creationId="{933C1516-15E0-6241-839C-CC896EC7C958}"/>
+          </ac:spMkLst>
+        </pc:spChg>
+        <pc:spChg chg="mod">
+          <ac:chgData name="Long B Nguyen" userId="f59fb8f3-a021-417a-8bc1-65c8d471c621" providerId="ADAL" clId="{59CB9C7B-CBC7-E549-B176-97F9C29CB310}" dt="2019-11-06T17:41:05.504" v="1934" actId="20577"/>
+          <ac:spMkLst>
+            <pc:docMk/>
+            <pc:sldMk cId="1776526477" sldId="332"/>
+            <ac:spMk id="9" creationId="{E3B2E017-30B2-884B-A113-B419A2ED51AD}"/>
+          </ac:spMkLst>
+        </pc:spChg>
+        <pc:cxnChg chg="add mod">
+          <ac:chgData name="Long B Nguyen" userId="f59fb8f3-a021-417a-8bc1-65c8d471c621" providerId="ADAL" clId="{59CB9C7B-CBC7-E549-B176-97F9C29CB310}" dt="2019-11-06T17:41:10.033" v="1935" actId="14100"/>
+          <ac:cxnSpMkLst>
+            <pc:docMk/>
+            <pc:sldMk cId="1776526477" sldId="332"/>
+            <ac:cxnSpMk id="5" creationId="{2ACA8F3D-2AEE-0146-8A7F-D08353AD1C3A}"/>
+          </ac:cxnSpMkLst>
+        </pc:cxnChg>
+      </pc:sldChg>
+      <pc:sldChg chg="addSp delSp modSp add modAnim">
+        <pc:chgData name="Long B Nguyen" userId="f59fb8f3-a021-417a-8bc1-65c8d471c621" providerId="ADAL" clId="{59CB9C7B-CBC7-E549-B176-97F9C29CB310}" dt="2019-11-14T13:02:05.813" v="12882"/>
+        <pc:sldMkLst>
+          <pc:docMk/>
+          <pc:sldMk cId="3768911574" sldId="333"/>
+        </pc:sldMkLst>
+        <pc:spChg chg="del">
+          <ac:chgData name="Long B Nguyen" userId="f59fb8f3-a021-417a-8bc1-65c8d471c621" providerId="ADAL" clId="{59CB9C7B-CBC7-E549-B176-97F9C29CB310}" dt="2019-11-05T13:39:00.362" v="509" actId="478"/>
+          <ac:spMkLst>
+            <pc:docMk/>
+            <pc:sldMk cId="3768911574" sldId="333"/>
+            <ac:spMk id="3" creationId="{A1DFF59C-0607-DD47-93E1-3B5DBC7CB72D}"/>
+          </ac:spMkLst>
+        </pc:spChg>
+        <pc:spChg chg="del">
+          <ac:chgData name="Long B Nguyen" userId="f59fb8f3-a021-417a-8bc1-65c8d471c621" providerId="ADAL" clId="{59CB9C7B-CBC7-E549-B176-97F9C29CB310}" dt="2019-11-05T13:39:12.947" v="513" actId="478"/>
+          <ac:spMkLst>
+            <pc:docMk/>
+            <pc:sldMk cId="3768911574" sldId="333"/>
+            <ac:spMk id="8" creationId="{7C58B594-C488-9F41-BC3D-B12A7562F3F7}"/>
+          </ac:spMkLst>
+        </pc:spChg>
+        <pc:spChg chg="mod">
+          <ac:chgData name="Long B Nguyen" userId="f59fb8f3-a021-417a-8bc1-65c8d471c621" providerId="ADAL" clId="{59CB9C7B-CBC7-E549-B176-97F9C29CB310}" dt="2019-11-05T13:44:18.384" v="791" actId="20577"/>
+          <ac:spMkLst>
+            <pc:docMk/>
+            <pc:sldMk cId="3768911574" sldId="333"/>
+            <ac:spMk id="9" creationId="{E3B2E017-30B2-884B-A113-B419A2ED51AD}"/>
+          </ac:spMkLst>
+        </pc:spChg>
+        <pc:spChg chg="mod">
+          <ac:chgData name="Long B Nguyen" userId="f59fb8f3-a021-417a-8bc1-65c8d471c621" providerId="ADAL" clId="{59CB9C7B-CBC7-E549-B176-97F9C29CB310}" dt="2019-11-14T12:45:21.882" v="12589" actId="20577"/>
+          <ac:spMkLst>
+            <pc:docMk/>
+            <pc:sldMk cId="3768911574" sldId="333"/>
+            <ac:spMk id="14" creationId="{5EDF072F-75BE-8741-9067-D2D254F08E47}"/>
+          </ac:spMkLst>
+        </pc:spChg>
+        <pc:spChg chg="add mod">
+          <ac:chgData name="Long B Nguyen" userId="f59fb8f3-a021-417a-8bc1-65c8d471c621" providerId="ADAL" clId="{59CB9C7B-CBC7-E549-B176-97F9C29CB310}" dt="2019-11-14T12:45:25.993" v="12592" actId="20577"/>
+          <ac:spMkLst>
+            <pc:docMk/>
+            <pc:sldMk cId="3768911574" sldId="333"/>
+            <ac:spMk id="16" creationId="{5A9C07C4-A578-9340-813C-79D04F7B9BE1}"/>
+          </ac:spMkLst>
+        </pc:spChg>
+        <pc:spChg chg="add mod">
+          <ac:chgData name="Long B Nguyen" userId="f59fb8f3-a021-417a-8bc1-65c8d471c621" providerId="ADAL" clId="{59CB9C7B-CBC7-E549-B176-97F9C29CB310}" dt="2019-11-14T12:46:25.792" v="12667" actId="1076"/>
+          <ac:spMkLst>
+            <pc:docMk/>
+            <pc:sldMk cId="3768911574" sldId="333"/>
+            <ac:spMk id="17" creationId="{A0DA8034-18BF-A04B-95E1-E02483E3609C}"/>
+          </ac:spMkLst>
+        </pc:spChg>
+        <pc:spChg chg="add mod">
+          <ac:chgData name="Long B Nguyen" userId="f59fb8f3-a021-417a-8bc1-65c8d471c621" providerId="ADAL" clId="{59CB9C7B-CBC7-E549-B176-97F9C29CB310}" dt="2019-11-14T12:45:11.008" v="12586" actId="20577"/>
+          <ac:spMkLst>
+            <pc:docMk/>
+            <pc:sldMk cId="3768911574" sldId="333"/>
+            <ac:spMk id="20" creationId="{F9A61694-4FC5-7F46-9DC1-78F5E8AD77B0}"/>
           </ac:spMkLst>
         </pc:spChg>
         <pc:cxnChg chg="del">
-          <ac:chgData name="Long B Nguyen" userId="f59fb8f3-a021-417a-8bc1-65c8d471c621" providerId="ADAL" clId="{9268B748-66AA-0742-9E6D-C568D3B99E77}" dt="2021-01-17T03:42:10.314" v="2199" actId="478"/>
+          <ac:chgData name="Long B Nguyen" userId="f59fb8f3-a021-417a-8bc1-65c8d471c621" providerId="ADAL" clId="{59CB9C7B-CBC7-E549-B176-97F9C29CB310}" dt="2019-11-05T13:39:02.337" v="510" actId="478"/>
           <ac:cxnSpMkLst>
             <pc:docMk/>
-            <pc:sldMk cId="4138501364" sldId="567"/>
-            <ac:cxnSpMk id="4" creationId="{53D1A4C4-2FD3-E74A-B6A8-E938E6191ED0}"/>
+            <pc:sldMk cId="3768911574" sldId="333"/>
+            <ac:cxnSpMk id="4" creationId="{A46F3D1F-4E4F-FA42-90BE-0487CC045C6E}"/>
           </ac:cxnSpMkLst>
         </pc:cxnChg>
         <pc:cxnChg chg="del">
-          <ac:chgData name="Long B Nguyen" userId="f59fb8f3-a021-417a-8bc1-65c8d471c621" providerId="ADAL" clId="{9268B748-66AA-0742-9E6D-C568D3B99E77}" dt="2021-01-17T03:42:08.524" v="2198" actId="478"/>
+          <ac:chgData name="Long B Nguyen" userId="f59fb8f3-a021-417a-8bc1-65c8d471c621" providerId="ADAL" clId="{59CB9C7B-CBC7-E549-B176-97F9C29CB310}" dt="2019-11-05T13:39:12.947" v="513" actId="478"/>
           <ac:cxnSpMkLst>
             <pc:docMk/>
-            <pc:sldMk cId="4138501364" sldId="567"/>
-            <ac:cxnSpMk id="9" creationId="{1AB067D5-4CF2-3E4D-A945-5CDBCBD53EF8}"/>
+            <pc:sldMk cId="3768911574" sldId="333"/>
+            <ac:cxnSpMk id="10" creationId="{72A59FBC-12F0-5C49-8BA8-983F96E9EE0E}"/>
           </ac:cxnSpMkLst>
         </pc:cxnChg>
-      </pc:sldChg>
-      <pc:sldChg chg="addSp modSp add mod modAnim">
-        <pc:chgData name="Long B Nguyen" userId="f59fb8f3-a021-417a-8bc1-65c8d471c621" providerId="ADAL" clId="{9268B748-66AA-0742-9E6D-C568D3B99E77}" dt="2021-01-28T14:32:22.838" v="5585"/>
-        <pc:sldMkLst>
-          <pc:docMk/>
-          <pc:sldMk cId="4279211704" sldId="567"/>
-        </pc:sldMkLst>
-        <pc:spChg chg="mod">
-          <ac:chgData name="Long B Nguyen" userId="f59fb8f3-a021-417a-8bc1-65c8d471c621" providerId="ADAL" clId="{9268B748-66AA-0742-9E6D-C568D3B99E77}" dt="2021-01-28T13:04:28.502" v="4654" actId="1076"/>
-          <ac:spMkLst>
-            <pc:docMk/>
-            <pc:sldMk cId="4279211704" sldId="567"/>
-            <ac:spMk id="2" creationId="{C360779D-4CA6-E54E-AF40-CFF286ECEDB6}"/>
-          </ac:spMkLst>
-        </pc:spChg>
-        <pc:spChg chg="mod">
-          <ac:chgData name="Long B Nguyen" userId="f59fb8f3-a021-417a-8bc1-65c8d471c621" providerId="ADAL" clId="{9268B748-66AA-0742-9E6D-C568D3B99E77}" dt="2021-01-28T13:04:31.664" v="4655" actId="1076"/>
-          <ac:spMkLst>
-            <pc:docMk/>
-            <pc:sldMk cId="4279211704" sldId="567"/>
-            <ac:spMk id="7" creationId="{FCD9C15D-1329-1444-B6C2-5E444C159CB2}"/>
-          </ac:spMkLst>
-        </pc:spChg>
-        <pc:spChg chg="mod">
-          <ac:chgData name="Long B Nguyen" userId="f59fb8f3-a021-417a-8bc1-65c8d471c621" providerId="ADAL" clId="{9268B748-66AA-0742-9E6D-C568D3B99E77}" dt="2021-01-28T13:05:56.420" v="4677" actId="207"/>
-          <ac:spMkLst>
-            <pc:docMk/>
-            <pc:sldMk cId="4279211704" sldId="567"/>
-            <ac:spMk id="35842" creationId="{C94BCA01-D831-ED4D-84FD-C30E8117F872}"/>
-          </ac:spMkLst>
-        </pc:spChg>
         <pc:cxnChg chg="add mod">
-          <ac:chgData name="Long B Nguyen" userId="f59fb8f3-a021-417a-8bc1-65c8d471c621" providerId="ADAL" clId="{9268B748-66AA-0742-9E6D-C568D3B99E77}" dt="2021-01-28T13:04:46.723" v="4658" actId="14100"/>
+          <ac:chgData name="Long B Nguyen" userId="f59fb8f3-a021-417a-8bc1-65c8d471c621" providerId="ADAL" clId="{59CB9C7B-CBC7-E549-B176-97F9C29CB310}" dt="2019-11-10T19:21:05.339" v="8892" actId="1037"/>
           <ac:cxnSpMkLst>
             <pc:docMk/>
-            <pc:sldMk cId="4279211704" sldId="567"/>
-            <ac:cxnSpMk id="6" creationId="{2FF5D069-E1A9-3247-B4C1-70C074CCF398}"/>
+            <pc:sldMk cId="3768911574" sldId="333"/>
+            <ac:cxnSpMk id="10" creationId="{78689255-3173-164C-A63E-73DEF65651F2}"/>
           </ac:cxnSpMkLst>
         </pc:cxnChg>
-      </pc:sldChg>
-      <pc:sldChg chg="add">
-        <pc:chgData name="Long B Nguyen" userId="f59fb8f3-a021-417a-8bc1-65c8d471c621" providerId="ADAL" clId="{9268B748-66AA-0742-9E6D-C568D3B99E77}" dt="2021-01-17T05:39:24.341" v="3092"/>
-        <pc:sldMkLst>
-          <pc:docMk/>
-          <pc:sldMk cId="1316208775" sldId="568"/>
-        </pc:sldMkLst>
-      </pc:sldChg>
-      <pc:sldChg chg="modSp add del mod">
-        <pc:chgData name="Long B Nguyen" userId="f59fb8f3-a021-417a-8bc1-65c8d471c621" providerId="ADAL" clId="{9268B748-66AA-0742-9E6D-C568D3B99E77}" dt="2021-01-17T05:39:20.803" v="3091" actId="2696"/>
-        <pc:sldMkLst>
-          <pc:docMk/>
-          <pc:sldMk cId="1870468434" sldId="568"/>
-        </pc:sldMkLst>
-        <pc:spChg chg="mod">
-          <ac:chgData name="Long B Nguyen" userId="f59fb8f3-a021-417a-8bc1-65c8d471c621" providerId="ADAL" clId="{9268B748-66AA-0742-9E6D-C568D3B99E77}" dt="2021-01-17T05:24:21.392" v="2611" actId="20577"/>
-          <ac:spMkLst>
-            <pc:docMk/>
-            <pc:sldMk cId="1870468434" sldId="568"/>
-            <ac:spMk id="30721" creationId="{378752EF-A47C-2F42-B800-CF9B206624FE}"/>
-          </ac:spMkLst>
-        </pc:spChg>
-        <pc:spChg chg="mod">
-          <ac:chgData name="Long B Nguyen" userId="f59fb8f3-a021-417a-8bc1-65c8d471c621" providerId="ADAL" clId="{9268B748-66AA-0742-9E6D-C568D3B99E77}" dt="2021-01-17T05:39:05.749" v="3090" actId="20577"/>
-          <ac:spMkLst>
-            <pc:docMk/>
-            <pc:sldMk cId="1870468434" sldId="568"/>
-            <ac:spMk id="30722" creationId="{C70E3A34-0037-734F-81D6-0339361ED841}"/>
-          </ac:spMkLst>
-        </pc:spChg>
-      </pc:sldChg>
-      <pc:sldChg chg="add del">
-        <pc:chgData name="Long B Nguyen" userId="f59fb8f3-a021-417a-8bc1-65c8d471c621" providerId="ADAL" clId="{9268B748-66AA-0742-9E6D-C568D3B99E77}" dt="2021-01-28T03:14:03.181" v="3278"/>
-        <pc:sldMkLst>
-          <pc:docMk/>
-          <pc:sldMk cId="2249337032" sldId="569"/>
-        </pc:sldMkLst>
-      </pc:sldChg>
-      <pc:sldChg chg="add">
-        <pc:chgData name="Long B Nguyen" userId="f59fb8f3-a021-417a-8bc1-65c8d471c621" providerId="ADAL" clId="{9268B748-66AA-0742-9E6D-C568D3B99E77}" dt="2021-01-28T03:54:16.866" v="3923"/>
-        <pc:sldMkLst>
-          <pc:docMk/>
-          <pc:sldMk cId="3614561866" sldId="569"/>
-        </pc:sldMkLst>
-      </pc:sldChg>
-      <pc:sldChg chg="modSp add del mod">
-        <pc:chgData name="Long B Nguyen" userId="f59fb8f3-a021-417a-8bc1-65c8d471c621" providerId="ADAL" clId="{9268B748-66AA-0742-9E6D-C568D3B99E77}" dt="2021-01-28T03:54:03.940" v="3920" actId="2696"/>
-        <pc:sldMkLst>
-          <pc:docMk/>
-          <pc:sldMk cId="3828686532" sldId="569"/>
-        </pc:sldMkLst>
-        <pc:spChg chg="mod">
-          <ac:chgData name="Long B Nguyen" userId="f59fb8f3-a021-417a-8bc1-65c8d471c621" providerId="ADAL" clId="{9268B748-66AA-0742-9E6D-C568D3B99E77}" dt="2021-01-28T03:21:30.597" v="3481" actId="14100"/>
-          <ac:spMkLst>
-            <pc:docMk/>
-            <pc:sldMk cId="3828686532" sldId="569"/>
-            <ac:spMk id="14" creationId="{63449E36-9DBB-134E-94FD-16C40C15EBDC}"/>
-          </ac:spMkLst>
-        </pc:spChg>
-        <pc:cxnChg chg="mod">
-          <ac:chgData name="Long B Nguyen" userId="f59fb8f3-a021-417a-8bc1-65c8d471c621" providerId="ADAL" clId="{9268B748-66AA-0742-9E6D-C568D3B99E77}" dt="2021-01-28T03:18:50.056" v="3336" actId="1076"/>
+        <pc:cxnChg chg="add mod">
+          <ac:chgData name="Long B Nguyen" userId="f59fb8f3-a021-417a-8bc1-65c8d471c621" providerId="ADAL" clId="{59CB9C7B-CBC7-E549-B176-97F9C29CB310}" dt="2019-11-05T13:39:49.663" v="528" actId="14100"/>
           <ac:cxnSpMkLst>
             <pc:docMk/>
-            <pc:sldMk cId="3828686532" sldId="569"/>
-            <ac:cxnSpMk id="13" creationId="{D2556216-41CD-8D42-B4C1-6D4D9ECF9A05}"/>
+            <pc:sldMk cId="3768911574" sldId="333"/>
+            <ac:cxnSpMk id="12" creationId="{CC48B4CD-941B-0741-BFA8-B9998C524923}"/>
           </ac:cxnSpMkLst>
         </pc:cxnChg>
-      </pc:sldChg>
-      <pc:sldChg chg="new del">
-        <pc:chgData name="Long B Nguyen" userId="f59fb8f3-a021-417a-8bc1-65c8d471c621" providerId="ADAL" clId="{9268B748-66AA-0742-9E6D-C568D3B99E77}" dt="2021-01-28T14:20:01.244" v="4694" actId="2696"/>
-        <pc:sldMkLst>
-          <pc:docMk/>
-          <pc:sldMk cId="3048806200" sldId="570"/>
-        </pc:sldMkLst>
-      </pc:sldChg>
-      <pc:sldChg chg="modSp add mod modAnim">
-        <pc:chgData name="Long B Nguyen" userId="f59fb8f3-a021-417a-8bc1-65c8d471c621" providerId="ADAL" clId="{9268B748-66AA-0742-9E6D-C568D3B99E77}" dt="2021-01-28T14:23:36.330" v="5462"/>
-        <pc:sldMkLst>
-          <pc:docMk/>
-          <pc:sldMk cId="662705235" sldId="571"/>
-        </pc:sldMkLst>
-        <pc:spChg chg="mod">
-          <ac:chgData name="Long B Nguyen" userId="f59fb8f3-a021-417a-8bc1-65c8d471c621" providerId="ADAL" clId="{9268B748-66AA-0742-9E6D-C568D3B99E77}" dt="2021-01-28T14:23:08.398" v="5459" actId="20577"/>
-          <ac:spMkLst>
-            <pc:docMk/>
-            <pc:sldMk cId="662705235" sldId="571"/>
-            <ac:spMk id="6146" creationId="{095FC28F-CF01-5C45-8C80-38CA0C2B9DF5}"/>
-          </ac:spMkLst>
-        </pc:spChg>
-        <pc:spChg chg="mod">
-          <ac:chgData name="Long B Nguyen" userId="f59fb8f3-a021-417a-8bc1-65c8d471c621" providerId="ADAL" clId="{9268B748-66AA-0742-9E6D-C568D3B99E77}" dt="2021-01-28T14:20:11.164" v="4733" actId="14100"/>
-          <ac:spMkLst>
-            <pc:docMk/>
-            <pc:sldMk cId="662705235" sldId="571"/>
-            <ac:spMk id="20482" creationId="{6D756BCF-3D62-744E-A1A2-5EA11AF1F5DE}"/>
-          </ac:spMkLst>
-        </pc:spChg>
-      </pc:sldChg>
-      <pc:sldChg chg="addSp delSp modSp add mod">
-        <pc:chgData name="Long B Nguyen" userId="f59fb8f3-a021-417a-8bc1-65c8d471c621" providerId="ADAL" clId="{9268B748-66AA-0742-9E6D-C568D3B99E77}" dt="2021-02-01T03:01:36.608" v="6026"/>
-        <pc:sldMkLst>
-          <pc:docMk/>
-          <pc:sldMk cId="1097849800" sldId="572"/>
-        </pc:sldMkLst>
+        <pc:cxnChg chg="add mod">
+          <ac:chgData name="Long B Nguyen" userId="f59fb8f3-a021-417a-8bc1-65c8d471c621" providerId="ADAL" clId="{59CB9C7B-CBC7-E549-B176-97F9C29CB310}" dt="2019-11-05T13:39:43.740" v="525" actId="14100"/>
+          <ac:cxnSpMkLst>
+            <pc:docMk/>
+            <pc:sldMk cId="3768911574" sldId="333"/>
+            <ac:cxnSpMk id="13" creationId="{031D278B-4055-D447-8A45-9C9C2EE370C7}"/>
+          </ac:cxnSpMkLst>
+        </pc:cxnChg>
+        <pc:cxnChg chg="mod">
+          <ac:chgData name="Long B Nguyen" userId="f59fb8f3-a021-417a-8bc1-65c8d471c621" providerId="ADAL" clId="{59CB9C7B-CBC7-E549-B176-97F9C29CB310}" dt="2019-11-05T13:39:24.362" v="520" actId="692"/>
+          <ac:cxnSpMkLst>
+            <pc:docMk/>
+            <pc:sldMk cId="3768911574" sldId="333"/>
+            <ac:cxnSpMk id="15" creationId="{F7544DEB-4070-1144-B42C-B2D00FB2B589}"/>
+          </ac:cxnSpMkLst>
+        </pc:cxnChg>
+        <pc:cxnChg chg="add mod">
+          <ac:chgData name="Long B Nguyen" userId="f59fb8f3-a021-417a-8bc1-65c8d471c621" providerId="ADAL" clId="{59CB9C7B-CBC7-E549-B176-97F9C29CB310}" dt="2019-11-05T13:45:56.060" v="830" actId="14100"/>
+          <ac:cxnSpMkLst>
+            <pc:docMk/>
+            <pc:sldMk cId="3768911574" sldId="333"/>
+            <ac:cxnSpMk id="18" creationId="{0455C446-0CB9-7542-A5E5-DF0CA973519D}"/>
+          </ac:cxnSpMkLst>
+        </pc:cxnChg>
+        <pc:cxnChg chg="add mod">
+          <ac:chgData name="Long B Nguyen" userId="f59fb8f3-a021-417a-8bc1-65c8d471c621" providerId="ADAL" clId="{59CB9C7B-CBC7-E549-B176-97F9C29CB310}" dt="2019-11-14T12:46:41.528" v="12671" actId="14100"/>
+          <ac:cxnSpMkLst>
+            <pc:docMk/>
+            <pc:sldMk cId="3768911574" sldId="333"/>
+            <ac:cxnSpMk id="19" creationId="{A6C5B7ED-9686-3549-A3DD-5DD0CF6E8DED}"/>
+          </ac:cxnSpMkLst>
+        </pc:cxnChg>
+      </pc:sldChg>
+      <pc:sldChg chg="addSp delSp modSp add">
+        <pc:chgData name="Long B Nguyen" userId="f59fb8f3-a021-417a-8bc1-65c8d471c621" providerId="ADAL" clId="{59CB9C7B-CBC7-E549-B176-97F9C29CB310}" dt="2019-11-12T00:58:03.638" v="9374" actId="20577"/>
+        <pc:sldMkLst>
+          <pc:docMk/>
+          <pc:sldMk cId="1520390356" sldId="334"/>
+        </pc:sldMkLst>
+        <pc:spChg chg="del">
+          <ac:chgData name="Long B Nguyen" userId="f59fb8f3-a021-417a-8bc1-65c8d471c621" providerId="ADAL" clId="{59CB9C7B-CBC7-E549-B176-97F9C29CB310}" dt="2019-11-06T17:31:26.918" v="1461" actId="478"/>
+          <ac:spMkLst>
+            <pc:docMk/>
+            <pc:sldMk cId="1520390356" sldId="334"/>
+            <ac:spMk id="4" creationId="{557F7968-AE4D-9746-81FE-F79B57BD6EFE}"/>
+          </ac:spMkLst>
+        </pc:spChg>
+        <pc:spChg chg="mod">
+          <ac:chgData name="Long B Nguyen" userId="f59fb8f3-a021-417a-8bc1-65c8d471c621" providerId="ADAL" clId="{59CB9C7B-CBC7-E549-B176-97F9C29CB310}" dt="2019-11-12T00:58:03.638" v="9374" actId="20577"/>
+          <ac:spMkLst>
+            <pc:docMk/>
+            <pc:sldMk cId="1520390356" sldId="334"/>
+            <ac:spMk id="9" creationId="{E3B2E017-30B2-884B-A113-B419A2ED51AD}"/>
+          </ac:spMkLst>
+        </pc:spChg>
+        <pc:cxnChg chg="mod">
+          <ac:chgData name="Long B Nguyen" userId="f59fb8f3-a021-417a-8bc1-65c8d471c621" providerId="ADAL" clId="{59CB9C7B-CBC7-E549-B176-97F9C29CB310}" dt="2019-11-06T17:30:58.532" v="1457" actId="14100"/>
+          <ac:cxnSpMkLst>
+            <pc:docMk/>
+            <pc:sldMk cId="1520390356" sldId="334"/>
+            <ac:cxnSpMk id="5" creationId="{3734FE02-600C-2A44-BC16-F394E2FB5293}"/>
+          </ac:cxnSpMkLst>
+        </pc:cxnChg>
+        <pc:cxnChg chg="add mod">
+          <ac:chgData name="Long B Nguyen" userId="f59fb8f3-a021-417a-8bc1-65c8d471c621" providerId="ADAL" clId="{59CB9C7B-CBC7-E549-B176-97F9C29CB310}" dt="2019-11-06T17:31:06.805" v="1460" actId="14100"/>
+          <ac:cxnSpMkLst>
+            <pc:docMk/>
+            <pc:sldMk cId="1520390356" sldId="334"/>
+            <ac:cxnSpMk id="8" creationId="{EADE529A-64EB-0A40-B575-D437D32FAB41}"/>
+          </ac:cxnSpMkLst>
+        </pc:cxnChg>
+      </pc:sldChg>
+      <pc:sldChg chg="delSp modSp add modAnim">
+        <pc:chgData name="Long B Nguyen" userId="f59fb8f3-a021-417a-8bc1-65c8d471c621" providerId="ADAL" clId="{59CB9C7B-CBC7-E549-B176-97F9C29CB310}" dt="2019-11-14T12:48:46.852" v="12698" actId="20577"/>
+        <pc:sldMkLst>
+          <pc:docMk/>
+          <pc:sldMk cId="1370301937" sldId="335"/>
+        </pc:sldMkLst>
+        <pc:spChg chg="del">
+          <ac:chgData name="Long B Nguyen" userId="f59fb8f3-a021-417a-8bc1-65c8d471c621" providerId="ADAL" clId="{59CB9C7B-CBC7-E549-B176-97F9C29CB310}" dt="2019-11-06T17:36:49.176" v="1782" actId="478"/>
+          <ac:spMkLst>
+            <pc:docMk/>
+            <pc:sldMk cId="1370301937" sldId="335"/>
+            <ac:spMk id="14" creationId="{5EDF072F-75BE-8741-9067-D2D254F08E47}"/>
+          </ac:spMkLst>
+        </pc:spChg>
+        <pc:spChg chg="mod">
+          <ac:chgData name="Long B Nguyen" userId="f59fb8f3-a021-417a-8bc1-65c8d471c621" providerId="ADAL" clId="{59CB9C7B-CBC7-E549-B176-97F9C29CB310}" dt="2019-11-14T12:48:46.852" v="12698" actId="20577"/>
+          <ac:spMkLst>
+            <pc:docMk/>
+            <pc:sldMk cId="1370301937" sldId="335"/>
+            <ac:spMk id="20" creationId="{F9A61694-4FC5-7F46-9DC1-78F5E8AD77B0}"/>
+          </ac:spMkLst>
+        </pc:spChg>
+        <pc:cxnChg chg="del">
+          <ac:chgData name="Long B Nguyen" userId="f59fb8f3-a021-417a-8bc1-65c8d471c621" providerId="ADAL" clId="{59CB9C7B-CBC7-E549-B176-97F9C29CB310}" dt="2019-11-06T17:36:49.176" v="1782" actId="478"/>
+          <ac:cxnSpMkLst>
+            <pc:docMk/>
+            <pc:sldMk cId="1370301937" sldId="335"/>
+            <ac:cxnSpMk id="12" creationId="{CC48B4CD-941B-0741-BFA8-B9998C524923}"/>
+          </ac:cxnSpMkLst>
+        </pc:cxnChg>
+        <pc:cxnChg chg="del">
+          <ac:chgData name="Long B Nguyen" userId="f59fb8f3-a021-417a-8bc1-65c8d471c621" providerId="ADAL" clId="{59CB9C7B-CBC7-E549-B176-97F9C29CB310}" dt="2019-11-06T17:36:49.176" v="1782" actId="478"/>
+          <ac:cxnSpMkLst>
+            <pc:docMk/>
+            <pc:sldMk cId="1370301937" sldId="335"/>
+            <ac:cxnSpMk id="13" creationId="{031D278B-4055-D447-8A45-9C9C2EE370C7}"/>
+          </ac:cxnSpMkLst>
+        </pc:cxnChg>
+        <pc:cxnChg chg="del">
+          <ac:chgData name="Long B Nguyen" userId="f59fb8f3-a021-417a-8bc1-65c8d471c621" providerId="ADAL" clId="{59CB9C7B-CBC7-E549-B176-97F9C29CB310}" dt="2019-11-06T17:36:41.962" v="1781" actId="478"/>
+          <ac:cxnSpMkLst>
+            <pc:docMk/>
+            <pc:sldMk cId="1370301937" sldId="335"/>
+            <ac:cxnSpMk id="15" creationId="{F7544DEB-4070-1144-B42C-B2D00FB2B589}"/>
+          </ac:cxnSpMkLst>
+        </pc:cxnChg>
+        <pc:cxnChg chg="del">
+          <ac:chgData name="Long B Nguyen" userId="f59fb8f3-a021-417a-8bc1-65c8d471c621" providerId="ADAL" clId="{59CB9C7B-CBC7-E549-B176-97F9C29CB310}" dt="2019-11-06T17:36:40.542" v="1780" actId="478"/>
+          <ac:cxnSpMkLst>
+            <pc:docMk/>
+            <pc:sldMk cId="1370301937" sldId="335"/>
+            <ac:cxnSpMk id="18" creationId="{0455C446-0CB9-7542-A5E5-DF0CA973519D}"/>
+          </ac:cxnSpMkLst>
+        </pc:cxnChg>
+      </pc:sldChg>
+      <pc:sldChg chg="addSp delSp modSp add">
+        <pc:chgData name="Long B Nguyen" userId="f59fb8f3-a021-417a-8bc1-65c8d471c621" providerId="ADAL" clId="{59CB9C7B-CBC7-E549-B176-97F9C29CB310}" dt="2019-11-06T17:41:57.400" v="1984" actId="255"/>
+        <pc:sldMkLst>
+          <pc:docMk/>
+          <pc:sldMk cId="649473723" sldId="336"/>
+        </pc:sldMkLst>
+        <pc:spChg chg="del">
+          <ac:chgData name="Long B Nguyen" userId="f59fb8f3-a021-417a-8bc1-65c8d471c621" providerId="ADAL" clId="{59CB9C7B-CBC7-E549-B176-97F9C29CB310}" dt="2019-11-06T17:41:40.395" v="1977" actId="478"/>
+          <ac:spMkLst>
+            <pc:docMk/>
+            <pc:sldMk cId="649473723" sldId="336"/>
+            <ac:spMk id="4" creationId="{BE66D76A-BB4F-8A4D-AB4B-A968E4D75F6C}"/>
+          </ac:spMkLst>
+        </pc:spChg>
+        <pc:spChg chg="add mod">
+          <ac:chgData name="Long B Nguyen" userId="f59fb8f3-a021-417a-8bc1-65c8d471c621" providerId="ADAL" clId="{59CB9C7B-CBC7-E549-B176-97F9C29CB310}" dt="2019-11-06T17:41:57.400" v="1984" actId="255"/>
+          <ac:spMkLst>
+            <pc:docMk/>
+            <pc:sldMk cId="649473723" sldId="336"/>
+            <ac:spMk id="7" creationId="{A9401C64-AC9A-004F-A248-696EF36A106F}"/>
+          </ac:spMkLst>
+        </pc:spChg>
+        <pc:spChg chg="mod">
+          <ac:chgData name="Long B Nguyen" userId="f59fb8f3-a021-417a-8bc1-65c8d471c621" providerId="ADAL" clId="{59CB9C7B-CBC7-E549-B176-97F9C29CB310}" dt="2019-11-06T17:40:57.398" v="1930" actId="20577"/>
+          <ac:spMkLst>
+            <pc:docMk/>
+            <pc:sldMk cId="649473723" sldId="336"/>
+            <ac:spMk id="9" creationId="{E3B2E017-30B2-884B-A113-B419A2ED51AD}"/>
+          </ac:spMkLst>
+        </pc:spChg>
+        <pc:cxnChg chg="mod">
+          <ac:chgData name="Long B Nguyen" userId="f59fb8f3-a021-417a-8bc1-65c8d471c621" providerId="ADAL" clId="{59CB9C7B-CBC7-E549-B176-97F9C29CB310}" dt="2019-11-06T17:40:49.393" v="1926" actId="14100"/>
+          <ac:cxnSpMkLst>
+            <pc:docMk/>
+            <pc:sldMk cId="649473723" sldId="336"/>
+            <ac:cxnSpMk id="5" creationId="{2ACA8F3D-2AEE-0146-8A7F-D08353AD1C3A}"/>
+          </ac:cxnSpMkLst>
+        </pc:cxnChg>
+      </pc:sldChg>
+      <pc:sldChg chg="modSp add modAnim">
+        <pc:chgData name="Long B Nguyen" userId="f59fb8f3-a021-417a-8bc1-65c8d471c621" providerId="ADAL" clId="{59CB9C7B-CBC7-E549-B176-97F9C29CB310}" dt="2019-11-14T12:57:06.015" v="12816"/>
+        <pc:sldMkLst>
+          <pc:docMk/>
+          <pc:sldMk cId="1454819895" sldId="337"/>
+        </pc:sldMkLst>
+        <pc:spChg chg="mod">
+          <ac:chgData name="Long B Nguyen" userId="f59fb8f3-a021-417a-8bc1-65c8d471c621" providerId="ADAL" clId="{59CB9C7B-CBC7-E549-B176-97F9C29CB310}" dt="2019-11-12T00:45:18.003" v="9033" actId="20577"/>
+          <ac:spMkLst>
+            <pc:docMk/>
+            <pc:sldMk cId="1454819895" sldId="337"/>
+            <ac:spMk id="9" creationId="{E3B2E017-30B2-884B-A113-B419A2ED51AD}"/>
+          </ac:spMkLst>
+        </pc:spChg>
+      </pc:sldChg>
+      <pc:sldChg chg="modSp add modAnim">
+        <pc:chgData name="Long B Nguyen" userId="f59fb8f3-a021-417a-8bc1-65c8d471c621" providerId="ADAL" clId="{59CB9C7B-CBC7-E549-B176-97F9C29CB310}" dt="2019-11-14T12:57:17.150" v="12819"/>
+        <pc:sldMkLst>
+          <pc:docMk/>
+          <pc:sldMk cId="3761802647" sldId="338"/>
+        </pc:sldMkLst>
+        <pc:spChg chg="mod">
+          <ac:chgData name="Long B Nguyen" userId="f59fb8f3-a021-417a-8bc1-65c8d471c621" providerId="ADAL" clId="{59CB9C7B-CBC7-E549-B176-97F9C29CB310}" dt="2019-11-12T00:50:29.296" v="9342" actId="20577"/>
+          <ac:spMkLst>
+            <pc:docMk/>
+            <pc:sldMk cId="3761802647" sldId="338"/>
+            <ac:spMk id="9" creationId="{E3B2E017-30B2-884B-A113-B419A2ED51AD}"/>
+          </ac:spMkLst>
+        </pc:spChg>
+      </pc:sldChg>
+      <pc:sldChg chg="modSp add modAnim">
+        <pc:chgData name="Long B Nguyen" userId="f59fb8f3-a021-417a-8bc1-65c8d471c621" providerId="ADAL" clId="{59CB9C7B-CBC7-E549-B176-97F9C29CB310}" dt="2019-11-14T12:41:27.577" v="12568"/>
+        <pc:sldMkLst>
+          <pc:docMk/>
+          <pc:sldMk cId="2700872664" sldId="339"/>
+        </pc:sldMkLst>
+        <pc:spChg chg="mod">
+          <ac:chgData name="Long B Nguyen" userId="f59fb8f3-a021-417a-8bc1-65c8d471c621" providerId="ADAL" clId="{59CB9C7B-CBC7-E549-B176-97F9C29CB310}" dt="2019-11-10T19:18:36.909" v="8819" actId="20577"/>
+          <ac:spMkLst>
+            <pc:docMk/>
+            <pc:sldMk cId="2700872664" sldId="339"/>
+            <ac:spMk id="2" creationId="{AA3A228F-61D0-D949-A5E7-F83756230BF8}"/>
+          </ac:spMkLst>
+        </pc:spChg>
+        <pc:spChg chg="mod">
+          <ac:chgData name="Long B Nguyen" userId="f59fb8f3-a021-417a-8bc1-65c8d471c621" providerId="ADAL" clId="{59CB9C7B-CBC7-E549-B176-97F9C29CB310}" dt="2019-11-12T14:50:38.623" v="10523" actId="20577"/>
+          <ac:spMkLst>
+            <pc:docMk/>
+            <pc:sldMk cId="2700872664" sldId="339"/>
+            <ac:spMk id="9" creationId="{E3B2E017-30B2-884B-A113-B419A2ED51AD}"/>
+          </ac:spMkLst>
+        </pc:spChg>
+      </pc:sldChg>
+      <pc:sldChg chg="modSp add modAnim">
+        <pc:chgData name="Long B Nguyen" userId="f59fb8f3-a021-417a-8bc1-65c8d471c621" providerId="ADAL" clId="{59CB9C7B-CBC7-E549-B176-97F9C29CB310}" dt="2019-11-14T13:00:08.319" v="12834"/>
+        <pc:sldMkLst>
+          <pc:docMk/>
+          <pc:sldMk cId="2044636910" sldId="340"/>
+        </pc:sldMkLst>
+        <pc:spChg chg="mod">
+          <ac:chgData name="Long B Nguyen" userId="f59fb8f3-a021-417a-8bc1-65c8d471c621" providerId="ADAL" clId="{59CB9C7B-CBC7-E549-B176-97F9C29CB310}" dt="2019-11-10T19:19:14.943" v="8840" actId="20577"/>
+          <ac:spMkLst>
+            <pc:docMk/>
+            <pc:sldMk cId="2044636910" sldId="340"/>
+            <ac:spMk id="2" creationId="{AA3A228F-61D0-D949-A5E7-F83756230BF8}"/>
+          </ac:spMkLst>
+        </pc:spChg>
+        <pc:spChg chg="mod">
+          <ac:chgData name="Long B Nguyen" userId="f59fb8f3-a021-417a-8bc1-65c8d471c621" providerId="ADAL" clId="{59CB9C7B-CBC7-E549-B176-97F9C29CB310}" dt="2019-11-12T01:01:37.390" v="9406" actId="20577"/>
+          <ac:spMkLst>
+            <pc:docMk/>
+            <pc:sldMk cId="2044636910" sldId="340"/>
+            <ac:spMk id="9" creationId="{E3B2E017-30B2-884B-A113-B419A2ED51AD}"/>
+          </ac:spMkLst>
+        </pc:spChg>
+      </pc:sldChg>
+      <pc:sldChg chg="modSp add modAnim">
+        <pc:chgData name="Long B Nguyen" userId="f59fb8f3-a021-417a-8bc1-65c8d471c621" providerId="ADAL" clId="{59CB9C7B-CBC7-E549-B176-97F9C29CB310}" dt="2019-11-14T12:41:05.691" v="12564"/>
+        <pc:sldMkLst>
+          <pc:docMk/>
+          <pc:sldMk cId="2849583976" sldId="341"/>
+        </pc:sldMkLst>
+        <pc:spChg chg="mod">
+          <ac:chgData name="Long B Nguyen" userId="f59fb8f3-a021-417a-8bc1-65c8d471c621" providerId="ADAL" clId="{59CB9C7B-CBC7-E549-B176-97F9C29CB310}" dt="2019-11-13T15:50:19.846" v="12040" actId="20577"/>
+          <ac:spMkLst>
+            <pc:docMk/>
+            <pc:sldMk cId="2849583976" sldId="341"/>
+            <ac:spMk id="9" creationId="{E3B2E017-30B2-884B-A113-B419A2ED51AD}"/>
+          </ac:spMkLst>
+        </pc:spChg>
+      </pc:sldChg>
+      <pc:sldChg chg="modSp add modAnim">
+        <pc:chgData name="Long B Nguyen" userId="f59fb8f3-a021-417a-8bc1-65c8d471c621" providerId="ADAL" clId="{59CB9C7B-CBC7-E549-B176-97F9C29CB310}" dt="2019-11-14T12:40:58.843" v="12562"/>
+        <pc:sldMkLst>
+          <pc:docMk/>
+          <pc:sldMk cId="1097937752" sldId="342"/>
+        </pc:sldMkLst>
+        <pc:spChg chg="mod">
+          <ac:chgData name="Long B Nguyen" userId="f59fb8f3-a021-417a-8bc1-65c8d471c621" providerId="ADAL" clId="{59CB9C7B-CBC7-E549-B176-97F9C29CB310}" dt="2019-11-10T19:18:08.769" v="8792" actId="20577"/>
+          <ac:spMkLst>
+            <pc:docMk/>
+            <pc:sldMk cId="1097937752" sldId="342"/>
+            <ac:spMk id="2" creationId="{AA3A228F-61D0-D949-A5E7-F83756230BF8}"/>
+          </ac:spMkLst>
+        </pc:spChg>
+        <pc:spChg chg="mod">
+          <ac:chgData name="Long B Nguyen" userId="f59fb8f3-a021-417a-8bc1-65c8d471c621" providerId="ADAL" clId="{59CB9C7B-CBC7-E549-B176-97F9C29CB310}" dt="2019-11-13T15:50:02.213" v="12038" actId="114"/>
+          <ac:spMkLst>
+            <pc:docMk/>
+            <pc:sldMk cId="1097937752" sldId="342"/>
+            <ac:spMk id="9" creationId="{E3B2E017-30B2-884B-A113-B419A2ED51AD}"/>
+          </ac:spMkLst>
+        </pc:spChg>
+      </pc:sldChg>
+      <pc:sldChg chg="modSp add modAnim">
+        <pc:chgData name="Long B Nguyen" userId="f59fb8f3-a021-417a-8bc1-65c8d471c621" providerId="ADAL" clId="{59CB9C7B-CBC7-E549-B176-97F9C29CB310}" dt="2019-11-14T12:51:56.869" v="12795"/>
+        <pc:sldMkLst>
+          <pc:docMk/>
+          <pc:sldMk cId="2946703032" sldId="346"/>
+        </pc:sldMkLst>
+        <pc:spChg chg="mod">
+          <ac:chgData name="Long B Nguyen" userId="f59fb8f3-a021-417a-8bc1-65c8d471c621" providerId="ADAL" clId="{59CB9C7B-CBC7-E549-B176-97F9C29CB310}" dt="2019-11-12T00:56:32.031" v="9344" actId="14100"/>
+          <ac:spMkLst>
+            <pc:docMk/>
+            <pc:sldMk cId="2946703032" sldId="346"/>
+            <ac:spMk id="2" creationId="{AA3A228F-61D0-D949-A5E7-F83756230BF8}"/>
+          </ac:spMkLst>
+        </pc:spChg>
+        <pc:spChg chg="mod">
+          <ac:chgData name="Long B Nguyen" userId="f59fb8f3-a021-417a-8bc1-65c8d471c621" providerId="ADAL" clId="{59CB9C7B-CBC7-E549-B176-97F9C29CB310}" dt="2019-11-12T15:00:23.500" v="11132" actId="20577"/>
+          <ac:spMkLst>
+            <pc:docMk/>
+            <pc:sldMk cId="2946703032" sldId="346"/>
+            <ac:spMk id="9" creationId="{E3B2E017-30B2-884B-A113-B419A2ED51AD}"/>
+          </ac:spMkLst>
+        </pc:spChg>
+        <pc:spChg chg="mod">
+          <ac:chgData name="Long B Nguyen" userId="f59fb8f3-a021-417a-8bc1-65c8d471c621" providerId="ADAL" clId="{59CB9C7B-CBC7-E549-B176-97F9C29CB310}" dt="2019-11-10T19:16:44.615" v="8779" actId="1076"/>
+          <ac:spMkLst>
+            <pc:docMk/>
+            <pc:sldMk cId="2946703032" sldId="346"/>
+            <ac:spMk id="10" creationId="{9947108E-12E8-044F-805D-DC505E96834C}"/>
+          </ac:spMkLst>
+        </pc:spChg>
+      </pc:sldChg>
+      <pc:sldChg chg="delSp modSp add modAnim">
+        <pc:chgData name="Long B Nguyen" userId="f59fb8f3-a021-417a-8bc1-65c8d471c621" providerId="ADAL" clId="{59CB9C7B-CBC7-E549-B176-97F9C29CB310}" dt="2019-11-14T12:52:03.644" v="12797"/>
+        <pc:sldMkLst>
+          <pc:docMk/>
+          <pc:sldMk cId="3861312264" sldId="347"/>
+        </pc:sldMkLst>
+        <pc:spChg chg="mod">
+          <ac:chgData name="Long B Nguyen" userId="f59fb8f3-a021-417a-8bc1-65c8d471c621" providerId="ADAL" clId="{59CB9C7B-CBC7-E549-B176-97F9C29CB310}" dt="2019-11-10T18:41:18.297" v="6968" actId="20577"/>
+          <ac:spMkLst>
+            <pc:docMk/>
+            <pc:sldMk cId="3861312264" sldId="347"/>
+            <ac:spMk id="2" creationId="{AA3A228F-61D0-D949-A5E7-F83756230BF8}"/>
+          </ac:spMkLst>
+        </pc:spChg>
+        <pc:spChg chg="mod">
+          <ac:chgData name="Long B Nguyen" userId="f59fb8f3-a021-417a-8bc1-65c8d471c621" providerId="ADAL" clId="{59CB9C7B-CBC7-E549-B176-97F9C29CB310}" dt="2019-11-12T00:43:16.595" v="9017" actId="20577"/>
+          <ac:spMkLst>
+            <pc:docMk/>
+            <pc:sldMk cId="3861312264" sldId="347"/>
+            <ac:spMk id="9" creationId="{E3B2E017-30B2-884B-A113-B419A2ED51AD}"/>
+          </ac:spMkLst>
+        </pc:spChg>
+        <pc:spChg chg="del">
+          <ac:chgData name="Long B Nguyen" userId="f59fb8f3-a021-417a-8bc1-65c8d471c621" providerId="ADAL" clId="{59CB9C7B-CBC7-E549-B176-97F9C29CB310}" dt="2019-11-10T18:40:13.153" v="6927" actId="478"/>
+          <ac:spMkLst>
+            <pc:docMk/>
+            <pc:sldMk cId="3861312264" sldId="347"/>
+            <ac:spMk id="10" creationId="{9947108E-12E8-044F-805D-DC505E96834C}"/>
+          </ac:spMkLst>
+        </pc:spChg>
+      </pc:sldChg>
+      <pc:sldChg chg="addSp delSp modSp add modAnim">
+        <pc:chgData name="Long B Nguyen" userId="f59fb8f3-a021-417a-8bc1-65c8d471c621" providerId="ADAL" clId="{59CB9C7B-CBC7-E549-B176-97F9C29CB310}" dt="2019-11-14T13:12:01.541" v="12955" actId="20577"/>
+        <pc:sldMkLst>
+          <pc:docMk/>
+          <pc:sldMk cId="4152312606" sldId="348"/>
+        </pc:sldMkLst>
+        <pc:spChg chg="add mod">
+          <ac:chgData name="Long B Nguyen" userId="f59fb8f3-a021-417a-8bc1-65c8d471c621" providerId="ADAL" clId="{59CB9C7B-CBC7-E549-B176-97F9C29CB310}" dt="2019-11-14T13:12:01.541" v="12955" actId="20577"/>
+          <ac:spMkLst>
+            <pc:docMk/>
+            <pc:sldMk cId="4152312606" sldId="348"/>
+            <ac:spMk id="3" creationId="{74672431-8FFA-904A-BC8A-F824A588FCDD}"/>
+          </ac:spMkLst>
+        </pc:spChg>
         <pc:spChg chg="add del mod">
-          <ac:chgData name="Long B Nguyen" userId="f59fb8f3-a021-417a-8bc1-65c8d471c621" providerId="ADAL" clId="{9268B748-66AA-0742-9E6D-C568D3B99E77}" dt="2021-02-01T03:01:36.608" v="6026"/>
-          <ac:spMkLst>
-            <pc:docMk/>
-            <pc:sldMk cId="1097849800" sldId="572"/>
-            <ac:spMk id="2" creationId="{0536A3E0-4619-5D4A-8AD5-E279CAAEAADF}"/>
-          </ac:spMkLst>
-        </pc:spChg>
-        <pc:spChg chg="mod">
-          <ac:chgData name="Long B Nguyen" userId="f59fb8f3-a021-417a-8bc1-65c8d471c621" providerId="ADAL" clId="{9268B748-66AA-0742-9E6D-C568D3B99E77}" dt="2021-02-01T02:55:57.194" v="5595" actId="20577"/>
-          <ac:spMkLst>
-            <pc:docMk/>
-            <pc:sldMk cId="1097849800" sldId="572"/>
-            <ac:spMk id="35841" creationId="{09D8876C-8F7A-C748-966B-672B36C17545}"/>
-          </ac:spMkLst>
-        </pc:spChg>
-        <pc:spChg chg="mod">
-          <ac:chgData name="Long B Nguyen" userId="f59fb8f3-a021-417a-8bc1-65c8d471c621" providerId="ADAL" clId="{9268B748-66AA-0742-9E6D-C568D3B99E77}" dt="2021-02-01T03:01:13.323" v="6024" actId="20577"/>
-          <ac:spMkLst>
-            <pc:docMk/>
-            <pc:sldMk cId="1097849800" sldId="572"/>
-            <ac:spMk id="35842" creationId="{C94BCA01-D831-ED4D-84FD-C30E8117F872}"/>
+          <ac:chgData name="Long B Nguyen" userId="f59fb8f3-a021-417a-8bc1-65c8d471c621" providerId="ADAL" clId="{59CB9C7B-CBC7-E549-B176-97F9C29CB310}" dt="2019-11-10T19:00:18.499" v="7687" actId="478"/>
+          <ac:spMkLst>
+            <pc:docMk/>
+            <pc:sldMk cId="4152312606" sldId="348"/>
+            <ac:spMk id="3" creationId="{ABB60266-6ED5-534D-8933-CA03ABF66C15}"/>
+          </ac:spMkLst>
+        </pc:spChg>
+        <pc:spChg chg="add mod">
+          <ac:chgData name="Long B Nguyen" userId="f59fb8f3-a021-417a-8bc1-65c8d471c621" providerId="ADAL" clId="{59CB9C7B-CBC7-E549-B176-97F9C29CB310}" dt="2019-11-10T19:10:11.008" v="8412" actId="1036"/>
+          <ac:spMkLst>
+            <pc:docMk/>
+            <pc:sldMk cId="4152312606" sldId="348"/>
+            <ac:spMk id="4" creationId="{AFC1027A-A2B6-B44B-9245-2E5D826BC5DB}"/>
+          </ac:spMkLst>
+        </pc:spChg>
+        <pc:spChg chg="add mod">
+          <ac:chgData name="Long B Nguyen" userId="f59fb8f3-a021-417a-8bc1-65c8d471c621" providerId="ADAL" clId="{59CB9C7B-CBC7-E549-B176-97F9C29CB310}" dt="2019-11-10T19:11:32.585" v="8514" actId="207"/>
+          <ac:spMkLst>
+            <pc:docMk/>
+            <pc:sldMk cId="4152312606" sldId="348"/>
+            <ac:spMk id="5" creationId="{BABC40CC-AD73-DE40-9706-D1FABABD38CB}"/>
+          </ac:spMkLst>
+        </pc:spChg>
+        <pc:spChg chg="add mod">
+          <ac:chgData name="Long B Nguyen" userId="f59fb8f3-a021-417a-8bc1-65c8d471c621" providerId="ADAL" clId="{59CB9C7B-CBC7-E549-B176-97F9C29CB310}" dt="2019-11-10T19:10:11.008" v="8412" actId="1036"/>
+          <ac:spMkLst>
+            <pc:docMk/>
+            <pc:sldMk cId="4152312606" sldId="348"/>
+            <ac:spMk id="6" creationId="{DA0DFD29-B861-3643-8A1F-6A851B97825B}"/>
+          </ac:spMkLst>
+        </pc:spChg>
+        <pc:spChg chg="add mod">
+          <ac:chgData name="Long B Nguyen" userId="f59fb8f3-a021-417a-8bc1-65c8d471c621" providerId="ADAL" clId="{59CB9C7B-CBC7-E549-B176-97F9C29CB310}" dt="2019-11-10T19:10:20.645" v="8414" actId="255"/>
+          <ac:spMkLst>
+            <pc:docMk/>
+            <pc:sldMk cId="4152312606" sldId="348"/>
+            <ac:spMk id="7" creationId="{7FA88EF5-A7E3-4B42-AC10-E3709C51AEBA}"/>
+          </ac:spMkLst>
+        </pc:spChg>
+        <pc:spChg chg="add mod">
+          <ac:chgData name="Long B Nguyen" userId="f59fb8f3-a021-417a-8bc1-65c8d471c621" providerId="ADAL" clId="{59CB9C7B-CBC7-E549-B176-97F9C29CB310}" dt="2019-11-10T19:10:11.008" v="8412" actId="1036"/>
+          <ac:spMkLst>
+            <pc:docMk/>
+            <pc:sldMk cId="4152312606" sldId="348"/>
+            <ac:spMk id="8" creationId="{9678D9F0-77F4-7A43-B46C-EBDB97CE2005}"/>
+          </ac:spMkLst>
+        </pc:spChg>
+        <pc:spChg chg="mod">
+          <ac:chgData name="Long B Nguyen" userId="f59fb8f3-a021-417a-8bc1-65c8d471c621" providerId="ADAL" clId="{59CB9C7B-CBC7-E549-B176-97F9C29CB310}" dt="2019-11-12T00:43:34.297" v="9020" actId="20577"/>
+          <ac:spMkLst>
+            <pc:docMk/>
+            <pc:sldMk cId="4152312606" sldId="348"/>
+            <ac:spMk id="9" creationId="{E3B2E017-30B2-884B-A113-B419A2ED51AD}"/>
+          </ac:spMkLst>
+        </pc:spChg>
+      </pc:sldChg>
+      <pc:sldChg chg="modSp add modAnim">
+        <pc:chgData name="Long B Nguyen" userId="f59fb8f3-a021-417a-8bc1-65c8d471c621" providerId="ADAL" clId="{59CB9C7B-CBC7-E549-B176-97F9C29CB310}" dt="2019-11-14T13:07:01.353" v="12891" actId="20577"/>
+        <pc:sldMkLst>
+          <pc:docMk/>
+          <pc:sldMk cId="2239308720" sldId="349"/>
+        </pc:sldMkLst>
+        <pc:spChg chg="mod">
+          <ac:chgData name="Long B Nguyen" userId="f59fb8f3-a021-417a-8bc1-65c8d471c621" providerId="ADAL" clId="{59CB9C7B-CBC7-E549-B176-97F9C29CB310}" dt="2019-11-14T13:07:01.353" v="12891" actId="20577"/>
+          <ac:spMkLst>
+            <pc:docMk/>
+            <pc:sldMk cId="2239308720" sldId="349"/>
+            <ac:spMk id="5" creationId="{BABC40CC-AD73-DE40-9706-D1FABABD38CB}"/>
+          </ac:spMkLst>
+        </pc:spChg>
+        <pc:spChg chg="mod">
+          <ac:chgData name="Long B Nguyen" userId="f59fb8f3-a021-417a-8bc1-65c8d471c621" providerId="ADAL" clId="{59CB9C7B-CBC7-E549-B176-97F9C29CB310}" dt="2019-11-10T19:12:50.729" v="8607" actId="20577"/>
+          <ac:spMkLst>
+            <pc:docMk/>
+            <pc:sldMk cId="2239308720" sldId="349"/>
+            <ac:spMk id="7" creationId="{7FA88EF5-A7E3-4B42-AC10-E3709C51AEBA}"/>
+          </ac:spMkLst>
+        </pc:spChg>
+        <pc:spChg chg="mod">
+          <ac:chgData name="Long B Nguyen" userId="f59fb8f3-a021-417a-8bc1-65c8d471c621" providerId="ADAL" clId="{59CB9C7B-CBC7-E549-B176-97F9C29CB310}" dt="2019-11-10T19:11:23.207" v="8508" actId="20577"/>
+          <ac:spMkLst>
+            <pc:docMk/>
+            <pc:sldMk cId="2239308720" sldId="349"/>
+            <ac:spMk id="9" creationId="{E3B2E017-30B2-884B-A113-B419A2ED51AD}"/>
+          </ac:spMkLst>
+        </pc:spChg>
+      </pc:sldChg>
+      <pc:sldChg chg="modSp add modAnim">
+        <pc:chgData name="Long B Nguyen" userId="f59fb8f3-a021-417a-8bc1-65c8d471c621" providerId="ADAL" clId="{59CB9C7B-CBC7-E549-B176-97F9C29CB310}" dt="2019-11-14T12:56:28.365" v="12807"/>
+        <pc:sldMkLst>
+          <pc:docMk/>
+          <pc:sldMk cId="1532134668" sldId="350"/>
+        </pc:sldMkLst>
+        <pc:spChg chg="mod">
+          <ac:chgData name="Long B Nguyen" userId="f59fb8f3-a021-417a-8bc1-65c8d471c621" providerId="ADAL" clId="{59CB9C7B-CBC7-E549-B176-97F9C29CB310}" dt="2019-11-10T19:13:39.293" v="8668" actId="20577"/>
+          <ac:spMkLst>
+            <pc:docMk/>
+            <pc:sldMk cId="1532134668" sldId="350"/>
+            <ac:spMk id="5" creationId="{BABC40CC-AD73-DE40-9706-D1FABABD38CB}"/>
+          </ac:spMkLst>
+        </pc:spChg>
+        <pc:spChg chg="mod">
+          <ac:chgData name="Long B Nguyen" userId="f59fb8f3-a021-417a-8bc1-65c8d471c621" providerId="ADAL" clId="{59CB9C7B-CBC7-E549-B176-97F9C29CB310}" dt="2019-11-10T19:14:01.220" v="8681" actId="1076"/>
+          <ac:spMkLst>
+            <pc:docMk/>
+            <pc:sldMk cId="1532134668" sldId="350"/>
+            <ac:spMk id="7" creationId="{7FA88EF5-A7E3-4B42-AC10-E3709C51AEBA}"/>
+          </ac:spMkLst>
+        </pc:spChg>
+        <pc:spChg chg="mod">
+          <ac:chgData name="Long B Nguyen" userId="f59fb8f3-a021-417a-8bc1-65c8d471c621" providerId="ADAL" clId="{59CB9C7B-CBC7-E549-B176-97F9C29CB310}" dt="2019-11-10T19:13:22.858" v="8649" actId="20577"/>
+          <ac:spMkLst>
+            <pc:docMk/>
+            <pc:sldMk cId="1532134668" sldId="350"/>
+            <ac:spMk id="9" creationId="{E3B2E017-30B2-884B-A113-B419A2ED51AD}"/>
+          </ac:spMkLst>
+        </pc:spChg>
+      </pc:sldChg>
+      <pc:sldChg chg="add modAnim">
+        <pc:chgData name="Long B Nguyen" userId="f59fb8f3-a021-417a-8bc1-65c8d471c621" providerId="ADAL" clId="{59CB9C7B-CBC7-E549-B176-97F9C29CB310}" dt="2019-11-14T12:55:27.111" v="12804"/>
+        <pc:sldMkLst>
+          <pc:docMk/>
+          <pc:sldMk cId="3420249496" sldId="351"/>
+        </pc:sldMkLst>
+      </pc:sldChg>
+      <pc:sldChg chg="modSp add modAnim">
+        <pc:chgData name="Long B Nguyen" userId="f59fb8f3-a021-417a-8bc1-65c8d471c621" providerId="ADAL" clId="{59CB9C7B-CBC7-E549-B176-97F9C29CB310}" dt="2019-11-14T12:40:25.058" v="12554"/>
+        <pc:sldMkLst>
+          <pc:docMk/>
+          <pc:sldMk cId="2101795491" sldId="545"/>
+        </pc:sldMkLst>
+        <pc:spChg chg="mod">
+          <ac:chgData name="Long B Nguyen" userId="f59fb8f3-a021-417a-8bc1-65c8d471c621" providerId="ADAL" clId="{59CB9C7B-CBC7-E549-B176-97F9C29CB310}" dt="2019-11-12T00:41:44.199" v="8972" actId="20577"/>
+          <ac:spMkLst>
+            <pc:docMk/>
+            <pc:sldMk cId="2101795491" sldId="545"/>
+            <ac:spMk id="27650" creationId="{CDDBD0B0-F30B-EE40-92BE-F8B3992FD62C}"/>
+          </ac:spMkLst>
+        </pc:spChg>
+      </pc:sldChg>
+      <pc:sldChg chg="modSp add modAnim">
+        <pc:chgData name="Long B Nguyen" userId="f59fb8f3-a021-417a-8bc1-65c8d471c621" providerId="ADAL" clId="{59CB9C7B-CBC7-E549-B176-97F9C29CB310}" dt="2019-11-12T15:20:09.141" v="11989" actId="20577"/>
+        <pc:sldMkLst>
+          <pc:docMk/>
+          <pc:sldMk cId="1854861563" sldId="546"/>
+        </pc:sldMkLst>
+        <pc:spChg chg="mod">
+          <ac:chgData name="Long B Nguyen" userId="f59fb8f3-a021-417a-8bc1-65c8d471c621" providerId="ADAL" clId="{59CB9C7B-CBC7-E549-B176-97F9C29CB310}" dt="2019-11-12T01:38:55.875" v="9475" actId="20577"/>
+          <ac:spMkLst>
+            <pc:docMk/>
+            <pc:sldMk cId="1854861563" sldId="546"/>
+            <ac:spMk id="2" creationId="{AA3A228F-61D0-D949-A5E7-F83756230BF8}"/>
+          </ac:spMkLst>
+        </pc:spChg>
+        <pc:spChg chg="mod">
+          <ac:chgData name="Long B Nguyen" userId="f59fb8f3-a021-417a-8bc1-65c8d471c621" providerId="ADAL" clId="{59CB9C7B-CBC7-E549-B176-97F9C29CB310}" dt="2019-11-12T15:20:09.141" v="11989" actId="20577"/>
+          <ac:spMkLst>
+            <pc:docMk/>
+            <pc:sldMk cId="1854861563" sldId="546"/>
+            <ac:spMk id="9" creationId="{E3B2E017-30B2-884B-A113-B419A2ED51AD}"/>
+          </ac:spMkLst>
+        </pc:spChg>
+      </pc:sldChg>
+      <pc:sldChg chg="modSp add modAnim">
+        <pc:chgData name="Long B Nguyen" userId="f59fb8f3-a021-417a-8bc1-65c8d471c621" providerId="ADAL" clId="{59CB9C7B-CBC7-E549-B176-97F9C29CB310}" dt="2019-11-14T12:42:09.435" v="12575"/>
+        <pc:sldMkLst>
+          <pc:docMk/>
+          <pc:sldMk cId="906346442" sldId="547"/>
+        </pc:sldMkLst>
+        <pc:spChg chg="mod">
+          <ac:chgData name="Long B Nguyen" userId="f59fb8f3-a021-417a-8bc1-65c8d471c621" providerId="ADAL" clId="{59CB9C7B-CBC7-E549-B176-97F9C29CB310}" dt="2019-11-12T14:52:49.478" v="10756" actId="20577"/>
+          <ac:spMkLst>
+            <pc:docMk/>
+            <pc:sldMk cId="906346442" sldId="547"/>
+            <ac:spMk id="2" creationId="{AA3A228F-61D0-D949-A5E7-F83756230BF8}"/>
+          </ac:spMkLst>
+        </pc:spChg>
+        <pc:spChg chg="mod">
+          <ac:chgData name="Long B Nguyen" userId="f59fb8f3-a021-417a-8bc1-65c8d471c621" providerId="ADAL" clId="{59CB9C7B-CBC7-E549-B176-97F9C29CB310}" dt="2019-11-12T14:57:25.508" v="10934" actId="20577"/>
+          <ac:spMkLst>
+            <pc:docMk/>
+            <pc:sldMk cId="906346442" sldId="547"/>
+            <ac:spMk id="9" creationId="{E3B2E017-30B2-884B-A113-B419A2ED51AD}"/>
+          </ac:spMkLst>
+        </pc:spChg>
+      </pc:sldChg>
+      <pc:sldChg chg="modSp add modAnim">
+        <pc:chgData name="Long B Nguyen" userId="f59fb8f3-a021-417a-8bc1-65c8d471c621" providerId="ADAL" clId="{59CB9C7B-CBC7-E549-B176-97F9C29CB310}" dt="2019-11-14T12:49:01.182" v="12701"/>
+        <pc:sldMkLst>
+          <pc:docMk/>
+          <pc:sldMk cId="2079192273" sldId="548"/>
+        </pc:sldMkLst>
+        <pc:spChg chg="mod">
+          <ac:chgData name="Long B Nguyen" userId="f59fb8f3-a021-417a-8bc1-65c8d471c621" providerId="ADAL" clId="{59CB9C7B-CBC7-E549-B176-97F9C29CB310}" dt="2019-11-12T14:56:52.237" v="10880" actId="20577"/>
+          <ac:spMkLst>
+            <pc:docMk/>
+            <pc:sldMk cId="2079192273" sldId="548"/>
+            <ac:spMk id="2" creationId="{AA3A228F-61D0-D949-A5E7-F83756230BF8}"/>
+          </ac:spMkLst>
+        </pc:spChg>
+        <pc:spChg chg="mod">
+          <ac:chgData name="Long B Nguyen" userId="f59fb8f3-a021-417a-8bc1-65c8d471c621" providerId="ADAL" clId="{59CB9C7B-CBC7-E549-B176-97F9C29CB310}" dt="2019-11-12T14:58:49.833" v="11089" actId="20577"/>
+          <ac:spMkLst>
+            <pc:docMk/>
+            <pc:sldMk cId="2079192273" sldId="548"/>
+            <ac:spMk id="9" creationId="{E3B2E017-30B2-884B-A113-B419A2ED51AD}"/>
+          </ac:spMkLst>
+        </pc:spChg>
+      </pc:sldChg>
+      <pc:sldChg chg="delSp modSp add modAnim">
+        <pc:chgData name="Long B Nguyen" userId="f59fb8f3-a021-417a-8bc1-65c8d471c621" providerId="ADAL" clId="{59CB9C7B-CBC7-E549-B176-97F9C29CB310}" dt="2019-11-14T12:57:41.484" v="12822"/>
+        <pc:sldMkLst>
+          <pc:docMk/>
+          <pc:sldMk cId="1299838656" sldId="549"/>
+        </pc:sldMkLst>
+        <pc:spChg chg="mod">
+          <ac:chgData name="Long B Nguyen" userId="f59fb8f3-a021-417a-8bc1-65c8d471c621" providerId="ADAL" clId="{59CB9C7B-CBC7-E549-B176-97F9C29CB310}" dt="2019-11-12T15:10:57.849" v="11689" actId="20577"/>
+          <ac:spMkLst>
+            <pc:docMk/>
+            <pc:sldMk cId="1299838656" sldId="549"/>
+            <ac:spMk id="2" creationId="{AA3A228F-61D0-D949-A5E7-F83756230BF8}"/>
+          </ac:spMkLst>
+        </pc:spChg>
+        <pc:spChg chg="mod">
+          <ac:chgData name="Long B Nguyen" userId="f59fb8f3-a021-417a-8bc1-65c8d471c621" providerId="ADAL" clId="{59CB9C7B-CBC7-E549-B176-97F9C29CB310}" dt="2019-11-12T15:05:29.135" v="11446" actId="20577"/>
+          <ac:spMkLst>
+            <pc:docMk/>
+            <pc:sldMk cId="1299838656" sldId="549"/>
+            <ac:spMk id="9" creationId="{E3B2E017-30B2-884B-A113-B419A2ED51AD}"/>
+          </ac:spMkLst>
+        </pc:spChg>
+        <pc:spChg chg="del">
+          <ac:chgData name="Long B Nguyen" userId="f59fb8f3-a021-417a-8bc1-65c8d471c621" providerId="ADAL" clId="{59CB9C7B-CBC7-E549-B176-97F9C29CB310}" dt="2019-11-12T14:59:58.015" v="11128" actId="478"/>
+          <ac:spMkLst>
+            <pc:docMk/>
+            <pc:sldMk cId="1299838656" sldId="549"/>
+            <ac:spMk id="10" creationId="{9947108E-12E8-044F-805D-DC505E96834C}"/>
+          </ac:spMkLst>
+        </pc:spChg>
+      </pc:sldChg>
+      <pc:sldChg chg="modSp add modAnim">
+        <pc:chgData name="Long B Nguyen" userId="f59fb8f3-a021-417a-8bc1-65c8d471c621" providerId="ADAL" clId="{59CB9C7B-CBC7-E549-B176-97F9C29CB310}" dt="2019-11-14T12:58:19.218" v="12827"/>
+        <pc:sldMkLst>
+          <pc:docMk/>
+          <pc:sldMk cId="2820908233" sldId="551"/>
+        </pc:sldMkLst>
+        <pc:spChg chg="mod">
+          <ac:chgData name="Long B Nguyen" userId="f59fb8f3-a021-417a-8bc1-65c8d471c621" providerId="ADAL" clId="{59CB9C7B-CBC7-E549-B176-97F9C29CB310}" dt="2019-11-12T15:08:09.321" v="11682" actId="20577"/>
+          <ac:spMkLst>
+            <pc:docMk/>
+            <pc:sldMk cId="2820908233" sldId="551"/>
+            <ac:spMk id="2" creationId="{AA3A228F-61D0-D949-A5E7-F83756230BF8}"/>
+          </ac:spMkLst>
+        </pc:spChg>
+        <pc:spChg chg="mod">
+          <ac:chgData name="Long B Nguyen" userId="f59fb8f3-a021-417a-8bc1-65c8d471c621" providerId="ADAL" clId="{59CB9C7B-CBC7-E549-B176-97F9C29CB310}" dt="2019-11-12T15:08:50.392" v="11688" actId="207"/>
+          <ac:spMkLst>
+            <pc:docMk/>
+            <pc:sldMk cId="2820908233" sldId="551"/>
+            <ac:spMk id="9" creationId="{E3B2E017-30B2-884B-A113-B419A2ED51AD}"/>
+          </ac:spMkLst>
+        </pc:spChg>
+      </pc:sldChg>
+      <pc:sldChg chg="add del">
+        <pc:chgData name="Long B Nguyen" userId="f59fb8f3-a021-417a-8bc1-65c8d471c621" providerId="ADAL" clId="{59CB9C7B-CBC7-E549-B176-97F9C29CB310}" dt="2019-11-19T12:45:40.186" v="12957" actId="2696"/>
+        <pc:sldMkLst>
+          <pc:docMk/>
+          <pc:sldMk cId="1559918550" sldId="552"/>
+        </pc:sldMkLst>
+      </pc:sldChg>
+      <pc:sldChg chg="modSp add modAnim">
+        <pc:chgData name="Long B Nguyen" userId="f59fb8f3-a021-417a-8bc1-65c8d471c621" providerId="ADAL" clId="{59CB9C7B-CBC7-E549-B176-97F9C29CB310}" dt="2019-11-14T12:56:42.041" v="12810"/>
+        <pc:sldMkLst>
+          <pc:docMk/>
+          <pc:sldMk cId="1358728332" sldId="553"/>
+        </pc:sldMkLst>
+        <pc:spChg chg="mod">
+          <ac:chgData name="Long B Nguyen" userId="f59fb8f3-a021-417a-8bc1-65c8d471c621" providerId="ADAL" clId="{59CB9C7B-CBC7-E549-B176-97F9C29CB310}" dt="2019-11-13T15:57:03.762" v="12061" actId="20577"/>
+          <ac:spMkLst>
+            <pc:docMk/>
+            <pc:sldMk cId="1358728332" sldId="553"/>
+            <ac:spMk id="2" creationId="{AA3A228F-61D0-D949-A5E7-F83756230BF8}"/>
+          </ac:spMkLst>
+        </pc:spChg>
+        <pc:spChg chg="mod">
+          <ac:chgData name="Long B Nguyen" userId="f59fb8f3-a021-417a-8bc1-65c8d471c621" providerId="ADAL" clId="{59CB9C7B-CBC7-E549-B176-97F9C29CB310}" dt="2019-11-13T16:02:48.086" v="12552" actId="255"/>
+          <ac:spMkLst>
+            <pc:docMk/>
+            <pc:sldMk cId="1358728332" sldId="553"/>
+            <ac:spMk id="9" creationId="{E3B2E017-30B2-884B-A113-B419A2ED51AD}"/>
+          </ac:spMkLst>
+        </pc:spChg>
+      </pc:sldChg>
+      <pc:sldChg chg="modSp add">
+        <pc:chgData name="Long B Nguyen" userId="f59fb8f3-a021-417a-8bc1-65c8d471c621" providerId="ADAL" clId="{59CB9C7B-CBC7-E549-B176-97F9C29CB310}" dt="2019-11-19T12:47:14.779" v="13175" actId="20577"/>
+        <pc:sldMkLst>
+          <pc:docMk/>
+          <pc:sldMk cId="3027756854" sldId="554"/>
+        </pc:sldMkLst>
+        <pc:spChg chg="mod">
+          <ac:chgData name="Long B Nguyen" userId="f59fb8f3-a021-417a-8bc1-65c8d471c621" providerId="ADAL" clId="{59CB9C7B-CBC7-E549-B176-97F9C29CB310}" dt="2019-11-19T12:47:14.779" v="13175" actId="20577"/>
+          <ac:spMkLst>
+            <pc:docMk/>
+            <pc:sldMk cId="3027756854" sldId="554"/>
+            <ac:spMk id="9" creationId="{E3B2E017-30B2-884B-A113-B419A2ED51AD}"/>
           </ac:spMkLst>
         </pc:spChg>
       </pc:sldChg>
@@ -3689,7 +3793,7 @@
           <a:p>
             <a:fld id="{29FB45CD-1365-4F4B-B580-C19222E1A371}" type="datetimeFigureOut">
               <a:rPr lang="en-US" smtClean="0"/>
-              <a:t>2/2/21</a:t>
+              <a:t>8/25/22</a:t>
             </a:fld>
             <a:endParaRPr lang="en-US"/>
           </a:p>
@@ -5709,7 +5813,7 @@
           <a:p>
             <a:fld id="{4AAD347D-5ACD-4C99-B74B-A9C85AD731AF}" type="datetimeFigureOut">
               <a:rPr lang="en-US" smtClean="0"/>
-              <a:t>2/2/21</a:t>
+              <a:t>8/25/22</a:t>
             </a:fld>
             <a:endParaRPr lang="en-US" dirty="0"/>
           </a:p>
@@ -5879,7 +5983,7 @@
           <a:p>
             <a:fld id="{4509A250-FF31-4206-8172-F9D3106AACB1}" type="datetimeFigureOut">
               <a:rPr lang="en-US" smtClean="0"/>
-              <a:t>2/2/21</a:t>
+              <a:t>8/25/22</a:t>
             </a:fld>
             <a:endParaRPr lang="en-US" dirty="0"/>
           </a:p>
@@ -6059,7 +6163,7 @@
           <a:p>
             <a:fld id="{4509A250-FF31-4206-8172-F9D3106AACB1}" type="datetimeFigureOut">
               <a:rPr lang="en-US" smtClean="0"/>
-              <a:t>2/2/21</a:t>
+              <a:t>8/25/22</a:t>
             </a:fld>
             <a:endParaRPr lang="en-US" dirty="0"/>
           </a:p>
@@ -6229,7 +6333,7 @@
           <a:p>
             <a:fld id="{4509A250-FF31-4206-8172-F9D3106AACB1}" type="datetimeFigureOut">
               <a:rPr lang="en-US" smtClean="0"/>
-              <a:t>2/2/21</a:t>
+              <a:t>8/25/22</a:t>
             </a:fld>
             <a:endParaRPr lang="en-US" dirty="0"/>
           </a:p>
@@ -6475,7 +6579,7 @@
           <a:p>
             <a:fld id="{9796027F-7875-4030-9381-8BD8C4F21935}" type="datetimeFigureOut">
               <a:rPr lang="en-US" smtClean="0"/>
-              <a:t>2/2/21</a:t>
+              <a:t>8/25/22</a:t>
             </a:fld>
             <a:endParaRPr lang="en-US" dirty="0"/>
           </a:p>
@@ -6707,7 +6811,7 @@
           <a:p>
             <a:fld id="{9796027F-7875-4030-9381-8BD8C4F21935}" type="datetimeFigureOut">
               <a:rPr lang="en-US" smtClean="0"/>
-              <a:t>2/2/21</a:t>
+              <a:t>8/25/22</a:t>
             </a:fld>
             <a:endParaRPr lang="en-US" dirty="0"/>
           </a:p>
@@ -7074,7 +7178,7 @@
           <a:p>
             <a:fld id="{9796027F-7875-4030-9381-8BD8C4F21935}" type="datetimeFigureOut">
               <a:rPr lang="en-US" smtClean="0"/>
-              <a:t>2/2/21</a:t>
+              <a:t>8/25/22</a:t>
             </a:fld>
             <a:endParaRPr lang="en-US" dirty="0"/>
           </a:p>
@@ -7192,7 +7296,7 @@
           <a:p>
             <a:fld id="{4509A250-FF31-4206-8172-F9D3106AACB1}" type="datetimeFigureOut">
               <a:rPr lang="en-US" smtClean="0"/>
-              <a:t>2/2/21</a:t>
+              <a:t>8/25/22</a:t>
             </a:fld>
             <a:endParaRPr lang="en-US" dirty="0"/>
           </a:p>
@@ -7287,7 +7391,7 @@
           <a:p>
             <a:fld id="{4509A250-FF31-4206-8172-F9D3106AACB1}" type="datetimeFigureOut">
               <a:rPr lang="en-US" smtClean="0"/>
-              <a:t>2/2/21</a:t>
+              <a:t>8/25/22</a:t>
             </a:fld>
             <a:endParaRPr lang="en-US" dirty="0"/>
           </a:p>
@@ -7564,7 +7668,7 @@
           <a:p>
             <a:fld id="{4509A250-FF31-4206-8172-F9D3106AACB1}" type="datetimeFigureOut">
               <a:rPr lang="en-US" smtClean="0"/>
-              <a:t>2/2/21</a:t>
+              <a:t>8/25/22</a:t>
             </a:fld>
             <a:endParaRPr lang="en-US" dirty="0"/>
           </a:p>
@@ -7821,7 +7925,7 @@
           <a:p>
             <a:fld id="{4509A250-FF31-4206-8172-F9D3106AACB1}" type="datetimeFigureOut">
               <a:rPr lang="en-US" smtClean="0"/>
-              <a:t>2/2/21</a:t>
+              <a:t>8/25/22</a:t>
             </a:fld>
             <a:endParaRPr lang="en-US" dirty="0"/>
           </a:p>
@@ -8034,7 +8138,7 @@
           <a:p>
             <a:fld id="{4AAD347D-5ACD-4C99-B74B-A9C85AD731AF}" type="datetimeFigureOut">
               <a:rPr lang="en-US" smtClean="0"/>
-              <a:t>2/2/21</a:t>
+              <a:t>8/25/22</a:t>
             </a:fld>
             <a:endParaRPr lang="en-US" dirty="0"/>
           </a:p>
@@ -8565,7 +8669,7 @@
         </p:spPr>
         <p:txBody>
           <a:bodyPr vert="horz" lIns="0" tIns="45720" rIns="0" bIns="0" rtlCol="0" anchor="b">
-            <a:normAutofit/>
+            <a:normAutofit fontScale="90000"/>
           </a:bodyPr>
           <a:lstStyle/>
           <a:p>
@@ -9232,7 +9336,7 @@
         </p:spPr>
         <p:txBody>
           <a:bodyPr vert="horz" lIns="0" tIns="45720" rIns="0" bIns="0" rtlCol="0" anchor="b">
-            <a:normAutofit/>
+            <a:normAutofit fontScale="90000"/>
           </a:bodyPr>
           <a:lstStyle/>
           <a:p>
@@ -10006,7 +10110,7 @@
         </p:spPr>
         <p:txBody>
           <a:bodyPr>
-            <a:normAutofit/>
+            <a:normAutofit fontScale="85000" lnSpcReduction="20000"/>
           </a:bodyPr>
           <a:lstStyle/>
           <a:p>
@@ -10020,7 +10124,7 @@
                 <a:ea typeface="Tahoma" panose="020B0604030504040204" pitchFamily="34" charset="0"/>
                 <a:cs typeface="Tahoma" panose="020B0604030504040204" pitchFamily="34" charset="0"/>
               </a:rPr>
-              <a:t>The trick is to always update a character's position by adding velocity to position in the </a:t>
+              <a:t>To control a character on the screen using the keyboard, the trick is to always update a character's position by adding velocity to position in the </a:t>
             </a:r>
             <a:r>
               <a:rPr lang="en-US" sz="2000" dirty="0" err="1">
@@ -10037,6 +10141,31 @@
                 <a:cs typeface="Tahoma" panose="020B0604030504040204" pitchFamily="34" charset="0"/>
               </a:rPr>
               <a:t>() method. Then, if a user presses a key, change the velocity component according to which key was pressed. If a key is released, reset the velocity in that direction to 0. </a:t>
+            </a:r>
+          </a:p>
+          <a:p>
+            <a:pPr marL="0" indent="0">
+              <a:buNone/>
+              <a:defRPr/>
+            </a:pPr>
+            <a:endParaRPr lang="en-US" sz="2000" dirty="0">
+              <a:latin typeface="Gill Sans MT" panose="020B0502020104020203" pitchFamily="34" charset="77"/>
+              <a:ea typeface="Tahoma" panose="020B0604030504040204" pitchFamily="34" charset="0"/>
+              <a:cs typeface="Tahoma" panose="020B0604030504040204" pitchFamily="34" charset="0"/>
+            </a:endParaRPr>
+          </a:p>
+          <a:p>
+            <a:pPr marL="0" indent="0">
+              <a:buNone/>
+              <a:defRPr/>
+            </a:pPr>
+            <a:r>
+              <a:rPr lang="en-US" sz="2000" dirty="0">
+                <a:latin typeface="Gill Sans MT" panose="020B0502020104020203" pitchFamily="34" charset="77"/>
+                <a:ea typeface="Tahoma" panose="020B0604030504040204" pitchFamily="34" charset="0"/>
+                <a:cs typeface="Tahoma" panose="020B0604030504040204" pitchFamily="34" charset="0"/>
+              </a:rPr>
+              <a:t>See the next slides lecture notes for information about Sprites and how to control them. </a:t>
             </a:r>
           </a:p>
           <a:p>
@@ -10886,7 +11015,9 @@
           </a:xfrm>
         </p:spPr>
         <p:txBody>
-          <a:bodyPr/>
+          <a:bodyPr>
+            <a:normAutofit fontScale="85000" lnSpcReduction="20000"/>
+          </a:bodyPr>
           <a:lstStyle/>
           <a:p>
             <a:pPr marL="0" indent="0">
@@ -11202,240 +11333,6 @@
     <p:extLst>
       <p:ext uri="{BB962C8B-B14F-4D97-AF65-F5344CB8AC3E}">
         <p14:creationId xmlns:p14="http://schemas.microsoft.com/office/powerpoint/2010/main" val="1316208775"/>
-      </p:ext>
-    </p:extLst>
-  </p:cSld>
-  <p:clrMapOvr>
-    <a:masterClrMapping/>
-  </p:clrMapOvr>
-  <p:transition/>
-</p:sld>
-</file>
-
-<file path=ppt/slides/slide8.xml><?xml version="1.0" encoding="utf-8"?>
-<p:sld xmlns:a="http://schemas.openxmlformats.org/drawingml/2006/main" xmlns:r="http://schemas.openxmlformats.org/officeDocument/2006/relationships" xmlns:p="http://schemas.openxmlformats.org/presentationml/2006/main">
-  <p:cSld>
-    <p:spTree>
-      <p:nvGrpSpPr>
-        <p:cNvPr id="1" name=""/>
-        <p:cNvGrpSpPr/>
-        <p:nvPr/>
-      </p:nvGrpSpPr>
-      <p:grpSpPr>
-        <a:xfrm>
-          <a:off x="0" y="0"/>
-          <a:ext cx="0" cy="0"/>
-          <a:chOff x="0" y="0"/>
-          <a:chExt cx="0" cy="0"/>
-        </a:xfrm>
-      </p:grpSpPr>
-      <p:sp>
-        <p:nvSpPr>
-          <p:cNvPr id="35841" name="Rectangle 2">
-            <a:extLst>
-              <a:ext uri="{FF2B5EF4-FFF2-40B4-BE49-F238E27FC236}">
-                <a16:creationId xmlns:a16="http://schemas.microsoft.com/office/drawing/2014/main" id="{09D8876C-8F7A-C748-966B-672B36C17545}"/>
-              </a:ext>
-            </a:extLst>
-          </p:cNvPr>
-          <p:cNvSpPr>
-            <a:spLocks noGrp="1" noChangeArrowheads="1"/>
-          </p:cNvSpPr>
-          <p:nvPr>
-            <p:ph type="title"/>
-          </p:nvPr>
-        </p:nvSpPr>
-        <p:spPr>
-          <a:xfrm>
-            <a:off x="152400" y="123825"/>
-            <a:ext cx="7848600" cy="713582"/>
-          </a:xfrm>
-        </p:spPr>
-        <p:txBody>
-          <a:bodyPr/>
-          <a:lstStyle/>
-          <a:p>
-            <a:pPr eaLnBrk="1" hangingPunct="1"/>
-            <a:r>
-              <a:rPr lang="en-US" altLang="en-US" dirty="0">
-                <a:ea typeface="ＭＳ Ｐゴシック" panose="020B0600070205080204" pitchFamily="34" charset="-128"/>
-              </a:rPr>
-              <a:t>Control Sprite with Keyboard Lab</a:t>
-            </a:r>
-          </a:p>
-        </p:txBody>
-      </p:sp>
-      <p:sp>
-        <p:nvSpPr>
-          <p:cNvPr id="35842" name="Rectangle 3">
-            <a:extLst>
-              <a:ext uri="{FF2B5EF4-FFF2-40B4-BE49-F238E27FC236}">
-                <a16:creationId xmlns:a16="http://schemas.microsoft.com/office/drawing/2014/main" id="{C94BCA01-D831-ED4D-84FD-C30E8117F872}"/>
-              </a:ext>
-            </a:extLst>
-          </p:cNvPr>
-          <p:cNvSpPr>
-            <a:spLocks noGrp="1" noChangeArrowheads="1"/>
-          </p:cNvSpPr>
-          <p:nvPr>
-            <p:ph type="body" idx="1"/>
-          </p:nvPr>
-        </p:nvSpPr>
-        <p:spPr>
-          <a:xfrm>
-            <a:off x="152399" y="923926"/>
-            <a:ext cx="8715375" cy="4505324"/>
-          </a:xfrm>
-        </p:spPr>
-        <p:txBody>
-          <a:bodyPr/>
-          <a:lstStyle/>
-          <a:p>
-            <a:pPr marL="0" indent="0">
-              <a:buNone/>
-            </a:pPr>
-            <a:endParaRPr lang="en-US" altLang="en-US" sz="2167" dirty="0">
-              <a:latin typeface="Gill Sans MT" panose="020B0502020104020203" pitchFamily="34" charset="77"/>
-              <a:ea typeface="ＭＳ Ｐゴシック" panose="020B0600070205080204" pitchFamily="34" charset="-128"/>
-            </a:endParaRPr>
-          </a:p>
-          <a:p>
-            <a:pPr marL="0" indent="0">
-              <a:buNone/>
-            </a:pPr>
-            <a:r>
-              <a:rPr lang="en-US" altLang="en-US" sz="2167" dirty="0">
-                <a:latin typeface="Gill Sans MT" panose="020B0502020104020203" pitchFamily="34" charset="77"/>
-                <a:ea typeface="ＭＳ Ｐゴシック" panose="020B0600070205080204" pitchFamily="34" charset="-128"/>
-              </a:rPr>
-              <a:t>Modify the previous "List of Sprite Objects" lab to allow for controlling the tank with keyboard inputs. </a:t>
-            </a:r>
-          </a:p>
-          <a:p>
-            <a:pPr marL="0" indent="0">
-              <a:buNone/>
-            </a:pPr>
-            <a:endParaRPr lang="en-US" altLang="en-US" sz="2167" dirty="0">
-              <a:latin typeface="Gill Sans MT" panose="020B0502020104020203" pitchFamily="34" charset="77"/>
-              <a:ea typeface="ＭＳ Ｐゴシック" panose="020B0600070205080204" pitchFamily="34" charset="-128"/>
-            </a:endParaRPr>
-          </a:p>
-          <a:p>
-            <a:pPr marL="0" indent="0">
-              <a:buNone/>
-            </a:pPr>
-            <a:r>
-              <a:rPr lang="en-US" altLang="en-US" sz="2167" dirty="0">
-                <a:latin typeface="Gill Sans MT" panose="020B0502020104020203" pitchFamily="34" charset="77"/>
-                <a:ea typeface="ＭＳ Ｐゴシック" panose="020B0600070205080204" pitchFamily="34" charset="-128"/>
-              </a:rPr>
-              <a:t>Implement both </a:t>
-            </a:r>
-            <a:r>
-              <a:rPr lang="en-US" altLang="en-US" sz="2167" dirty="0" err="1">
-                <a:latin typeface="Courier New" panose="02070309020205020404" pitchFamily="49" charset="0"/>
-                <a:ea typeface="ＭＳ Ｐゴシック" panose="020B0600070205080204" pitchFamily="34" charset="-128"/>
-                <a:cs typeface="Courier New" panose="02070309020205020404" pitchFamily="49" charset="0"/>
-              </a:rPr>
-              <a:t>on_key_press</a:t>
-            </a:r>
-            <a:r>
-              <a:rPr lang="en-US" altLang="en-US" sz="2167" dirty="0">
-                <a:latin typeface="Gill Sans MT" panose="020B0502020104020203" pitchFamily="34" charset="77"/>
-                <a:ea typeface="ＭＳ Ｐゴシック" panose="020B0600070205080204" pitchFamily="34" charset="-128"/>
-              </a:rPr>
-              <a:t> and </a:t>
-            </a:r>
-            <a:r>
-              <a:rPr lang="en-US" altLang="en-US" sz="2167" dirty="0" err="1">
-                <a:latin typeface="Courier New" panose="02070309020205020404" pitchFamily="49" charset="0"/>
-                <a:ea typeface="ＭＳ Ｐゴシック" panose="020B0600070205080204" pitchFamily="34" charset="-128"/>
-                <a:cs typeface="Courier New" panose="02070309020205020404" pitchFamily="49" charset="0"/>
-              </a:rPr>
-              <a:t>on_key_release</a:t>
-            </a:r>
-            <a:r>
-              <a:rPr lang="en-US" altLang="en-US" sz="2167" dirty="0">
-                <a:latin typeface="Gill Sans MT" panose="020B0502020104020203" pitchFamily="34" charset="77"/>
-                <a:ea typeface="ＭＳ Ｐゴシック" panose="020B0600070205080204" pitchFamily="34" charset="-128"/>
-              </a:rPr>
-              <a:t> to respond to arrow keys: UP, DOWN, LEFT, RIGHT.</a:t>
-            </a:r>
-          </a:p>
-          <a:p>
-            <a:pPr marL="0" indent="0">
-              <a:buNone/>
-            </a:pPr>
-            <a:endParaRPr lang="en-US" altLang="en-US" sz="2167" dirty="0">
-              <a:latin typeface="Gill Sans MT" panose="020B0502020104020203" pitchFamily="34" charset="77"/>
-              <a:ea typeface="ＭＳ Ｐゴシック" panose="020B0600070205080204" pitchFamily="34" charset="-128"/>
-            </a:endParaRPr>
-          </a:p>
-          <a:p>
-            <a:pPr marL="0" indent="0">
-              <a:buNone/>
-            </a:pPr>
-            <a:r>
-              <a:rPr lang="en-US" altLang="en-US" sz="2167" dirty="0">
-                <a:latin typeface="Gill Sans MT" panose="020B0502020104020203" pitchFamily="34" charset="77"/>
-                <a:ea typeface="ＭＳ Ｐゴシック" panose="020B0600070205080204" pitchFamily="34" charset="-128"/>
-              </a:rPr>
-              <a:t>Each of the keys should move the tank in that direction. If two keys are pressed, for example, UP and RIGHT, the tank should move in the </a:t>
-            </a:r>
-            <a:r>
-              <a:rPr lang="en-US" altLang="en-US" sz="2167">
-                <a:latin typeface="Gill Sans MT" panose="020B0502020104020203" pitchFamily="34" charset="77"/>
-                <a:ea typeface="ＭＳ Ｐゴシック" panose="020B0600070205080204" pitchFamily="34" charset="-128"/>
-              </a:rPr>
-              <a:t>diagonal direction.</a:t>
-            </a:r>
-            <a:endParaRPr lang="en-US" altLang="en-US" sz="2167" dirty="0">
-              <a:latin typeface="Gill Sans MT" panose="020B0502020104020203" pitchFamily="34" charset="77"/>
-              <a:ea typeface="ＭＳ Ｐゴシック" panose="020B0600070205080204" pitchFamily="34" charset="-128"/>
-            </a:endParaRPr>
-          </a:p>
-          <a:p>
-            <a:pPr marL="0" indent="0">
-              <a:buNone/>
-            </a:pPr>
-            <a:endParaRPr lang="en-US" altLang="en-US" sz="2167" dirty="0">
-              <a:latin typeface="Gill Sans MT" panose="020B0502020104020203" pitchFamily="34" charset="77"/>
-              <a:ea typeface="ＭＳ Ｐゴシック" panose="020B0600070205080204" pitchFamily="34" charset="-128"/>
-            </a:endParaRPr>
-          </a:p>
-          <a:p>
-            <a:pPr marL="0" indent="0">
-              <a:buNone/>
-            </a:pPr>
-            <a:endParaRPr lang="en-US" altLang="en-US" sz="2167" dirty="0">
-              <a:latin typeface="Gill Sans MT" panose="020B0502020104020203" pitchFamily="34" charset="77"/>
-              <a:ea typeface="ＭＳ Ｐゴシック" panose="020B0600070205080204" pitchFamily="34" charset="-128"/>
-            </a:endParaRPr>
-          </a:p>
-          <a:p>
-            <a:pPr marL="0" indent="0">
-              <a:buNone/>
-            </a:pPr>
-            <a:endParaRPr lang="en-US" altLang="en-US" sz="2167" dirty="0">
-              <a:latin typeface="Gill Sans MT" panose="020B0502020104020203" pitchFamily="34" charset="77"/>
-              <a:ea typeface="ＭＳ Ｐゴシック" panose="020B0600070205080204" pitchFamily="34" charset="-128"/>
-            </a:endParaRPr>
-          </a:p>
-          <a:p>
-            <a:pPr marL="0" indent="0">
-              <a:buNone/>
-            </a:pPr>
-            <a:endParaRPr lang="en-US" altLang="en-US" sz="2167" dirty="0">
-              <a:latin typeface="Gill Sans MT" panose="020B0502020104020203" pitchFamily="34" charset="77"/>
-              <a:ea typeface="ＭＳ Ｐゴシック" panose="020B0600070205080204" pitchFamily="34" charset="-128"/>
-            </a:endParaRPr>
-          </a:p>
-        </p:txBody>
-      </p:sp>
-    </p:spTree>
-    <p:extLst>
-      <p:ext uri="{BB962C8B-B14F-4D97-AF65-F5344CB8AC3E}">
-        <p14:creationId xmlns:p14="http://schemas.microsoft.com/office/powerpoint/2010/main" val="4104989124"/>
       </p:ext>
     </p:extLst>
   </p:cSld>
